--- a/ToegepasteAnalogeElektronica/PowerPoint/Klasse-F.pptx
+++ b/ToegepasteAnalogeElektronica/PowerPoint/Klasse-F.pptx
@@ -5882,7 +5882,7 @@
               </a:lnSpc>
               <a:defRPr>
                 <a:solidFill>
-                  <a:srgbClr val="010101"/>
+                  <a:srgbClr val="FFFFFF"/>
                 </a:solidFill>
               </a:defRPr>
             </a:pPr>
@@ -5903,7 +5903,7 @@
               </a:lnSpc>
               <a:defRPr>
                 <a:solidFill>
-                  <a:srgbClr val="010101"/>
+                  <a:srgbClr val="FFFFFF"/>
                 </a:solidFill>
               </a:defRPr>
             </a:pPr>
@@ -5924,7 +5924,7 @@
               </a:lnSpc>
               <a:defRPr>
                 <a:solidFill>
-                  <a:srgbClr val="010101"/>
+                  <a:srgbClr val="FFFFFF"/>
                 </a:solidFill>
               </a:defRPr>
             </a:pPr>
@@ -5945,7 +5945,7 @@
               </a:lnSpc>
               <a:defRPr>
                 <a:solidFill>
-                  <a:srgbClr val="010101"/>
+                  <a:srgbClr val="FFFFFF"/>
                 </a:solidFill>
               </a:defRPr>
             </a:pPr>
@@ -5966,7 +5966,7 @@
               </a:lnSpc>
               <a:defRPr>
                 <a:solidFill>
-                  <a:srgbClr val="010101"/>
+                  <a:srgbClr val="FFFFFF"/>
                 </a:solidFill>
               </a:defRPr>
             </a:pPr>
@@ -5987,7 +5987,7 @@
               </a:lnSpc>
               <a:defRPr>
                 <a:solidFill>
-                  <a:srgbClr val="010101"/>
+                  <a:srgbClr val="FFFFFF"/>
                 </a:solidFill>
               </a:defRPr>
             </a:pPr>
@@ -6008,7 +6008,7 @@
               </a:lnSpc>
               <a:defRPr>
                 <a:solidFill>
-                  <a:srgbClr val="010101"/>
+                  <a:srgbClr val="FFFFFF"/>
                 </a:solidFill>
               </a:defRPr>
             </a:pPr>
@@ -6029,7 +6029,7 @@
               </a:lnSpc>
               <a:defRPr>
                 <a:solidFill>
-                  <a:srgbClr val="010101"/>
+                  <a:srgbClr val="FFFFFF"/>
                 </a:solidFill>
               </a:defRPr>
             </a:pPr>
@@ -6050,7 +6050,7 @@
               </a:lnSpc>
               <a:defRPr>
                 <a:solidFill>
-                  <a:srgbClr val="010101"/>
+                  <a:srgbClr val="FFFFFF"/>
                 </a:solidFill>
               </a:defRPr>
             </a:pPr>
@@ -6071,7 +6071,7 @@
               </a:lnSpc>
               <a:defRPr>
                 <a:solidFill>
-                  <a:srgbClr val="010101"/>
+                  <a:srgbClr val="FFFFFF"/>
                 </a:solidFill>
               </a:defRPr>
             </a:pPr>
@@ -6441,7 +6441,7 @@
               </a:lnSpc>
               <a:defRPr>
                 <a:solidFill>
-                  <a:srgbClr val="010101"/>
+                  <a:srgbClr val="FFFFFF"/>
                 </a:solidFill>
               </a:defRPr>
             </a:pPr>
@@ -6462,7 +6462,7 @@
               </a:lnSpc>
               <a:defRPr>
                 <a:solidFill>
-                  <a:srgbClr val="010101"/>
+                  <a:srgbClr val="FFFFFF"/>
                 </a:solidFill>
               </a:defRPr>
             </a:pPr>
@@ -6483,7 +6483,7 @@
               </a:lnSpc>
               <a:defRPr>
                 <a:solidFill>
-                  <a:srgbClr val="010101"/>
+                  <a:srgbClr val="FFFFFF"/>
                 </a:solidFill>
               </a:defRPr>
             </a:pPr>
@@ -6504,7 +6504,7 @@
               </a:lnSpc>
               <a:defRPr>
                 <a:solidFill>
-                  <a:srgbClr val="010101"/>
+                  <a:srgbClr val="FFFFFF"/>
                 </a:solidFill>
               </a:defRPr>
             </a:pPr>
@@ -6525,7 +6525,7 @@
               </a:lnSpc>
               <a:defRPr>
                 <a:solidFill>
-                  <a:srgbClr val="010101"/>
+                  <a:srgbClr val="FFFFFF"/>
                 </a:solidFill>
               </a:defRPr>
             </a:pPr>
@@ -6546,7 +6546,7 @@
               </a:lnSpc>
               <a:defRPr>
                 <a:solidFill>
-                  <a:srgbClr val="010101"/>
+                  <a:srgbClr val="FFFFFF"/>
                 </a:solidFill>
               </a:defRPr>
             </a:pPr>
@@ -6567,7 +6567,7 @@
               </a:lnSpc>
               <a:defRPr>
                 <a:solidFill>
-                  <a:srgbClr val="010101"/>
+                  <a:srgbClr val="FFFFFF"/>
                 </a:solidFill>
               </a:defRPr>
             </a:pPr>
@@ -6588,7 +6588,7 @@
               </a:lnSpc>
               <a:defRPr>
                 <a:solidFill>
-                  <a:srgbClr val="010101"/>
+                  <a:srgbClr val="FFFFFF"/>
                 </a:solidFill>
               </a:defRPr>
             </a:pPr>
@@ -6609,7 +6609,7 @@
               </a:lnSpc>
               <a:defRPr>
                 <a:solidFill>
-                  <a:srgbClr val="010101"/>
+                  <a:srgbClr val="FFFFFF"/>
                 </a:solidFill>
               </a:defRPr>
             </a:pPr>
@@ -6630,7 +6630,7 @@
               </a:lnSpc>
               <a:defRPr>
                 <a:solidFill>
-                  <a:srgbClr val="010101"/>
+                  <a:srgbClr val="FFFFFF"/>
                 </a:solidFill>
               </a:defRPr>
             </a:pPr>
@@ -6651,7 +6651,7 @@
               </a:lnSpc>
               <a:defRPr>
                 <a:solidFill>
-                  <a:srgbClr val="010101"/>
+                  <a:srgbClr val="FFFFFF"/>
                 </a:solidFill>
               </a:defRPr>
             </a:pPr>
@@ -6672,7 +6672,7 @@
               </a:lnSpc>
               <a:defRPr>
                 <a:solidFill>
-                  <a:srgbClr val="010101"/>
+                  <a:srgbClr val="FFFFFF"/>
                 </a:solidFill>
               </a:defRPr>
             </a:pPr>
@@ -6693,7 +6693,7 @@
               </a:lnSpc>
               <a:defRPr>
                 <a:solidFill>
-                  <a:srgbClr val="010101"/>
+                  <a:srgbClr val="FFFFFF"/>
                 </a:solidFill>
               </a:defRPr>
             </a:pPr>

--- a/ToegepasteAnalogeElektronica/PowerPoint/Klasse-F.pptx
+++ b/ToegepasteAnalogeElektronica/PowerPoint/Klasse-F.pptx
@@ -685,7 +685,7 @@
           <a:p>
             <a:fld id="{8F591CCF-F6FD-734B-854A-5BC033593B1E}" type="datetimeFigureOut">
               <a:rPr lang="nl-NL" smtClean="0"/>
-              <a:t>20-9-2025</a:t>
+              <a:t>21-9-2025</a:t>
             </a:fld>
             <a:endParaRPr lang="nl-NL"/>
           </a:p>
@@ -850,7 +850,7 @@
           <a:p>
             <a:fld id="{23C66214-DB21-4647-B5DA-0D17CA592867}" type="datetimeFigureOut">
               <a:rPr lang="nl-NL" smtClean="0"/>
-              <a:t>20-9-2025</a:t>
+              <a:t>21-9-2025</a:t>
             </a:fld>
             <a:endParaRPr lang="nl-NL"/>
           </a:p>
@@ -1461,7 +1461,7 @@
           <a:p>
             <a:fld id="{D15822B7-9EF6-9542-AF10-CD505E021A84}" type="datetime1">
               <a:rPr lang="nl-BE" smtClean="0"/>
-              <a:t>20/09/2025</a:t>
+              <a:t>21/09/2025</a:t>
             </a:fld>
             <a:endParaRPr lang="nl-NL"/>
           </a:p>
@@ -1711,7 +1711,7 @@
           <a:p>
             <a:fld id="{D15822B7-9EF6-9542-AF10-CD505E021A84}" type="datetime1">
               <a:rPr lang="nl-BE" smtClean="0"/>
-              <a:t>20/09/2025</a:t>
+              <a:t>21/09/2025</a:t>
             </a:fld>
             <a:endParaRPr lang="nl-NL"/>
           </a:p>
@@ -1994,7 +1994,7 @@
           <a:p>
             <a:fld id="{F52CA13D-CC20-034F-8D4D-5C3038626ED9}" type="datetime1">
               <a:rPr lang="nl-BE" smtClean="0"/>
-              <a:t>20/09/2025</a:t>
+              <a:t>21/09/2025</a:t>
             </a:fld>
             <a:endParaRPr lang="nl-NL"/>
           </a:p>
@@ -2274,8 +2274,8 @@
         </p:nvSpPr>
         <p:spPr>
           <a:xfrm>
-            <a:off x="576000" y="2232000"/>
-            <a:ext cx="11006400" cy="3820646"/>
+            <a:off x="576000" y="800401"/>
+            <a:ext cx="11006400" cy="5252245"/>
           </a:xfrm>
         </p:spPr>
         <p:txBody>
@@ -2346,7 +2346,7 @@
           <a:p>
             <a:fld id="{F52CA13D-CC20-034F-8D4D-5C3038626ED9}" type="datetime1">
               <a:rPr lang="nl-BE" smtClean="0"/>
-              <a:t>20/09/2025</a:t>
+              <a:t>21/09/2025</a:t>
             </a:fld>
             <a:endParaRPr lang="nl-NL"/>
           </a:p>
@@ -2464,7 +2464,7 @@
         </p:nvSpPr>
         <p:spPr>
           <a:xfrm>
-            <a:off x="576000" y="576001"/>
+            <a:off x="576000" y="4501"/>
             <a:ext cx="11041200" cy="648000"/>
           </a:xfrm>
         </p:spPr>
@@ -2524,8 +2524,8 @@
         </p:nvGrpSpPr>
         <p:grpSpPr>
           <a:xfrm>
-            <a:off x="125506" y="1312858"/>
-            <a:ext cx="11821095" cy="4739788"/>
+            <a:off x="125506" y="731855"/>
+            <a:ext cx="11821095" cy="5320791"/>
             <a:chOff x="0" y="-241102"/>
             <a:chExt cx="23088432" cy="12605757"/>
           </a:xfrm>
@@ -3470,8 +3470,8 @@
         </p:nvSpPr>
         <p:spPr>
           <a:xfrm>
-            <a:off x="245399" y="1810310"/>
-            <a:ext cx="11605942" cy="4175637"/>
+            <a:off x="245399" y="1280788"/>
+            <a:ext cx="11605942" cy="4705159"/>
           </a:xfrm>
           <a:noFill/>
         </p:spPr>
@@ -3579,7 +3579,7 @@
           <a:p>
             <a:fld id="{F52CA13D-CC20-034F-8D4D-5C3038626ED9}" type="datetime1">
               <a:rPr lang="nl-BE" smtClean="0"/>
-              <a:t>20/09/2025</a:t>
+              <a:t>21/09/2025</a:t>
             </a:fld>
             <a:endParaRPr lang="nl-NL"/>
           </a:p>
@@ -3697,7 +3697,7 @@
         </p:nvSpPr>
         <p:spPr>
           <a:xfrm>
-            <a:off x="576000" y="576000"/>
+            <a:off x="576000" y="4500"/>
             <a:ext cx="11041200" cy="579455"/>
           </a:xfrm>
         </p:spPr>
@@ -3800,7 +3800,7 @@
           <a:p>
             <a:fld id="{F52CA13D-CC20-034F-8D4D-5C3038626ED9}" type="datetime1">
               <a:rPr lang="nl-BE" smtClean="0"/>
-              <a:t>20/09/2025</a:t>
+              <a:t>21/09/2025</a:t>
             </a:fld>
             <a:endParaRPr lang="nl-NL"/>
           </a:p>
@@ -3918,7 +3918,7 @@
         </p:nvSpPr>
         <p:spPr>
           <a:xfrm>
-            <a:off x="576000" y="576001"/>
+            <a:off x="576000" y="4501"/>
             <a:ext cx="11041200" cy="648000"/>
           </a:xfrm>
         </p:spPr>
@@ -4011,8 +4011,8 @@
         </p:nvSpPr>
         <p:spPr>
           <a:xfrm>
-            <a:off x="576000" y="1688400"/>
-            <a:ext cx="11006400" cy="4364246"/>
+            <a:off x="576000" y="811831"/>
+            <a:ext cx="11006400" cy="5240815"/>
           </a:xfrm>
         </p:spPr>
         <p:txBody>
@@ -4091,7 +4091,7 @@
           <a:p>
             <a:fld id="{F52CA13D-CC20-034F-8D4D-5C3038626ED9}" type="datetime1">
               <a:rPr lang="nl-BE" smtClean="0"/>
-              <a:t>20/09/2025</a:t>
+              <a:t>21/09/2025</a:t>
             </a:fld>
             <a:endParaRPr lang="nl-NL"/>
           </a:p>
@@ -4209,7 +4209,7 @@
         </p:nvSpPr>
         <p:spPr>
           <a:xfrm>
-            <a:off x="576000" y="576000"/>
+            <a:off x="576000" y="15930"/>
             <a:ext cx="11041200" cy="648001"/>
           </a:xfrm>
         </p:spPr>
@@ -4218,10 +4218,10 @@
           <a:lstStyle/>
           <a:p>
             <a:r>
-              <a:rPr lang="en-US"/>
+              <a:rPr lang="en-US" dirty="0"/>
               <a:t>Click to edit Master title style</a:t>
             </a:r>
-            <a:endParaRPr lang="en-GB"/>
+            <a:endParaRPr lang="en-GB" dirty="0"/>
           </a:p>
         </p:txBody>
       </p:sp>
@@ -4273,8 +4273,8 @@
         </p:nvSpPr>
         <p:spPr>
           <a:xfrm>
-            <a:off x="576000" y="1531620"/>
-            <a:ext cx="11006400" cy="4521026"/>
+            <a:off x="576000" y="868680"/>
+            <a:ext cx="11006400" cy="5183966"/>
           </a:xfrm>
         </p:spPr>
         <p:txBody>
@@ -4345,7 +4345,7 @@
           <a:p>
             <a:fld id="{F52CA13D-CC20-034F-8D4D-5C3038626ED9}" type="datetime1">
               <a:rPr lang="nl-BE" smtClean="0"/>
-              <a:t>20/09/2025</a:t>
+              <a:t>21/09/2025</a:t>
             </a:fld>
             <a:endParaRPr lang="nl-NL"/>
           </a:p>
@@ -4463,7 +4463,7 @@
         </p:nvSpPr>
         <p:spPr>
           <a:xfrm>
-            <a:off x="576000" y="576001"/>
+            <a:off x="576000" y="15931"/>
             <a:ext cx="11041200" cy="650366"/>
           </a:xfrm>
         </p:spPr>
@@ -4558,7 +4558,7 @@
           <a:p>
             <a:fld id="{D15822B7-9EF6-9542-AF10-CD505E021A84}" type="datetime1">
               <a:rPr lang="nl-BE" smtClean="0"/>
-              <a:t>20/09/2025</a:t>
+              <a:t>21/09/2025</a:t>
             </a:fld>
             <a:endParaRPr lang="nl-NL"/>
           </a:p>
@@ -4624,8 +4624,8 @@
         </p:nvSpPr>
         <p:spPr>
           <a:xfrm>
-            <a:off x="576000" y="2232000"/>
-            <a:ext cx="11006402" cy="3820646"/>
+            <a:off x="576000" y="708660"/>
+            <a:ext cx="11006402" cy="5343986"/>
           </a:xfrm>
         </p:spPr>
         <p:txBody>
@@ -4686,7 +4686,7 @@
         </p:nvSpPr>
         <p:spPr>
           <a:xfrm>
-            <a:off x="576000" y="576001"/>
+            <a:off x="576000" y="15931"/>
             <a:ext cx="11041200" cy="578430"/>
           </a:xfrm>
         </p:spPr>
@@ -4695,10 +4695,10 @@
           <a:lstStyle/>
           <a:p>
             <a:r>
-              <a:rPr lang="en-US"/>
+              <a:rPr lang="en-US" dirty="0"/>
               <a:t>Click to edit Master title style</a:t>
             </a:r>
-            <a:endParaRPr lang="en-GB"/>
+            <a:endParaRPr lang="en-GB" dirty="0"/>
           </a:p>
         </p:txBody>
       </p:sp>
@@ -4749,7 +4749,7 @@
           <a:p>
             <a:fld id="{D15822B7-9EF6-9542-AF10-CD505E021A84}" type="datetime1">
               <a:rPr lang="nl-BE" smtClean="0"/>
-              <a:t>20/09/2025</a:t>
+              <a:t>21/09/2025</a:t>
             </a:fld>
             <a:endParaRPr lang="nl-NL"/>
           </a:p>
@@ -4815,8 +4815,8 @@
         </p:nvSpPr>
         <p:spPr>
           <a:xfrm>
-            <a:off x="576000" y="2232000"/>
-            <a:ext cx="11006402" cy="3820646"/>
+            <a:off x="576000" y="765810"/>
+            <a:ext cx="11006402" cy="5286836"/>
           </a:xfrm>
         </p:spPr>
         <p:txBody>
@@ -4877,7 +4877,7 @@
         </p:nvSpPr>
         <p:spPr>
           <a:xfrm>
-            <a:off x="576000" y="576001"/>
+            <a:off x="576000" y="0"/>
             <a:ext cx="11041200" cy="647010"/>
           </a:xfrm>
         </p:spPr>
@@ -5107,7 +5107,7 @@
           <a:p>
             <a:fld id="{0C33DDE8-63FF-C642-9F3A-0B773DD34821}" type="datetime1">
               <a:rPr lang="nl-BE" smtClean="0"/>
-              <a:t>20/09/2025</a:t>
+              <a:t>21/09/2025</a:t>
             </a:fld>
             <a:endParaRPr lang="nl-NL"/>
           </a:p>
@@ -5878,7 +5878,7 @@
           <a:p>
             <a:pPr>
               <a:lnSpc>
-                <a:spcPts val="1800"/>
+                <a:spcPts val="2400"/>
               </a:lnSpc>
               <a:defRPr>
                 <a:solidFill>
@@ -5887,19 +5887,19 @@
               </a:defRPr>
             </a:pPr>
             <a:r>
-              <a:rPr sz="3000" b="0" i="0">
+              <a:rPr sz="2400" b="0" i="0">
                 <a:latin typeface="Courier"/>
               </a:rPr>
               <a:t>* klasse F basiscircuit</a:t>
             </a:r>
-            <a:endParaRPr sz="3000" b="0" i="0">
+            <a:endParaRPr sz="2400" b="0" i="0">
               <a:latin typeface="Courier"/>
             </a:endParaRPr>
           </a:p>
           <a:p>
             <a:pPr>
               <a:lnSpc>
-                <a:spcPts val="1800"/>
+                <a:spcPts val="2400"/>
               </a:lnSpc>
               <a:defRPr>
                 <a:solidFill>
@@ -5908,19 +5908,19 @@
               </a:defRPr>
             </a:pPr>
             <a:r>
-              <a:rPr sz="3000" b="0" i="0">
+              <a:rPr sz="2400" b="0" i="0">
                 <a:latin typeface="Courier"/>
               </a:rPr>
               <a:t>Q_Q1         2 1 0 Q2</a:t>
             </a:r>
-            <a:endParaRPr sz="3000" b="0" i="0">
+            <a:endParaRPr sz="2400" b="0" i="0">
               <a:latin typeface="Courier"/>
             </a:endParaRPr>
           </a:p>
           <a:p>
             <a:pPr>
               <a:lnSpc>
-                <a:spcPts val="1800"/>
+                <a:spcPts val="2400"/>
               </a:lnSpc>
               <a:defRPr>
                 <a:solidFill>
@@ -5929,19 +5929,19 @@
               </a:defRPr>
             </a:pPr>
             <a:r>
-              <a:rPr sz="3000" b="0" i="0">
+              <a:rPr sz="2400" b="0" i="0">
                 <a:latin typeface="Courier"/>
               </a:rPr>
               <a:t>L_L1         5 3   1uH</a:t>
             </a:r>
-            <a:endParaRPr sz="3000" b="0" i="0">
+            <a:endParaRPr sz="2400" b="0" i="0">
               <a:latin typeface="Courier"/>
             </a:endParaRPr>
           </a:p>
           <a:p>
             <a:pPr>
               <a:lnSpc>
-                <a:spcPts val="1800"/>
+                <a:spcPts val="2400"/>
               </a:lnSpc>
               <a:defRPr>
                 <a:solidFill>
@@ -5950,19 +5950,19 @@
               </a:defRPr>
             </a:pPr>
             <a:r>
-              <a:rPr sz="3000" b="0" i="0">
+              <a:rPr sz="2400" b="0" i="0">
                 <a:latin typeface="Courier"/>
               </a:rPr>
               <a:t>C_C1         5 3   10n</a:t>
             </a:r>
-            <a:endParaRPr sz="3000" b="0" i="0">
+            <a:endParaRPr sz="2400" b="0" i="0">
               <a:latin typeface="Courier"/>
             </a:endParaRPr>
           </a:p>
           <a:p>
             <a:pPr>
               <a:lnSpc>
-                <a:spcPts val="1800"/>
+                <a:spcPts val="2400"/>
               </a:lnSpc>
               <a:defRPr>
                 <a:solidFill>
@@ -5971,19 +5971,19 @@
               </a:defRPr>
             </a:pPr>
             <a:r>
-              <a:rPr sz="3000" b="0" i="0">
+              <a:rPr sz="2400" b="0" i="0">
                 <a:latin typeface="Courier"/>
               </a:rPr>
               <a:t>R_R1         5 3   60</a:t>
             </a:r>
-            <a:endParaRPr sz="3000" b="0" i="0">
+            <a:endParaRPr sz="2400" b="0" i="0">
               <a:latin typeface="Courier"/>
             </a:endParaRPr>
           </a:p>
           <a:p>
             <a:pPr>
               <a:lnSpc>
-                <a:spcPts val="1800"/>
+                <a:spcPts val="2400"/>
               </a:lnSpc>
               <a:defRPr>
                 <a:solidFill>
@@ -5992,19 +5992,19 @@
               </a:defRPr>
             </a:pPr>
             <a:r>
-              <a:rPr sz="3000" b="0" i="0">
+              <a:rPr sz="2400" b="0" i="0">
                 <a:latin typeface="Courier"/>
               </a:rPr>
               <a:t>V_V3         3 0   11V</a:t>
             </a:r>
-            <a:endParaRPr sz="3000" b="0" i="0">
+            <a:endParaRPr sz="2400" b="0" i="0">
               <a:latin typeface="Courier"/>
             </a:endParaRPr>
           </a:p>
           <a:p>
             <a:pPr>
               <a:lnSpc>
-                <a:spcPts val="1800"/>
+                <a:spcPts val="2400"/>
               </a:lnSpc>
               <a:defRPr>
                 <a:solidFill>
@@ -6013,19 +6013,19 @@
               </a:defRPr>
             </a:pPr>
             <a:r>
-              <a:rPr sz="3000" b="0" i="0">
+              <a:rPr sz="2400" b="0" i="0">
                 <a:latin typeface="Courier"/>
               </a:rPr>
               <a:t>V_V5         1 0   sin(0.7 0.8 1591500) DC=0.7</a:t>
             </a:r>
-            <a:endParaRPr sz="3000" b="0" i="0">
+            <a:endParaRPr sz="2400" b="0" i="0">
               <a:latin typeface="Courier"/>
             </a:endParaRPr>
           </a:p>
           <a:p>
             <a:pPr>
               <a:lnSpc>
-                <a:spcPts val="1800"/>
+                <a:spcPts val="2400"/>
               </a:lnSpc>
               <a:defRPr>
                 <a:solidFill>
@@ -6034,19 +6034,19 @@
               </a:defRPr>
             </a:pPr>
             <a:r>
-              <a:rPr sz="3000" b="0" i="0">
+              <a:rPr sz="2400" b="0" i="0">
                 <a:latin typeface="Courier"/>
               </a:rPr>
               <a:t>C_C3         5 2   10n</a:t>
             </a:r>
-            <a:endParaRPr sz="3000" b="0" i="0">
+            <a:endParaRPr sz="2400" b="0" i="0">
               <a:latin typeface="Courier"/>
             </a:endParaRPr>
           </a:p>
           <a:p>
             <a:pPr>
               <a:lnSpc>
-                <a:spcPts val="1800"/>
+                <a:spcPts val="2400"/>
               </a:lnSpc>
               <a:defRPr>
                 <a:solidFill>
@@ -6055,19 +6055,19 @@
               </a:defRPr>
             </a:pPr>
             <a:r>
-              <a:rPr sz="3000" b="0" i="0">
+              <a:rPr sz="2400" b="0" i="0">
                 <a:latin typeface="Courier"/>
               </a:rPr>
               <a:t>L_L3         5 2   0.111uH</a:t>
             </a:r>
-            <a:endParaRPr sz="3000" b="0" i="0">
+            <a:endParaRPr sz="2400" b="0" i="0">
               <a:latin typeface="Courier"/>
             </a:endParaRPr>
           </a:p>
           <a:p>
             <a:pPr>
               <a:lnSpc>
-                <a:spcPts val="1800"/>
+                <a:spcPts val="2400"/>
               </a:lnSpc>
               <a:defRPr>
                 <a:solidFill>
@@ -6076,12 +6076,12 @@
               </a:defRPr>
             </a:pPr>
             <a:r>
-              <a:rPr sz="3000" b="0" i="0">
+              <a:rPr sz="2400" b="0" i="0">
                 <a:latin typeface="Courier"/>
               </a:rPr>
               <a:t>.model Q2  NPN(Is=14.34f BF=200 RB=200 )</a:t>
             </a:r>
-            <a:endParaRPr sz="3000" b="0" i="0">
+            <a:endParaRPr sz="2400" b="0" i="0">
               <a:latin typeface="Courier"/>
             </a:endParaRPr>
           </a:p>
@@ -6437,7 +6437,7 @@
           <a:p>
             <a:pPr>
               <a:lnSpc>
-                <a:spcPts val="1800"/>
+                <a:spcPts val="2400"/>
               </a:lnSpc>
               <a:defRPr>
                 <a:solidFill>
@@ -6446,19 +6446,19 @@
               </a:defRPr>
             </a:pPr>
             <a:r>
-              <a:rPr sz="3000" b="0" i="0">
+              <a:rPr sz="2400" b="0" i="0">
                 <a:latin typeface="Courier"/>
               </a:rPr>
               <a:t>* klasseF</a:t>
             </a:r>
-            <a:endParaRPr sz="3000" b="0" i="0">
+            <a:endParaRPr sz="2400" b="0" i="0">
               <a:latin typeface="Courier"/>
             </a:endParaRPr>
           </a:p>
           <a:p>
             <a:pPr>
               <a:lnSpc>
-                <a:spcPts val="1800"/>
+                <a:spcPts val="2400"/>
               </a:lnSpc>
               <a:defRPr>
                 <a:solidFill>
@@ -6467,19 +6467,19 @@
               </a:defRPr>
             </a:pPr>
             <a:r>
-              <a:rPr sz="3000" b="0" i="0">
+              <a:rPr sz="2400" b="0" i="0">
                 <a:latin typeface="Courier"/>
               </a:rPr>
               <a:t>Q_Q1         2 1 0 Q2</a:t>
             </a:r>
-            <a:endParaRPr sz="3000" b="0" i="0">
+            <a:endParaRPr sz="2400" b="0" i="0">
               <a:latin typeface="Courier"/>
             </a:endParaRPr>
           </a:p>
           <a:p>
             <a:pPr>
               <a:lnSpc>
-                <a:spcPts val="1800"/>
+                <a:spcPts val="2400"/>
               </a:lnSpc>
               <a:defRPr>
                 <a:solidFill>
@@ -6488,19 +6488,19 @@
               </a:defRPr>
             </a:pPr>
             <a:r>
-              <a:rPr sz="3000" b="0" i="0">
+              <a:rPr sz="2400" b="0" i="0">
                 <a:latin typeface="Courier"/>
               </a:rPr>
               <a:t>L_L1         0 3   1uH</a:t>
             </a:r>
-            <a:endParaRPr sz="3000" b="0" i="0">
+            <a:endParaRPr sz="2400" b="0" i="0">
               <a:latin typeface="Courier"/>
             </a:endParaRPr>
           </a:p>
           <a:p>
             <a:pPr>
               <a:lnSpc>
-                <a:spcPts val="1800"/>
+                <a:spcPts val="2400"/>
               </a:lnSpc>
               <a:defRPr>
                 <a:solidFill>
@@ -6509,19 +6509,19 @@
               </a:defRPr>
             </a:pPr>
             <a:r>
-              <a:rPr sz="3000" b="0" i="0">
+              <a:rPr sz="2400" b="0" i="0">
                 <a:latin typeface="Courier"/>
               </a:rPr>
               <a:t>C_C1         0 3   10n</a:t>
             </a:r>
-            <a:endParaRPr sz="3000" b="0" i="0">
+            <a:endParaRPr sz="2400" b="0" i="0">
               <a:latin typeface="Courier"/>
             </a:endParaRPr>
           </a:p>
           <a:p>
             <a:pPr>
               <a:lnSpc>
-                <a:spcPts val="1800"/>
+                <a:spcPts val="2400"/>
               </a:lnSpc>
               <a:defRPr>
                 <a:solidFill>
@@ -6530,19 +6530,19 @@
               </a:defRPr>
             </a:pPr>
             <a:r>
-              <a:rPr sz="3000" b="0" i="0">
+              <a:rPr sz="2400" b="0" i="0">
                 <a:latin typeface="Courier"/>
               </a:rPr>
               <a:t>R_R1         0 3   100</a:t>
             </a:r>
-            <a:endParaRPr sz="3000" b="0" i="0">
+            <a:endParaRPr sz="2400" b="0" i="0">
               <a:latin typeface="Courier"/>
             </a:endParaRPr>
           </a:p>
           <a:p>
             <a:pPr>
               <a:lnSpc>
-                <a:spcPts val="1800"/>
+                <a:spcPts val="2400"/>
               </a:lnSpc>
               <a:defRPr>
                 <a:solidFill>
@@ -6551,19 +6551,19 @@
               </a:defRPr>
             </a:pPr>
             <a:r>
-              <a:rPr sz="3000" b="0" i="0">
+              <a:rPr sz="2400" b="0" i="0">
                 <a:latin typeface="Courier"/>
               </a:rPr>
               <a:t>V_V3         4 0   10V</a:t>
             </a:r>
-            <a:endParaRPr sz="3000" b="0" i="0">
+            <a:endParaRPr sz="2400" b="0" i="0">
               <a:latin typeface="Courier"/>
             </a:endParaRPr>
           </a:p>
           <a:p>
             <a:pPr>
               <a:lnSpc>
-                <a:spcPts val="1800"/>
+                <a:spcPts val="2400"/>
               </a:lnSpc>
               <a:defRPr>
                 <a:solidFill>
@@ -6572,19 +6572,19 @@
               </a:defRPr>
             </a:pPr>
             <a:r>
-              <a:rPr sz="3000" b="0" i="0">
+              <a:rPr sz="2400" b="0" i="0">
                 <a:latin typeface="Courier"/>
               </a:rPr>
               <a:t>V_V5         1 0   sin(0.4 0.8 1591500) DC=0.4</a:t>
             </a:r>
-            <a:endParaRPr sz="3000" b="0" i="0">
+            <a:endParaRPr sz="2400" b="0" i="0">
               <a:latin typeface="Courier"/>
             </a:endParaRPr>
           </a:p>
           <a:p>
             <a:pPr>
               <a:lnSpc>
-                <a:spcPts val="1800"/>
+                <a:spcPts val="2400"/>
               </a:lnSpc>
               <a:defRPr>
                 <a:solidFill>
@@ -6593,19 +6593,19 @@
               </a:defRPr>
             </a:pPr>
             <a:r>
-              <a:rPr sz="3000" b="0" i="0">
+              <a:rPr sz="2400" b="0" i="0">
                 <a:latin typeface="Courier"/>
               </a:rPr>
               <a:t>C_C2         5 3   10n</a:t>
             </a:r>
-            <a:endParaRPr sz="3000" b="0" i="0">
+            <a:endParaRPr sz="2400" b="0" i="0">
               <a:latin typeface="Courier"/>
             </a:endParaRPr>
           </a:p>
           <a:p>
             <a:pPr>
               <a:lnSpc>
-                <a:spcPts val="1800"/>
+                <a:spcPts val="2400"/>
               </a:lnSpc>
               <a:defRPr>
                 <a:solidFill>
@@ -6614,19 +6614,19 @@
               </a:defRPr>
             </a:pPr>
             <a:r>
-              <a:rPr sz="3000" b="0" i="0">
+              <a:rPr sz="2400" b="0" i="0">
                 <a:latin typeface="Courier"/>
               </a:rPr>
               <a:t>L_L3         6 3   0.111uH</a:t>
             </a:r>
-            <a:endParaRPr sz="3000" b="0" i="0">
+            <a:endParaRPr sz="2400" b="0" i="0">
               <a:latin typeface="Courier"/>
             </a:endParaRPr>
           </a:p>
           <a:p>
             <a:pPr>
               <a:lnSpc>
-                <a:spcPts val="1800"/>
+                <a:spcPts val="2400"/>
               </a:lnSpc>
               <a:defRPr>
                 <a:solidFill>
@@ -6635,19 +6635,19 @@
               </a:defRPr>
             </a:pPr>
             <a:r>
-              <a:rPr sz="3000" b="0" i="0">
+              <a:rPr sz="2400" b="0" i="0">
                 <a:latin typeface="Courier"/>
               </a:rPr>
               <a:t>R_R3         6 5   0.001</a:t>
             </a:r>
-            <a:endParaRPr sz="3000" b="0" i="0">
+            <a:endParaRPr sz="2400" b="0" i="0">
               <a:latin typeface="Courier"/>
             </a:endParaRPr>
           </a:p>
           <a:p>
             <a:pPr>
               <a:lnSpc>
-                <a:spcPts val="1800"/>
+                <a:spcPts val="2400"/>
               </a:lnSpc>
               <a:defRPr>
                 <a:solidFill>
@@ -6656,19 +6656,19 @@
               </a:defRPr>
             </a:pPr>
             <a:r>
-              <a:rPr sz="3000" b="0" i="0">
+              <a:rPr sz="2400" b="0" i="0">
                 <a:latin typeface="Courier"/>
               </a:rPr>
               <a:t>L_L2         2 4   2mH</a:t>
             </a:r>
-            <a:endParaRPr sz="3000" b="0" i="0">
+            <a:endParaRPr sz="2400" b="0" i="0">
               <a:latin typeface="Courier"/>
             </a:endParaRPr>
           </a:p>
           <a:p>
             <a:pPr>
               <a:lnSpc>
-                <a:spcPts val="1800"/>
+                <a:spcPts val="2400"/>
               </a:lnSpc>
               <a:defRPr>
                 <a:solidFill>
@@ -6677,19 +6677,19 @@
               </a:defRPr>
             </a:pPr>
             <a:r>
-              <a:rPr sz="3000" b="0" i="0">
+              <a:rPr sz="2400" b="0" i="0">
                 <a:latin typeface="Courier"/>
               </a:rPr>
               <a:t>C_C3         2 5   1000n</a:t>
             </a:r>
-            <a:endParaRPr sz="3000" b="0" i="0">
+            <a:endParaRPr sz="2400" b="0" i="0">
               <a:latin typeface="Courier"/>
             </a:endParaRPr>
           </a:p>
           <a:p>
             <a:pPr>
               <a:lnSpc>
-                <a:spcPts val="1800"/>
+                <a:spcPts val="2400"/>
               </a:lnSpc>
               <a:defRPr>
                 <a:solidFill>
@@ -6698,12 +6698,12 @@
               </a:defRPr>
             </a:pPr>
             <a:r>
-              <a:rPr sz="3000" b="0" i="0">
+              <a:rPr sz="2400" b="0" i="0">
                 <a:latin typeface="Courier"/>
               </a:rPr>
               <a:t>.model Q2  NPN(Is=14.34f BF=200 Rb=100 )</a:t>
             </a:r>
-            <a:endParaRPr sz="3000" b="0" i="0">
+            <a:endParaRPr sz="2400" b="0" i="0">
               <a:latin typeface="Courier"/>
             </a:endParaRPr>
           </a:p>
@@ -7601,6 +7601,26 @@
 </file>
 
 <file path=customXml/item1.xml><?xml version="1.0" encoding="utf-8"?>
+<p:properties xmlns:p="http://schemas.microsoft.com/office/2006/metadata/properties" xmlns:xsi="http://www.w3.org/2001/XMLSchema-instance" xmlns:pc="http://schemas.microsoft.com/office/infopath/2007/PartnerControls">
+  <documentManagement>
+    <lcf76f155ced4ddcb4097134ff3c332f xmlns="81d41a3b-f33d-4db6-b532-757106a7a2ae">
+      <Terms xmlns="http://schemas.microsoft.com/office/infopath/2007/PartnerControls"/>
+    </lcf76f155ced4ddcb4097134ff3c332f>
+    <TaxCatchAll xmlns="bf25a9bf-a811-4965-9d0a-b88059080fed" xsi:nil="true"/>
+  </documentManagement>
+</p:properties>
+</file>
+
+<file path=customXml/item2.xml><?xml version="1.0" encoding="utf-8"?>
+<?mso-contentType ?>
+<FormTemplates xmlns="http://schemas.microsoft.com/sharepoint/v3/contenttype/forms">
+  <Display>DocumentLibraryForm</Display>
+  <Edit>DocumentLibraryForm</Edit>
+  <New>DocumentLibraryForm</New>
+</FormTemplates>
+</file>
+
+<file path=customXml/item3.xml><?xml version="1.0" encoding="utf-8"?>
 <ct:contentTypeSchema xmlns:ct="http://schemas.microsoft.com/office/2006/metadata/contentType" xmlns:ma="http://schemas.microsoft.com/office/2006/metadata/properties/metaAttributes" ct:_="" ma:_="" ma:contentTypeName="Document" ma:contentTypeID="0x010100B8C495A181F81B4C9DE5AD85CD0F70D4" ma:contentTypeVersion="18" ma:contentTypeDescription="Een nieuw document maken." ma:contentTypeScope="" ma:versionID="6ba28a59cba4a02a693681f32745d77b">
   <xsd:schema xmlns:xsd="http://www.w3.org/2001/XMLSchema" xmlns:xs="http://www.w3.org/2001/XMLSchema" xmlns:p="http://schemas.microsoft.com/office/2006/metadata/properties" xmlns:ns2="81d41a3b-f33d-4db6-b532-757106a7a2ae" xmlns:ns3="bf25a9bf-a811-4965-9d0a-b88059080fed" targetNamespace="http://schemas.microsoft.com/office/2006/metadata/properties" ma:root="true" ma:fieldsID="b996b4a4c0d83f5cfec71b22aba921d2" ns2:_="" ns3:_="">
     <xsd:import namespace="81d41a3b-f33d-4db6-b532-757106a7a2ae"/>
@@ -7855,27 +7875,32 @@
 </ct:contentTypeSchema>
 </file>
 
-<file path=customXml/item2.xml><?xml version="1.0" encoding="utf-8"?>
-<?mso-contentType ?>
-<FormTemplates xmlns="http://schemas.microsoft.com/sharepoint/v3/contenttype/forms">
-  <Display>DocumentLibraryForm</Display>
-  <Edit>DocumentLibraryForm</Edit>
-  <New>DocumentLibraryForm</New>
-</FormTemplates>
+<file path=customXml/itemProps1.xml><?xml version="1.0" encoding="utf-8"?>
+<ds:datastoreItem xmlns:ds="http://schemas.openxmlformats.org/officeDocument/2006/customXml" ds:itemID="{5EE9034D-0B43-4AB0-9535-9A62DB37A999}">
+  <ds:schemaRefs>
+    <ds:schemaRef ds:uri="http://www.w3.org/XML/1998/namespace"/>
+    <ds:schemaRef ds:uri="81d41a3b-f33d-4db6-b532-757106a7a2ae"/>
+    <ds:schemaRef ds:uri="http://purl.org/dc/dcmitype/"/>
+    <ds:schemaRef ds:uri="http://purl.org/dc/elements/1.1/"/>
+    <ds:schemaRef ds:uri="http://schemas.microsoft.com/office/2006/documentManagement/types"/>
+    <ds:schemaRef ds:uri="bf25a9bf-a811-4965-9d0a-b88059080fed"/>
+    <ds:schemaRef ds:uri="http://purl.org/dc/terms/"/>
+    <ds:schemaRef ds:uri="http://schemas.microsoft.com/office/infopath/2007/PartnerControls"/>
+    <ds:schemaRef ds:uri="http://schemas.openxmlformats.org/package/2006/metadata/core-properties"/>
+    <ds:schemaRef ds:uri="http://schemas.microsoft.com/office/2006/metadata/properties"/>
+  </ds:schemaRefs>
+</ds:datastoreItem>
 </file>
 
-<file path=customXml/item3.xml><?xml version="1.0" encoding="utf-8"?>
-<p:properties xmlns:p="http://schemas.microsoft.com/office/2006/metadata/properties" xmlns:xsi="http://www.w3.org/2001/XMLSchema-instance" xmlns:pc="http://schemas.microsoft.com/office/infopath/2007/PartnerControls">
-  <documentManagement>
-    <lcf76f155ced4ddcb4097134ff3c332f xmlns="81d41a3b-f33d-4db6-b532-757106a7a2ae">
-      <Terms xmlns="http://schemas.microsoft.com/office/infopath/2007/PartnerControls"/>
-    </lcf76f155ced4ddcb4097134ff3c332f>
-    <TaxCatchAll xmlns="bf25a9bf-a811-4965-9d0a-b88059080fed" xsi:nil="true"/>
-  </documentManagement>
-</p:properties>
+<file path=customXml/itemProps2.xml><?xml version="1.0" encoding="utf-8"?>
+<ds:datastoreItem xmlns:ds="http://schemas.openxmlformats.org/officeDocument/2006/customXml" ds:itemID="{263A7949-1B93-457F-8888-53CC8A016F77}">
+  <ds:schemaRefs>
+    <ds:schemaRef ds:uri="http://schemas.microsoft.com/sharepoint/v3/contenttype/forms"/>
+  </ds:schemaRefs>
+</ds:datastoreItem>
 </file>
 
-<file path=customXml/itemProps1.xml><?xml version="1.0" encoding="utf-8"?>
+<file path=customXml/itemProps3.xml><?xml version="1.0" encoding="utf-8"?>
 <ds:datastoreItem xmlns:ds="http://schemas.openxmlformats.org/officeDocument/2006/customXml" ds:itemID="{2A270F01-48F1-4A41-8E26-ACAC66896963}">
   <ds:schemaRefs>
     <ds:schemaRef ds:uri="http://schemas.microsoft.com/office/2006/metadata/contentType"/>
@@ -7892,29 +7917,4 @@
     <ds:schemaRef ds:uri="http://schemas.microsoft.com/internal/obd"/>
   </ds:schemaRefs>
 </ds:datastoreItem>
-</file>
-
-<file path=customXml/itemProps2.xml><?xml version="1.0" encoding="utf-8"?>
-<ds:datastoreItem xmlns:ds="http://schemas.openxmlformats.org/officeDocument/2006/customXml" ds:itemID="{263A7949-1B93-457F-8888-53CC8A016F77}">
-  <ds:schemaRefs>
-    <ds:schemaRef ds:uri="http://schemas.microsoft.com/sharepoint/v3/contenttype/forms"/>
-  </ds:schemaRefs>
-</ds:datastoreItem>
-</file>
-
-<file path=customXml/itemProps3.xml><?xml version="1.0" encoding="utf-8"?>
-<ds:datastoreItem xmlns:ds="http://schemas.openxmlformats.org/officeDocument/2006/customXml" ds:itemID="{5EE9034D-0B43-4AB0-9535-9A62DB37A999}">
-  <ds:schemaRefs>
-    <ds:schemaRef ds:uri="http://www.w3.org/XML/1998/namespace"/>
-    <ds:schemaRef ds:uri="81d41a3b-f33d-4db6-b532-757106a7a2ae"/>
-    <ds:schemaRef ds:uri="http://purl.org/dc/dcmitype/"/>
-    <ds:schemaRef ds:uri="http://purl.org/dc/elements/1.1/"/>
-    <ds:schemaRef ds:uri="http://schemas.microsoft.com/office/2006/documentManagement/types"/>
-    <ds:schemaRef ds:uri="bf25a9bf-a811-4965-9d0a-b88059080fed"/>
-    <ds:schemaRef ds:uri="http://purl.org/dc/terms/"/>
-    <ds:schemaRef ds:uri="http://schemas.microsoft.com/office/infopath/2007/PartnerControls"/>
-    <ds:schemaRef ds:uri="http://schemas.openxmlformats.org/package/2006/metadata/core-properties"/>
-    <ds:schemaRef ds:uri="http://schemas.microsoft.com/office/2006/metadata/properties"/>
-  </ds:schemaRefs>
-</ds:datastoreItem>
 </file>
--- a/ToegepasteAnalogeElektronica/PowerPoint/Klasse-F.pptx
+++ b/ToegepasteAnalogeElektronica/PowerPoint/Klasse-F.pptx
@@ -23,6 +23,7 @@
     <p:sldId id="265" r:id="rId22"/>
     <p:sldId id="266" r:id="rId23"/>
     <p:sldId id="267" r:id="rId24"/>
+    <p:sldId id="268" r:id="rId25"/>
   </p:sldIdLst>
   <p:sldSz cx="12192000" cy="6858000"/>
   <p:notesSz cx="6858000" cy="9144000"/>
@@ -5699,12 +5700,12 @@
           <a:lstStyle/>
           <a:p>
             <a:r>
-              <a:rPr sz="2100" b="1" i="0">
+              <a:rPr sz="2300" b="1" i="0">
                 <a:latin typeface="Arial"/>
               </a:rPr>
-              <a:t>Spice simulatie van de Klasse F waarbij de uitgang oscilleert rond de grond. Verloop van de spanning over de eerste (LC1) en over de derde (LC3) harmonische.</a:t>
-            </a:r>
-            <a:endParaRPr sz="2100" b="1" i="0">
+              <a:t>Spice simulatie van de Klasse F waarbij de uitgang oscilleert rond de grond.</a:t>
+            </a:r>
+            <a:endParaRPr sz="2300" b="1" i="0">
               <a:latin typeface="Arial"/>
             </a:endParaRPr>
           </a:p>
@@ -5726,8 +5727,8 @@
         </p:blipFill>
         <p:spPr>
           <a:xfrm>
-            <a:off x="2261235" y="1179576"/>
-            <a:ext cx="7669530" cy="5029200"/>
+            <a:off x="2339495" y="1179576"/>
+            <a:ext cx="7513009" cy="5029200"/>
           </a:xfrm>
           <a:prstGeom prst="rect">
             <a:avLst/>
@@ -5752,6 +5753,59 @@
         <p:nvPr/>
       </p:nvGrpSpPr>
       <p:grpSpPr/>
+      <p:sp>
+        <p:nvSpPr>
+          <p:cNvPr id="2" name="Title 1"/>
+          <p:cNvSpPr>
+            <a:spLocks noGrp="1"/>
+          </p:cNvSpPr>
+          <p:nvPr>
+            <p:ph type="title"/>
+          </p:nvPr>
+        </p:nvSpPr>
+        <p:spPr/>
+        <p:txBody>
+          <a:bodyPr wrap="square">
+            <a:noAutofit/>
+          </a:bodyPr>
+          <a:lstStyle/>
+          <a:p>
+            <a:r>
+              <a:rPr sz="2100" b="1" i="0">
+                <a:latin typeface="Arial"/>
+              </a:rPr>
+              <a:t>Spice simulatie van de Klasse F waarbij de uitgang oscilleert rond de grond. Verloop van de spanning over de eerste (LC1) en over de derde (LC3) harmonische.</a:t>
+            </a:r>
+            <a:endParaRPr sz="2100" b="1" i="0">
+              <a:latin typeface="Arial"/>
+            </a:endParaRPr>
+          </a:p>
+        </p:txBody>
+      </p:sp>
+      <p:pic>
+        <p:nvPicPr>
+          <p:cNvPr id="3" name="Picture 2" descr="image.png"/>
+          <p:cNvPicPr>
+            <a:picLocks noChangeAspect="1"/>
+          </p:cNvPicPr>
+          <p:nvPr/>
+        </p:nvPicPr>
+        <p:blipFill>
+          <a:blip r:embed="rId2"/>
+          <a:stretch>
+            <a:fillRect/>
+          </a:stretch>
+        </p:blipFill>
+        <p:spPr>
+          <a:xfrm>
+            <a:off x="2261235" y="1179576"/>
+            <a:ext cx="7669530" cy="5029200"/>
+          </a:xfrm>
+          <a:prstGeom prst="rect">
+            <a:avLst/>
+          </a:prstGeom>
+        </p:spPr>
+      </p:pic>
     </p:spTree>
   </p:cSld>
   <p:clrMapOvr>
@@ -5761,6 +5815,24 @@
 </file>
 
 <file path=ppt/slides/slide12.xml><?xml version="1.0" encoding="utf-8"?>
+<p:sld xmlns:a="http://schemas.openxmlformats.org/drawingml/2006/main" xmlns:p="http://schemas.openxmlformats.org/presentationml/2006/main" xmlns:r="http://schemas.openxmlformats.org/officeDocument/2006/relationships">
+  <p:cSld>
+    <p:spTree>
+      <p:nvGrpSpPr>
+        <p:cNvPr id="1" name=""/>
+        <p:cNvGrpSpPr/>
+        <p:nvPr/>
+      </p:nvGrpSpPr>
+      <p:grpSpPr/>
+    </p:spTree>
+  </p:cSld>
+  <p:clrMapOvr>
+    <a:masterClrMapping/>
+  </p:clrMapOvr>
+</p:sld>
+</file>
+
+<file path=ppt/slides/slide13.xml><?xml version="1.0" encoding="utf-8"?>
 <p:sld xmlns:a="http://schemas.openxmlformats.org/drawingml/2006/main" xmlns:p="http://schemas.openxmlformats.org/presentationml/2006/main" xmlns:r="http://schemas.openxmlformats.org/officeDocument/2006/relationships">
   <p:cSld>
     <p:spTree>
@@ -6665,48 +6737,6 @@
               <a:latin typeface="Courier"/>
             </a:endParaRPr>
           </a:p>
-          <a:p>
-            <a:pPr>
-              <a:lnSpc>
-                <a:spcPts val="2400"/>
-              </a:lnSpc>
-              <a:defRPr>
-                <a:solidFill>
-                  <a:srgbClr val="FFFFFF"/>
-                </a:solidFill>
-              </a:defRPr>
-            </a:pPr>
-            <a:r>
-              <a:rPr sz="2400" b="0" i="0">
-                <a:latin typeface="Courier"/>
-              </a:rPr>
-              <a:t>C_C3         2 5   1000n</a:t>
-            </a:r>
-            <a:endParaRPr sz="2400" b="0" i="0">
-              <a:latin typeface="Courier"/>
-            </a:endParaRPr>
-          </a:p>
-          <a:p>
-            <a:pPr>
-              <a:lnSpc>
-                <a:spcPts val="2400"/>
-              </a:lnSpc>
-              <a:defRPr>
-                <a:solidFill>
-                  <a:srgbClr val="FFFFFF"/>
-                </a:solidFill>
-              </a:defRPr>
-            </a:pPr>
-            <a:r>
-              <a:rPr sz="2400" b="0" i="0">
-                <a:latin typeface="Courier"/>
-              </a:rPr>
-              <a:t>.model Q2  NPN(Is=14.34f BF=200 Rb=100 )</a:t>
-            </a:r>
-            <a:endParaRPr sz="2400" b="0" i="0">
-              <a:latin typeface="Courier"/>
-            </a:endParaRPr>
-          </a:p>
         </p:txBody>
       </p:sp>
       <p:sp>
@@ -6758,7 +6788,67 @@
       <p:grpSpPr/>
       <p:sp>
         <p:nvSpPr>
-          <p:cNvPr id="2" name="Title 1"/>
+          <p:cNvPr id="2" name="Content Placeholder 1"/>
+          <p:cNvSpPr>
+            <a:spLocks noGrp="1"/>
+          </p:cNvSpPr>
+          <p:nvPr>
+            <p:ph idx="1"/>
+          </p:nvPr>
+        </p:nvSpPr>
+        <p:spPr/>
+        <p:txBody>
+          <a:bodyPr wrap="square">
+            <a:noAutofit/>
+          </a:bodyPr>
+          <a:lstStyle/>
+          <a:p>
+            <a:pPr>
+              <a:lnSpc>
+                <a:spcPts val="2400"/>
+              </a:lnSpc>
+              <a:defRPr>
+                <a:solidFill>
+                  <a:srgbClr val="FFFFFF"/>
+                </a:solidFill>
+              </a:defRPr>
+            </a:pPr>
+            <a:r>
+              <a:rPr sz="2400" b="0" i="0">
+                <a:latin typeface="Courier"/>
+              </a:rPr>
+              <a:t>C_C3         2 5   1000n</a:t>
+            </a:r>
+            <a:endParaRPr sz="2400" b="0" i="0">
+              <a:latin typeface="Courier"/>
+            </a:endParaRPr>
+          </a:p>
+          <a:p>
+            <a:pPr>
+              <a:lnSpc>
+                <a:spcPts val="2400"/>
+              </a:lnSpc>
+              <a:defRPr>
+                <a:solidFill>
+                  <a:srgbClr val="FFFFFF"/>
+                </a:solidFill>
+              </a:defRPr>
+            </a:pPr>
+            <a:r>
+              <a:rPr sz="2400" b="0" i="0">
+                <a:latin typeface="Courier"/>
+              </a:rPr>
+              <a:t>.model Q2  NPN(Is=14.34f BF=200 Rb=100 )</a:t>
+            </a:r>
+            <a:endParaRPr sz="2400" b="0" i="0">
+              <a:latin typeface="Courier"/>
+            </a:endParaRPr>
+          </a:p>
+        </p:txBody>
+      </p:sp>
+      <p:sp>
+        <p:nvSpPr>
+          <p:cNvPr id="3" name="Title 2"/>
           <p:cNvSpPr>
             <a:spLocks noGrp="1"/>
           </p:cNvSpPr>
@@ -6774,41 +6864,17 @@
           <a:lstStyle/>
           <a:p>
             <a:r>
-              <a:rPr sz="2300" b="1" i="0">
+              <a:rPr sz="3200" b="1" i="0">
                 <a:latin typeface="Arial"/>
               </a:rPr>
-              <a:t>Spice simulatie van de Klasse F waarbij de uitgang oscilleert rond de grond.</a:t>
-            </a:r>
-            <a:endParaRPr sz="2300" b="1" i="0">
+              <a:t>Klasse F versterker met oscillatie rond de grond</a:t>
+            </a:r>
+            <a:endParaRPr sz="3200" b="1" i="0">
               <a:latin typeface="Arial"/>
             </a:endParaRPr>
           </a:p>
         </p:txBody>
       </p:sp>
-      <p:pic>
-        <p:nvPicPr>
-          <p:cNvPr id="3" name="Picture 2" descr="image.png"/>
-          <p:cNvPicPr>
-            <a:picLocks noChangeAspect="1"/>
-          </p:cNvPicPr>
-          <p:nvPr/>
-        </p:nvPicPr>
-        <p:blipFill>
-          <a:blip r:embed="rId2"/>
-          <a:stretch>
-            <a:fillRect/>
-          </a:stretch>
-        </p:blipFill>
-        <p:spPr>
-          <a:xfrm>
-            <a:off x="2339495" y="1179576"/>
-            <a:ext cx="7513009" cy="5029200"/>
-          </a:xfrm>
-          <a:prstGeom prst="rect">
-            <a:avLst/>
-          </a:prstGeom>
-        </p:spPr>
-      </p:pic>
     </p:spTree>
   </p:cSld>
   <p:clrMapOvr>

--- a/ToegepasteAnalogeElektronica/PowerPoint/Klasse-F.pptx
+++ b/ToegepasteAnalogeElektronica/PowerPoint/Klasse-F.pptx
@@ -5727,8 +5727,8 @@
         </p:blipFill>
         <p:spPr>
           <a:xfrm>
-            <a:off x="2339495" y="1179576"/>
-            <a:ext cx="7513009" cy="5029200"/>
+            <a:off x="1929695" y="566928"/>
+            <a:ext cx="8332610" cy="5577840"/>
           </a:xfrm>
           <a:prstGeom prst="rect">
             <a:avLst/>
@@ -5798,8 +5798,8 @@
         </p:blipFill>
         <p:spPr>
           <a:xfrm>
-            <a:off x="2261235" y="1179576"/>
-            <a:ext cx="7669530" cy="5029200"/>
+            <a:off x="1842897" y="566928"/>
+            <a:ext cx="8506206" cy="5577840"/>
           </a:xfrm>
           <a:prstGeom prst="rect">
             <a:avLst/>
@@ -5905,8 +5905,8 @@
         </p:blipFill>
         <p:spPr>
           <a:xfrm>
-            <a:off x="4694734" y="1179576"/>
-            <a:ext cx="2802531" cy="5029200"/>
+            <a:off x="4541869" y="566928"/>
+            <a:ext cx="3108262" cy="5577840"/>
           </a:xfrm>
           <a:prstGeom prst="rect">
             <a:avLst/>
@@ -6251,8 +6251,8 @@
         </p:blipFill>
         <p:spPr>
           <a:xfrm>
-            <a:off x="2303145" y="1179576"/>
-            <a:ext cx="7585710" cy="5029200"/>
+            <a:off x="1889379" y="566928"/>
+            <a:ext cx="8413242" cy="5577840"/>
           </a:xfrm>
           <a:prstGeom prst="rect">
             <a:avLst/>
@@ -6322,8 +6322,8 @@
         </p:blipFill>
         <p:spPr>
           <a:xfrm>
-            <a:off x="2261235" y="1179576"/>
-            <a:ext cx="7669530" cy="5029200"/>
+            <a:off x="1842897" y="566928"/>
+            <a:ext cx="8506206" cy="5577840"/>
           </a:xfrm>
           <a:prstGeom prst="rect">
             <a:avLst/>
@@ -6393,8 +6393,8 @@
         </p:blipFill>
         <p:spPr>
           <a:xfrm>
-            <a:off x="2287429" y="1179576"/>
-            <a:ext cx="7617142" cy="5029200"/>
+            <a:off x="1871948" y="566928"/>
+            <a:ext cx="8448104" cy="5577840"/>
           </a:xfrm>
           <a:prstGeom prst="rect">
             <a:avLst/>
@@ -6464,8 +6464,8 @@
         </p:blipFill>
         <p:spPr>
           <a:xfrm>
-            <a:off x="1351902" y="1179576"/>
-            <a:ext cx="9488196" cy="5029200"/>
+            <a:off x="834364" y="566928"/>
+            <a:ext cx="10523272" cy="5577840"/>
           </a:xfrm>
           <a:prstGeom prst="rect">
             <a:avLst/>

--- a/ToegepasteAnalogeElektronica/PowerPoint/Klasse-F.pptx
+++ b/ToegepasteAnalogeElektronica/PowerPoint/Klasse-F.pptx
@@ -24,6 +24,19 @@
     <p:sldId id="266" r:id="rId23"/>
     <p:sldId id="267" r:id="rId24"/>
     <p:sldId id="268" r:id="rId25"/>
+    <p:sldId id="269" r:id="rId26"/>
+    <p:sldId id="270" r:id="rId27"/>
+    <p:sldId id="271" r:id="rId28"/>
+    <p:sldId id="272" r:id="rId29"/>
+    <p:sldId id="273" r:id="rId30"/>
+    <p:sldId id="274" r:id="rId31"/>
+    <p:sldId id="275" r:id="rId32"/>
+    <p:sldId id="276" r:id="rId33"/>
+    <p:sldId id="277" r:id="rId34"/>
+    <p:sldId id="278" r:id="rId35"/>
+    <p:sldId id="279" r:id="rId36"/>
+    <p:sldId id="280" r:id="rId37"/>
+    <p:sldId id="281" r:id="rId38"/>
   </p:sldIdLst>
   <p:sldSz cx="12192000" cy="6858000"/>
   <p:notesSz cx="6858000" cy="9144000"/>
@@ -5684,6 +5697,2839 @@
       <p:grpSpPr/>
       <p:sp>
         <p:nvSpPr>
+          <p:cNvPr id="2" name="Content Placeholder 1"/>
+          <p:cNvSpPr>
+            <a:spLocks noGrp="1"/>
+          </p:cNvSpPr>
+          <p:nvPr>
+            <p:ph idx="1"/>
+          </p:nvPr>
+        </p:nvSpPr>
+        <p:spPr/>
+        <p:txBody>
+          <a:bodyPr/>
+          <a:lstStyle/>
+          <a:p>
+            <a:r>
+              <a:rPr sz="1400">
+                <a:solidFill>
+                  <a:srgbClr val="000000"/>
+                </a:solidFill>
+                <a:latin typeface="Courier New"/>
+              </a:rPr>
+              <a:t>R_R1</a:t>
+            </a:r>
+            <a:r>
+              <a:rPr sz="1400">
+                <a:solidFill>
+                  <a:srgbClr val="000000"/>
+                </a:solidFill>
+                <a:latin typeface="Courier New"/>
+              </a:rPr>
+              <a:t> </a:t>
+            </a:r>
+            <a:r>
+              <a:rPr sz="1400">
+                <a:solidFill>
+                  <a:srgbClr val="000000"/>
+                </a:solidFill>
+                <a:latin typeface="Courier New"/>
+              </a:rPr>
+              <a:t>5</a:t>
+            </a:r>
+            <a:r>
+              <a:rPr sz="1400">
+                <a:solidFill>
+                  <a:srgbClr val="000000"/>
+                </a:solidFill>
+                <a:latin typeface="Courier New"/>
+              </a:rPr>
+              <a:t> </a:t>
+            </a:r>
+            <a:r>
+              <a:rPr sz="1400">
+                <a:solidFill>
+                  <a:srgbClr val="000000"/>
+                </a:solidFill>
+                <a:latin typeface="Courier New"/>
+              </a:rPr>
+              <a:t>3</a:t>
+            </a:r>
+            <a:r>
+              <a:rPr sz="1400">
+                <a:solidFill>
+                  <a:srgbClr val="000000"/>
+                </a:solidFill>
+                <a:latin typeface="Courier New"/>
+              </a:rPr>
+              <a:t> </a:t>
+            </a:r>
+            <a:r>
+              <a:rPr sz="1400">
+                <a:solidFill>
+                  <a:srgbClr val="000000"/>
+                </a:solidFill>
+                <a:latin typeface="Courier New"/>
+              </a:rPr>
+              <a:t>60</a:t>
+            </a:r>
+            <a:r>
+              <a:rPr sz="1400">
+                <a:solidFill>
+                  <a:srgbClr val="000000"/>
+                </a:solidFill>
+                <a:latin typeface="Courier New"/>
+              </a:rPr>
+              <a:t/>
+            </a:r>
+            <a:r>
+              <a:rPr sz="1400">
+                <a:solidFill>
+                  <a:srgbClr val="000000"/>
+                </a:solidFill>
+                <a:latin typeface="Courier New"/>
+              </a:rPr>
+              <a:t>V_V3</a:t>
+            </a:r>
+            <a:r>
+              <a:rPr sz="1400">
+                <a:solidFill>
+                  <a:srgbClr val="000000"/>
+                </a:solidFill>
+                <a:latin typeface="Courier New"/>
+              </a:rPr>
+              <a:t> </a:t>
+            </a:r>
+            <a:r>
+              <a:rPr sz="1400">
+                <a:solidFill>
+                  <a:srgbClr val="000000"/>
+                </a:solidFill>
+                <a:latin typeface="Courier New"/>
+              </a:rPr>
+              <a:t>3</a:t>
+            </a:r>
+            <a:r>
+              <a:rPr sz="1400">
+                <a:solidFill>
+                  <a:srgbClr val="000000"/>
+                </a:solidFill>
+                <a:latin typeface="Courier New"/>
+              </a:rPr>
+              <a:t> </a:t>
+            </a:r>
+            <a:r>
+              <a:rPr sz="1400">
+                <a:solidFill>
+                  <a:srgbClr val="000000"/>
+                </a:solidFill>
+                <a:latin typeface="Courier New"/>
+              </a:rPr>
+              <a:t>0</a:t>
+            </a:r>
+            <a:r>
+              <a:rPr sz="1400">
+                <a:solidFill>
+                  <a:srgbClr val="000000"/>
+                </a:solidFill>
+                <a:latin typeface="Courier New"/>
+              </a:rPr>
+              <a:t> </a:t>
+            </a:r>
+            <a:r>
+              <a:rPr sz="1400">
+                <a:solidFill>
+                  <a:srgbClr val="000000"/>
+                </a:solidFill>
+                <a:latin typeface="Courier New"/>
+              </a:rPr>
+              <a:t>11</a:t>
+            </a:r>
+            <a:r>
+              <a:rPr sz="1400">
+                <a:solidFill>
+                  <a:srgbClr val="000000"/>
+                </a:solidFill>
+                <a:latin typeface="Courier New"/>
+              </a:rPr>
+              <a:t>V</a:t>
+            </a:r>
+            <a:r>
+              <a:rPr sz="1400">
+                <a:solidFill>
+                  <a:srgbClr val="000000"/>
+                </a:solidFill>
+                <a:latin typeface="Courier New"/>
+              </a:rPr>
+              <a:t/>
+            </a:r>
+            <a:r>
+              <a:rPr sz="1400">
+                <a:solidFill>
+                  <a:srgbClr val="000000"/>
+                </a:solidFill>
+                <a:latin typeface="Courier New"/>
+              </a:rPr>
+              <a:t>V_V5</a:t>
+            </a:r>
+            <a:r>
+              <a:rPr sz="1400">
+                <a:solidFill>
+                  <a:srgbClr val="000000"/>
+                </a:solidFill>
+                <a:latin typeface="Courier New"/>
+              </a:rPr>
+              <a:t> </a:t>
+            </a:r>
+            <a:r>
+              <a:rPr sz="1400">
+                <a:solidFill>
+                  <a:srgbClr val="000000"/>
+                </a:solidFill>
+                <a:latin typeface="Courier New"/>
+              </a:rPr>
+              <a:t>1</a:t>
+            </a:r>
+            <a:r>
+              <a:rPr sz="1400">
+                <a:solidFill>
+                  <a:srgbClr val="000000"/>
+                </a:solidFill>
+                <a:latin typeface="Courier New"/>
+              </a:rPr>
+              <a:t> </a:t>
+            </a:r>
+            <a:r>
+              <a:rPr sz="1400">
+                <a:solidFill>
+                  <a:srgbClr val="000000"/>
+                </a:solidFill>
+                <a:latin typeface="Courier New"/>
+              </a:rPr>
+              <a:t>0</a:t>
+            </a:r>
+            <a:r>
+              <a:rPr sz="1400">
+                <a:solidFill>
+                  <a:srgbClr val="000000"/>
+                </a:solidFill>
+                <a:latin typeface="Courier New"/>
+              </a:rPr>
+              <a:t> </a:t>
+            </a:r>
+            <a:r>
+              <a:rPr sz="1400">
+                <a:solidFill>
+                  <a:srgbClr val="000000"/>
+                </a:solidFill>
+                <a:latin typeface="Courier New"/>
+              </a:rPr>
+              <a:t>sin</a:t>
+            </a:r>
+            <a:r>
+              <a:rPr sz="1400">
+                <a:solidFill>
+                  <a:srgbClr val="000000"/>
+                </a:solidFill>
+                <a:latin typeface="Courier New"/>
+              </a:rPr>
+              <a:t>(</a:t>
+            </a:r>
+            <a:r>
+              <a:rPr sz="1400">
+                <a:solidFill>
+                  <a:srgbClr val="000000"/>
+                </a:solidFill>
+                <a:latin typeface="Courier New"/>
+              </a:rPr>
+              <a:t>0.7</a:t>
+            </a:r>
+            <a:r>
+              <a:rPr sz="1400">
+                <a:solidFill>
+                  <a:srgbClr val="000000"/>
+                </a:solidFill>
+                <a:latin typeface="Courier New"/>
+              </a:rPr>
+              <a:t> </a:t>
+            </a:r>
+            <a:r>
+              <a:rPr sz="1400">
+                <a:solidFill>
+                  <a:srgbClr val="000000"/>
+                </a:solidFill>
+                <a:latin typeface="Courier New"/>
+              </a:rPr>
+              <a:t>0.8</a:t>
+            </a:r>
+            <a:r>
+              <a:rPr sz="1400">
+                <a:solidFill>
+                  <a:srgbClr val="000000"/>
+                </a:solidFill>
+                <a:latin typeface="Courier New"/>
+              </a:rPr>
+              <a:t> </a:t>
+            </a:r>
+            <a:r>
+              <a:rPr sz="1400">
+                <a:solidFill>
+                  <a:srgbClr val="000000"/>
+                </a:solidFill>
+                <a:latin typeface="Courier New"/>
+              </a:rPr>
+              <a:t>1591500</a:t>
+            </a:r>
+            <a:r>
+              <a:rPr sz="1400">
+                <a:solidFill>
+                  <a:srgbClr val="000000"/>
+                </a:solidFill>
+                <a:latin typeface="Courier New"/>
+              </a:rPr>
+              <a:t>)</a:t>
+            </a:r>
+            <a:r>
+              <a:rPr sz="1400">
+                <a:solidFill>
+                  <a:srgbClr val="000000"/>
+                </a:solidFill>
+                <a:latin typeface="Courier New"/>
+              </a:rPr>
+              <a:t> </a:t>
+            </a:r>
+            <a:r>
+              <a:rPr sz="1400">
+                <a:solidFill>
+                  <a:srgbClr val="000000"/>
+                </a:solidFill>
+                <a:latin typeface="Courier New"/>
+              </a:rPr>
+              <a:t>DC</a:t>
+            </a:r>
+            <a:r>
+              <a:rPr sz="1400">
+                <a:solidFill>
+                  <a:srgbClr val="000000"/>
+                </a:solidFill>
+                <a:latin typeface="Courier New"/>
+              </a:rPr>
+              <a:t>=</a:t>
+            </a:r>
+            <a:r>
+              <a:rPr sz="1400">
+                <a:solidFill>
+                  <a:srgbClr val="000000"/>
+                </a:solidFill>
+                <a:latin typeface="Courier New"/>
+              </a:rPr>
+              <a:t>0.7</a:t>
+            </a:r>
+            <a:r>
+              <a:rPr sz="1400">
+                <a:solidFill>
+                  <a:srgbClr val="000000"/>
+                </a:solidFill>
+                <a:latin typeface="Courier New"/>
+              </a:rPr>
+              <a:t/>
+            </a:r>
+            <a:r>
+              <a:rPr sz="1400">
+                <a:solidFill>
+                  <a:srgbClr val="000000"/>
+                </a:solidFill>
+                <a:latin typeface="Courier New"/>
+              </a:rPr>
+              <a:t>C_C3</a:t>
+            </a:r>
+            <a:r>
+              <a:rPr sz="1400">
+                <a:solidFill>
+                  <a:srgbClr val="000000"/>
+                </a:solidFill>
+                <a:latin typeface="Courier New"/>
+              </a:rPr>
+              <a:t> </a:t>
+            </a:r>
+            <a:r>
+              <a:rPr sz="1400">
+                <a:solidFill>
+                  <a:srgbClr val="000000"/>
+                </a:solidFill>
+                <a:latin typeface="Courier New"/>
+              </a:rPr>
+              <a:t>5</a:t>
+            </a:r>
+            <a:r>
+              <a:rPr sz="1400">
+                <a:solidFill>
+                  <a:srgbClr val="000000"/>
+                </a:solidFill>
+                <a:latin typeface="Courier New"/>
+              </a:rPr>
+              <a:t> </a:t>
+            </a:r>
+            <a:r>
+              <a:rPr sz="1400">
+                <a:solidFill>
+                  <a:srgbClr val="000000"/>
+                </a:solidFill>
+                <a:latin typeface="Courier New"/>
+              </a:rPr>
+              <a:t>2</a:t>
+            </a:r>
+            <a:r>
+              <a:rPr sz="1400">
+                <a:solidFill>
+                  <a:srgbClr val="000000"/>
+                </a:solidFill>
+                <a:latin typeface="Courier New"/>
+              </a:rPr>
+              <a:t> </a:t>
+            </a:r>
+            <a:r>
+              <a:rPr sz="1400">
+                <a:solidFill>
+                  <a:srgbClr val="000000"/>
+                </a:solidFill>
+                <a:latin typeface="Courier New"/>
+              </a:rPr>
+              <a:t>10</a:t>
+            </a:r>
+            <a:r>
+              <a:rPr sz="1400">
+                <a:solidFill>
+                  <a:srgbClr val="000000"/>
+                </a:solidFill>
+                <a:latin typeface="Courier New"/>
+              </a:rPr>
+              <a:t>n</a:t>
+            </a:r>
+            <a:r>
+              <a:rPr sz="1400">
+                <a:solidFill>
+                  <a:srgbClr val="000000"/>
+                </a:solidFill>
+                <a:latin typeface="Courier New"/>
+              </a:rPr>
+              <a:t/>
+            </a:r>
+            <a:r>
+              <a:rPr sz="1400">
+                <a:solidFill>
+                  <a:srgbClr val="000000"/>
+                </a:solidFill>
+                <a:latin typeface="Courier New"/>
+              </a:rPr>
+              <a:t>L_L3</a:t>
+            </a:r>
+            <a:r>
+              <a:rPr sz="1400">
+                <a:solidFill>
+                  <a:srgbClr val="000000"/>
+                </a:solidFill>
+                <a:latin typeface="Courier New"/>
+              </a:rPr>
+              <a:t> </a:t>
+            </a:r>
+            <a:r>
+              <a:rPr sz="1400">
+                <a:solidFill>
+                  <a:srgbClr val="000000"/>
+                </a:solidFill>
+                <a:latin typeface="Courier New"/>
+              </a:rPr>
+              <a:t>5</a:t>
+            </a:r>
+            <a:r>
+              <a:rPr sz="1400">
+                <a:solidFill>
+                  <a:srgbClr val="000000"/>
+                </a:solidFill>
+                <a:latin typeface="Courier New"/>
+              </a:rPr>
+              <a:t> </a:t>
+            </a:r>
+            <a:r>
+              <a:rPr sz="1400">
+                <a:solidFill>
+                  <a:srgbClr val="000000"/>
+                </a:solidFill>
+                <a:latin typeface="Courier New"/>
+              </a:rPr>
+              <a:t>2</a:t>
+            </a:r>
+            <a:r>
+              <a:rPr sz="1400">
+                <a:solidFill>
+                  <a:srgbClr val="000000"/>
+                </a:solidFill>
+                <a:latin typeface="Courier New"/>
+              </a:rPr>
+              <a:t> </a:t>
+            </a:r>
+            <a:r>
+              <a:rPr sz="1400">
+                <a:solidFill>
+                  <a:srgbClr val="000000"/>
+                </a:solidFill>
+                <a:latin typeface="Courier New"/>
+              </a:rPr>
+              <a:t>0.111</a:t>
+            </a:r>
+            <a:r>
+              <a:rPr sz="1400">
+                <a:solidFill>
+                  <a:srgbClr val="000000"/>
+                </a:solidFill>
+                <a:latin typeface="Courier New"/>
+              </a:rPr>
+              <a:t>uH</a:t>
+            </a:r>
+            <a:r>
+              <a:rPr sz="1400">
+                <a:solidFill>
+                  <a:srgbClr val="000000"/>
+                </a:solidFill>
+                <a:latin typeface="Courier New"/>
+              </a:rPr>
+              <a:t/>
+            </a:r>
+            <a:r>
+              <a:rPr sz="1400">
+                <a:solidFill>
+                  <a:srgbClr val="000000"/>
+                </a:solidFill>
+                <a:latin typeface="Courier New"/>
+              </a:rPr>
+              <a:t>.</a:t>
+            </a:r>
+            <a:r>
+              <a:rPr sz="1400">
+                <a:solidFill>
+                  <a:srgbClr val="000000"/>
+                </a:solidFill>
+                <a:latin typeface="Courier New"/>
+              </a:rPr>
+              <a:t>model</a:t>
+            </a:r>
+            <a:r>
+              <a:rPr sz="1400">
+                <a:solidFill>
+                  <a:srgbClr val="000000"/>
+                </a:solidFill>
+                <a:latin typeface="Courier New"/>
+              </a:rPr>
+              <a:t> </a:t>
+            </a:r>
+            <a:r>
+              <a:rPr sz="1400">
+                <a:solidFill>
+                  <a:srgbClr val="000000"/>
+                </a:solidFill>
+                <a:latin typeface="Courier New"/>
+              </a:rPr>
+              <a:t>Q2</a:t>
+            </a:r>
+            <a:r>
+              <a:rPr sz="1400">
+                <a:solidFill>
+                  <a:srgbClr val="000000"/>
+                </a:solidFill>
+                <a:latin typeface="Courier New"/>
+              </a:rPr>
+              <a:t> </a:t>
+            </a:r>
+            <a:r>
+              <a:rPr sz="1400">
+                <a:solidFill>
+                  <a:srgbClr val="000000"/>
+                </a:solidFill>
+                <a:latin typeface="Courier New"/>
+              </a:rPr>
+              <a:t>NPN</a:t>
+            </a:r>
+            <a:r>
+              <a:rPr sz="1400">
+                <a:solidFill>
+                  <a:srgbClr val="000000"/>
+                </a:solidFill>
+                <a:latin typeface="Courier New"/>
+              </a:rPr>
+              <a:t>(</a:t>
+            </a:r>
+            <a:r>
+              <a:rPr sz="1400">
+                <a:solidFill>
+                  <a:srgbClr val="000000"/>
+                </a:solidFill>
+                <a:latin typeface="Courier New"/>
+              </a:rPr>
+              <a:t>Is</a:t>
+            </a:r>
+            <a:r>
+              <a:rPr sz="1400">
+                <a:solidFill>
+                  <a:srgbClr val="000000"/>
+                </a:solidFill>
+                <a:latin typeface="Courier New"/>
+              </a:rPr>
+              <a:t>=</a:t>
+            </a:r>
+            <a:r>
+              <a:rPr sz="1400">
+                <a:solidFill>
+                  <a:srgbClr val="000000"/>
+                </a:solidFill>
+                <a:latin typeface="Courier New"/>
+              </a:rPr>
+              <a:t>14.34</a:t>
+            </a:r>
+            <a:r>
+              <a:rPr sz="1400">
+                <a:solidFill>
+                  <a:srgbClr val="000000"/>
+                </a:solidFill>
+                <a:latin typeface="Courier New"/>
+              </a:rPr>
+              <a:t>f</a:t>
+            </a:r>
+            <a:r>
+              <a:rPr sz="1400">
+                <a:solidFill>
+                  <a:srgbClr val="000000"/>
+                </a:solidFill>
+                <a:latin typeface="Courier New"/>
+              </a:rPr>
+              <a:t> </a:t>
+            </a:r>
+            <a:r>
+              <a:rPr sz="1400">
+                <a:solidFill>
+                  <a:srgbClr val="000000"/>
+                </a:solidFill>
+                <a:latin typeface="Courier New"/>
+              </a:rPr>
+              <a:t>BF</a:t>
+            </a:r>
+            <a:r>
+              <a:rPr sz="1400">
+                <a:solidFill>
+                  <a:srgbClr val="000000"/>
+                </a:solidFill>
+                <a:latin typeface="Courier New"/>
+              </a:rPr>
+              <a:t>=</a:t>
+            </a:r>
+            <a:r>
+              <a:rPr sz="1400">
+                <a:solidFill>
+                  <a:srgbClr val="000000"/>
+                </a:solidFill>
+                <a:latin typeface="Courier New"/>
+              </a:rPr>
+              <a:t>200</a:t>
+            </a:r>
+            <a:r>
+              <a:rPr sz="1400">
+                <a:solidFill>
+                  <a:srgbClr val="000000"/>
+                </a:solidFill>
+                <a:latin typeface="Courier New"/>
+              </a:rPr>
+              <a:t> </a:t>
+            </a:r>
+            <a:r>
+              <a:rPr sz="1400">
+                <a:solidFill>
+                  <a:srgbClr val="000000"/>
+                </a:solidFill>
+                <a:latin typeface="Courier New"/>
+              </a:rPr>
+              <a:t>RB</a:t>
+            </a:r>
+            <a:r>
+              <a:rPr sz="1400">
+                <a:solidFill>
+                  <a:srgbClr val="000000"/>
+                </a:solidFill>
+                <a:latin typeface="Courier New"/>
+              </a:rPr>
+              <a:t>=</a:t>
+            </a:r>
+            <a:r>
+              <a:rPr sz="1400">
+                <a:solidFill>
+                  <a:srgbClr val="000000"/>
+                </a:solidFill>
+                <a:latin typeface="Courier New"/>
+              </a:rPr>
+              <a:t>200</a:t>
+            </a:r>
+            <a:r>
+              <a:rPr sz="1400">
+                <a:solidFill>
+                  <a:srgbClr val="000000"/>
+                </a:solidFill>
+                <a:latin typeface="Courier New"/>
+              </a:rPr>
+              <a:t> </a:t>
+            </a:r>
+            <a:r>
+              <a:rPr sz="1400">
+                <a:solidFill>
+                  <a:srgbClr val="000000"/>
+                </a:solidFill>
+                <a:latin typeface="Courier New"/>
+              </a:rPr>
+              <a:t>)</a:t>
+            </a:r>
+            <a:r>
+              <a:rPr sz="1400">
+                <a:solidFill>
+                  <a:srgbClr val="000000"/>
+                </a:solidFill>
+                <a:latin typeface="Courier New"/>
+              </a:rPr>
+              <a:t/>
+            </a:r>
+          </a:p>
+        </p:txBody>
+      </p:sp>
+      <p:sp>
+        <p:nvSpPr>
+          <p:cNvPr id="3" name="Title 2"/>
+          <p:cNvSpPr>
+            <a:spLocks noGrp="1"/>
+          </p:cNvSpPr>
+          <p:nvPr>
+            <p:ph type="title"/>
+          </p:nvPr>
+        </p:nvSpPr>
+        <p:spPr/>
+        <p:txBody>
+          <a:bodyPr wrap="square">
+            <a:noAutofit/>
+          </a:bodyPr>
+          <a:lstStyle/>
+          <a:p>
+            <a:r>
+              <a:rPr sz="3200" b="1" i="0">
+                <a:latin typeface="Arial"/>
+              </a:rPr>
+              <a:t>Spice code van de klasse F versterker</a:t>
+            </a:r>
+            <a:endParaRPr sz="3200" b="1" i="0">
+              <a:latin typeface="Arial"/>
+            </a:endParaRPr>
+          </a:p>
+        </p:txBody>
+      </p:sp>
+    </p:spTree>
+  </p:cSld>
+  <p:clrMapOvr>
+    <a:masterClrMapping/>
+  </p:clrMapOvr>
+</p:sld>
+</file>
+
+<file path=ppt/slides/slide11.xml><?xml version="1.0" encoding="utf-8"?>
+<p:sld xmlns:a="http://schemas.openxmlformats.org/drawingml/2006/main" xmlns:p="http://schemas.openxmlformats.org/presentationml/2006/main" xmlns:r="http://schemas.openxmlformats.org/officeDocument/2006/relationships">
+  <p:cSld>
+    <p:spTree>
+      <p:nvGrpSpPr>
+        <p:cNvPr id="1" name=""/>
+        <p:cNvGrpSpPr/>
+        <p:nvPr/>
+      </p:nvGrpSpPr>
+      <p:grpSpPr/>
+      <p:sp>
+        <p:nvSpPr>
+          <p:cNvPr id="2" name="Title 1"/>
+          <p:cNvSpPr>
+            <a:spLocks noGrp="1"/>
+          </p:cNvSpPr>
+          <p:nvPr>
+            <p:ph type="title"/>
+          </p:nvPr>
+        </p:nvSpPr>
+        <p:spPr/>
+        <p:txBody>
+          <a:bodyPr wrap="square">
+            <a:noAutofit/>
+          </a:bodyPr>
+          <a:lstStyle/>
+          <a:p>
+            <a:r>
+              <a:rPr sz="2600" b="1" i="0">
+                <a:latin typeface="Arial"/>
+              </a:rPr>
+              <a:t>Spanningen op de verschillende knopen van de klasse F versterker.</a:t>
+            </a:r>
+            <a:endParaRPr sz="2600" b="1" i="0">
+              <a:latin typeface="Arial"/>
+            </a:endParaRPr>
+          </a:p>
+        </p:txBody>
+      </p:sp>
+      <p:pic>
+        <p:nvPicPr>
+          <p:cNvPr id="3" name="Picture 2" descr="image.png"/>
+          <p:cNvPicPr>
+            <a:picLocks noChangeAspect="1"/>
+          </p:cNvPicPr>
+          <p:nvPr/>
+        </p:nvPicPr>
+        <p:blipFill>
+          <a:blip r:embed="rId2"/>
+          <a:stretch>
+            <a:fillRect/>
+          </a:stretch>
+        </p:blipFill>
+        <p:spPr>
+          <a:xfrm>
+            <a:off x="1889379" y="566928"/>
+            <a:ext cx="8413242" cy="5577840"/>
+          </a:xfrm>
+          <a:prstGeom prst="rect">
+            <a:avLst/>
+          </a:prstGeom>
+        </p:spPr>
+      </p:pic>
+    </p:spTree>
+  </p:cSld>
+  <p:clrMapOvr>
+    <a:masterClrMapping/>
+  </p:clrMapOvr>
+</p:sld>
+</file>
+
+<file path=ppt/slides/slide12.xml><?xml version="1.0" encoding="utf-8"?>
+<p:sld xmlns:a="http://schemas.openxmlformats.org/drawingml/2006/main" xmlns:p="http://schemas.openxmlformats.org/presentationml/2006/main" xmlns:r="http://schemas.openxmlformats.org/officeDocument/2006/relationships">
+  <p:cSld>
+    <p:spTree>
+      <p:nvGrpSpPr>
+        <p:cNvPr id="1" name=""/>
+        <p:cNvGrpSpPr/>
+        <p:nvPr/>
+      </p:nvGrpSpPr>
+      <p:grpSpPr/>
+      <p:sp>
+        <p:nvSpPr>
+          <p:cNvPr id="2" name="Title 1"/>
+          <p:cNvSpPr>
+            <a:spLocks noGrp="1"/>
+          </p:cNvSpPr>
+          <p:nvPr>
+            <p:ph type="title"/>
+          </p:nvPr>
+        </p:nvSpPr>
+        <p:spPr/>
+        <p:txBody>
+          <a:bodyPr wrap="square">
+            <a:noAutofit/>
+          </a:bodyPr>
+          <a:lstStyle/>
+          <a:p>
+            <a:r>
+              <a:rPr sz="2200" b="1" i="0">
+                <a:latin typeface="Arial"/>
+              </a:rPr>
+              <a:t>Verloop van de spanning over de eerste (LC1) en over de derde (LC3) harmonische.</a:t>
+            </a:r>
+            <a:endParaRPr sz="2200" b="1" i="0">
+              <a:latin typeface="Arial"/>
+            </a:endParaRPr>
+          </a:p>
+        </p:txBody>
+      </p:sp>
+      <p:pic>
+        <p:nvPicPr>
+          <p:cNvPr id="3" name="Picture 2" descr="image.png"/>
+          <p:cNvPicPr>
+            <a:picLocks noChangeAspect="1"/>
+          </p:cNvPicPr>
+          <p:nvPr/>
+        </p:nvPicPr>
+        <p:blipFill>
+          <a:blip r:embed="rId2"/>
+          <a:stretch>
+            <a:fillRect/>
+          </a:stretch>
+        </p:blipFill>
+        <p:spPr>
+          <a:xfrm>
+            <a:off x="1842897" y="566928"/>
+            <a:ext cx="8506206" cy="5577840"/>
+          </a:xfrm>
+          <a:prstGeom prst="rect">
+            <a:avLst/>
+          </a:prstGeom>
+        </p:spPr>
+      </p:pic>
+    </p:spTree>
+  </p:cSld>
+  <p:clrMapOvr>
+    <a:masterClrMapping/>
+  </p:clrMapOvr>
+</p:sld>
+</file>
+
+<file path=ppt/slides/slide13.xml><?xml version="1.0" encoding="utf-8"?>
+<p:sld xmlns:a="http://schemas.openxmlformats.org/drawingml/2006/main" xmlns:p="http://schemas.openxmlformats.org/presentationml/2006/main" xmlns:r="http://schemas.openxmlformats.org/officeDocument/2006/relationships">
+  <p:cSld>
+    <p:spTree>
+      <p:nvGrpSpPr>
+        <p:cNvPr id="1" name=""/>
+        <p:cNvGrpSpPr/>
+        <p:nvPr/>
+      </p:nvGrpSpPr>
+      <p:grpSpPr/>
+      <p:sp>
+        <p:nvSpPr>
+          <p:cNvPr id="2" name="Title 1"/>
+          <p:cNvSpPr>
+            <a:spLocks noGrp="1"/>
+          </p:cNvSpPr>
+          <p:nvPr>
+            <p:ph type="title"/>
+          </p:nvPr>
+        </p:nvSpPr>
+        <p:spPr/>
+        <p:txBody>
+          <a:bodyPr wrap="square">
+            <a:noAutofit/>
+          </a:bodyPr>
+          <a:lstStyle/>
+          <a:p>
+            <a:r>
+              <a:rPr sz="3200" b="1" i="0">
+                <a:latin typeface="Arial"/>
+              </a:rPr>
+              <a:t>Verloop van de collector current</a:t>
+            </a:r>
+            <a:endParaRPr sz="3200" b="1" i="0">
+              <a:latin typeface="Arial"/>
+            </a:endParaRPr>
+          </a:p>
+        </p:txBody>
+      </p:sp>
+      <p:pic>
+        <p:nvPicPr>
+          <p:cNvPr id="3" name="Picture 2" descr="image.png"/>
+          <p:cNvPicPr>
+            <a:picLocks noChangeAspect="1"/>
+          </p:cNvPicPr>
+          <p:nvPr/>
+        </p:nvPicPr>
+        <p:blipFill>
+          <a:blip r:embed="rId2"/>
+          <a:stretch>
+            <a:fillRect/>
+          </a:stretch>
+        </p:blipFill>
+        <p:spPr>
+          <a:xfrm>
+            <a:off x="1871948" y="566928"/>
+            <a:ext cx="8448104" cy="5577840"/>
+          </a:xfrm>
+          <a:prstGeom prst="rect">
+            <a:avLst/>
+          </a:prstGeom>
+        </p:spPr>
+      </p:pic>
+    </p:spTree>
+  </p:cSld>
+  <p:clrMapOvr>
+    <a:masterClrMapping/>
+  </p:clrMapOvr>
+</p:sld>
+</file>
+
+<file path=ppt/slides/slide14.xml><?xml version="1.0" encoding="utf-8"?>
+<p:sld xmlns:a="http://schemas.openxmlformats.org/drawingml/2006/main" xmlns:p="http://schemas.openxmlformats.org/presentationml/2006/main" xmlns:r="http://schemas.openxmlformats.org/officeDocument/2006/relationships">
+  <p:cSld>
+    <p:spTree>
+      <p:nvGrpSpPr>
+        <p:cNvPr id="1" name=""/>
+        <p:cNvGrpSpPr/>
+        <p:nvPr/>
+      </p:nvGrpSpPr>
+      <p:grpSpPr/>
+      <p:sp>
+        <p:nvSpPr>
+          <p:cNvPr id="2" name="Title 1"/>
+          <p:cNvSpPr>
+            <a:spLocks noGrp="1"/>
+          </p:cNvSpPr>
+          <p:nvPr>
+            <p:ph type="title"/>
+          </p:nvPr>
+        </p:nvSpPr>
+        <p:spPr/>
+        <p:txBody>
+          <a:bodyPr wrap="square">
+            <a:noAutofit/>
+          </a:bodyPr>
+          <a:lstStyle/>
+          <a:p>
+            <a:r>
+              <a:rPr sz="2200" b="1" i="0">
+                <a:latin typeface="Arial"/>
+              </a:rPr>
+              <a:t>Basisschema van de klasse F versterker waarbij de uitgang oscilleert rond de grond.</a:t>
+            </a:r>
+            <a:endParaRPr sz="2200" b="1" i="0">
+              <a:latin typeface="Arial"/>
+            </a:endParaRPr>
+          </a:p>
+        </p:txBody>
+      </p:sp>
+      <p:pic>
+        <p:nvPicPr>
+          <p:cNvPr id="3" name="Picture 2" descr="image.png"/>
+          <p:cNvPicPr>
+            <a:picLocks noChangeAspect="1"/>
+          </p:cNvPicPr>
+          <p:nvPr/>
+        </p:nvPicPr>
+        <p:blipFill>
+          <a:blip r:embed="rId2"/>
+          <a:stretch>
+            <a:fillRect/>
+          </a:stretch>
+        </p:blipFill>
+        <p:spPr>
+          <a:xfrm>
+            <a:off x="834364" y="566928"/>
+            <a:ext cx="10523272" cy="5577840"/>
+          </a:xfrm>
+          <a:prstGeom prst="rect">
+            <a:avLst/>
+          </a:prstGeom>
+        </p:spPr>
+      </p:pic>
+    </p:spTree>
+  </p:cSld>
+  <p:clrMapOvr>
+    <a:masterClrMapping/>
+  </p:clrMapOvr>
+</p:sld>
+</file>
+
+<file path=ppt/slides/slide15.xml><?xml version="1.0" encoding="utf-8"?>
+<p:sld xmlns:a="http://schemas.openxmlformats.org/drawingml/2006/main" xmlns:p="http://schemas.openxmlformats.org/presentationml/2006/main" xmlns:r="http://schemas.openxmlformats.org/officeDocument/2006/relationships">
+  <p:cSld>
+    <p:spTree>
+      <p:nvGrpSpPr>
+        <p:cNvPr id="1" name=""/>
+        <p:cNvGrpSpPr/>
+        <p:nvPr/>
+      </p:nvGrpSpPr>
+      <p:grpSpPr/>
+      <p:sp>
+        <p:nvSpPr>
+          <p:cNvPr id="2" name="Content Placeholder 1"/>
+          <p:cNvSpPr>
+            <a:spLocks noGrp="1"/>
+          </p:cNvSpPr>
+          <p:nvPr>
+            <p:ph idx="1"/>
+          </p:nvPr>
+        </p:nvSpPr>
+        <p:spPr/>
+        <p:txBody>
+          <a:bodyPr/>
+          <a:lstStyle/>
+          <a:p/>
+        </p:txBody>
+      </p:sp>
+      <p:sp>
+        <p:nvSpPr>
+          <p:cNvPr id="3" name="Title 2"/>
+          <p:cNvSpPr>
+            <a:spLocks noGrp="1"/>
+          </p:cNvSpPr>
+          <p:nvPr>
+            <p:ph type="title"/>
+          </p:nvPr>
+        </p:nvSpPr>
+        <p:spPr/>
+        <p:txBody>
+          <a:bodyPr wrap="square">
+            <a:noAutofit/>
+          </a:bodyPr>
+          <a:lstStyle/>
+          <a:p>
+            <a:r>
+              <a:rPr sz="3200" b="1" i="0">
+                <a:latin typeface="Arial"/>
+              </a:rPr>
+              <a:t>Klasse F versterker met oscillatie rond de grond</a:t>
+            </a:r>
+            <a:endParaRPr sz="3200" b="1" i="0">
+              <a:latin typeface="Arial"/>
+            </a:endParaRPr>
+          </a:p>
+        </p:txBody>
+      </p:sp>
+    </p:spTree>
+  </p:cSld>
+  <p:clrMapOvr>
+    <a:masterClrMapping/>
+  </p:clrMapOvr>
+</p:sld>
+</file>
+
+<file path=ppt/slides/slide16.xml><?xml version="1.0" encoding="utf-8"?>
+<p:sld xmlns:a="http://schemas.openxmlformats.org/drawingml/2006/main" xmlns:p="http://schemas.openxmlformats.org/presentationml/2006/main" xmlns:r="http://schemas.openxmlformats.org/officeDocument/2006/relationships">
+  <p:cSld>
+    <p:spTree>
+      <p:nvGrpSpPr>
+        <p:cNvPr id="1" name=""/>
+        <p:cNvGrpSpPr/>
+        <p:nvPr/>
+      </p:nvGrpSpPr>
+      <p:grpSpPr/>
+      <p:sp>
+        <p:nvSpPr>
+          <p:cNvPr id="2" name="Content Placeholder 1"/>
+          <p:cNvSpPr>
+            <a:spLocks noGrp="1"/>
+          </p:cNvSpPr>
+          <p:nvPr>
+            <p:ph idx="1"/>
+          </p:nvPr>
+        </p:nvSpPr>
+        <p:spPr/>
+        <p:txBody>
+          <a:bodyPr/>
+          <a:lstStyle/>
+          <a:p/>
+        </p:txBody>
+      </p:sp>
+      <p:sp>
+        <p:nvSpPr>
+          <p:cNvPr id="3" name="Title 2"/>
+          <p:cNvSpPr>
+            <a:spLocks noGrp="1"/>
+          </p:cNvSpPr>
+          <p:nvPr>
+            <p:ph type="title"/>
+          </p:nvPr>
+        </p:nvSpPr>
+        <p:spPr/>
+        <p:txBody>
+          <a:bodyPr wrap="square">
+            <a:noAutofit/>
+          </a:bodyPr>
+          <a:lstStyle/>
+          <a:p>
+            <a:r>
+              <a:rPr sz="3200" b="1" i="0">
+                <a:latin typeface="Arial"/>
+              </a:rPr>
+              <a:t>Klasse F versterker met oscillatie rond de grond</a:t>
+            </a:r>
+            <a:endParaRPr sz="3200" b="1" i="0">
+              <a:latin typeface="Arial"/>
+            </a:endParaRPr>
+          </a:p>
+        </p:txBody>
+      </p:sp>
+    </p:spTree>
+  </p:cSld>
+  <p:clrMapOvr>
+    <a:masterClrMapping/>
+  </p:clrMapOvr>
+</p:sld>
+</file>
+
+<file path=ppt/slides/slide17.xml><?xml version="1.0" encoding="utf-8"?>
+<p:sld xmlns:a="http://schemas.openxmlformats.org/drawingml/2006/main" xmlns:p="http://schemas.openxmlformats.org/presentationml/2006/main" xmlns:r="http://schemas.openxmlformats.org/officeDocument/2006/relationships">
+  <p:cSld>
+    <p:spTree>
+      <p:nvGrpSpPr>
+        <p:cNvPr id="1" name=""/>
+        <p:cNvGrpSpPr/>
+        <p:nvPr/>
+      </p:nvGrpSpPr>
+      <p:grpSpPr/>
+      <p:sp>
+        <p:nvSpPr>
+          <p:cNvPr id="2" name="Content Placeholder 1"/>
+          <p:cNvSpPr>
+            <a:spLocks noGrp="1"/>
+          </p:cNvSpPr>
+          <p:nvPr>
+            <p:ph idx="1"/>
+          </p:nvPr>
+        </p:nvSpPr>
+        <p:spPr/>
+        <p:txBody>
+          <a:bodyPr/>
+          <a:lstStyle/>
+          <a:p/>
+        </p:txBody>
+      </p:sp>
+      <p:sp>
+        <p:nvSpPr>
+          <p:cNvPr id="3" name="Title 2"/>
+          <p:cNvSpPr>
+            <a:spLocks noGrp="1"/>
+          </p:cNvSpPr>
+          <p:nvPr>
+            <p:ph type="title"/>
+          </p:nvPr>
+        </p:nvSpPr>
+        <p:spPr/>
+        <p:txBody>
+          <a:bodyPr wrap="square">
+            <a:noAutofit/>
+          </a:bodyPr>
+          <a:lstStyle/>
+          <a:p>
+            <a:r>
+              <a:rPr sz="3200" b="1" i="0">
+                <a:latin typeface="Arial"/>
+              </a:rPr>
+              <a:t>Klasse F versterker met oscillatie rond de grond</a:t>
+            </a:r>
+            <a:endParaRPr sz="3200" b="1" i="0">
+              <a:latin typeface="Arial"/>
+            </a:endParaRPr>
+          </a:p>
+        </p:txBody>
+      </p:sp>
+    </p:spTree>
+  </p:cSld>
+  <p:clrMapOvr>
+    <a:masterClrMapping/>
+  </p:clrMapOvr>
+</p:sld>
+</file>
+
+<file path=ppt/slides/slide18.xml><?xml version="1.0" encoding="utf-8"?>
+<p:sld xmlns:a="http://schemas.openxmlformats.org/drawingml/2006/main" xmlns:p="http://schemas.openxmlformats.org/presentationml/2006/main" xmlns:r="http://schemas.openxmlformats.org/officeDocument/2006/relationships">
+  <p:cSld>
+    <p:spTree>
+      <p:nvGrpSpPr>
+        <p:cNvPr id="1" name=""/>
+        <p:cNvGrpSpPr/>
+        <p:nvPr/>
+      </p:nvGrpSpPr>
+      <p:grpSpPr/>
+      <p:sp>
+        <p:nvSpPr>
+          <p:cNvPr id="2" name="Content Placeholder 1"/>
+          <p:cNvSpPr>
+            <a:spLocks noGrp="1"/>
+          </p:cNvSpPr>
+          <p:nvPr>
+            <p:ph idx="1"/>
+          </p:nvPr>
+        </p:nvSpPr>
+        <p:spPr/>
+        <p:txBody>
+          <a:bodyPr/>
+          <a:lstStyle/>
+          <a:p/>
+        </p:txBody>
+      </p:sp>
+      <p:sp>
+        <p:nvSpPr>
+          <p:cNvPr id="3" name="Title 2"/>
+          <p:cNvSpPr>
+            <a:spLocks noGrp="1"/>
+          </p:cNvSpPr>
+          <p:nvPr>
+            <p:ph type="title"/>
+          </p:nvPr>
+        </p:nvSpPr>
+        <p:spPr/>
+        <p:txBody>
+          <a:bodyPr wrap="square">
+            <a:noAutofit/>
+          </a:bodyPr>
+          <a:lstStyle/>
+          <a:p>
+            <a:r>
+              <a:rPr sz="3200" b="1" i="0">
+                <a:latin typeface="Arial"/>
+              </a:rPr>
+              <a:t>Klasse F versterker met oscillatie rond de grond</a:t>
+            </a:r>
+            <a:endParaRPr sz="3200" b="1" i="0">
+              <a:latin typeface="Arial"/>
+            </a:endParaRPr>
+          </a:p>
+        </p:txBody>
+      </p:sp>
+    </p:spTree>
+  </p:cSld>
+  <p:clrMapOvr>
+    <a:masterClrMapping/>
+  </p:clrMapOvr>
+</p:sld>
+</file>
+
+<file path=ppt/slides/slide19.xml><?xml version="1.0" encoding="utf-8"?>
+<p:sld xmlns:a="http://schemas.openxmlformats.org/drawingml/2006/main" xmlns:p="http://schemas.openxmlformats.org/presentationml/2006/main" xmlns:r="http://schemas.openxmlformats.org/officeDocument/2006/relationships">
+  <p:cSld>
+    <p:spTree>
+      <p:nvGrpSpPr>
+        <p:cNvPr id="1" name=""/>
+        <p:cNvGrpSpPr/>
+        <p:nvPr/>
+      </p:nvGrpSpPr>
+      <p:grpSpPr/>
+      <p:sp>
+        <p:nvSpPr>
+          <p:cNvPr id="2" name="Content Placeholder 1"/>
+          <p:cNvSpPr>
+            <a:spLocks noGrp="1"/>
+          </p:cNvSpPr>
+          <p:nvPr>
+            <p:ph idx="1"/>
+          </p:nvPr>
+        </p:nvSpPr>
+        <p:spPr/>
+        <p:txBody>
+          <a:bodyPr/>
+          <a:lstStyle/>
+          <a:p/>
+        </p:txBody>
+      </p:sp>
+      <p:sp>
+        <p:nvSpPr>
+          <p:cNvPr id="3" name="Title 2"/>
+          <p:cNvSpPr>
+            <a:spLocks noGrp="1"/>
+          </p:cNvSpPr>
+          <p:nvPr>
+            <p:ph type="title"/>
+          </p:nvPr>
+        </p:nvSpPr>
+        <p:spPr/>
+        <p:txBody>
+          <a:bodyPr wrap="square">
+            <a:noAutofit/>
+          </a:bodyPr>
+          <a:lstStyle/>
+          <a:p>
+            <a:r>
+              <a:rPr sz="3200" b="1" i="0">
+                <a:latin typeface="Arial"/>
+              </a:rPr>
+              <a:t>Klasse F versterker met oscillatie rond de grond</a:t>
+            </a:r>
+            <a:endParaRPr sz="3200" b="1" i="0">
+              <a:latin typeface="Arial"/>
+            </a:endParaRPr>
+          </a:p>
+        </p:txBody>
+      </p:sp>
+    </p:spTree>
+  </p:cSld>
+  <p:clrMapOvr>
+    <a:masterClrMapping/>
+  </p:clrMapOvr>
+</p:sld>
+</file>
+
+<file path=ppt/slides/slide2.xml><?xml version="1.0" encoding="utf-8"?>
+<p:sld xmlns:a="http://schemas.openxmlformats.org/drawingml/2006/main" xmlns:p="http://schemas.openxmlformats.org/presentationml/2006/main" xmlns:r="http://schemas.openxmlformats.org/officeDocument/2006/relationships">
+  <p:cSld>
+    <p:spTree>
+      <p:nvGrpSpPr>
+        <p:cNvPr id="1" name=""/>
+        <p:cNvGrpSpPr/>
+        <p:nvPr/>
+      </p:nvGrpSpPr>
+      <p:grpSpPr/>
+      <p:sp>
+        <p:nvSpPr>
+          <p:cNvPr id="2" name="Title 1"/>
+          <p:cNvSpPr>
+            <a:spLocks noGrp="1"/>
+          </p:cNvSpPr>
+          <p:nvPr>
+            <p:ph type="title"/>
+          </p:nvPr>
+        </p:nvSpPr>
+        <p:spPr/>
+        <p:txBody>
+          <a:bodyPr wrap="square">
+            <a:noAutofit/>
+          </a:bodyPr>
+          <a:lstStyle/>
+          <a:p>
+            <a:r>
+              <a:rPr sz="3200" b="1" i="0">
+                <a:latin typeface="Arial"/>
+              </a:rPr>
+              <a:t>Basisschema van de klasse F versterker</a:t>
+            </a:r>
+            <a:endParaRPr sz="3200" b="1" i="0">
+              <a:latin typeface="Arial"/>
+            </a:endParaRPr>
+          </a:p>
+        </p:txBody>
+      </p:sp>
+      <p:pic>
+        <p:nvPicPr>
+          <p:cNvPr id="3" name="Picture 2" descr="image.png"/>
+          <p:cNvPicPr>
+            <a:picLocks noChangeAspect="1"/>
+          </p:cNvPicPr>
+          <p:nvPr/>
+        </p:nvPicPr>
+        <p:blipFill>
+          <a:blip r:embed="rId2"/>
+          <a:stretch>
+            <a:fillRect/>
+          </a:stretch>
+        </p:blipFill>
+        <p:spPr>
+          <a:xfrm>
+            <a:off x="4541869" y="566928"/>
+            <a:ext cx="3108262" cy="5577840"/>
+          </a:xfrm>
+          <a:prstGeom prst="rect">
+            <a:avLst/>
+          </a:prstGeom>
+        </p:spPr>
+      </p:pic>
+    </p:spTree>
+  </p:cSld>
+  <p:clrMapOvr>
+    <a:masterClrMapping/>
+  </p:clrMapOvr>
+</p:sld>
+</file>
+
+<file path=ppt/slides/slide20.xml><?xml version="1.0" encoding="utf-8"?>
+<p:sld xmlns:a="http://schemas.openxmlformats.org/drawingml/2006/main" xmlns:p="http://schemas.openxmlformats.org/presentationml/2006/main" xmlns:r="http://schemas.openxmlformats.org/officeDocument/2006/relationships">
+  <p:cSld>
+    <p:spTree>
+      <p:nvGrpSpPr>
+        <p:cNvPr id="1" name=""/>
+        <p:cNvGrpSpPr/>
+        <p:nvPr/>
+      </p:nvGrpSpPr>
+      <p:grpSpPr/>
+      <p:sp>
+        <p:nvSpPr>
+          <p:cNvPr id="2" name="Content Placeholder 1"/>
+          <p:cNvSpPr>
+            <a:spLocks noGrp="1"/>
+          </p:cNvSpPr>
+          <p:nvPr>
+            <p:ph idx="1"/>
+          </p:nvPr>
+        </p:nvSpPr>
+        <p:spPr/>
+        <p:txBody>
+          <a:bodyPr/>
+          <a:lstStyle/>
+          <a:p/>
+        </p:txBody>
+      </p:sp>
+      <p:sp>
+        <p:nvSpPr>
+          <p:cNvPr id="3" name="Title 2"/>
+          <p:cNvSpPr>
+            <a:spLocks noGrp="1"/>
+          </p:cNvSpPr>
+          <p:nvPr>
+            <p:ph type="title"/>
+          </p:nvPr>
+        </p:nvSpPr>
+        <p:spPr/>
+        <p:txBody>
+          <a:bodyPr wrap="square">
+            <a:noAutofit/>
+          </a:bodyPr>
+          <a:lstStyle/>
+          <a:p>
+            <a:r>
+              <a:rPr sz="3200" b="1" i="0">
+                <a:latin typeface="Arial"/>
+              </a:rPr>
+              <a:t>Klasse F versterker met oscillatie rond de grond</a:t>
+            </a:r>
+            <a:endParaRPr sz="3200" b="1" i="0">
+              <a:latin typeface="Arial"/>
+            </a:endParaRPr>
+          </a:p>
+        </p:txBody>
+      </p:sp>
+    </p:spTree>
+  </p:cSld>
+  <p:clrMapOvr>
+    <a:masterClrMapping/>
+  </p:clrMapOvr>
+</p:sld>
+</file>
+
+<file path=ppt/slides/slide21.xml><?xml version="1.0" encoding="utf-8"?>
+<p:sld xmlns:a="http://schemas.openxmlformats.org/drawingml/2006/main" xmlns:p="http://schemas.openxmlformats.org/presentationml/2006/main" xmlns:r="http://schemas.openxmlformats.org/officeDocument/2006/relationships">
+  <p:cSld>
+    <p:spTree>
+      <p:nvGrpSpPr>
+        <p:cNvPr id="1" name=""/>
+        <p:cNvGrpSpPr/>
+        <p:nvPr/>
+      </p:nvGrpSpPr>
+      <p:grpSpPr/>
+      <p:sp>
+        <p:nvSpPr>
+          <p:cNvPr id="2" name="Content Placeholder 1"/>
+          <p:cNvSpPr>
+            <a:spLocks noGrp="1"/>
+          </p:cNvSpPr>
+          <p:nvPr>
+            <p:ph idx="1"/>
+          </p:nvPr>
+        </p:nvSpPr>
+        <p:spPr/>
+        <p:txBody>
+          <a:bodyPr/>
+          <a:lstStyle/>
+          <a:p>
+            <a:r>
+              <a:rPr sz="1400">
+                <a:solidFill>
+                  <a:srgbClr val="000000"/>
+                </a:solidFill>
+                <a:latin typeface="Courier New"/>
+              </a:rPr>
+              <a:t/>
+            </a:r>
+            <a:r>
+              <a:rPr sz="1400">
+                <a:solidFill>
+                  <a:srgbClr val="000000"/>
+                </a:solidFill>
+                <a:latin typeface="Courier New"/>
+              </a:rPr>
+              <a:t>*</a:t>
+            </a:r>
+            <a:r>
+              <a:rPr sz="1400">
+                <a:solidFill>
+                  <a:srgbClr val="000000"/>
+                </a:solidFill>
+                <a:latin typeface="Courier New"/>
+              </a:rPr>
+              <a:t> </a:t>
+            </a:r>
+            <a:r>
+              <a:rPr sz="1400">
+                <a:solidFill>
+                  <a:srgbClr val="000000"/>
+                </a:solidFill>
+                <a:latin typeface="Courier New"/>
+              </a:rPr>
+              <a:t>klasseF</a:t>
+            </a:r>
+            <a:r>
+              <a:rPr sz="1400">
+                <a:solidFill>
+                  <a:srgbClr val="000000"/>
+                </a:solidFill>
+                <a:latin typeface="Courier New"/>
+              </a:rPr>
+              <a:t/>
+            </a:r>
+            <a:r>
+              <a:rPr sz="1400">
+                <a:solidFill>
+                  <a:srgbClr val="000000"/>
+                </a:solidFill>
+                <a:latin typeface="Courier New"/>
+              </a:rPr>
+              <a:t>Q_Q1</a:t>
+            </a:r>
+            <a:r>
+              <a:rPr sz="1400">
+                <a:solidFill>
+                  <a:srgbClr val="000000"/>
+                </a:solidFill>
+                <a:latin typeface="Courier New"/>
+              </a:rPr>
+              <a:t>         </a:t>
+            </a:r>
+            <a:r>
+              <a:rPr sz="1400">
+                <a:solidFill>
+                  <a:srgbClr val="000000"/>
+                </a:solidFill>
+                <a:latin typeface="Courier New"/>
+              </a:rPr>
+              <a:t>2</a:t>
+            </a:r>
+            <a:r>
+              <a:rPr sz="1400">
+                <a:solidFill>
+                  <a:srgbClr val="000000"/>
+                </a:solidFill>
+                <a:latin typeface="Courier New"/>
+              </a:rPr>
+              <a:t> </a:t>
+            </a:r>
+            <a:r>
+              <a:rPr sz="1400">
+                <a:solidFill>
+                  <a:srgbClr val="000000"/>
+                </a:solidFill>
+                <a:latin typeface="Courier New"/>
+              </a:rPr>
+              <a:t>1</a:t>
+            </a:r>
+            <a:r>
+              <a:rPr sz="1400">
+                <a:solidFill>
+                  <a:srgbClr val="000000"/>
+                </a:solidFill>
+                <a:latin typeface="Courier New"/>
+              </a:rPr>
+              <a:t> </a:t>
+            </a:r>
+            <a:r>
+              <a:rPr sz="1400">
+                <a:solidFill>
+                  <a:srgbClr val="000000"/>
+                </a:solidFill>
+                <a:latin typeface="Courier New"/>
+              </a:rPr>
+              <a:t>0</a:t>
+            </a:r>
+            <a:r>
+              <a:rPr sz="1400">
+                <a:solidFill>
+                  <a:srgbClr val="000000"/>
+                </a:solidFill>
+                <a:latin typeface="Courier New"/>
+              </a:rPr>
+              <a:t> </a:t>
+            </a:r>
+            <a:r>
+              <a:rPr sz="1400">
+                <a:solidFill>
+                  <a:srgbClr val="000000"/>
+                </a:solidFill>
+                <a:latin typeface="Courier New"/>
+              </a:rPr>
+              <a:t>Q2</a:t>
+            </a:r>
+            <a:r>
+              <a:rPr sz="1400">
+                <a:solidFill>
+                  <a:srgbClr val="000000"/>
+                </a:solidFill>
+                <a:latin typeface="Courier New"/>
+              </a:rPr>
+              <a:t/>
+            </a:r>
+            <a:r>
+              <a:rPr sz="1400">
+                <a:solidFill>
+                  <a:srgbClr val="000000"/>
+                </a:solidFill>
+                <a:latin typeface="Courier New"/>
+              </a:rPr>
+              <a:t>L_L1</a:t>
+            </a:r>
+            <a:r>
+              <a:rPr sz="1400">
+                <a:solidFill>
+                  <a:srgbClr val="000000"/>
+                </a:solidFill>
+                <a:latin typeface="Courier New"/>
+              </a:rPr>
+              <a:t>         </a:t>
+            </a:r>
+            <a:r>
+              <a:rPr sz="1400">
+                <a:solidFill>
+                  <a:srgbClr val="000000"/>
+                </a:solidFill>
+                <a:latin typeface="Courier New"/>
+              </a:rPr>
+              <a:t>0</a:t>
+            </a:r>
+            <a:r>
+              <a:rPr sz="1400">
+                <a:solidFill>
+                  <a:srgbClr val="000000"/>
+                </a:solidFill>
+                <a:latin typeface="Courier New"/>
+              </a:rPr>
+              <a:t> </a:t>
+            </a:r>
+            <a:r>
+              <a:rPr sz="1400">
+                <a:solidFill>
+                  <a:srgbClr val="000000"/>
+                </a:solidFill>
+                <a:latin typeface="Courier New"/>
+              </a:rPr>
+              <a:t>3</a:t>
+            </a:r>
+            <a:r>
+              <a:rPr sz="1400">
+                <a:solidFill>
+                  <a:srgbClr val="000000"/>
+                </a:solidFill>
+                <a:latin typeface="Courier New"/>
+              </a:rPr>
+              <a:t>   </a:t>
+            </a:r>
+            <a:r>
+              <a:rPr sz="1400">
+                <a:solidFill>
+                  <a:srgbClr val="000000"/>
+                </a:solidFill>
+                <a:latin typeface="Courier New"/>
+              </a:rPr>
+              <a:t>1</a:t>
+            </a:r>
+            <a:r>
+              <a:rPr sz="1400">
+                <a:solidFill>
+                  <a:srgbClr val="000000"/>
+                </a:solidFill>
+                <a:latin typeface="Courier New"/>
+              </a:rPr>
+              <a:t>uH</a:t>
+            </a:r>
+            <a:r>
+              <a:rPr sz="1400">
+                <a:solidFill>
+                  <a:srgbClr val="000000"/>
+                </a:solidFill>
+                <a:latin typeface="Courier New"/>
+              </a:rPr>
+              <a:t/>
+            </a:r>
+            <a:r>
+              <a:rPr sz="1400">
+                <a:solidFill>
+                  <a:srgbClr val="000000"/>
+                </a:solidFill>
+                <a:latin typeface="Courier New"/>
+              </a:rPr>
+              <a:t>C_C1</a:t>
+            </a:r>
+            <a:r>
+              <a:rPr sz="1400">
+                <a:solidFill>
+                  <a:srgbClr val="000000"/>
+                </a:solidFill>
+                <a:latin typeface="Courier New"/>
+              </a:rPr>
+              <a:t>         </a:t>
+            </a:r>
+            <a:r>
+              <a:rPr sz="1400">
+                <a:solidFill>
+                  <a:srgbClr val="000000"/>
+                </a:solidFill>
+                <a:latin typeface="Courier New"/>
+              </a:rPr>
+              <a:t>0</a:t>
+            </a:r>
+            <a:r>
+              <a:rPr sz="1400">
+                <a:solidFill>
+                  <a:srgbClr val="000000"/>
+                </a:solidFill>
+                <a:latin typeface="Courier New"/>
+              </a:rPr>
+              <a:t> </a:t>
+            </a:r>
+            <a:r>
+              <a:rPr sz="1400">
+                <a:solidFill>
+                  <a:srgbClr val="000000"/>
+                </a:solidFill>
+                <a:latin typeface="Courier New"/>
+              </a:rPr>
+              <a:t>3</a:t>
+            </a:r>
+            <a:r>
+              <a:rPr sz="1400">
+                <a:solidFill>
+                  <a:srgbClr val="000000"/>
+                </a:solidFill>
+                <a:latin typeface="Courier New"/>
+              </a:rPr>
+              <a:t>   </a:t>
+            </a:r>
+            <a:r>
+              <a:rPr sz="1400">
+                <a:solidFill>
+                  <a:srgbClr val="000000"/>
+                </a:solidFill>
+                <a:latin typeface="Courier New"/>
+              </a:rPr>
+              <a:t>10</a:t>
+            </a:r>
+            <a:r>
+              <a:rPr sz="1400">
+                <a:solidFill>
+                  <a:srgbClr val="000000"/>
+                </a:solidFill>
+                <a:latin typeface="Courier New"/>
+              </a:rPr>
+              <a:t>n</a:t>
+            </a:r>
+            <a:r>
+              <a:rPr sz="1400">
+                <a:solidFill>
+                  <a:srgbClr val="000000"/>
+                </a:solidFill>
+                <a:latin typeface="Courier New"/>
+              </a:rPr>
+              <a:t/>
+            </a:r>
+          </a:p>
+        </p:txBody>
+      </p:sp>
+      <p:sp>
+        <p:nvSpPr>
+          <p:cNvPr id="3" name="Title 2"/>
+          <p:cNvSpPr>
+            <a:spLocks noGrp="1"/>
+          </p:cNvSpPr>
+          <p:nvPr>
+            <p:ph type="title"/>
+          </p:nvPr>
+        </p:nvSpPr>
+        <p:spPr/>
+        <p:txBody>
+          <a:bodyPr wrap="square">
+            <a:noAutofit/>
+          </a:bodyPr>
+          <a:lstStyle/>
+          <a:p>
+            <a:r>
+              <a:rPr sz="3200" b="1" i="0">
+                <a:latin typeface="Arial"/>
+              </a:rPr>
+              <a:t>Klasse F versterker met oscillatie rond de grond</a:t>
+            </a:r>
+            <a:endParaRPr sz="3200" b="1" i="0">
+              <a:latin typeface="Arial"/>
+            </a:endParaRPr>
+          </a:p>
+        </p:txBody>
+      </p:sp>
+    </p:spTree>
+  </p:cSld>
+  <p:clrMapOvr>
+    <a:masterClrMapping/>
+  </p:clrMapOvr>
+</p:sld>
+</file>
+
+<file path=ppt/slides/slide22.xml><?xml version="1.0" encoding="utf-8"?>
+<p:sld xmlns:a="http://schemas.openxmlformats.org/drawingml/2006/main" xmlns:p="http://schemas.openxmlformats.org/presentationml/2006/main" xmlns:r="http://schemas.openxmlformats.org/officeDocument/2006/relationships">
+  <p:cSld>
+    <p:spTree>
+      <p:nvGrpSpPr>
+        <p:cNvPr id="1" name=""/>
+        <p:cNvGrpSpPr/>
+        <p:nvPr/>
+      </p:nvGrpSpPr>
+      <p:grpSpPr/>
+      <p:sp>
+        <p:nvSpPr>
+          <p:cNvPr id="2" name="Content Placeholder 1"/>
+          <p:cNvSpPr>
+            <a:spLocks noGrp="1"/>
+          </p:cNvSpPr>
+          <p:nvPr>
+            <p:ph idx="1"/>
+          </p:nvPr>
+        </p:nvSpPr>
+        <p:spPr/>
+        <p:txBody>
+          <a:bodyPr/>
+          <a:lstStyle/>
+          <a:p>
+            <a:r>
+              <a:rPr sz="1400">
+                <a:solidFill>
+                  <a:srgbClr val="000000"/>
+                </a:solidFill>
+                <a:latin typeface="Courier New"/>
+              </a:rPr>
+              <a:t>R_R1</a:t>
+            </a:r>
+            <a:r>
+              <a:rPr sz="1400">
+                <a:solidFill>
+                  <a:srgbClr val="000000"/>
+                </a:solidFill>
+                <a:latin typeface="Courier New"/>
+              </a:rPr>
+              <a:t> </a:t>
+            </a:r>
+            <a:r>
+              <a:rPr sz="1400">
+                <a:solidFill>
+                  <a:srgbClr val="000000"/>
+                </a:solidFill>
+                <a:latin typeface="Courier New"/>
+              </a:rPr>
+              <a:t>0</a:t>
+            </a:r>
+            <a:r>
+              <a:rPr sz="1400">
+                <a:solidFill>
+                  <a:srgbClr val="000000"/>
+                </a:solidFill>
+                <a:latin typeface="Courier New"/>
+              </a:rPr>
+              <a:t> </a:t>
+            </a:r>
+            <a:r>
+              <a:rPr sz="1400">
+                <a:solidFill>
+                  <a:srgbClr val="000000"/>
+                </a:solidFill>
+                <a:latin typeface="Courier New"/>
+              </a:rPr>
+              <a:t>3</a:t>
+            </a:r>
+            <a:r>
+              <a:rPr sz="1400">
+                <a:solidFill>
+                  <a:srgbClr val="000000"/>
+                </a:solidFill>
+                <a:latin typeface="Courier New"/>
+              </a:rPr>
+              <a:t> </a:t>
+            </a:r>
+            <a:r>
+              <a:rPr sz="1400">
+                <a:solidFill>
+                  <a:srgbClr val="000000"/>
+                </a:solidFill>
+                <a:latin typeface="Courier New"/>
+              </a:rPr>
+              <a:t>100</a:t>
+            </a:r>
+            <a:r>
+              <a:rPr sz="1400">
+                <a:solidFill>
+                  <a:srgbClr val="000000"/>
+                </a:solidFill>
+                <a:latin typeface="Courier New"/>
+              </a:rPr>
+              <a:t/>
+            </a:r>
+            <a:r>
+              <a:rPr sz="1400">
+                <a:solidFill>
+                  <a:srgbClr val="000000"/>
+                </a:solidFill>
+                <a:latin typeface="Courier New"/>
+              </a:rPr>
+              <a:t>V_V3</a:t>
+            </a:r>
+            <a:r>
+              <a:rPr sz="1400">
+                <a:solidFill>
+                  <a:srgbClr val="000000"/>
+                </a:solidFill>
+                <a:latin typeface="Courier New"/>
+              </a:rPr>
+              <a:t> </a:t>
+            </a:r>
+            <a:r>
+              <a:rPr sz="1400">
+                <a:solidFill>
+                  <a:srgbClr val="000000"/>
+                </a:solidFill>
+                <a:latin typeface="Courier New"/>
+              </a:rPr>
+              <a:t>4</a:t>
+            </a:r>
+            <a:r>
+              <a:rPr sz="1400">
+                <a:solidFill>
+                  <a:srgbClr val="000000"/>
+                </a:solidFill>
+                <a:latin typeface="Courier New"/>
+              </a:rPr>
+              <a:t> </a:t>
+            </a:r>
+            <a:r>
+              <a:rPr sz="1400">
+                <a:solidFill>
+                  <a:srgbClr val="000000"/>
+                </a:solidFill>
+                <a:latin typeface="Courier New"/>
+              </a:rPr>
+              <a:t>0</a:t>
+            </a:r>
+            <a:r>
+              <a:rPr sz="1400">
+                <a:solidFill>
+                  <a:srgbClr val="000000"/>
+                </a:solidFill>
+                <a:latin typeface="Courier New"/>
+              </a:rPr>
+              <a:t> </a:t>
+            </a:r>
+            <a:r>
+              <a:rPr sz="1400">
+                <a:solidFill>
+                  <a:srgbClr val="000000"/>
+                </a:solidFill>
+                <a:latin typeface="Courier New"/>
+              </a:rPr>
+              <a:t>10</a:t>
+            </a:r>
+            <a:r>
+              <a:rPr sz="1400">
+                <a:solidFill>
+                  <a:srgbClr val="000000"/>
+                </a:solidFill>
+                <a:latin typeface="Courier New"/>
+              </a:rPr>
+              <a:t>V</a:t>
+            </a:r>
+            <a:r>
+              <a:rPr sz="1400">
+                <a:solidFill>
+                  <a:srgbClr val="000000"/>
+                </a:solidFill>
+                <a:latin typeface="Courier New"/>
+              </a:rPr>
+              <a:t/>
+            </a:r>
+            <a:r>
+              <a:rPr sz="1400">
+                <a:solidFill>
+                  <a:srgbClr val="000000"/>
+                </a:solidFill>
+                <a:latin typeface="Courier New"/>
+              </a:rPr>
+              <a:t>V_V5</a:t>
+            </a:r>
+            <a:r>
+              <a:rPr sz="1400">
+                <a:solidFill>
+                  <a:srgbClr val="000000"/>
+                </a:solidFill>
+                <a:latin typeface="Courier New"/>
+              </a:rPr>
+              <a:t> </a:t>
+            </a:r>
+            <a:r>
+              <a:rPr sz="1400">
+                <a:solidFill>
+                  <a:srgbClr val="000000"/>
+                </a:solidFill>
+                <a:latin typeface="Courier New"/>
+              </a:rPr>
+              <a:t>1</a:t>
+            </a:r>
+            <a:r>
+              <a:rPr sz="1400">
+                <a:solidFill>
+                  <a:srgbClr val="000000"/>
+                </a:solidFill>
+                <a:latin typeface="Courier New"/>
+              </a:rPr>
+              <a:t> </a:t>
+            </a:r>
+            <a:r>
+              <a:rPr sz="1400">
+                <a:solidFill>
+                  <a:srgbClr val="000000"/>
+                </a:solidFill>
+                <a:latin typeface="Courier New"/>
+              </a:rPr>
+              <a:t>0</a:t>
+            </a:r>
+            <a:r>
+              <a:rPr sz="1400">
+                <a:solidFill>
+                  <a:srgbClr val="000000"/>
+                </a:solidFill>
+                <a:latin typeface="Courier New"/>
+              </a:rPr>
+              <a:t> </a:t>
+            </a:r>
+            <a:r>
+              <a:rPr sz="1400">
+                <a:solidFill>
+                  <a:srgbClr val="000000"/>
+                </a:solidFill>
+                <a:latin typeface="Courier New"/>
+              </a:rPr>
+              <a:t>sin</a:t>
+            </a:r>
+            <a:r>
+              <a:rPr sz="1400">
+                <a:solidFill>
+                  <a:srgbClr val="000000"/>
+                </a:solidFill>
+                <a:latin typeface="Courier New"/>
+              </a:rPr>
+              <a:t>(</a:t>
+            </a:r>
+            <a:r>
+              <a:rPr sz="1400">
+                <a:solidFill>
+                  <a:srgbClr val="000000"/>
+                </a:solidFill>
+                <a:latin typeface="Courier New"/>
+              </a:rPr>
+              <a:t>0.4</a:t>
+            </a:r>
+            <a:r>
+              <a:rPr sz="1400">
+                <a:solidFill>
+                  <a:srgbClr val="000000"/>
+                </a:solidFill>
+                <a:latin typeface="Courier New"/>
+              </a:rPr>
+              <a:t> </a:t>
+            </a:r>
+            <a:r>
+              <a:rPr sz="1400">
+                <a:solidFill>
+                  <a:srgbClr val="000000"/>
+                </a:solidFill>
+                <a:latin typeface="Courier New"/>
+              </a:rPr>
+              <a:t>0.8</a:t>
+            </a:r>
+            <a:r>
+              <a:rPr sz="1400">
+                <a:solidFill>
+                  <a:srgbClr val="000000"/>
+                </a:solidFill>
+                <a:latin typeface="Courier New"/>
+              </a:rPr>
+              <a:t> </a:t>
+            </a:r>
+            <a:r>
+              <a:rPr sz="1400">
+                <a:solidFill>
+                  <a:srgbClr val="000000"/>
+                </a:solidFill>
+                <a:latin typeface="Courier New"/>
+              </a:rPr>
+              <a:t>1591500</a:t>
+            </a:r>
+            <a:r>
+              <a:rPr sz="1400">
+                <a:solidFill>
+                  <a:srgbClr val="000000"/>
+                </a:solidFill>
+                <a:latin typeface="Courier New"/>
+              </a:rPr>
+              <a:t>)</a:t>
+            </a:r>
+            <a:r>
+              <a:rPr sz="1400">
+                <a:solidFill>
+                  <a:srgbClr val="000000"/>
+                </a:solidFill>
+                <a:latin typeface="Courier New"/>
+              </a:rPr>
+              <a:t> </a:t>
+            </a:r>
+            <a:r>
+              <a:rPr sz="1400">
+                <a:solidFill>
+                  <a:srgbClr val="000000"/>
+                </a:solidFill>
+                <a:latin typeface="Courier New"/>
+              </a:rPr>
+              <a:t>DC</a:t>
+            </a:r>
+            <a:r>
+              <a:rPr sz="1400">
+                <a:solidFill>
+                  <a:srgbClr val="000000"/>
+                </a:solidFill>
+                <a:latin typeface="Courier New"/>
+              </a:rPr>
+              <a:t>=</a:t>
+            </a:r>
+            <a:r>
+              <a:rPr sz="1400">
+                <a:solidFill>
+                  <a:srgbClr val="000000"/>
+                </a:solidFill>
+                <a:latin typeface="Courier New"/>
+              </a:rPr>
+              <a:t>0.4</a:t>
+            </a:r>
+            <a:r>
+              <a:rPr sz="1400">
+                <a:solidFill>
+                  <a:srgbClr val="000000"/>
+                </a:solidFill>
+                <a:latin typeface="Courier New"/>
+              </a:rPr>
+              <a:t/>
+            </a:r>
+            <a:r>
+              <a:rPr sz="1400">
+                <a:solidFill>
+                  <a:srgbClr val="000000"/>
+                </a:solidFill>
+                <a:latin typeface="Courier New"/>
+              </a:rPr>
+              <a:t>C_C2</a:t>
+            </a:r>
+            <a:r>
+              <a:rPr sz="1400">
+                <a:solidFill>
+                  <a:srgbClr val="000000"/>
+                </a:solidFill>
+                <a:latin typeface="Courier New"/>
+              </a:rPr>
+              <a:t> </a:t>
+            </a:r>
+            <a:r>
+              <a:rPr sz="1400">
+                <a:solidFill>
+                  <a:srgbClr val="000000"/>
+                </a:solidFill>
+                <a:latin typeface="Courier New"/>
+              </a:rPr>
+              <a:t>5</a:t>
+            </a:r>
+            <a:r>
+              <a:rPr sz="1400">
+                <a:solidFill>
+                  <a:srgbClr val="000000"/>
+                </a:solidFill>
+                <a:latin typeface="Courier New"/>
+              </a:rPr>
+              <a:t> </a:t>
+            </a:r>
+            <a:r>
+              <a:rPr sz="1400">
+                <a:solidFill>
+                  <a:srgbClr val="000000"/>
+                </a:solidFill>
+                <a:latin typeface="Courier New"/>
+              </a:rPr>
+              <a:t>3</a:t>
+            </a:r>
+            <a:r>
+              <a:rPr sz="1400">
+                <a:solidFill>
+                  <a:srgbClr val="000000"/>
+                </a:solidFill>
+                <a:latin typeface="Courier New"/>
+              </a:rPr>
+              <a:t> </a:t>
+            </a:r>
+            <a:r>
+              <a:rPr sz="1400">
+                <a:solidFill>
+                  <a:srgbClr val="000000"/>
+                </a:solidFill>
+                <a:latin typeface="Courier New"/>
+              </a:rPr>
+              <a:t>10</a:t>
+            </a:r>
+            <a:r>
+              <a:rPr sz="1400">
+                <a:solidFill>
+                  <a:srgbClr val="000000"/>
+                </a:solidFill>
+                <a:latin typeface="Courier New"/>
+              </a:rPr>
+              <a:t>n</a:t>
+            </a:r>
+            <a:r>
+              <a:rPr sz="1400">
+                <a:solidFill>
+                  <a:srgbClr val="000000"/>
+                </a:solidFill>
+                <a:latin typeface="Courier New"/>
+              </a:rPr>
+              <a:t/>
+            </a:r>
+            <a:r>
+              <a:rPr sz="1400">
+                <a:solidFill>
+                  <a:srgbClr val="000000"/>
+                </a:solidFill>
+                <a:latin typeface="Courier New"/>
+              </a:rPr>
+              <a:t>L_L3</a:t>
+            </a:r>
+            <a:r>
+              <a:rPr sz="1400">
+                <a:solidFill>
+                  <a:srgbClr val="000000"/>
+                </a:solidFill>
+                <a:latin typeface="Courier New"/>
+              </a:rPr>
+              <a:t> </a:t>
+            </a:r>
+            <a:r>
+              <a:rPr sz="1400">
+                <a:solidFill>
+                  <a:srgbClr val="000000"/>
+                </a:solidFill>
+                <a:latin typeface="Courier New"/>
+              </a:rPr>
+              <a:t>6</a:t>
+            </a:r>
+            <a:r>
+              <a:rPr sz="1400">
+                <a:solidFill>
+                  <a:srgbClr val="000000"/>
+                </a:solidFill>
+                <a:latin typeface="Courier New"/>
+              </a:rPr>
+              <a:t> </a:t>
+            </a:r>
+            <a:r>
+              <a:rPr sz="1400">
+                <a:solidFill>
+                  <a:srgbClr val="000000"/>
+                </a:solidFill>
+                <a:latin typeface="Courier New"/>
+              </a:rPr>
+              <a:t>3</a:t>
+            </a:r>
+            <a:r>
+              <a:rPr sz="1400">
+                <a:solidFill>
+                  <a:srgbClr val="000000"/>
+                </a:solidFill>
+                <a:latin typeface="Courier New"/>
+              </a:rPr>
+              <a:t> </a:t>
+            </a:r>
+            <a:r>
+              <a:rPr sz="1400">
+                <a:solidFill>
+                  <a:srgbClr val="000000"/>
+                </a:solidFill>
+                <a:latin typeface="Courier New"/>
+              </a:rPr>
+              <a:t>0.111</a:t>
+            </a:r>
+            <a:r>
+              <a:rPr sz="1400">
+                <a:solidFill>
+                  <a:srgbClr val="000000"/>
+                </a:solidFill>
+                <a:latin typeface="Courier New"/>
+              </a:rPr>
+              <a:t>uH</a:t>
+            </a:r>
+            <a:r>
+              <a:rPr sz="1400">
+                <a:solidFill>
+                  <a:srgbClr val="000000"/>
+                </a:solidFill>
+                <a:latin typeface="Courier New"/>
+              </a:rPr>
+              <a:t/>
+            </a:r>
+            <a:r>
+              <a:rPr sz="1400">
+                <a:solidFill>
+                  <a:srgbClr val="000000"/>
+                </a:solidFill>
+                <a:latin typeface="Courier New"/>
+              </a:rPr>
+              <a:t>R_R3</a:t>
+            </a:r>
+            <a:r>
+              <a:rPr sz="1400">
+                <a:solidFill>
+                  <a:srgbClr val="000000"/>
+                </a:solidFill>
+                <a:latin typeface="Courier New"/>
+              </a:rPr>
+              <a:t> </a:t>
+            </a:r>
+            <a:r>
+              <a:rPr sz="1400">
+                <a:solidFill>
+                  <a:srgbClr val="000000"/>
+                </a:solidFill>
+                <a:latin typeface="Courier New"/>
+              </a:rPr>
+              <a:t>6</a:t>
+            </a:r>
+            <a:r>
+              <a:rPr sz="1400">
+                <a:solidFill>
+                  <a:srgbClr val="000000"/>
+                </a:solidFill>
+                <a:latin typeface="Courier New"/>
+              </a:rPr>
+              <a:t> </a:t>
+            </a:r>
+            <a:r>
+              <a:rPr sz="1400">
+                <a:solidFill>
+                  <a:srgbClr val="000000"/>
+                </a:solidFill>
+                <a:latin typeface="Courier New"/>
+              </a:rPr>
+              <a:t>5</a:t>
+            </a:r>
+            <a:r>
+              <a:rPr sz="1400">
+                <a:solidFill>
+                  <a:srgbClr val="000000"/>
+                </a:solidFill>
+                <a:latin typeface="Courier New"/>
+              </a:rPr>
+              <a:t> </a:t>
+            </a:r>
+            <a:r>
+              <a:rPr sz="1400">
+                <a:solidFill>
+                  <a:srgbClr val="000000"/>
+                </a:solidFill>
+                <a:latin typeface="Courier New"/>
+              </a:rPr>
+              <a:t>0.001</a:t>
+            </a:r>
+            <a:r>
+              <a:rPr sz="1400">
+                <a:solidFill>
+                  <a:srgbClr val="000000"/>
+                </a:solidFill>
+                <a:latin typeface="Courier New"/>
+              </a:rPr>
+              <a:t/>
+            </a:r>
+            <a:r>
+              <a:rPr sz="1400">
+                <a:solidFill>
+                  <a:srgbClr val="000000"/>
+                </a:solidFill>
+                <a:latin typeface="Courier New"/>
+              </a:rPr>
+              <a:t>L_L2</a:t>
+            </a:r>
+            <a:r>
+              <a:rPr sz="1400">
+                <a:solidFill>
+                  <a:srgbClr val="000000"/>
+                </a:solidFill>
+                <a:latin typeface="Courier New"/>
+              </a:rPr>
+              <a:t> </a:t>
+            </a:r>
+            <a:r>
+              <a:rPr sz="1400">
+                <a:solidFill>
+                  <a:srgbClr val="000000"/>
+                </a:solidFill>
+                <a:latin typeface="Courier New"/>
+              </a:rPr>
+              <a:t>2</a:t>
+            </a:r>
+            <a:r>
+              <a:rPr sz="1400">
+                <a:solidFill>
+                  <a:srgbClr val="000000"/>
+                </a:solidFill>
+                <a:latin typeface="Courier New"/>
+              </a:rPr>
+              <a:t> </a:t>
+            </a:r>
+            <a:r>
+              <a:rPr sz="1400">
+                <a:solidFill>
+                  <a:srgbClr val="000000"/>
+                </a:solidFill>
+                <a:latin typeface="Courier New"/>
+              </a:rPr>
+              <a:t>4</a:t>
+            </a:r>
+            <a:r>
+              <a:rPr sz="1400">
+                <a:solidFill>
+                  <a:srgbClr val="000000"/>
+                </a:solidFill>
+                <a:latin typeface="Courier New"/>
+              </a:rPr>
+              <a:t> </a:t>
+            </a:r>
+            <a:r>
+              <a:rPr sz="1400">
+                <a:solidFill>
+                  <a:srgbClr val="000000"/>
+                </a:solidFill>
+                <a:latin typeface="Courier New"/>
+              </a:rPr>
+              <a:t>2</a:t>
+            </a:r>
+            <a:r>
+              <a:rPr sz="1400">
+                <a:solidFill>
+                  <a:srgbClr val="000000"/>
+                </a:solidFill>
+                <a:latin typeface="Courier New"/>
+              </a:rPr>
+              <a:t>mH</a:t>
+            </a:r>
+            <a:r>
+              <a:rPr sz="1400">
+                <a:solidFill>
+                  <a:srgbClr val="000000"/>
+                </a:solidFill>
+                <a:latin typeface="Courier New"/>
+              </a:rPr>
+              <a:t/>
+            </a:r>
+            <a:r>
+              <a:rPr sz="1400">
+                <a:solidFill>
+                  <a:srgbClr val="000000"/>
+                </a:solidFill>
+                <a:latin typeface="Courier New"/>
+              </a:rPr>
+              <a:t>C_C3</a:t>
+            </a:r>
+            <a:r>
+              <a:rPr sz="1400">
+                <a:solidFill>
+                  <a:srgbClr val="000000"/>
+                </a:solidFill>
+                <a:latin typeface="Courier New"/>
+              </a:rPr>
+              <a:t> </a:t>
+            </a:r>
+            <a:r>
+              <a:rPr sz="1400">
+                <a:solidFill>
+                  <a:srgbClr val="000000"/>
+                </a:solidFill>
+                <a:latin typeface="Courier New"/>
+              </a:rPr>
+              <a:t>2</a:t>
+            </a:r>
+            <a:r>
+              <a:rPr sz="1400">
+                <a:solidFill>
+                  <a:srgbClr val="000000"/>
+                </a:solidFill>
+                <a:latin typeface="Courier New"/>
+              </a:rPr>
+              <a:t> </a:t>
+            </a:r>
+            <a:r>
+              <a:rPr sz="1400">
+                <a:solidFill>
+                  <a:srgbClr val="000000"/>
+                </a:solidFill>
+                <a:latin typeface="Courier New"/>
+              </a:rPr>
+              <a:t>5</a:t>
+            </a:r>
+            <a:r>
+              <a:rPr sz="1400">
+                <a:solidFill>
+                  <a:srgbClr val="000000"/>
+                </a:solidFill>
+                <a:latin typeface="Courier New"/>
+              </a:rPr>
+              <a:t> </a:t>
+            </a:r>
+            <a:r>
+              <a:rPr sz="1400">
+                <a:solidFill>
+                  <a:srgbClr val="000000"/>
+                </a:solidFill>
+                <a:latin typeface="Courier New"/>
+              </a:rPr>
+              <a:t>1000</a:t>
+            </a:r>
+            <a:r>
+              <a:rPr sz="1400">
+                <a:solidFill>
+                  <a:srgbClr val="000000"/>
+                </a:solidFill>
+                <a:latin typeface="Courier New"/>
+              </a:rPr>
+              <a:t>n</a:t>
+            </a:r>
+            <a:r>
+              <a:rPr sz="1400">
+                <a:solidFill>
+                  <a:srgbClr val="000000"/>
+                </a:solidFill>
+                <a:latin typeface="Courier New"/>
+              </a:rPr>
+              <a:t/>
+            </a:r>
+            <a:r>
+              <a:rPr sz="1400">
+                <a:solidFill>
+                  <a:srgbClr val="000000"/>
+                </a:solidFill>
+                <a:latin typeface="Courier New"/>
+              </a:rPr>
+              <a:t>.</a:t>
+            </a:r>
+            <a:r>
+              <a:rPr sz="1400">
+                <a:solidFill>
+                  <a:srgbClr val="000000"/>
+                </a:solidFill>
+                <a:latin typeface="Courier New"/>
+              </a:rPr>
+              <a:t>model</a:t>
+            </a:r>
+            <a:r>
+              <a:rPr sz="1400">
+                <a:solidFill>
+                  <a:srgbClr val="000000"/>
+                </a:solidFill>
+                <a:latin typeface="Courier New"/>
+              </a:rPr>
+              <a:t> </a:t>
+            </a:r>
+            <a:r>
+              <a:rPr sz="1400">
+                <a:solidFill>
+                  <a:srgbClr val="000000"/>
+                </a:solidFill>
+                <a:latin typeface="Courier New"/>
+              </a:rPr>
+              <a:t>Q2</a:t>
+            </a:r>
+            <a:r>
+              <a:rPr sz="1400">
+                <a:solidFill>
+                  <a:srgbClr val="000000"/>
+                </a:solidFill>
+                <a:latin typeface="Courier New"/>
+              </a:rPr>
+              <a:t> </a:t>
+            </a:r>
+            <a:r>
+              <a:rPr sz="1400">
+                <a:solidFill>
+                  <a:srgbClr val="000000"/>
+                </a:solidFill>
+                <a:latin typeface="Courier New"/>
+              </a:rPr>
+              <a:t>NPN</a:t>
+            </a:r>
+            <a:r>
+              <a:rPr sz="1400">
+                <a:solidFill>
+                  <a:srgbClr val="000000"/>
+                </a:solidFill>
+                <a:latin typeface="Courier New"/>
+              </a:rPr>
+              <a:t>(</a:t>
+            </a:r>
+            <a:r>
+              <a:rPr sz="1400">
+                <a:solidFill>
+                  <a:srgbClr val="000000"/>
+                </a:solidFill>
+                <a:latin typeface="Courier New"/>
+              </a:rPr>
+              <a:t>Is</a:t>
+            </a:r>
+            <a:r>
+              <a:rPr sz="1400">
+                <a:solidFill>
+                  <a:srgbClr val="000000"/>
+                </a:solidFill>
+                <a:latin typeface="Courier New"/>
+              </a:rPr>
+              <a:t>=</a:t>
+            </a:r>
+            <a:r>
+              <a:rPr sz="1400">
+                <a:solidFill>
+                  <a:srgbClr val="000000"/>
+                </a:solidFill>
+                <a:latin typeface="Courier New"/>
+              </a:rPr>
+              <a:t>14.34</a:t>
+            </a:r>
+            <a:r>
+              <a:rPr sz="1400">
+                <a:solidFill>
+                  <a:srgbClr val="000000"/>
+                </a:solidFill>
+                <a:latin typeface="Courier New"/>
+              </a:rPr>
+              <a:t>f</a:t>
+            </a:r>
+            <a:r>
+              <a:rPr sz="1400">
+                <a:solidFill>
+                  <a:srgbClr val="000000"/>
+                </a:solidFill>
+                <a:latin typeface="Courier New"/>
+              </a:rPr>
+              <a:t> </a:t>
+            </a:r>
+            <a:r>
+              <a:rPr sz="1400">
+                <a:solidFill>
+                  <a:srgbClr val="000000"/>
+                </a:solidFill>
+                <a:latin typeface="Courier New"/>
+              </a:rPr>
+              <a:t>BF</a:t>
+            </a:r>
+            <a:r>
+              <a:rPr sz="1400">
+                <a:solidFill>
+                  <a:srgbClr val="000000"/>
+                </a:solidFill>
+                <a:latin typeface="Courier New"/>
+              </a:rPr>
+              <a:t>=</a:t>
+            </a:r>
+            <a:r>
+              <a:rPr sz="1400">
+                <a:solidFill>
+                  <a:srgbClr val="000000"/>
+                </a:solidFill>
+                <a:latin typeface="Courier New"/>
+              </a:rPr>
+              <a:t>200</a:t>
+            </a:r>
+            <a:r>
+              <a:rPr sz="1400">
+                <a:solidFill>
+                  <a:srgbClr val="000000"/>
+                </a:solidFill>
+                <a:latin typeface="Courier New"/>
+              </a:rPr>
+              <a:t> </a:t>
+            </a:r>
+            <a:r>
+              <a:rPr sz="1400">
+                <a:solidFill>
+                  <a:srgbClr val="000000"/>
+                </a:solidFill>
+                <a:latin typeface="Courier New"/>
+              </a:rPr>
+              <a:t>Rb</a:t>
+            </a:r>
+            <a:r>
+              <a:rPr sz="1400">
+                <a:solidFill>
+                  <a:srgbClr val="000000"/>
+                </a:solidFill>
+                <a:latin typeface="Courier New"/>
+              </a:rPr>
+              <a:t>=</a:t>
+            </a:r>
+            <a:r>
+              <a:rPr sz="1400">
+                <a:solidFill>
+                  <a:srgbClr val="000000"/>
+                </a:solidFill>
+                <a:latin typeface="Courier New"/>
+              </a:rPr>
+              <a:t>100</a:t>
+            </a:r>
+            <a:r>
+              <a:rPr sz="1400">
+                <a:solidFill>
+                  <a:srgbClr val="000000"/>
+                </a:solidFill>
+                <a:latin typeface="Courier New"/>
+              </a:rPr>
+              <a:t> </a:t>
+            </a:r>
+            <a:r>
+              <a:rPr sz="1400">
+                <a:solidFill>
+                  <a:srgbClr val="000000"/>
+                </a:solidFill>
+                <a:latin typeface="Courier New"/>
+              </a:rPr>
+              <a:t>)</a:t>
+            </a:r>
+            <a:r>
+              <a:rPr sz="1400">
+                <a:solidFill>
+                  <a:srgbClr val="000000"/>
+                </a:solidFill>
+                <a:latin typeface="Courier New"/>
+              </a:rPr>
+              <a:t/>
+            </a:r>
+          </a:p>
+        </p:txBody>
+      </p:sp>
+      <p:sp>
+        <p:nvSpPr>
+          <p:cNvPr id="3" name="Title 2"/>
+          <p:cNvSpPr>
+            <a:spLocks noGrp="1"/>
+          </p:cNvSpPr>
+          <p:nvPr>
+            <p:ph type="title"/>
+          </p:nvPr>
+        </p:nvSpPr>
+        <p:spPr/>
+        <p:txBody>
+          <a:bodyPr wrap="square">
+            <a:noAutofit/>
+          </a:bodyPr>
+          <a:lstStyle/>
+          <a:p>
+            <a:r>
+              <a:rPr sz="3200" b="1" i="0">
+                <a:latin typeface="Arial"/>
+              </a:rPr>
+              <a:t>Klasse F versterker met oscillatie rond de grond</a:t>
+            </a:r>
+            <a:endParaRPr sz="3200" b="1" i="0">
+              <a:latin typeface="Arial"/>
+            </a:endParaRPr>
+          </a:p>
+        </p:txBody>
+      </p:sp>
+    </p:spTree>
+  </p:cSld>
+  <p:clrMapOvr>
+    <a:masterClrMapping/>
+  </p:clrMapOvr>
+</p:sld>
+</file>
+
+<file path=ppt/slides/slide23.xml><?xml version="1.0" encoding="utf-8"?>
+<p:sld xmlns:a="http://schemas.openxmlformats.org/drawingml/2006/main" xmlns:p="http://schemas.openxmlformats.org/presentationml/2006/main" xmlns:r="http://schemas.openxmlformats.org/officeDocument/2006/relationships">
+  <p:cSld>
+    <p:spTree>
+      <p:nvGrpSpPr>
+        <p:cNvPr id="1" name=""/>
+        <p:cNvGrpSpPr/>
+        <p:nvPr/>
+      </p:nvGrpSpPr>
+      <p:grpSpPr/>
+      <p:sp>
+        <p:nvSpPr>
           <p:cNvPr id="2" name="Title 1"/>
           <p:cNvSpPr>
             <a:spLocks noGrp="1"/>
@@ -5743,7 +8589,7 @@
 </p:sld>
 </file>
 
-<file path=ppt/slides/slide11.xml><?xml version="1.0" encoding="utf-8"?>
+<file path=ppt/slides/slide24.xml><?xml version="1.0" encoding="utf-8"?>
 <p:sld xmlns:a="http://schemas.openxmlformats.org/drawingml/2006/main" xmlns:p="http://schemas.openxmlformats.org/presentationml/2006/main" xmlns:r="http://schemas.openxmlformats.org/officeDocument/2006/relationships">
   <p:cSld>
     <p:spTree>
@@ -5814,7 +8660,7 @@
 </p:sld>
 </file>
 
-<file path=ppt/slides/slide12.xml><?xml version="1.0" encoding="utf-8"?>
+<file path=ppt/slides/slide25.xml><?xml version="1.0" encoding="utf-8"?>
 <p:sld xmlns:a="http://schemas.openxmlformats.org/drawingml/2006/main" xmlns:p="http://schemas.openxmlformats.org/presentationml/2006/main" xmlns:r="http://schemas.openxmlformats.org/officeDocument/2006/relationships">
   <p:cSld>
     <p:spTree>
@@ -5832,7 +8678,7 @@
 </p:sld>
 </file>
 
-<file path=ppt/slides/slide13.xml><?xml version="1.0" encoding="utf-8"?>
+<file path=ppt/slides/slide26.xml><?xml version="1.0" encoding="utf-8"?>
 <p:sld xmlns:a="http://schemas.openxmlformats.org/drawingml/2006/main" xmlns:p="http://schemas.openxmlformats.org/presentationml/2006/main" xmlns:r="http://schemas.openxmlformats.org/officeDocument/2006/relationships">
   <p:cSld>
     <p:spTree>
@@ -5842,77 +8688,6 @@
         <p:nvPr/>
       </p:nvGrpSpPr>
       <p:grpSpPr/>
-    </p:spTree>
-  </p:cSld>
-  <p:clrMapOvr>
-    <a:masterClrMapping/>
-  </p:clrMapOvr>
-</p:sld>
-</file>
-
-<file path=ppt/slides/slide2.xml><?xml version="1.0" encoding="utf-8"?>
-<p:sld xmlns:a="http://schemas.openxmlformats.org/drawingml/2006/main" xmlns:p="http://schemas.openxmlformats.org/presentationml/2006/main" xmlns:r="http://schemas.openxmlformats.org/officeDocument/2006/relationships">
-  <p:cSld>
-    <p:spTree>
-      <p:nvGrpSpPr>
-        <p:cNvPr id="1" name=""/>
-        <p:cNvGrpSpPr/>
-        <p:nvPr/>
-      </p:nvGrpSpPr>
-      <p:grpSpPr/>
-      <p:sp>
-        <p:nvSpPr>
-          <p:cNvPr id="2" name="Title 1"/>
-          <p:cNvSpPr>
-            <a:spLocks noGrp="1"/>
-          </p:cNvSpPr>
-          <p:nvPr>
-            <p:ph type="title"/>
-          </p:nvPr>
-        </p:nvSpPr>
-        <p:spPr/>
-        <p:txBody>
-          <a:bodyPr wrap="square">
-            <a:noAutofit/>
-          </a:bodyPr>
-          <a:lstStyle/>
-          <a:p>
-            <a:r>
-              <a:rPr sz="3200" b="1" i="0">
-                <a:latin typeface="Arial"/>
-              </a:rPr>
-              <a:t>Basisschema van de klasse F versterker</a:t>
-            </a:r>
-            <a:endParaRPr sz="3200" b="1" i="0">
-              <a:latin typeface="Arial"/>
-            </a:endParaRPr>
-          </a:p>
-        </p:txBody>
-      </p:sp>
-      <p:pic>
-        <p:nvPicPr>
-          <p:cNvPr id="3" name="Picture 2" descr="image.png"/>
-          <p:cNvPicPr>
-            <a:picLocks noChangeAspect="1"/>
-          </p:cNvPicPr>
-          <p:nvPr/>
-        </p:nvPicPr>
-        <p:blipFill>
-          <a:blip r:embed="rId2"/>
-          <a:stretch>
-            <a:fillRect/>
-          </a:stretch>
-        </p:blipFill>
-        <p:spPr>
-          <a:xfrm>
-            <a:off x="4541869" y="566928"/>
-            <a:ext cx="3108262" cy="5577840"/>
-          </a:xfrm>
-          <a:prstGeom prst="rect">
-            <a:avLst/>
-          </a:prstGeom>
-        </p:spPr>
-      </p:pic>
     </p:spTree>
   </p:cSld>
   <p:clrMapOvr>
@@ -5943,220 +8718,9 @@
         </p:nvSpPr>
         <p:spPr/>
         <p:txBody>
-          <a:bodyPr wrap="square">
-            <a:noAutofit/>
-          </a:bodyPr>
+          <a:bodyPr/>
           <a:lstStyle/>
-          <a:p>
-            <a:pPr>
-              <a:lnSpc>
-                <a:spcPts val="2400"/>
-              </a:lnSpc>
-              <a:defRPr>
-                <a:solidFill>
-                  <a:srgbClr val="FFFFFF"/>
-                </a:solidFill>
-              </a:defRPr>
-            </a:pPr>
-            <a:r>
-              <a:rPr sz="2400" b="0" i="0">
-                <a:latin typeface="Courier"/>
-              </a:rPr>
-              <a:t>* klasse F basiscircuit</a:t>
-            </a:r>
-            <a:endParaRPr sz="2400" b="0" i="0">
-              <a:latin typeface="Courier"/>
-            </a:endParaRPr>
-          </a:p>
-          <a:p>
-            <a:pPr>
-              <a:lnSpc>
-                <a:spcPts val="2400"/>
-              </a:lnSpc>
-              <a:defRPr>
-                <a:solidFill>
-                  <a:srgbClr val="FFFFFF"/>
-                </a:solidFill>
-              </a:defRPr>
-            </a:pPr>
-            <a:r>
-              <a:rPr sz="2400" b="0" i="0">
-                <a:latin typeface="Courier"/>
-              </a:rPr>
-              <a:t>Q_Q1         2 1 0 Q2</a:t>
-            </a:r>
-            <a:endParaRPr sz="2400" b="0" i="0">
-              <a:latin typeface="Courier"/>
-            </a:endParaRPr>
-          </a:p>
-          <a:p>
-            <a:pPr>
-              <a:lnSpc>
-                <a:spcPts val="2400"/>
-              </a:lnSpc>
-              <a:defRPr>
-                <a:solidFill>
-                  <a:srgbClr val="FFFFFF"/>
-                </a:solidFill>
-              </a:defRPr>
-            </a:pPr>
-            <a:r>
-              <a:rPr sz="2400" b="0" i="0">
-                <a:latin typeface="Courier"/>
-              </a:rPr>
-              <a:t>L_L1         5 3   1uH</a:t>
-            </a:r>
-            <a:endParaRPr sz="2400" b="0" i="0">
-              <a:latin typeface="Courier"/>
-            </a:endParaRPr>
-          </a:p>
-          <a:p>
-            <a:pPr>
-              <a:lnSpc>
-                <a:spcPts val="2400"/>
-              </a:lnSpc>
-              <a:defRPr>
-                <a:solidFill>
-                  <a:srgbClr val="FFFFFF"/>
-                </a:solidFill>
-              </a:defRPr>
-            </a:pPr>
-            <a:r>
-              <a:rPr sz="2400" b="0" i="0">
-                <a:latin typeface="Courier"/>
-              </a:rPr>
-              <a:t>C_C1         5 3   10n</a:t>
-            </a:r>
-            <a:endParaRPr sz="2400" b="0" i="0">
-              <a:latin typeface="Courier"/>
-            </a:endParaRPr>
-          </a:p>
-          <a:p>
-            <a:pPr>
-              <a:lnSpc>
-                <a:spcPts val="2400"/>
-              </a:lnSpc>
-              <a:defRPr>
-                <a:solidFill>
-                  <a:srgbClr val="FFFFFF"/>
-                </a:solidFill>
-              </a:defRPr>
-            </a:pPr>
-            <a:r>
-              <a:rPr sz="2400" b="0" i="0">
-                <a:latin typeface="Courier"/>
-              </a:rPr>
-              <a:t>R_R1         5 3   60</a:t>
-            </a:r>
-            <a:endParaRPr sz="2400" b="0" i="0">
-              <a:latin typeface="Courier"/>
-            </a:endParaRPr>
-          </a:p>
-          <a:p>
-            <a:pPr>
-              <a:lnSpc>
-                <a:spcPts val="2400"/>
-              </a:lnSpc>
-              <a:defRPr>
-                <a:solidFill>
-                  <a:srgbClr val="FFFFFF"/>
-                </a:solidFill>
-              </a:defRPr>
-            </a:pPr>
-            <a:r>
-              <a:rPr sz="2400" b="0" i="0">
-                <a:latin typeface="Courier"/>
-              </a:rPr>
-              <a:t>V_V3         3 0   11V</a:t>
-            </a:r>
-            <a:endParaRPr sz="2400" b="0" i="0">
-              <a:latin typeface="Courier"/>
-            </a:endParaRPr>
-          </a:p>
-          <a:p>
-            <a:pPr>
-              <a:lnSpc>
-                <a:spcPts val="2400"/>
-              </a:lnSpc>
-              <a:defRPr>
-                <a:solidFill>
-                  <a:srgbClr val="FFFFFF"/>
-                </a:solidFill>
-              </a:defRPr>
-            </a:pPr>
-            <a:r>
-              <a:rPr sz="2400" b="0" i="0">
-                <a:latin typeface="Courier"/>
-              </a:rPr>
-              <a:t>V_V5         1 0   sin(0.7 0.8 1591500) DC=0.7</a:t>
-            </a:r>
-            <a:endParaRPr sz="2400" b="0" i="0">
-              <a:latin typeface="Courier"/>
-            </a:endParaRPr>
-          </a:p>
-          <a:p>
-            <a:pPr>
-              <a:lnSpc>
-                <a:spcPts val="2400"/>
-              </a:lnSpc>
-              <a:defRPr>
-                <a:solidFill>
-                  <a:srgbClr val="FFFFFF"/>
-                </a:solidFill>
-              </a:defRPr>
-            </a:pPr>
-            <a:r>
-              <a:rPr sz="2400" b="0" i="0">
-                <a:latin typeface="Courier"/>
-              </a:rPr>
-              <a:t>C_C3         5 2   10n</a:t>
-            </a:r>
-            <a:endParaRPr sz="2400" b="0" i="0">
-              <a:latin typeface="Courier"/>
-            </a:endParaRPr>
-          </a:p>
-          <a:p>
-            <a:pPr>
-              <a:lnSpc>
-                <a:spcPts val="2400"/>
-              </a:lnSpc>
-              <a:defRPr>
-                <a:solidFill>
-                  <a:srgbClr val="FFFFFF"/>
-                </a:solidFill>
-              </a:defRPr>
-            </a:pPr>
-            <a:r>
-              <a:rPr sz="2400" b="0" i="0">
-                <a:latin typeface="Courier"/>
-              </a:rPr>
-              <a:t>L_L3         5 2   0.111uH</a:t>
-            </a:r>
-            <a:endParaRPr sz="2400" b="0" i="0">
-              <a:latin typeface="Courier"/>
-            </a:endParaRPr>
-          </a:p>
-          <a:p>
-            <a:pPr>
-              <a:lnSpc>
-                <a:spcPts val="2400"/>
-              </a:lnSpc>
-              <a:defRPr>
-                <a:solidFill>
-                  <a:srgbClr val="FFFFFF"/>
-                </a:solidFill>
-              </a:defRPr>
-            </a:pPr>
-            <a:r>
-              <a:rPr sz="2400" b="0" i="0">
-                <a:latin typeface="Courier"/>
-              </a:rPr>
-              <a:t>.model Q2  NPN(Is=14.34f BF=200 RB=200 )</a:t>
-            </a:r>
-            <a:endParaRPr sz="2400" b="0" i="0">
-              <a:latin typeface="Courier"/>
-            </a:endParaRPr>
-          </a:p>
+          <a:p/>
         </p:txBody>
       </p:sp>
       <p:sp>
@@ -6208,7 +8772,24 @@
       <p:grpSpPr/>
       <p:sp>
         <p:nvSpPr>
-          <p:cNvPr id="2" name="Title 1"/>
+          <p:cNvPr id="2" name="Content Placeholder 1"/>
+          <p:cNvSpPr>
+            <a:spLocks noGrp="1"/>
+          </p:cNvSpPr>
+          <p:nvPr>
+            <p:ph idx="1"/>
+          </p:nvPr>
+        </p:nvSpPr>
+        <p:spPr/>
+        <p:txBody>
+          <a:bodyPr/>
+          <a:lstStyle/>
+          <a:p/>
+        </p:txBody>
+      </p:sp>
+      <p:sp>
+        <p:nvSpPr>
+          <p:cNvPr id="3" name="Title 2"/>
           <p:cNvSpPr>
             <a:spLocks noGrp="1"/>
           </p:cNvSpPr>
@@ -6224,41 +8805,17 @@
           <a:lstStyle/>
           <a:p>
             <a:r>
-              <a:rPr sz="2600" b="1" i="0">
+              <a:rPr sz="3200" b="1" i="0">
                 <a:latin typeface="Arial"/>
               </a:rPr>
-              <a:t>Spanningen op de verschillende knopen van de klasse F versterker.</a:t>
-            </a:r>
-            <a:endParaRPr sz="2600" b="1" i="0">
+              <a:t>Spice code van de klasse F versterker</a:t>
+            </a:r>
+            <a:endParaRPr sz="3200" b="1" i="0">
               <a:latin typeface="Arial"/>
             </a:endParaRPr>
           </a:p>
         </p:txBody>
       </p:sp>
-      <p:pic>
-        <p:nvPicPr>
-          <p:cNvPr id="3" name="Picture 2" descr="image.png"/>
-          <p:cNvPicPr>
-            <a:picLocks noChangeAspect="1"/>
-          </p:cNvPicPr>
-          <p:nvPr/>
-        </p:nvPicPr>
-        <p:blipFill>
-          <a:blip r:embed="rId2"/>
-          <a:stretch>
-            <a:fillRect/>
-          </a:stretch>
-        </p:blipFill>
-        <p:spPr>
-          <a:xfrm>
-            <a:off x="1889379" y="566928"/>
-            <a:ext cx="8413242" cy="5577840"/>
-          </a:xfrm>
-          <a:prstGeom prst="rect">
-            <a:avLst/>
-          </a:prstGeom>
-        </p:spPr>
-      </p:pic>
     </p:spTree>
   </p:cSld>
   <p:clrMapOvr>
@@ -6279,7 +8836,24 @@
       <p:grpSpPr/>
       <p:sp>
         <p:nvSpPr>
-          <p:cNvPr id="2" name="Title 1"/>
+          <p:cNvPr id="2" name="Content Placeholder 1"/>
+          <p:cNvSpPr>
+            <a:spLocks noGrp="1"/>
+          </p:cNvSpPr>
+          <p:nvPr>
+            <p:ph idx="1"/>
+          </p:nvPr>
+        </p:nvSpPr>
+        <p:spPr/>
+        <p:txBody>
+          <a:bodyPr/>
+          <a:lstStyle/>
+          <a:p/>
+        </p:txBody>
+      </p:sp>
+      <p:sp>
+        <p:nvSpPr>
+          <p:cNvPr id="3" name="Title 2"/>
           <p:cNvSpPr>
             <a:spLocks noGrp="1"/>
           </p:cNvSpPr>
@@ -6295,41 +8869,17 @@
           <a:lstStyle/>
           <a:p>
             <a:r>
-              <a:rPr sz="2200" b="1" i="0">
+              <a:rPr sz="3200" b="1" i="0">
                 <a:latin typeface="Arial"/>
               </a:rPr>
-              <a:t>Verloop van de spanning over de eerste (LC1) en over de derde (LC3) harmonische.</a:t>
-            </a:r>
-            <a:endParaRPr sz="2200" b="1" i="0">
+              <a:t>Spice code van de klasse F versterker</a:t>
+            </a:r>
+            <a:endParaRPr sz="3200" b="1" i="0">
               <a:latin typeface="Arial"/>
             </a:endParaRPr>
           </a:p>
         </p:txBody>
       </p:sp>
-      <p:pic>
-        <p:nvPicPr>
-          <p:cNvPr id="3" name="Picture 2" descr="image.png"/>
-          <p:cNvPicPr>
-            <a:picLocks noChangeAspect="1"/>
-          </p:cNvPicPr>
-          <p:nvPr/>
-        </p:nvPicPr>
-        <p:blipFill>
-          <a:blip r:embed="rId2"/>
-          <a:stretch>
-            <a:fillRect/>
-          </a:stretch>
-        </p:blipFill>
-        <p:spPr>
-          <a:xfrm>
-            <a:off x="1842897" y="566928"/>
-            <a:ext cx="8506206" cy="5577840"/>
-          </a:xfrm>
-          <a:prstGeom prst="rect">
-            <a:avLst/>
-          </a:prstGeom>
-        </p:spPr>
-      </p:pic>
     </p:spTree>
   </p:cSld>
   <p:clrMapOvr>
@@ -6350,7 +8900,24 @@
       <p:grpSpPr/>
       <p:sp>
         <p:nvSpPr>
-          <p:cNvPr id="2" name="Title 1"/>
+          <p:cNvPr id="2" name="Content Placeholder 1"/>
+          <p:cNvSpPr>
+            <a:spLocks noGrp="1"/>
+          </p:cNvSpPr>
+          <p:nvPr>
+            <p:ph idx="1"/>
+          </p:nvPr>
+        </p:nvSpPr>
+        <p:spPr/>
+        <p:txBody>
+          <a:bodyPr/>
+          <a:lstStyle/>
+          <a:p/>
+        </p:txBody>
+      </p:sp>
+      <p:sp>
+        <p:nvSpPr>
+          <p:cNvPr id="3" name="Title 2"/>
           <p:cNvSpPr>
             <a:spLocks noGrp="1"/>
           </p:cNvSpPr>
@@ -6369,7 +8936,7 @@
               <a:rPr sz="3200" b="1" i="0">
                 <a:latin typeface="Arial"/>
               </a:rPr>
-              <a:t>Verloop van de collector current</a:t>
+              <a:t>Spice code van de klasse F versterker</a:t>
             </a:r>
             <a:endParaRPr sz="3200" b="1" i="0">
               <a:latin typeface="Arial"/>
@@ -6377,30 +8944,6 @@
           </a:p>
         </p:txBody>
       </p:sp>
-      <p:pic>
-        <p:nvPicPr>
-          <p:cNvPr id="3" name="Picture 2" descr="image.png"/>
-          <p:cNvPicPr>
-            <a:picLocks noChangeAspect="1"/>
-          </p:cNvPicPr>
-          <p:nvPr/>
-        </p:nvPicPr>
-        <p:blipFill>
-          <a:blip r:embed="rId2"/>
-          <a:stretch>
-            <a:fillRect/>
-          </a:stretch>
-        </p:blipFill>
-        <p:spPr>
-          <a:xfrm>
-            <a:off x="1871948" y="566928"/>
-            <a:ext cx="8448104" cy="5577840"/>
-          </a:xfrm>
-          <a:prstGeom prst="rect">
-            <a:avLst/>
-          </a:prstGeom>
-        </p:spPr>
-      </p:pic>
     </p:spTree>
   </p:cSld>
   <p:clrMapOvr>
@@ -6421,7 +8964,24 @@
       <p:grpSpPr/>
       <p:sp>
         <p:nvSpPr>
-          <p:cNvPr id="2" name="Title 1"/>
+          <p:cNvPr id="2" name="Content Placeholder 1"/>
+          <p:cNvSpPr>
+            <a:spLocks noGrp="1"/>
+          </p:cNvSpPr>
+          <p:nvPr>
+            <p:ph idx="1"/>
+          </p:nvPr>
+        </p:nvSpPr>
+        <p:spPr/>
+        <p:txBody>
+          <a:bodyPr/>
+          <a:lstStyle/>
+          <a:p/>
+        </p:txBody>
+      </p:sp>
+      <p:sp>
+        <p:nvSpPr>
+          <p:cNvPr id="3" name="Title 2"/>
           <p:cNvSpPr>
             <a:spLocks noGrp="1"/>
           </p:cNvSpPr>
@@ -6437,41 +8997,17 @@
           <a:lstStyle/>
           <a:p>
             <a:r>
-              <a:rPr sz="2200" b="1" i="0">
+              <a:rPr sz="3200" b="1" i="0">
                 <a:latin typeface="Arial"/>
               </a:rPr>
-              <a:t>Basisschema van de klasse F versterker waarbij de uitgang oscilleert rond de grond.</a:t>
-            </a:r>
-            <a:endParaRPr sz="2200" b="1" i="0">
+              <a:t>Spice code van de klasse F versterker</a:t>
+            </a:r>
+            <a:endParaRPr sz="3200" b="1" i="0">
               <a:latin typeface="Arial"/>
             </a:endParaRPr>
           </a:p>
         </p:txBody>
       </p:sp>
-      <p:pic>
-        <p:nvPicPr>
-          <p:cNvPr id="3" name="Picture 2" descr="image.png"/>
-          <p:cNvPicPr>
-            <a:picLocks noChangeAspect="1"/>
-          </p:cNvPicPr>
-          <p:nvPr/>
-        </p:nvPicPr>
-        <p:blipFill>
-          <a:blip r:embed="rId2"/>
-          <a:stretch>
-            <a:fillRect/>
-          </a:stretch>
-        </p:blipFill>
-        <p:spPr>
-          <a:xfrm>
-            <a:off x="834364" y="566928"/>
-            <a:ext cx="10523272" cy="5577840"/>
-          </a:xfrm>
-          <a:prstGeom prst="rect">
-            <a:avLst/>
-          </a:prstGeom>
-        </p:spPr>
-      </p:pic>
     </p:spTree>
   </p:cSld>
   <p:clrMapOvr>
@@ -6502,241 +9038,9 @@
         </p:nvSpPr>
         <p:spPr/>
         <p:txBody>
-          <a:bodyPr wrap="square">
-            <a:noAutofit/>
-          </a:bodyPr>
+          <a:bodyPr/>
           <a:lstStyle/>
-          <a:p>
-            <a:pPr>
-              <a:lnSpc>
-                <a:spcPts val="2400"/>
-              </a:lnSpc>
-              <a:defRPr>
-                <a:solidFill>
-                  <a:srgbClr val="FFFFFF"/>
-                </a:solidFill>
-              </a:defRPr>
-            </a:pPr>
-            <a:r>
-              <a:rPr sz="2400" b="0" i="0">
-                <a:latin typeface="Courier"/>
-              </a:rPr>
-              <a:t>* klasseF</a:t>
-            </a:r>
-            <a:endParaRPr sz="2400" b="0" i="0">
-              <a:latin typeface="Courier"/>
-            </a:endParaRPr>
-          </a:p>
-          <a:p>
-            <a:pPr>
-              <a:lnSpc>
-                <a:spcPts val="2400"/>
-              </a:lnSpc>
-              <a:defRPr>
-                <a:solidFill>
-                  <a:srgbClr val="FFFFFF"/>
-                </a:solidFill>
-              </a:defRPr>
-            </a:pPr>
-            <a:r>
-              <a:rPr sz="2400" b="0" i="0">
-                <a:latin typeface="Courier"/>
-              </a:rPr>
-              <a:t>Q_Q1         2 1 0 Q2</a:t>
-            </a:r>
-            <a:endParaRPr sz="2400" b="0" i="0">
-              <a:latin typeface="Courier"/>
-            </a:endParaRPr>
-          </a:p>
-          <a:p>
-            <a:pPr>
-              <a:lnSpc>
-                <a:spcPts val="2400"/>
-              </a:lnSpc>
-              <a:defRPr>
-                <a:solidFill>
-                  <a:srgbClr val="FFFFFF"/>
-                </a:solidFill>
-              </a:defRPr>
-            </a:pPr>
-            <a:r>
-              <a:rPr sz="2400" b="0" i="0">
-                <a:latin typeface="Courier"/>
-              </a:rPr>
-              <a:t>L_L1         0 3   1uH</a:t>
-            </a:r>
-            <a:endParaRPr sz="2400" b="0" i="0">
-              <a:latin typeface="Courier"/>
-            </a:endParaRPr>
-          </a:p>
-          <a:p>
-            <a:pPr>
-              <a:lnSpc>
-                <a:spcPts val="2400"/>
-              </a:lnSpc>
-              <a:defRPr>
-                <a:solidFill>
-                  <a:srgbClr val="FFFFFF"/>
-                </a:solidFill>
-              </a:defRPr>
-            </a:pPr>
-            <a:r>
-              <a:rPr sz="2400" b="0" i="0">
-                <a:latin typeface="Courier"/>
-              </a:rPr>
-              <a:t>C_C1         0 3   10n</a:t>
-            </a:r>
-            <a:endParaRPr sz="2400" b="0" i="0">
-              <a:latin typeface="Courier"/>
-            </a:endParaRPr>
-          </a:p>
-          <a:p>
-            <a:pPr>
-              <a:lnSpc>
-                <a:spcPts val="2400"/>
-              </a:lnSpc>
-              <a:defRPr>
-                <a:solidFill>
-                  <a:srgbClr val="FFFFFF"/>
-                </a:solidFill>
-              </a:defRPr>
-            </a:pPr>
-            <a:r>
-              <a:rPr sz="2400" b="0" i="0">
-                <a:latin typeface="Courier"/>
-              </a:rPr>
-              <a:t>R_R1         0 3   100</a:t>
-            </a:r>
-            <a:endParaRPr sz="2400" b="0" i="0">
-              <a:latin typeface="Courier"/>
-            </a:endParaRPr>
-          </a:p>
-          <a:p>
-            <a:pPr>
-              <a:lnSpc>
-                <a:spcPts val="2400"/>
-              </a:lnSpc>
-              <a:defRPr>
-                <a:solidFill>
-                  <a:srgbClr val="FFFFFF"/>
-                </a:solidFill>
-              </a:defRPr>
-            </a:pPr>
-            <a:r>
-              <a:rPr sz="2400" b="0" i="0">
-                <a:latin typeface="Courier"/>
-              </a:rPr>
-              <a:t>V_V3         4 0   10V</a:t>
-            </a:r>
-            <a:endParaRPr sz="2400" b="0" i="0">
-              <a:latin typeface="Courier"/>
-            </a:endParaRPr>
-          </a:p>
-          <a:p>
-            <a:pPr>
-              <a:lnSpc>
-                <a:spcPts val="2400"/>
-              </a:lnSpc>
-              <a:defRPr>
-                <a:solidFill>
-                  <a:srgbClr val="FFFFFF"/>
-                </a:solidFill>
-              </a:defRPr>
-            </a:pPr>
-            <a:r>
-              <a:rPr sz="2400" b="0" i="0">
-                <a:latin typeface="Courier"/>
-              </a:rPr>
-              <a:t>V_V5         1 0   sin(0.4 0.8 1591500) DC=0.4</a:t>
-            </a:r>
-            <a:endParaRPr sz="2400" b="0" i="0">
-              <a:latin typeface="Courier"/>
-            </a:endParaRPr>
-          </a:p>
-          <a:p>
-            <a:pPr>
-              <a:lnSpc>
-                <a:spcPts val="2400"/>
-              </a:lnSpc>
-              <a:defRPr>
-                <a:solidFill>
-                  <a:srgbClr val="FFFFFF"/>
-                </a:solidFill>
-              </a:defRPr>
-            </a:pPr>
-            <a:r>
-              <a:rPr sz="2400" b="0" i="0">
-                <a:latin typeface="Courier"/>
-              </a:rPr>
-              <a:t>C_C2         5 3   10n</a:t>
-            </a:r>
-            <a:endParaRPr sz="2400" b="0" i="0">
-              <a:latin typeface="Courier"/>
-            </a:endParaRPr>
-          </a:p>
-          <a:p>
-            <a:pPr>
-              <a:lnSpc>
-                <a:spcPts val="2400"/>
-              </a:lnSpc>
-              <a:defRPr>
-                <a:solidFill>
-                  <a:srgbClr val="FFFFFF"/>
-                </a:solidFill>
-              </a:defRPr>
-            </a:pPr>
-            <a:r>
-              <a:rPr sz="2400" b="0" i="0">
-                <a:latin typeface="Courier"/>
-              </a:rPr>
-              <a:t>L_L3         6 3   0.111uH</a:t>
-            </a:r>
-            <a:endParaRPr sz="2400" b="0" i="0">
-              <a:latin typeface="Courier"/>
-            </a:endParaRPr>
-          </a:p>
-          <a:p>
-            <a:pPr>
-              <a:lnSpc>
-                <a:spcPts val="2400"/>
-              </a:lnSpc>
-              <a:defRPr>
-                <a:solidFill>
-                  <a:srgbClr val="FFFFFF"/>
-                </a:solidFill>
-              </a:defRPr>
-            </a:pPr>
-            <a:r>
-              <a:rPr sz="2400" b="0" i="0">
-                <a:latin typeface="Courier"/>
-              </a:rPr>
-              <a:t>R_R3         6 5   0.001</a:t>
-            </a:r>
-            <a:endParaRPr sz="2400" b="0" i="0">
-              <a:latin typeface="Courier"/>
-            </a:endParaRPr>
-          </a:p>
-          <a:p>
-            <a:pPr>
-              <a:lnSpc>
-                <a:spcPts val="2400"/>
-              </a:lnSpc>
-              <a:defRPr>
-                <a:solidFill>
-                  <a:srgbClr val="FFFFFF"/>
-                </a:solidFill>
-              </a:defRPr>
-            </a:pPr>
-            <a:r>
-              <a:rPr sz="2400" b="0" i="0">
-                <a:latin typeface="Courier"/>
-              </a:rPr>
-              <a:t>L_L2         2 4   2mH</a:t>
-            </a:r>
-            <a:endParaRPr sz="2400" b="0" i="0">
-              <a:latin typeface="Courier"/>
-            </a:endParaRPr>
-          </a:p>
+          <a:p/>
         </p:txBody>
       </p:sp>
       <p:sp>
@@ -6760,7 +9064,7 @@
               <a:rPr sz="3200" b="1" i="0">
                 <a:latin typeface="Arial"/>
               </a:rPr>
-              <a:t>Klasse F versterker met oscillatie rond de grond</a:t>
+              <a:t>Spice code van de klasse F versterker</a:t>
             </a:r>
             <a:endParaRPr sz="3200" b="1" i="0">
               <a:latin typeface="Arial"/>
@@ -6798,51 +9102,342 @@
         </p:nvSpPr>
         <p:spPr/>
         <p:txBody>
-          <a:bodyPr wrap="square">
-            <a:noAutofit/>
-          </a:bodyPr>
+          <a:bodyPr/>
           <a:lstStyle/>
           <a:p>
-            <a:pPr>
-              <a:lnSpc>
-                <a:spcPts val="2400"/>
-              </a:lnSpc>
-              <a:defRPr>
-                <a:solidFill>
-                  <a:srgbClr val="FFFFFF"/>
-                </a:solidFill>
-              </a:defRPr>
-            </a:pPr>
-            <a:r>
-              <a:rPr sz="2400" b="0" i="0">
-                <a:latin typeface="Courier"/>
-              </a:rPr>
-              <a:t>C_C3         2 5   1000n</a:t>
-            </a:r>
-            <a:endParaRPr sz="2400" b="0" i="0">
-              <a:latin typeface="Courier"/>
-            </a:endParaRPr>
-          </a:p>
-          <a:p>
-            <a:pPr>
-              <a:lnSpc>
-                <a:spcPts val="2400"/>
-              </a:lnSpc>
-              <a:defRPr>
-                <a:solidFill>
-                  <a:srgbClr val="FFFFFF"/>
-                </a:solidFill>
-              </a:defRPr>
-            </a:pPr>
-            <a:r>
-              <a:rPr sz="2400" b="0" i="0">
-                <a:latin typeface="Courier"/>
-              </a:rPr>
-              <a:t>.model Q2  NPN(Is=14.34f BF=200 Rb=100 )</a:t>
-            </a:r>
-            <a:endParaRPr sz="2400" b="0" i="0">
-              <a:latin typeface="Courier"/>
-            </a:endParaRPr>
+            <a:r>
+              <a:rPr sz="1400">
+                <a:solidFill>
+                  <a:srgbClr val="000000"/>
+                </a:solidFill>
+                <a:latin typeface="Courier New"/>
+              </a:rPr>
+              <a:t/>
+            </a:r>
+            <a:r>
+              <a:rPr sz="1400">
+                <a:solidFill>
+                  <a:srgbClr val="000000"/>
+                </a:solidFill>
+                <a:latin typeface="Courier New"/>
+              </a:rPr>
+              <a:t>*</a:t>
+            </a:r>
+            <a:r>
+              <a:rPr sz="1400">
+                <a:solidFill>
+                  <a:srgbClr val="000000"/>
+                </a:solidFill>
+                <a:latin typeface="Courier New"/>
+              </a:rPr>
+              <a:t> </a:t>
+            </a:r>
+            <a:r>
+              <a:rPr sz="1400">
+                <a:solidFill>
+                  <a:srgbClr val="000000"/>
+                </a:solidFill>
+                <a:latin typeface="Courier New"/>
+              </a:rPr>
+              <a:t>klasse</a:t>
+            </a:r>
+            <a:r>
+              <a:rPr sz="1400">
+                <a:solidFill>
+                  <a:srgbClr val="000000"/>
+                </a:solidFill>
+                <a:latin typeface="Courier New"/>
+              </a:rPr>
+              <a:t> </a:t>
+            </a:r>
+            <a:r>
+              <a:rPr sz="1400">
+                <a:solidFill>
+                  <a:srgbClr val="000000"/>
+                </a:solidFill>
+                <a:latin typeface="Courier New"/>
+              </a:rPr>
+              <a:t>F</a:t>
+            </a:r>
+            <a:r>
+              <a:rPr sz="1400">
+                <a:solidFill>
+                  <a:srgbClr val="000000"/>
+                </a:solidFill>
+                <a:latin typeface="Courier New"/>
+              </a:rPr>
+              <a:t> </a:t>
+            </a:r>
+            <a:r>
+              <a:rPr sz="1400">
+                <a:solidFill>
+                  <a:srgbClr val="000000"/>
+                </a:solidFill>
+                <a:latin typeface="Courier New"/>
+              </a:rPr>
+              <a:t>basiscircuit</a:t>
+            </a:r>
+            <a:r>
+              <a:rPr sz="1400">
+                <a:solidFill>
+                  <a:srgbClr val="000000"/>
+                </a:solidFill>
+                <a:latin typeface="Courier New"/>
+              </a:rPr>
+              <a:t/>
+            </a:r>
+            <a:r>
+              <a:rPr sz="1400">
+                <a:solidFill>
+                  <a:srgbClr val="000000"/>
+                </a:solidFill>
+                <a:latin typeface="Courier New"/>
+              </a:rPr>
+              <a:t>Q_Q1</a:t>
+            </a:r>
+            <a:r>
+              <a:rPr sz="1400">
+                <a:solidFill>
+                  <a:srgbClr val="000000"/>
+                </a:solidFill>
+                <a:latin typeface="Courier New"/>
+              </a:rPr>
+              <a:t>         </a:t>
+            </a:r>
+            <a:r>
+              <a:rPr sz="1400">
+                <a:solidFill>
+                  <a:srgbClr val="000000"/>
+                </a:solidFill>
+                <a:latin typeface="Courier New"/>
+              </a:rPr>
+              <a:t>2</a:t>
+            </a:r>
+            <a:r>
+              <a:rPr sz="1400">
+                <a:solidFill>
+                  <a:srgbClr val="000000"/>
+                </a:solidFill>
+                <a:latin typeface="Courier New"/>
+              </a:rPr>
+              <a:t> </a:t>
+            </a:r>
+            <a:r>
+              <a:rPr sz="1400">
+                <a:solidFill>
+                  <a:srgbClr val="000000"/>
+                </a:solidFill>
+                <a:latin typeface="Courier New"/>
+              </a:rPr>
+              <a:t>1</a:t>
+            </a:r>
+            <a:r>
+              <a:rPr sz="1400">
+                <a:solidFill>
+                  <a:srgbClr val="000000"/>
+                </a:solidFill>
+                <a:latin typeface="Courier New"/>
+              </a:rPr>
+              <a:t> </a:t>
+            </a:r>
+            <a:r>
+              <a:rPr sz="1400">
+                <a:solidFill>
+                  <a:srgbClr val="000000"/>
+                </a:solidFill>
+                <a:latin typeface="Courier New"/>
+              </a:rPr>
+              <a:t>0</a:t>
+            </a:r>
+            <a:r>
+              <a:rPr sz="1400">
+                <a:solidFill>
+                  <a:srgbClr val="000000"/>
+                </a:solidFill>
+                <a:latin typeface="Courier New"/>
+              </a:rPr>
+              <a:t> </a:t>
+            </a:r>
+            <a:r>
+              <a:rPr sz="1400">
+                <a:solidFill>
+                  <a:srgbClr val="000000"/>
+                </a:solidFill>
+                <a:latin typeface="Courier New"/>
+              </a:rPr>
+              <a:t>Q2</a:t>
+            </a:r>
+            <a:r>
+              <a:rPr sz="1400">
+                <a:solidFill>
+                  <a:srgbClr val="000000"/>
+                </a:solidFill>
+                <a:latin typeface="Courier New"/>
+              </a:rPr>
+              <a:t/>
+            </a:r>
+            <a:r>
+              <a:rPr sz="1400">
+                <a:solidFill>
+                  <a:srgbClr val="000000"/>
+                </a:solidFill>
+                <a:latin typeface="Courier New"/>
+              </a:rPr>
+              <a:t>L_L1</a:t>
+            </a:r>
+            <a:r>
+              <a:rPr sz="1400">
+                <a:solidFill>
+                  <a:srgbClr val="000000"/>
+                </a:solidFill>
+                <a:latin typeface="Courier New"/>
+              </a:rPr>
+              <a:t>         </a:t>
+            </a:r>
+            <a:r>
+              <a:rPr sz="1400">
+                <a:solidFill>
+                  <a:srgbClr val="000000"/>
+                </a:solidFill>
+                <a:latin typeface="Courier New"/>
+              </a:rPr>
+              <a:t>5</a:t>
+            </a:r>
+            <a:r>
+              <a:rPr sz="1400">
+                <a:solidFill>
+                  <a:srgbClr val="000000"/>
+                </a:solidFill>
+                <a:latin typeface="Courier New"/>
+              </a:rPr>
+              <a:t> </a:t>
+            </a:r>
+            <a:r>
+              <a:rPr sz="1400">
+                <a:solidFill>
+                  <a:srgbClr val="000000"/>
+                </a:solidFill>
+                <a:latin typeface="Courier New"/>
+              </a:rPr>
+              <a:t>3</a:t>
+            </a:r>
+            <a:r>
+              <a:rPr sz="1400">
+                <a:solidFill>
+                  <a:srgbClr val="000000"/>
+                </a:solidFill>
+                <a:latin typeface="Courier New"/>
+              </a:rPr>
+              <a:t>   </a:t>
+            </a:r>
+            <a:r>
+              <a:rPr sz="1400">
+                <a:solidFill>
+                  <a:srgbClr val="000000"/>
+                </a:solidFill>
+                <a:latin typeface="Courier New"/>
+              </a:rPr>
+              <a:t>1</a:t>
+            </a:r>
+            <a:r>
+              <a:rPr sz="1400">
+                <a:solidFill>
+                  <a:srgbClr val="000000"/>
+                </a:solidFill>
+                <a:latin typeface="Courier New"/>
+              </a:rPr>
+              <a:t>uH</a:t>
+            </a:r>
+            <a:r>
+              <a:rPr sz="1400">
+                <a:solidFill>
+                  <a:srgbClr val="000000"/>
+                </a:solidFill>
+                <a:latin typeface="Courier New"/>
+              </a:rPr>
+              <a:t/>
+            </a:r>
+            <a:r>
+              <a:rPr sz="1400">
+                <a:solidFill>
+                  <a:srgbClr val="000000"/>
+                </a:solidFill>
+                <a:latin typeface="Courier New"/>
+              </a:rPr>
+              <a:t>C_C1</a:t>
+            </a:r>
+            <a:r>
+              <a:rPr sz="1400">
+                <a:solidFill>
+                  <a:srgbClr val="000000"/>
+                </a:solidFill>
+                <a:latin typeface="Courier New"/>
+              </a:rPr>
+              <a:t>         </a:t>
+            </a:r>
+            <a:r>
+              <a:rPr sz="1400">
+                <a:solidFill>
+                  <a:srgbClr val="000000"/>
+                </a:solidFill>
+                <a:latin typeface="Courier New"/>
+              </a:rPr>
+              <a:t>5</a:t>
+            </a:r>
+            <a:r>
+              <a:rPr sz="1400">
+                <a:solidFill>
+                  <a:srgbClr val="000000"/>
+                </a:solidFill>
+                <a:latin typeface="Courier New"/>
+              </a:rPr>
+              <a:t> </a:t>
+            </a:r>
+            <a:r>
+              <a:rPr sz="1400">
+                <a:solidFill>
+                  <a:srgbClr val="000000"/>
+                </a:solidFill>
+                <a:latin typeface="Courier New"/>
+              </a:rPr>
+              <a:t>3</a:t>
+            </a:r>
+            <a:r>
+              <a:rPr sz="1400">
+                <a:solidFill>
+                  <a:srgbClr val="000000"/>
+                </a:solidFill>
+                <a:latin typeface="Courier New"/>
+              </a:rPr>
+              <a:t>   </a:t>
+            </a:r>
+            <a:r>
+              <a:rPr sz="1400">
+                <a:solidFill>
+                  <a:srgbClr val="000000"/>
+                </a:solidFill>
+                <a:latin typeface="Courier New"/>
+              </a:rPr>
+              <a:t>10</a:t>
+            </a:r>
+            <a:r>
+              <a:rPr sz="1400">
+                <a:solidFill>
+                  <a:srgbClr val="000000"/>
+                </a:solidFill>
+                <a:latin typeface="Courier New"/>
+              </a:rPr>
+              <a:t>n</a:t>
+            </a:r>
+            <a:r>
+              <a:rPr sz="1400">
+                <a:solidFill>
+                  <a:srgbClr val="000000"/>
+                </a:solidFill>
+                <a:latin typeface="Courier New"/>
+              </a:rPr>
+              <a:t/>
+            </a:r>
           </a:p>
         </p:txBody>
       </p:sp>
@@ -6867,7 +9462,7 @@
               <a:rPr sz="3200" b="1" i="0">
                 <a:latin typeface="Arial"/>
               </a:rPr>
-              <a:t>Klasse F versterker met oscillatie rond de grond</a:t>
+              <a:t>Spice code van de klasse F versterker</a:t>
             </a:r>
             <a:endParaRPr sz="3200" b="1" i="0">
               <a:latin typeface="Arial"/>

--- a/ToegepasteAnalogeElektronica/PowerPoint/Klasse-F.pptx
+++ b/ToegepasteAnalogeElektronica/PowerPoint/Klasse-F.pptx
@@ -24,19 +24,6 @@
     <p:sldId id="266" r:id="rId23"/>
     <p:sldId id="267" r:id="rId24"/>
     <p:sldId id="268" r:id="rId25"/>
-    <p:sldId id="269" r:id="rId26"/>
-    <p:sldId id="270" r:id="rId27"/>
-    <p:sldId id="271" r:id="rId28"/>
-    <p:sldId id="272" r:id="rId29"/>
-    <p:sldId id="273" r:id="rId30"/>
-    <p:sldId id="274" r:id="rId31"/>
-    <p:sldId id="275" r:id="rId32"/>
-    <p:sldId id="276" r:id="rId33"/>
-    <p:sldId id="277" r:id="rId34"/>
-    <p:sldId id="278" r:id="rId35"/>
-    <p:sldId id="279" r:id="rId36"/>
-    <p:sldId id="280" r:id="rId37"/>
-    <p:sldId id="281" r:id="rId38"/>
   </p:sldIdLst>
   <p:sldSz cx="12192000" cy="6858000"/>
   <p:notesSz cx="6858000" cy="9144000"/>
@@ -5697,709 +5684,7 @@
       <p:grpSpPr/>
       <p:sp>
         <p:nvSpPr>
-          <p:cNvPr id="2" name="Content Placeholder 1"/>
-          <p:cNvSpPr>
-            <a:spLocks noGrp="1"/>
-          </p:cNvSpPr>
-          <p:nvPr>
-            <p:ph idx="1"/>
-          </p:nvPr>
-        </p:nvSpPr>
-        <p:spPr/>
-        <p:txBody>
-          <a:bodyPr/>
-          <a:lstStyle/>
-          <a:p>
-            <a:r>
-              <a:rPr sz="1400">
-                <a:solidFill>
-                  <a:srgbClr val="000000"/>
-                </a:solidFill>
-                <a:latin typeface="Courier New"/>
-              </a:rPr>
-              <a:t>R_R1</a:t>
-            </a:r>
-            <a:r>
-              <a:rPr sz="1400">
-                <a:solidFill>
-                  <a:srgbClr val="000000"/>
-                </a:solidFill>
-                <a:latin typeface="Courier New"/>
-              </a:rPr>
-              <a:t> </a:t>
-            </a:r>
-            <a:r>
-              <a:rPr sz="1400">
-                <a:solidFill>
-                  <a:srgbClr val="000000"/>
-                </a:solidFill>
-                <a:latin typeface="Courier New"/>
-              </a:rPr>
-              <a:t>5</a:t>
-            </a:r>
-            <a:r>
-              <a:rPr sz="1400">
-                <a:solidFill>
-                  <a:srgbClr val="000000"/>
-                </a:solidFill>
-                <a:latin typeface="Courier New"/>
-              </a:rPr>
-              <a:t> </a:t>
-            </a:r>
-            <a:r>
-              <a:rPr sz="1400">
-                <a:solidFill>
-                  <a:srgbClr val="000000"/>
-                </a:solidFill>
-                <a:latin typeface="Courier New"/>
-              </a:rPr>
-              <a:t>3</a:t>
-            </a:r>
-            <a:r>
-              <a:rPr sz="1400">
-                <a:solidFill>
-                  <a:srgbClr val="000000"/>
-                </a:solidFill>
-                <a:latin typeface="Courier New"/>
-              </a:rPr>
-              <a:t> </a:t>
-            </a:r>
-            <a:r>
-              <a:rPr sz="1400">
-                <a:solidFill>
-                  <a:srgbClr val="000000"/>
-                </a:solidFill>
-                <a:latin typeface="Courier New"/>
-              </a:rPr>
-              <a:t>60</a:t>
-            </a:r>
-            <a:r>
-              <a:rPr sz="1400">
-                <a:solidFill>
-                  <a:srgbClr val="000000"/>
-                </a:solidFill>
-                <a:latin typeface="Courier New"/>
-              </a:rPr>
-              <a:t/>
-            </a:r>
-            <a:r>
-              <a:rPr sz="1400">
-                <a:solidFill>
-                  <a:srgbClr val="000000"/>
-                </a:solidFill>
-                <a:latin typeface="Courier New"/>
-              </a:rPr>
-              <a:t>V_V3</a:t>
-            </a:r>
-            <a:r>
-              <a:rPr sz="1400">
-                <a:solidFill>
-                  <a:srgbClr val="000000"/>
-                </a:solidFill>
-                <a:latin typeface="Courier New"/>
-              </a:rPr>
-              <a:t> </a:t>
-            </a:r>
-            <a:r>
-              <a:rPr sz="1400">
-                <a:solidFill>
-                  <a:srgbClr val="000000"/>
-                </a:solidFill>
-                <a:latin typeface="Courier New"/>
-              </a:rPr>
-              <a:t>3</a:t>
-            </a:r>
-            <a:r>
-              <a:rPr sz="1400">
-                <a:solidFill>
-                  <a:srgbClr val="000000"/>
-                </a:solidFill>
-                <a:latin typeface="Courier New"/>
-              </a:rPr>
-              <a:t> </a:t>
-            </a:r>
-            <a:r>
-              <a:rPr sz="1400">
-                <a:solidFill>
-                  <a:srgbClr val="000000"/>
-                </a:solidFill>
-                <a:latin typeface="Courier New"/>
-              </a:rPr>
-              <a:t>0</a:t>
-            </a:r>
-            <a:r>
-              <a:rPr sz="1400">
-                <a:solidFill>
-                  <a:srgbClr val="000000"/>
-                </a:solidFill>
-                <a:latin typeface="Courier New"/>
-              </a:rPr>
-              <a:t> </a:t>
-            </a:r>
-            <a:r>
-              <a:rPr sz="1400">
-                <a:solidFill>
-                  <a:srgbClr val="000000"/>
-                </a:solidFill>
-                <a:latin typeface="Courier New"/>
-              </a:rPr>
-              <a:t>11</a:t>
-            </a:r>
-            <a:r>
-              <a:rPr sz="1400">
-                <a:solidFill>
-                  <a:srgbClr val="000000"/>
-                </a:solidFill>
-                <a:latin typeface="Courier New"/>
-              </a:rPr>
-              <a:t>V</a:t>
-            </a:r>
-            <a:r>
-              <a:rPr sz="1400">
-                <a:solidFill>
-                  <a:srgbClr val="000000"/>
-                </a:solidFill>
-                <a:latin typeface="Courier New"/>
-              </a:rPr>
-              <a:t/>
-            </a:r>
-            <a:r>
-              <a:rPr sz="1400">
-                <a:solidFill>
-                  <a:srgbClr val="000000"/>
-                </a:solidFill>
-                <a:latin typeface="Courier New"/>
-              </a:rPr>
-              <a:t>V_V5</a:t>
-            </a:r>
-            <a:r>
-              <a:rPr sz="1400">
-                <a:solidFill>
-                  <a:srgbClr val="000000"/>
-                </a:solidFill>
-                <a:latin typeface="Courier New"/>
-              </a:rPr>
-              <a:t> </a:t>
-            </a:r>
-            <a:r>
-              <a:rPr sz="1400">
-                <a:solidFill>
-                  <a:srgbClr val="000000"/>
-                </a:solidFill>
-                <a:latin typeface="Courier New"/>
-              </a:rPr>
-              <a:t>1</a:t>
-            </a:r>
-            <a:r>
-              <a:rPr sz="1400">
-                <a:solidFill>
-                  <a:srgbClr val="000000"/>
-                </a:solidFill>
-                <a:latin typeface="Courier New"/>
-              </a:rPr>
-              <a:t> </a:t>
-            </a:r>
-            <a:r>
-              <a:rPr sz="1400">
-                <a:solidFill>
-                  <a:srgbClr val="000000"/>
-                </a:solidFill>
-                <a:latin typeface="Courier New"/>
-              </a:rPr>
-              <a:t>0</a:t>
-            </a:r>
-            <a:r>
-              <a:rPr sz="1400">
-                <a:solidFill>
-                  <a:srgbClr val="000000"/>
-                </a:solidFill>
-                <a:latin typeface="Courier New"/>
-              </a:rPr>
-              <a:t> </a:t>
-            </a:r>
-            <a:r>
-              <a:rPr sz="1400">
-                <a:solidFill>
-                  <a:srgbClr val="000000"/>
-                </a:solidFill>
-                <a:latin typeface="Courier New"/>
-              </a:rPr>
-              <a:t>sin</a:t>
-            </a:r>
-            <a:r>
-              <a:rPr sz="1400">
-                <a:solidFill>
-                  <a:srgbClr val="000000"/>
-                </a:solidFill>
-                <a:latin typeface="Courier New"/>
-              </a:rPr>
-              <a:t>(</a:t>
-            </a:r>
-            <a:r>
-              <a:rPr sz="1400">
-                <a:solidFill>
-                  <a:srgbClr val="000000"/>
-                </a:solidFill>
-                <a:latin typeface="Courier New"/>
-              </a:rPr>
-              <a:t>0.7</a:t>
-            </a:r>
-            <a:r>
-              <a:rPr sz="1400">
-                <a:solidFill>
-                  <a:srgbClr val="000000"/>
-                </a:solidFill>
-                <a:latin typeface="Courier New"/>
-              </a:rPr>
-              <a:t> </a:t>
-            </a:r>
-            <a:r>
-              <a:rPr sz="1400">
-                <a:solidFill>
-                  <a:srgbClr val="000000"/>
-                </a:solidFill>
-                <a:latin typeface="Courier New"/>
-              </a:rPr>
-              <a:t>0.8</a:t>
-            </a:r>
-            <a:r>
-              <a:rPr sz="1400">
-                <a:solidFill>
-                  <a:srgbClr val="000000"/>
-                </a:solidFill>
-                <a:latin typeface="Courier New"/>
-              </a:rPr>
-              <a:t> </a:t>
-            </a:r>
-            <a:r>
-              <a:rPr sz="1400">
-                <a:solidFill>
-                  <a:srgbClr val="000000"/>
-                </a:solidFill>
-                <a:latin typeface="Courier New"/>
-              </a:rPr>
-              <a:t>1591500</a:t>
-            </a:r>
-            <a:r>
-              <a:rPr sz="1400">
-                <a:solidFill>
-                  <a:srgbClr val="000000"/>
-                </a:solidFill>
-                <a:latin typeface="Courier New"/>
-              </a:rPr>
-              <a:t>)</a:t>
-            </a:r>
-            <a:r>
-              <a:rPr sz="1400">
-                <a:solidFill>
-                  <a:srgbClr val="000000"/>
-                </a:solidFill>
-                <a:latin typeface="Courier New"/>
-              </a:rPr>
-              <a:t> </a:t>
-            </a:r>
-            <a:r>
-              <a:rPr sz="1400">
-                <a:solidFill>
-                  <a:srgbClr val="000000"/>
-                </a:solidFill>
-                <a:latin typeface="Courier New"/>
-              </a:rPr>
-              <a:t>DC</a:t>
-            </a:r>
-            <a:r>
-              <a:rPr sz="1400">
-                <a:solidFill>
-                  <a:srgbClr val="000000"/>
-                </a:solidFill>
-                <a:latin typeface="Courier New"/>
-              </a:rPr>
-              <a:t>=</a:t>
-            </a:r>
-            <a:r>
-              <a:rPr sz="1400">
-                <a:solidFill>
-                  <a:srgbClr val="000000"/>
-                </a:solidFill>
-                <a:latin typeface="Courier New"/>
-              </a:rPr>
-              <a:t>0.7</a:t>
-            </a:r>
-            <a:r>
-              <a:rPr sz="1400">
-                <a:solidFill>
-                  <a:srgbClr val="000000"/>
-                </a:solidFill>
-                <a:latin typeface="Courier New"/>
-              </a:rPr>
-              <a:t/>
-            </a:r>
-            <a:r>
-              <a:rPr sz="1400">
-                <a:solidFill>
-                  <a:srgbClr val="000000"/>
-                </a:solidFill>
-                <a:latin typeface="Courier New"/>
-              </a:rPr>
-              <a:t>C_C3</a:t>
-            </a:r>
-            <a:r>
-              <a:rPr sz="1400">
-                <a:solidFill>
-                  <a:srgbClr val="000000"/>
-                </a:solidFill>
-                <a:latin typeface="Courier New"/>
-              </a:rPr>
-              <a:t> </a:t>
-            </a:r>
-            <a:r>
-              <a:rPr sz="1400">
-                <a:solidFill>
-                  <a:srgbClr val="000000"/>
-                </a:solidFill>
-                <a:latin typeface="Courier New"/>
-              </a:rPr>
-              <a:t>5</a:t>
-            </a:r>
-            <a:r>
-              <a:rPr sz="1400">
-                <a:solidFill>
-                  <a:srgbClr val="000000"/>
-                </a:solidFill>
-                <a:latin typeface="Courier New"/>
-              </a:rPr>
-              <a:t> </a:t>
-            </a:r>
-            <a:r>
-              <a:rPr sz="1400">
-                <a:solidFill>
-                  <a:srgbClr val="000000"/>
-                </a:solidFill>
-                <a:latin typeface="Courier New"/>
-              </a:rPr>
-              <a:t>2</a:t>
-            </a:r>
-            <a:r>
-              <a:rPr sz="1400">
-                <a:solidFill>
-                  <a:srgbClr val="000000"/>
-                </a:solidFill>
-                <a:latin typeface="Courier New"/>
-              </a:rPr>
-              <a:t> </a:t>
-            </a:r>
-            <a:r>
-              <a:rPr sz="1400">
-                <a:solidFill>
-                  <a:srgbClr val="000000"/>
-                </a:solidFill>
-                <a:latin typeface="Courier New"/>
-              </a:rPr>
-              <a:t>10</a:t>
-            </a:r>
-            <a:r>
-              <a:rPr sz="1400">
-                <a:solidFill>
-                  <a:srgbClr val="000000"/>
-                </a:solidFill>
-                <a:latin typeface="Courier New"/>
-              </a:rPr>
-              <a:t>n</a:t>
-            </a:r>
-            <a:r>
-              <a:rPr sz="1400">
-                <a:solidFill>
-                  <a:srgbClr val="000000"/>
-                </a:solidFill>
-                <a:latin typeface="Courier New"/>
-              </a:rPr>
-              <a:t/>
-            </a:r>
-            <a:r>
-              <a:rPr sz="1400">
-                <a:solidFill>
-                  <a:srgbClr val="000000"/>
-                </a:solidFill>
-                <a:latin typeface="Courier New"/>
-              </a:rPr>
-              <a:t>L_L3</a:t>
-            </a:r>
-            <a:r>
-              <a:rPr sz="1400">
-                <a:solidFill>
-                  <a:srgbClr val="000000"/>
-                </a:solidFill>
-                <a:latin typeface="Courier New"/>
-              </a:rPr>
-              <a:t> </a:t>
-            </a:r>
-            <a:r>
-              <a:rPr sz="1400">
-                <a:solidFill>
-                  <a:srgbClr val="000000"/>
-                </a:solidFill>
-                <a:latin typeface="Courier New"/>
-              </a:rPr>
-              <a:t>5</a:t>
-            </a:r>
-            <a:r>
-              <a:rPr sz="1400">
-                <a:solidFill>
-                  <a:srgbClr val="000000"/>
-                </a:solidFill>
-                <a:latin typeface="Courier New"/>
-              </a:rPr>
-              <a:t> </a:t>
-            </a:r>
-            <a:r>
-              <a:rPr sz="1400">
-                <a:solidFill>
-                  <a:srgbClr val="000000"/>
-                </a:solidFill>
-                <a:latin typeface="Courier New"/>
-              </a:rPr>
-              <a:t>2</a:t>
-            </a:r>
-            <a:r>
-              <a:rPr sz="1400">
-                <a:solidFill>
-                  <a:srgbClr val="000000"/>
-                </a:solidFill>
-                <a:latin typeface="Courier New"/>
-              </a:rPr>
-              <a:t> </a:t>
-            </a:r>
-            <a:r>
-              <a:rPr sz="1400">
-                <a:solidFill>
-                  <a:srgbClr val="000000"/>
-                </a:solidFill>
-                <a:latin typeface="Courier New"/>
-              </a:rPr>
-              <a:t>0.111</a:t>
-            </a:r>
-            <a:r>
-              <a:rPr sz="1400">
-                <a:solidFill>
-                  <a:srgbClr val="000000"/>
-                </a:solidFill>
-                <a:latin typeface="Courier New"/>
-              </a:rPr>
-              <a:t>uH</a:t>
-            </a:r>
-            <a:r>
-              <a:rPr sz="1400">
-                <a:solidFill>
-                  <a:srgbClr val="000000"/>
-                </a:solidFill>
-                <a:latin typeface="Courier New"/>
-              </a:rPr>
-              <a:t/>
-            </a:r>
-            <a:r>
-              <a:rPr sz="1400">
-                <a:solidFill>
-                  <a:srgbClr val="000000"/>
-                </a:solidFill>
-                <a:latin typeface="Courier New"/>
-              </a:rPr>
-              <a:t>.</a:t>
-            </a:r>
-            <a:r>
-              <a:rPr sz="1400">
-                <a:solidFill>
-                  <a:srgbClr val="000000"/>
-                </a:solidFill>
-                <a:latin typeface="Courier New"/>
-              </a:rPr>
-              <a:t>model</a:t>
-            </a:r>
-            <a:r>
-              <a:rPr sz="1400">
-                <a:solidFill>
-                  <a:srgbClr val="000000"/>
-                </a:solidFill>
-                <a:latin typeface="Courier New"/>
-              </a:rPr>
-              <a:t> </a:t>
-            </a:r>
-            <a:r>
-              <a:rPr sz="1400">
-                <a:solidFill>
-                  <a:srgbClr val="000000"/>
-                </a:solidFill>
-                <a:latin typeface="Courier New"/>
-              </a:rPr>
-              <a:t>Q2</a:t>
-            </a:r>
-            <a:r>
-              <a:rPr sz="1400">
-                <a:solidFill>
-                  <a:srgbClr val="000000"/>
-                </a:solidFill>
-                <a:latin typeface="Courier New"/>
-              </a:rPr>
-              <a:t> </a:t>
-            </a:r>
-            <a:r>
-              <a:rPr sz="1400">
-                <a:solidFill>
-                  <a:srgbClr val="000000"/>
-                </a:solidFill>
-                <a:latin typeface="Courier New"/>
-              </a:rPr>
-              <a:t>NPN</a:t>
-            </a:r>
-            <a:r>
-              <a:rPr sz="1400">
-                <a:solidFill>
-                  <a:srgbClr val="000000"/>
-                </a:solidFill>
-                <a:latin typeface="Courier New"/>
-              </a:rPr>
-              <a:t>(</a:t>
-            </a:r>
-            <a:r>
-              <a:rPr sz="1400">
-                <a:solidFill>
-                  <a:srgbClr val="000000"/>
-                </a:solidFill>
-                <a:latin typeface="Courier New"/>
-              </a:rPr>
-              <a:t>Is</a:t>
-            </a:r>
-            <a:r>
-              <a:rPr sz="1400">
-                <a:solidFill>
-                  <a:srgbClr val="000000"/>
-                </a:solidFill>
-                <a:latin typeface="Courier New"/>
-              </a:rPr>
-              <a:t>=</a:t>
-            </a:r>
-            <a:r>
-              <a:rPr sz="1400">
-                <a:solidFill>
-                  <a:srgbClr val="000000"/>
-                </a:solidFill>
-                <a:latin typeface="Courier New"/>
-              </a:rPr>
-              <a:t>14.34</a:t>
-            </a:r>
-            <a:r>
-              <a:rPr sz="1400">
-                <a:solidFill>
-                  <a:srgbClr val="000000"/>
-                </a:solidFill>
-                <a:latin typeface="Courier New"/>
-              </a:rPr>
-              <a:t>f</a:t>
-            </a:r>
-            <a:r>
-              <a:rPr sz="1400">
-                <a:solidFill>
-                  <a:srgbClr val="000000"/>
-                </a:solidFill>
-                <a:latin typeface="Courier New"/>
-              </a:rPr>
-              <a:t> </a:t>
-            </a:r>
-            <a:r>
-              <a:rPr sz="1400">
-                <a:solidFill>
-                  <a:srgbClr val="000000"/>
-                </a:solidFill>
-                <a:latin typeface="Courier New"/>
-              </a:rPr>
-              <a:t>BF</a:t>
-            </a:r>
-            <a:r>
-              <a:rPr sz="1400">
-                <a:solidFill>
-                  <a:srgbClr val="000000"/>
-                </a:solidFill>
-                <a:latin typeface="Courier New"/>
-              </a:rPr>
-              <a:t>=</a:t>
-            </a:r>
-            <a:r>
-              <a:rPr sz="1400">
-                <a:solidFill>
-                  <a:srgbClr val="000000"/>
-                </a:solidFill>
-                <a:latin typeface="Courier New"/>
-              </a:rPr>
-              <a:t>200</a:t>
-            </a:r>
-            <a:r>
-              <a:rPr sz="1400">
-                <a:solidFill>
-                  <a:srgbClr val="000000"/>
-                </a:solidFill>
-                <a:latin typeface="Courier New"/>
-              </a:rPr>
-              <a:t> </a:t>
-            </a:r>
-            <a:r>
-              <a:rPr sz="1400">
-                <a:solidFill>
-                  <a:srgbClr val="000000"/>
-                </a:solidFill>
-                <a:latin typeface="Courier New"/>
-              </a:rPr>
-              <a:t>RB</a:t>
-            </a:r>
-            <a:r>
-              <a:rPr sz="1400">
-                <a:solidFill>
-                  <a:srgbClr val="000000"/>
-                </a:solidFill>
-                <a:latin typeface="Courier New"/>
-              </a:rPr>
-              <a:t>=</a:t>
-            </a:r>
-            <a:r>
-              <a:rPr sz="1400">
-                <a:solidFill>
-                  <a:srgbClr val="000000"/>
-                </a:solidFill>
-                <a:latin typeface="Courier New"/>
-              </a:rPr>
-              <a:t>200</a:t>
-            </a:r>
-            <a:r>
-              <a:rPr sz="1400">
-                <a:solidFill>
-                  <a:srgbClr val="000000"/>
-                </a:solidFill>
-                <a:latin typeface="Courier New"/>
-              </a:rPr>
-              <a:t> </a:t>
-            </a:r>
-            <a:r>
-              <a:rPr sz="1400">
-                <a:solidFill>
-                  <a:srgbClr val="000000"/>
-                </a:solidFill>
-                <a:latin typeface="Courier New"/>
-              </a:rPr>
-              <a:t>)</a:t>
-            </a:r>
-            <a:r>
-              <a:rPr sz="1400">
-                <a:solidFill>
-                  <a:srgbClr val="000000"/>
-                </a:solidFill>
-                <a:latin typeface="Courier New"/>
-              </a:rPr>
-              <a:t/>
-            </a:r>
-          </a:p>
-        </p:txBody>
-      </p:sp>
-      <p:sp>
-        <p:nvSpPr>
-          <p:cNvPr id="3" name="Title 2"/>
+          <p:cNvPr id="2" name="Title 1"/>
           <p:cNvSpPr>
             <a:spLocks noGrp="1"/>
           </p:cNvSpPr>
@@ -6415,17 +5700,41 @@
           <a:lstStyle/>
           <a:p>
             <a:r>
-              <a:rPr sz="3200" b="1" i="0">
+              <a:rPr sz="2300" b="1" i="0">
                 <a:latin typeface="Arial"/>
               </a:rPr>
-              <a:t>Spice code van de klasse F versterker</a:t>
-            </a:r>
-            <a:endParaRPr sz="3200" b="1" i="0">
+              <a:t>Spice simulatie van de Klasse F waarbij de uitgang oscilleert rond de grond.</a:t>
+            </a:r>
+            <a:endParaRPr sz="2300" b="1" i="0">
               <a:latin typeface="Arial"/>
             </a:endParaRPr>
           </a:p>
         </p:txBody>
       </p:sp>
+      <p:pic>
+        <p:nvPicPr>
+          <p:cNvPr id="3" name="Picture 2" descr="image.png"/>
+          <p:cNvPicPr>
+            <a:picLocks noChangeAspect="1"/>
+          </p:cNvPicPr>
+          <p:nvPr/>
+        </p:nvPicPr>
+        <p:blipFill>
+          <a:blip r:embed="rId2"/>
+          <a:stretch>
+            <a:fillRect/>
+          </a:stretch>
+        </p:blipFill>
+        <p:spPr>
+          <a:xfrm>
+            <a:off x="1929695" y="566928"/>
+            <a:ext cx="8332610" cy="5577840"/>
+          </a:xfrm>
+          <a:prstGeom prst="rect">
+            <a:avLst/>
+          </a:prstGeom>
+        </p:spPr>
+      </p:pic>
     </p:spTree>
   </p:cSld>
   <p:clrMapOvr>
@@ -6462,12 +5771,12 @@
           <a:lstStyle/>
           <a:p>
             <a:r>
-              <a:rPr sz="2600" b="1" i="0">
+              <a:rPr sz="2100" b="1" i="0">
                 <a:latin typeface="Arial"/>
               </a:rPr>
-              <a:t>Spanningen op de verschillende knopen van de klasse F versterker.</a:t>
-            </a:r>
-            <a:endParaRPr sz="2600" b="1" i="0">
+              <a:t>Spice simulatie van de Klasse F waarbij de uitgang oscilleert rond de grond. Verloop van de spanning over de eerste (LC1) en over de derde (LC3) harmonische.</a:t>
+            </a:r>
+            <a:endParaRPr sz="2100" b="1" i="0">
               <a:latin typeface="Arial"/>
             </a:endParaRPr>
           </a:p>
@@ -6489,8 +5798,8 @@
         </p:blipFill>
         <p:spPr>
           <a:xfrm>
-            <a:off x="1889379" y="566928"/>
-            <a:ext cx="8413242" cy="5577840"/>
+            <a:off x="1842897" y="566928"/>
+            <a:ext cx="8506206" cy="5577840"/>
           </a:xfrm>
           <a:prstGeom prst="rect">
             <a:avLst/>
@@ -6515,59 +5824,6 @@
         <p:nvPr/>
       </p:nvGrpSpPr>
       <p:grpSpPr/>
-      <p:sp>
-        <p:nvSpPr>
-          <p:cNvPr id="2" name="Title 1"/>
-          <p:cNvSpPr>
-            <a:spLocks noGrp="1"/>
-          </p:cNvSpPr>
-          <p:nvPr>
-            <p:ph type="title"/>
-          </p:nvPr>
-        </p:nvSpPr>
-        <p:spPr/>
-        <p:txBody>
-          <a:bodyPr wrap="square">
-            <a:noAutofit/>
-          </a:bodyPr>
-          <a:lstStyle/>
-          <a:p>
-            <a:r>
-              <a:rPr sz="2200" b="1" i="0">
-                <a:latin typeface="Arial"/>
-              </a:rPr>
-              <a:t>Verloop van de spanning over de eerste (LC1) en over de derde (LC3) harmonische.</a:t>
-            </a:r>
-            <a:endParaRPr sz="2200" b="1" i="0">
-              <a:latin typeface="Arial"/>
-            </a:endParaRPr>
-          </a:p>
-        </p:txBody>
-      </p:sp>
-      <p:pic>
-        <p:nvPicPr>
-          <p:cNvPr id="3" name="Picture 2" descr="image.png"/>
-          <p:cNvPicPr>
-            <a:picLocks noChangeAspect="1"/>
-          </p:cNvPicPr>
-          <p:nvPr/>
-        </p:nvPicPr>
-        <p:blipFill>
-          <a:blip r:embed="rId2"/>
-          <a:stretch>
-            <a:fillRect/>
-          </a:stretch>
-        </p:blipFill>
-        <p:spPr>
-          <a:xfrm>
-            <a:off x="1842897" y="566928"/>
-            <a:ext cx="8506206" cy="5577840"/>
-          </a:xfrm>
-          <a:prstGeom prst="rect">
-            <a:avLst/>
-          </a:prstGeom>
-        </p:spPr>
-      </p:pic>
     </p:spTree>
   </p:cSld>
   <p:clrMapOvr>
@@ -6586,450 +5842,6 @@
         <p:nvPr/>
       </p:nvGrpSpPr>
       <p:grpSpPr/>
-      <p:sp>
-        <p:nvSpPr>
-          <p:cNvPr id="2" name="Title 1"/>
-          <p:cNvSpPr>
-            <a:spLocks noGrp="1"/>
-          </p:cNvSpPr>
-          <p:nvPr>
-            <p:ph type="title"/>
-          </p:nvPr>
-        </p:nvSpPr>
-        <p:spPr/>
-        <p:txBody>
-          <a:bodyPr wrap="square">
-            <a:noAutofit/>
-          </a:bodyPr>
-          <a:lstStyle/>
-          <a:p>
-            <a:r>
-              <a:rPr sz="3200" b="1" i="0">
-                <a:latin typeface="Arial"/>
-              </a:rPr>
-              <a:t>Verloop van de collector current</a:t>
-            </a:r>
-            <a:endParaRPr sz="3200" b="1" i="0">
-              <a:latin typeface="Arial"/>
-            </a:endParaRPr>
-          </a:p>
-        </p:txBody>
-      </p:sp>
-      <p:pic>
-        <p:nvPicPr>
-          <p:cNvPr id="3" name="Picture 2" descr="image.png"/>
-          <p:cNvPicPr>
-            <a:picLocks noChangeAspect="1"/>
-          </p:cNvPicPr>
-          <p:nvPr/>
-        </p:nvPicPr>
-        <p:blipFill>
-          <a:blip r:embed="rId2"/>
-          <a:stretch>
-            <a:fillRect/>
-          </a:stretch>
-        </p:blipFill>
-        <p:spPr>
-          <a:xfrm>
-            <a:off x="1871948" y="566928"/>
-            <a:ext cx="8448104" cy="5577840"/>
-          </a:xfrm>
-          <a:prstGeom prst="rect">
-            <a:avLst/>
-          </a:prstGeom>
-        </p:spPr>
-      </p:pic>
-    </p:spTree>
-  </p:cSld>
-  <p:clrMapOvr>
-    <a:masterClrMapping/>
-  </p:clrMapOvr>
-</p:sld>
-</file>
-
-<file path=ppt/slides/slide14.xml><?xml version="1.0" encoding="utf-8"?>
-<p:sld xmlns:a="http://schemas.openxmlformats.org/drawingml/2006/main" xmlns:p="http://schemas.openxmlformats.org/presentationml/2006/main" xmlns:r="http://schemas.openxmlformats.org/officeDocument/2006/relationships">
-  <p:cSld>
-    <p:spTree>
-      <p:nvGrpSpPr>
-        <p:cNvPr id="1" name=""/>
-        <p:cNvGrpSpPr/>
-        <p:nvPr/>
-      </p:nvGrpSpPr>
-      <p:grpSpPr/>
-      <p:sp>
-        <p:nvSpPr>
-          <p:cNvPr id="2" name="Title 1"/>
-          <p:cNvSpPr>
-            <a:spLocks noGrp="1"/>
-          </p:cNvSpPr>
-          <p:nvPr>
-            <p:ph type="title"/>
-          </p:nvPr>
-        </p:nvSpPr>
-        <p:spPr/>
-        <p:txBody>
-          <a:bodyPr wrap="square">
-            <a:noAutofit/>
-          </a:bodyPr>
-          <a:lstStyle/>
-          <a:p>
-            <a:r>
-              <a:rPr sz="2200" b="1" i="0">
-                <a:latin typeface="Arial"/>
-              </a:rPr>
-              <a:t>Basisschema van de klasse F versterker waarbij de uitgang oscilleert rond de grond.</a:t>
-            </a:r>
-            <a:endParaRPr sz="2200" b="1" i="0">
-              <a:latin typeface="Arial"/>
-            </a:endParaRPr>
-          </a:p>
-        </p:txBody>
-      </p:sp>
-      <p:pic>
-        <p:nvPicPr>
-          <p:cNvPr id="3" name="Picture 2" descr="image.png"/>
-          <p:cNvPicPr>
-            <a:picLocks noChangeAspect="1"/>
-          </p:cNvPicPr>
-          <p:nvPr/>
-        </p:nvPicPr>
-        <p:blipFill>
-          <a:blip r:embed="rId2"/>
-          <a:stretch>
-            <a:fillRect/>
-          </a:stretch>
-        </p:blipFill>
-        <p:spPr>
-          <a:xfrm>
-            <a:off x="834364" y="566928"/>
-            <a:ext cx="10523272" cy="5577840"/>
-          </a:xfrm>
-          <a:prstGeom prst="rect">
-            <a:avLst/>
-          </a:prstGeom>
-        </p:spPr>
-      </p:pic>
-    </p:spTree>
-  </p:cSld>
-  <p:clrMapOvr>
-    <a:masterClrMapping/>
-  </p:clrMapOvr>
-</p:sld>
-</file>
-
-<file path=ppt/slides/slide15.xml><?xml version="1.0" encoding="utf-8"?>
-<p:sld xmlns:a="http://schemas.openxmlformats.org/drawingml/2006/main" xmlns:p="http://schemas.openxmlformats.org/presentationml/2006/main" xmlns:r="http://schemas.openxmlformats.org/officeDocument/2006/relationships">
-  <p:cSld>
-    <p:spTree>
-      <p:nvGrpSpPr>
-        <p:cNvPr id="1" name=""/>
-        <p:cNvGrpSpPr/>
-        <p:nvPr/>
-      </p:nvGrpSpPr>
-      <p:grpSpPr/>
-      <p:sp>
-        <p:nvSpPr>
-          <p:cNvPr id="2" name="Content Placeholder 1"/>
-          <p:cNvSpPr>
-            <a:spLocks noGrp="1"/>
-          </p:cNvSpPr>
-          <p:nvPr>
-            <p:ph idx="1"/>
-          </p:nvPr>
-        </p:nvSpPr>
-        <p:spPr/>
-        <p:txBody>
-          <a:bodyPr/>
-          <a:lstStyle/>
-          <a:p/>
-        </p:txBody>
-      </p:sp>
-      <p:sp>
-        <p:nvSpPr>
-          <p:cNvPr id="3" name="Title 2"/>
-          <p:cNvSpPr>
-            <a:spLocks noGrp="1"/>
-          </p:cNvSpPr>
-          <p:nvPr>
-            <p:ph type="title"/>
-          </p:nvPr>
-        </p:nvSpPr>
-        <p:spPr/>
-        <p:txBody>
-          <a:bodyPr wrap="square">
-            <a:noAutofit/>
-          </a:bodyPr>
-          <a:lstStyle/>
-          <a:p>
-            <a:r>
-              <a:rPr sz="3200" b="1" i="0">
-                <a:latin typeface="Arial"/>
-              </a:rPr>
-              <a:t>Klasse F versterker met oscillatie rond de grond</a:t>
-            </a:r>
-            <a:endParaRPr sz="3200" b="1" i="0">
-              <a:latin typeface="Arial"/>
-            </a:endParaRPr>
-          </a:p>
-        </p:txBody>
-      </p:sp>
-    </p:spTree>
-  </p:cSld>
-  <p:clrMapOvr>
-    <a:masterClrMapping/>
-  </p:clrMapOvr>
-</p:sld>
-</file>
-
-<file path=ppt/slides/slide16.xml><?xml version="1.0" encoding="utf-8"?>
-<p:sld xmlns:a="http://schemas.openxmlformats.org/drawingml/2006/main" xmlns:p="http://schemas.openxmlformats.org/presentationml/2006/main" xmlns:r="http://schemas.openxmlformats.org/officeDocument/2006/relationships">
-  <p:cSld>
-    <p:spTree>
-      <p:nvGrpSpPr>
-        <p:cNvPr id="1" name=""/>
-        <p:cNvGrpSpPr/>
-        <p:nvPr/>
-      </p:nvGrpSpPr>
-      <p:grpSpPr/>
-      <p:sp>
-        <p:nvSpPr>
-          <p:cNvPr id="2" name="Content Placeholder 1"/>
-          <p:cNvSpPr>
-            <a:spLocks noGrp="1"/>
-          </p:cNvSpPr>
-          <p:nvPr>
-            <p:ph idx="1"/>
-          </p:nvPr>
-        </p:nvSpPr>
-        <p:spPr/>
-        <p:txBody>
-          <a:bodyPr/>
-          <a:lstStyle/>
-          <a:p/>
-        </p:txBody>
-      </p:sp>
-      <p:sp>
-        <p:nvSpPr>
-          <p:cNvPr id="3" name="Title 2"/>
-          <p:cNvSpPr>
-            <a:spLocks noGrp="1"/>
-          </p:cNvSpPr>
-          <p:nvPr>
-            <p:ph type="title"/>
-          </p:nvPr>
-        </p:nvSpPr>
-        <p:spPr/>
-        <p:txBody>
-          <a:bodyPr wrap="square">
-            <a:noAutofit/>
-          </a:bodyPr>
-          <a:lstStyle/>
-          <a:p>
-            <a:r>
-              <a:rPr sz="3200" b="1" i="0">
-                <a:latin typeface="Arial"/>
-              </a:rPr>
-              <a:t>Klasse F versterker met oscillatie rond de grond</a:t>
-            </a:r>
-            <a:endParaRPr sz="3200" b="1" i="0">
-              <a:latin typeface="Arial"/>
-            </a:endParaRPr>
-          </a:p>
-        </p:txBody>
-      </p:sp>
-    </p:spTree>
-  </p:cSld>
-  <p:clrMapOvr>
-    <a:masterClrMapping/>
-  </p:clrMapOvr>
-</p:sld>
-</file>
-
-<file path=ppt/slides/slide17.xml><?xml version="1.0" encoding="utf-8"?>
-<p:sld xmlns:a="http://schemas.openxmlformats.org/drawingml/2006/main" xmlns:p="http://schemas.openxmlformats.org/presentationml/2006/main" xmlns:r="http://schemas.openxmlformats.org/officeDocument/2006/relationships">
-  <p:cSld>
-    <p:spTree>
-      <p:nvGrpSpPr>
-        <p:cNvPr id="1" name=""/>
-        <p:cNvGrpSpPr/>
-        <p:nvPr/>
-      </p:nvGrpSpPr>
-      <p:grpSpPr/>
-      <p:sp>
-        <p:nvSpPr>
-          <p:cNvPr id="2" name="Content Placeholder 1"/>
-          <p:cNvSpPr>
-            <a:spLocks noGrp="1"/>
-          </p:cNvSpPr>
-          <p:nvPr>
-            <p:ph idx="1"/>
-          </p:nvPr>
-        </p:nvSpPr>
-        <p:spPr/>
-        <p:txBody>
-          <a:bodyPr/>
-          <a:lstStyle/>
-          <a:p/>
-        </p:txBody>
-      </p:sp>
-      <p:sp>
-        <p:nvSpPr>
-          <p:cNvPr id="3" name="Title 2"/>
-          <p:cNvSpPr>
-            <a:spLocks noGrp="1"/>
-          </p:cNvSpPr>
-          <p:nvPr>
-            <p:ph type="title"/>
-          </p:nvPr>
-        </p:nvSpPr>
-        <p:spPr/>
-        <p:txBody>
-          <a:bodyPr wrap="square">
-            <a:noAutofit/>
-          </a:bodyPr>
-          <a:lstStyle/>
-          <a:p>
-            <a:r>
-              <a:rPr sz="3200" b="1" i="0">
-                <a:latin typeface="Arial"/>
-              </a:rPr>
-              <a:t>Klasse F versterker met oscillatie rond de grond</a:t>
-            </a:r>
-            <a:endParaRPr sz="3200" b="1" i="0">
-              <a:latin typeface="Arial"/>
-            </a:endParaRPr>
-          </a:p>
-        </p:txBody>
-      </p:sp>
-    </p:spTree>
-  </p:cSld>
-  <p:clrMapOvr>
-    <a:masterClrMapping/>
-  </p:clrMapOvr>
-</p:sld>
-</file>
-
-<file path=ppt/slides/slide18.xml><?xml version="1.0" encoding="utf-8"?>
-<p:sld xmlns:a="http://schemas.openxmlformats.org/drawingml/2006/main" xmlns:p="http://schemas.openxmlformats.org/presentationml/2006/main" xmlns:r="http://schemas.openxmlformats.org/officeDocument/2006/relationships">
-  <p:cSld>
-    <p:spTree>
-      <p:nvGrpSpPr>
-        <p:cNvPr id="1" name=""/>
-        <p:cNvGrpSpPr/>
-        <p:nvPr/>
-      </p:nvGrpSpPr>
-      <p:grpSpPr/>
-      <p:sp>
-        <p:nvSpPr>
-          <p:cNvPr id="2" name="Content Placeholder 1"/>
-          <p:cNvSpPr>
-            <a:spLocks noGrp="1"/>
-          </p:cNvSpPr>
-          <p:nvPr>
-            <p:ph idx="1"/>
-          </p:nvPr>
-        </p:nvSpPr>
-        <p:spPr/>
-        <p:txBody>
-          <a:bodyPr/>
-          <a:lstStyle/>
-          <a:p/>
-        </p:txBody>
-      </p:sp>
-      <p:sp>
-        <p:nvSpPr>
-          <p:cNvPr id="3" name="Title 2"/>
-          <p:cNvSpPr>
-            <a:spLocks noGrp="1"/>
-          </p:cNvSpPr>
-          <p:nvPr>
-            <p:ph type="title"/>
-          </p:nvPr>
-        </p:nvSpPr>
-        <p:spPr/>
-        <p:txBody>
-          <a:bodyPr wrap="square">
-            <a:noAutofit/>
-          </a:bodyPr>
-          <a:lstStyle/>
-          <a:p>
-            <a:r>
-              <a:rPr sz="3200" b="1" i="0">
-                <a:latin typeface="Arial"/>
-              </a:rPr>
-              <a:t>Klasse F versterker met oscillatie rond de grond</a:t>
-            </a:r>
-            <a:endParaRPr sz="3200" b="1" i="0">
-              <a:latin typeface="Arial"/>
-            </a:endParaRPr>
-          </a:p>
-        </p:txBody>
-      </p:sp>
-    </p:spTree>
-  </p:cSld>
-  <p:clrMapOvr>
-    <a:masterClrMapping/>
-  </p:clrMapOvr>
-</p:sld>
-</file>
-
-<file path=ppt/slides/slide19.xml><?xml version="1.0" encoding="utf-8"?>
-<p:sld xmlns:a="http://schemas.openxmlformats.org/drawingml/2006/main" xmlns:p="http://schemas.openxmlformats.org/presentationml/2006/main" xmlns:r="http://schemas.openxmlformats.org/officeDocument/2006/relationships">
-  <p:cSld>
-    <p:spTree>
-      <p:nvGrpSpPr>
-        <p:cNvPr id="1" name=""/>
-        <p:cNvGrpSpPr/>
-        <p:nvPr/>
-      </p:nvGrpSpPr>
-      <p:grpSpPr/>
-      <p:sp>
-        <p:nvSpPr>
-          <p:cNvPr id="2" name="Content Placeholder 1"/>
-          <p:cNvSpPr>
-            <a:spLocks noGrp="1"/>
-          </p:cNvSpPr>
-          <p:nvPr>
-            <p:ph idx="1"/>
-          </p:nvPr>
-        </p:nvSpPr>
-        <p:spPr/>
-        <p:txBody>
-          <a:bodyPr/>
-          <a:lstStyle/>
-          <a:p/>
-        </p:txBody>
-      </p:sp>
-      <p:sp>
-        <p:nvSpPr>
-          <p:cNvPr id="3" name="Title 2"/>
-          <p:cNvSpPr>
-            <a:spLocks noGrp="1"/>
-          </p:cNvSpPr>
-          <p:nvPr>
-            <p:ph type="title"/>
-          </p:nvPr>
-        </p:nvSpPr>
-        <p:spPr/>
-        <p:txBody>
-          <a:bodyPr wrap="square">
-            <a:noAutofit/>
-          </a:bodyPr>
-          <a:lstStyle/>
-          <a:p>
-            <a:r>
-              <a:rPr sz="3200" b="1" i="0">
-                <a:latin typeface="Arial"/>
-              </a:rPr>
-              <a:t>Klasse F versterker met oscillatie rond de grond</a:t>
-            </a:r>
-            <a:endParaRPr sz="3200" b="1" i="0">
-              <a:latin typeface="Arial"/>
-            </a:endParaRPr>
-          </a:p>
-        </p:txBody>
-      </p:sp>
     </p:spTree>
   </p:cSld>
   <p:clrMapOvr>
@@ -7109,1593 +5921,6 @@
 </p:sld>
 </file>
 
-<file path=ppt/slides/slide20.xml><?xml version="1.0" encoding="utf-8"?>
-<p:sld xmlns:a="http://schemas.openxmlformats.org/drawingml/2006/main" xmlns:p="http://schemas.openxmlformats.org/presentationml/2006/main" xmlns:r="http://schemas.openxmlformats.org/officeDocument/2006/relationships">
-  <p:cSld>
-    <p:spTree>
-      <p:nvGrpSpPr>
-        <p:cNvPr id="1" name=""/>
-        <p:cNvGrpSpPr/>
-        <p:nvPr/>
-      </p:nvGrpSpPr>
-      <p:grpSpPr/>
-      <p:sp>
-        <p:nvSpPr>
-          <p:cNvPr id="2" name="Content Placeholder 1"/>
-          <p:cNvSpPr>
-            <a:spLocks noGrp="1"/>
-          </p:cNvSpPr>
-          <p:nvPr>
-            <p:ph idx="1"/>
-          </p:nvPr>
-        </p:nvSpPr>
-        <p:spPr/>
-        <p:txBody>
-          <a:bodyPr/>
-          <a:lstStyle/>
-          <a:p/>
-        </p:txBody>
-      </p:sp>
-      <p:sp>
-        <p:nvSpPr>
-          <p:cNvPr id="3" name="Title 2"/>
-          <p:cNvSpPr>
-            <a:spLocks noGrp="1"/>
-          </p:cNvSpPr>
-          <p:nvPr>
-            <p:ph type="title"/>
-          </p:nvPr>
-        </p:nvSpPr>
-        <p:spPr/>
-        <p:txBody>
-          <a:bodyPr wrap="square">
-            <a:noAutofit/>
-          </a:bodyPr>
-          <a:lstStyle/>
-          <a:p>
-            <a:r>
-              <a:rPr sz="3200" b="1" i="0">
-                <a:latin typeface="Arial"/>
-              </a:rPr>
-              <a:t>Klasse F versterker met oscillatie rond de grond</a:t>
-            </a:r>
-            <a:endParaRPr sz="3200" b="1" i="0">
-              <a:latin typeface="Arial"/>
-            </a:endParaRPr>
-          </a:p>
-        </p:txBody>
-      </p:sp>
-    </p:spTree>
-  </p:cSld>
-  <p:clrMapOvr>
-    <a:masterClrMapping/>
-  </p:clrMapOvr>
-</p:sld>
-</file>
-
-<file path=ppt/slides/slide21.xml><?xml version="1.0" encoding="utf-8"?>
-<p:sld xmlns:a="http://schemas.openxmlformats.org/drawingml/2006/main" xmlns:p="http://schemas.openxmlformats.org/presentationml/2006/main" xmlns:r="http://schemas.openxmlformats.org/officeDocument/2006/relationships">
-  <p:cSld>
-    <p:spTree>
-      <p:nvGrpSpPr>
-        <p:cNvPr id="1" name=""/>
-        <p:cNvGrpSpPr/>
-        <p:nvPr/>
-      </p:nvGrpSpPr>
-      <p:grpSpPr/>
-      <p:sp>
-        <p:nvSpPr>
-          <p:cNvPr id="2" name="Content Placeholder 1"/>
-          <p:cNvSpPr>
-            <a:spLocks noGrp="1"/>
-          </p:cNvSpPr>
-          <p:nvPr>
-            <p:ph idx="1"/>
-          </p:nvPr>
-        </p:nvSpPr>
-        <p:spPr/>
-        <p:txBody>
-          <a:bodyPr/>
-          <a:lstStyle/>
-          <a:p>
-            <a:r>
-              <a:rPr sz="1400">
-                <a:solidFill>
-                  <a:srgbClr val="000000"/>
-                </a:solidFill>
-                <a:latin typeface="Courier New"/>
-              </a:rPr>
-              <a:t/>
-            </a:r>
-            <a:r>
-              <a:rPr sz="1400">
-                <a:solidFill>
-                  <a:srgbClr val="000000"/>
-                </a:solidFill>
-                <a:latin typeface="Courier New"/>
-              </a:rPr>
-              <a:t>*</a:t>
-            </a:r>
-            <a:r>
-              <a:rPr sz="1400">
-                <a:solidFill>
-                  <a:srgbClr val="000000"/>
-                </a:solidFill>
-                <a:latin typeface="Courier New"/>
-              </a:rPr>
-              <a:t> </a:t>
-            </a:r>
-            <a:r>
-              <a:rPr sz="1400">
-                <a:solidFill>
-                  <a:srgbClr val="000000"/>
-                </a:solidFill>
-                <a:latin typeface="Courier New"/>
-              </a:rPr>
-              <a:t>klasseF</a:t>
-            </a:r>
-            <a:r>
-              <a:rPr sz="1400">
-                <a:solidFill>
-                  <a:srgbClr val="000000"/>
-                </a:solidFill>
-                <a:latin typeface="Courier New"/>
-              </a:rPr>
-              <a:t/>
-            </a:r>
-            <a:r>
-              <a:rPr sz="1400">
-                <a:solidFill>
-                  <a:srgbClr val="000000"/>
-                </a:solidFill>
-                <a:latin typeface="Courier New"/>
-              </a:rPr>
-              <a:t>Q_Q1</a:t>
-            </a:r>
-            <a:r>
-              <a:rPr sz="1400">
-                <a:solidFill>
-                  <a:srgbClr val="000000"/>
-                </a:solidFill>
-                <a:latin typeface="Courier New"/>
-              </a:rPr>
-              <a:t>         </a:t>
-            </a:r>
-            <a:r>
-              <a:rPr sz="1400">
-                <a:solidFill>
-                  <a:srgbClr val="000000"/>
-                </a:solidFill>
-                <a:latin typeface="Courier New"/>
-              </a:rPr>
-              <a:t>2</a:t>
-            </a:r>
-            <a:r>
-              <a:rPr sz="1400">
-                <a:solidFill>
-                  <a:srgbClr val="000000"/>
-                </a:solidFill>
-                <a:latin typeface="Courier New"/>
-              </a:rPr>
-              <a:t> </a:t>
-            </a:r>
-            <a:r>
-              <a:rPr sz="1400">
-                <a:solidFill>
-                  <a:srgbClr val="000000"/>
-                </a:solidFill>
-                <a:latin typeface="Courier New"/>
-              </a:rPr>
-              <a:t>1</a:t>
-            </a:r>
-            <a:r>
-              <a:rPr sz="1400">
-                <a:solidFill>
-                  <a:srgbClr val="000000"/>
-                </a:solidFill>
-                <a:latin typeface="Courier New"/>
-              </a:rPr>
-              <a:t> </a:t>
-            </a:r>
-            <a:r>
-              <a:rPr sz="1400">
-                <a:solidFill>
-                  <a:srgbClr val="000000"/>
-                </a:solidFill>
-                <a:latin typeface="Courier New"/>
-              </a:rPr>
-              <a:t>0</a:t>
-            </a:r>
-            <a:r>
-              <a:rPr sz="1400">
-                <a:solidFill>
-                  <a:srgbClr val="000000"/>
-                </a:solidFill>
-                <a:latin typeface="Courier New"/>
-              </a:rPr>
-              <a:t> </a:t>
-            </a:r>
-            <a:r>
-              <a:rPr sz="1400">
-                <a:solidFill>
-                  <a:srgbClr val="000000"/>
-                </a:solidFill>
-                <a:latin typeface="Courier New"/>
-              </a:rPr>
-              <a:t>Q2</a:t>
-            </a:r>
-            <a:r>
-              <a:rPr sz="1400">
-                <a:solidFill>
-                  <a:srgbClr val="000000"/>
-                </a:solidFill>
-                <a:latin typeface="Courier New"/>
-              </a:rPr>
-              <a:t/>
-            </a:r>
-            <a:r>
-              <a:rPr sz="1400">
-                <a:solidFill>
-                  <a:srgbClr val="000000"/>
-                </a:solidFill>
-                <a:latin typeface="Courier New"/>
-              </a:rPr>
-              <a:t>L_L1</a:t>
-            </a:r>
-            <a:r>
-              <a:rPr sz="1400">
-                <a:solidFill>
-                  <a:srgbClr val="000000"/>
-                </a:solidFill>
-                <a:latin typeface="Courier New"/>
-              </a:rPr>
-              <a:t>         </a:t>
-            </a:r>
-            <a:r>
-              <a:rPr sz="1400">
-                <a:solidFill>
-                  <a:srgbClr val="000000"/>
-                </a:solidFill>
-                <a:latin typeface="Courier New"/>
-              </a:rPr>
-              <a:t>0</a:t>
-            </a:r>
-            <a:r>
-              <a:rPr sz="1400">
-                <a:solidFill>
-                  <a:srgbClr val="000000"/>
-                </a:solidFill>
-                <a:latin typeface="Courier New"/>
-              </a:rPr>
-              <a:t> </a:t>
-            </a:r>
-            <a:r>
-              <a:rPr sz="1400">
-                <a:solidFill>
-                  <a:srgbClr val="000000"/>
-                </a:solidFill>
-                <a:latin typeface="Courier New"/>
-              </a:rPr>
-              <a:t>3</a:t>
-            </a:r>
-            <a:r>
-              <a:rPr sz="1400">
-                <a:solidFill>
-                  <a:srgbClr val="000000"/>
-                </a:solidFill>
-                <a:latin typeface="Courier New"/>
-              </a:rPr>
-              <a:t>   </a:t>
-            </a:r>
-            <a:r>
-              <a:rPr sz="1400">
-                <a:solidFill>
-                  <a:srgbClr val="000000"/>
-                </a:solidFill>
-                <a:latin typeface="Courier New"/>
-              </a:rPr>
-              <a:t>1</a:t>
-            </a:r>
-            <a:r>
-              <a:rPr sz="1400">
-                <a:solidFill>
-                  <a:srgbClr val="000000"/>
-                </a:solidFill>
-                <a:latin typeface="Courier New"/>
-              </a:rPr>
-              <a:t>uH</a:t>
-            </a:r>
-            <a:r>
-              <a:rPr sz="1400">
-                <a:solidFill>
-                  <a:srgbClr val="000000"/>
-                </a:solidFill>
-                <a:latin typeface="Courier New"/>
-              </a:rPr>
-              <a:t/>
-            </a:r>
-            <a:r>
-              <a:rPr sz="1400">
-                <a:solidFill>
-                  <a:srgbClr val="000000"/>
-                </a:solidFill>
-                <a:latin typeface="Courier New"/>
-              </a:rPr>
-              <a:t>C_C1</a:t>
-            </a:r>
-            <a:r>
-              <a:rPr sz="1400">
-                <a:solidFill>
-                  <a:srgbClr val="000000"/>
-                </a:solidFill>
-                <a:latin typeface="Courier New"/>
-              </a:rPr>
-              <a:t>         </a:t>
-            </a:r>
-            <a:r>
-              <a:rPr sz="1400">
-                <a:solidFill>
-                  <a:srgbClr val="000000"/>
-                </a:solidFill>
-                <a:latin typeface="Courier New"/>
-              </a:rPr>
-              <a:t>0</a:t>
-            </a:r>
-            <a:r>
-              <a:rPr sz="1400">
-                <a:solidFill>
-                  <a:srgbClr val="000000"/>
-                </a:solidFill>
-                <a:latin typeface="Courier New"/>
-              </a:rPr>
-              <a:t> </a:t>
-            </a:r>
-            <a:r>
-              <a:rPr sz="1400">
-                <a:solidFill>
-                  <a:srgbClr val="000000"/>
-                </a:solidFill>
-                <a:latin typeface="Courier New"/>
-              </a:rPr>
-              <a:t>3</a:t>
-            </a:r>
-            <a:r>
-              <a:rPr sz="1400">
-                <a:solidFill>
-                  <a:srgbClr val="000000"/>
-                </a:solidFill>
-                <a:latin typeface="Courier New"/>
-              </a:rPr>
-              <a:t>   </a:t>
-            </a:r>
-            <a:r>
-              <a:rPr sz="1400">
-                <a:solidFill>
-                  <a:srgbClr val="000000"/>
-                </a:solidFill>
-                <a:latin typeface="Courier New"/>
-              </a:rPr>
-              <a:t>10</a:t>
-            </a:r>
-            <a:r>
-              <a:rPr sz="1400">
-                <a:solidFill>
-                  <a:srgbClr val="000000"/>
-                </a:solidFill>
-                <a:latin typeface="Courier New"/>
-              </a:rPr>
-              <a:t>n</a:t>
-            </a:r>
-            <a:r>
-              <a:rPr sz="1400">
-                <a:solidFill>
-                  <a:srgbClr val="000000"/>
-                </a:solidFill>
-                <a:latin typeface="Courier New"/>
-              </a:rPr>
-              <a:t/>
-            </a:r>
-          </a:p>
-        </p:txBody>
-      </p:sp>
-      <p:sp>
-        <p:nvSpPr>
-          <p:cNvPr id="3" name="Title 2"/>
-          <p:cNvSpPr>
-            <a:spLocks noGrp="1"/>
-          </p:cNvSpPr>
-          <p:nvPr>
-            <p:ph type="title"/>
-          </p:nvPr>
-        </p:nvSpPr>
-        <p:spPr/>
-        <p:txBody>
-          <a:bodyPr wrap="square">
-            <a:noAutofit/>
-          </a:bodyPr>
-          <a:lstStyle/>
-          <a:p>
-            <a:r>
-              <a:rPr sz="3200" b="1" i="0">
-                <a:latin typeface="Arial"/>
-              </a:rPr>
-              <a:t>Klasse F versterker met oscillatie rond de grond</a:t>
-            </a:r>
-            <a:endParaRPr sz="3200" b="1" i="0">
-              <a:latin typeface="Arial"/>
-            </a:endParaRPr>
-          </a:p>
-        </p:txBody>
-      </p:sp>
-    </p:spTree>
-  </p:cSld>
-  <p:clrMapOvr>
-    <a:masterClrMapping/>
-  </p:clrMapOvr>
-</p:sld>
-</file>
-
-<file path=ppt/slides/slide22.xml><?xml version="1.0" encoding="utf-8"?>
-<p:sld xmlns:a="http://schemas.openxmlformats.org/drawingml/2006/main" xmlns:p="http://schemas.openxmlformats.org/presentationml/2006/main" xmlns:r="http://schemas.openxmlformats.org/officeDocument/2006/relationships">
-  <p:cSld>
-    <p:spTree>
-      <p:nvGrpSpPr>
-        <p:cNvPr id="1" name=""/>
-        <p:cNvGrpSpPr/>
-        <p:nvPr/>
-      </p:nvGrpSpPr>
-      <p:grpSpPr/>
-      <p:sp>
-        <p:nvSpPr>
-          <p:cNvPr id="2" name="Content Placeholder 1"/>
-          <p:cNvSpPr>
-            <a:spLocks noGrp="1"/>
-          </p:cNvSpPr>
-          <p:nvPr>
-            <p:ph idx="1"/>
-          </p:nvPr>
-        </p:nvSpPr>
-        <p:spPr/>
-        <p:txBody>
-          <a:bodyPr/>
-          <a:lstStyle/>
-          <a:p>
-            <a:r>
-              <a:rPr sz="1400">
-                <a:solidFill>
-                  <a:srgbClr val="000000"/>
-                </a:solidFill>
-                <a:latin typeface="Courier New"/>
-              </a:rPr>
-              <a:t>R_R1</a:t>
-            </a:r>
-            <a:r>
-              <a:rPr sz="1400">
-                <a:solidFill>
-                  <a:srgbClr val="000000"/>
-                </a:solidFill>
-                <a:latin typeface="Courier New"/>
-              </a:rPr>
-              <a:t> </a:t>
-            </a:r>
-            <a:r>
-              <a:rPr sz="1400">
-                <a:solidFill>
-                  <a:srgbClr val="000000"/>
-                </a:solidFill>
-                <a:latin typeface="Courier New"/>
-              </a:rPr>
-              <a:t>0</a:t>
-            </a:r>
-            <a:r>
-              <a:rPr sz="1400">
-                <a:solidFill>
-                  <a:srgbClr val="000000"/>
-                </a:solidFill>
-                <a:latin typeface="Courier New"/>
-              </a:rPr>
-              <a:t> </a:t>
-            </a:r>
-            <a:r>
-              <a:rPr sz="1400">
-                <a:solidFill>
-                  <a:srgbClr val="000000"/>
-                </a:solidFill>
-                <a:latin typeface="Courier New"/>
-              </a:rPr>
-              <a:t>3</a:t>
-            </a:r>
-            <a:r>
-              <a:rPr sz="1400">
-                <a:solidFill>
-                  <a:srgbClr val="000000"/>
-                </a:solidFill>
-                <a:latin typeface="Courier New"/>
-              </a:rPr>
-              <a:t> </a:t>
-            </a:r>
-            <a:r>
-              <a:rPr sz="1400">
-                <a:solidFill>
-                  <a:srgbClr val="000000"/>
-                </a:solidFill>
-                <a:latin typeface="Courier New"/>
-              </a:rPr>
-              <a:t>100</a:t>
-            </a:r>
-            <a:r>
-              <a:rPr sz="1400">
-                <a:solidFill>
-                  <a:srgbClr val="000000"/>
-                </a:solidFill>
-                <a:latin typeface="Courier New"/>
-              </a:rPr>
-              <a:t/>
-            </a:r>
-            <a:r>
-              <a:rPr sz="1400">
-                <a:solidFill>
-                  <a:srgbClr val="000000"/>
-                </a:solidFill>
-                <a:latin typeface="Courier New"/>
-              </a:rPr>
-              <a:t>V_V3</a:t>
-            </a:r>
-            <a:r>
-              <a:rPr sz="1400">
-                <a:solidFill>
-                  <a:srgbClr val="000000"/>
-                </a:solidFill>
-                <a:latin typeface="Courier New"/>
-              </a:rPr>
-              <a:t> </a:t>
-            </a:r>
-            <a:r>
-              <a:rPr sz="1400">
-                <a:solidFill>
-                  <a:srgbClr val="000000"/>
-                </a:solidFill>
-                <a:latin typeface="Courier New"/>
-              </a:rPr>
-              <a:t>4</a:t>
-            </a:r>
-            <a:r>
-              <a:rPr sz="1400">
-                <a:solidFill>
-                  <a:srgbClr val="000000"/>
-                </a:solidFill>
-                <a:latin typeface="Courier New"/>
-              </a:rPr>
-              <a:t> </a:t>
-            </a:r>
-            <a:r>
-              <a:rPr sz="1400">
-                <a:solidFill>
-                  <a:srgbClr val="000000"/>
-                </a:solidFill>
-                <a:latin typeface="Courier New"/>
-              </a:rPr>
-              <a:t>0</a:t>
-            </a:r>
-            <a:r>
-              <a:rPr sz="1400">
-                <a:solidFill>
-                  <a:srgbClr val="000000"/>
-                </a:solidFill>
-                <a:latin typeface="Courier New"/>
-              </a:rPr>
-              <a:t> </a:t>
-            </a:r>
-            <a:r>
-              <a:rPr sz="1400">
-                <a:solidFill>
-                  <a:srgbClr val="000000"/>
-                </a:solidFill>
-                <a:latin typeface="Courier New"/>
-              </a:rPr>
-              <a:t>10</a:t>
-            </a:r>
-            <a:r>
-              <a:rPr sz="1400">
-                <a:solidFill>
-                  <a:srgbClr val="000000"/>
-                </a:solidFill>
-                <a:latin typeface="Courier New"/>
-              </a:rPr>
-              <a:t>V</a:t>
-            </a:r>
-            <a:r>
-              <a:rPr sz="1400">
-                <a:solidFill>
-                  <a:srgbClr val="000000"/>
-                </a:solidFill>
-                <a:latin typeface="Courier New"/>
-              </a:rPr>
-              <a:t/>
-            </a:r>
-            <a:r>
-              <a:rPr sz="1400">
-                <a:solidFill>
-                  <a:srgbClr val="000000"/>
-                </a:solidFill>
-                <a:latin typeface="Courier New"/>
-              </a:rPr>
-              <a:t>V_V5</a:t>
-            </a:r>
-            <a:r>
-              <a:rPr sz="1400">
-                <a:solidFill>
-                  <a:srgbClr val="000000"/>
-                </a:solidFill>
-                <a:latin typeface="Courier New"/>
-              </a:rPr>
-              <a:t> </a:t>
-            </a:r>
-            <a:r>
-              <a:rPr sz="1400">
-                <a:solidFill>
-                  <a:srgbClr val="000000"/>
-                </a:solidFill>
-                <a:latin typeface="Courier New"/>
-              </a:rPr>
-              <a:t>1</a:t>
-            </a:r>
-            <a:r>
-              <a:rPr sz="1400">
-                <a:solidFill>
-                  <a:srgbClr val="000000"/>
-                </a:solidFill>
-                <a:latin typeface="Courier New"/>
-              </a:rPr>
-              <a:t> </a:t>
-            </a:r>
-            <a:r>
-              <a:rPr sz="1400">
-                <a:solidFill>
-                  <a:srgbClr val="000000"/>
-                </a:solidFill>
-                <a:latin typeface="Courier New"/>
-              </a:rPr>
-              <a:t>0</a:t>
-            </a:r>
-            <a:r>
-              <a:rPr sz="1400">
-                <a:solidFill>
-                  <a:srgbClr val="000000"/>
-                </a:solidFill>
-                <a:latin typeface="Courier New"/>
-              </a:rPr>
-              <a:t> </a:t>
-            </a:r>
-            <a:r>
-              <a:rPr sz="1400">
-                <a:solidFill>
-                  <a:srgbClr val="000000"/>
-                </a:solidFill>
-                <a:latin typeface="Courier New"/>
-              </a:rPr>
-              <a:t>sin</a:t>
-            </a:r>
-            <a:r>
-              <a:rPr sz="1400">
-                <a:solidFill>
-                  <a:srgbClr val="000000"/>
-                </a:solidFill>
-                <a:latin typeface="Courier New"/>
-              </a:rPr>
-              <a:t>(</a:t>
-            </a:r>
-            <a:r>
-              <a:rPr sz="1400">
-                <a:solidFill>
-                  <a:srgbClr val="000000"/>
-                </a:solidFill>
-                <a:latin typeface="Courier New"/>
-              </a:rPr>
-              <a:t>0.4</a:t>
-            </a:r>
-            <a:r>
-              <a:rPr sz="1400">
-                <a:solidFill>
-                  <a:srgbClr val="000000"/>
-                </a:solidFill>
-                <a:latin typeface="Courier New"/>
-              </a:rPr>
-              <a:t> </a:t>
-            </a:r>
-            <a:r>
-              <a:rPr sz="1400">
-                <a:solidFill>
-                  <a:srgbClr val="000000"/>
-                </a:solidFill>
-                <a:latin typeface="Courier New"/>
-              </a:rPr>
-              <a:t>0.8</a:t>
-            </a:r>
-            <a:r>
-              <a:rPr sz="1400">
-                <a:solidFill>
-                  <a:srgbClr val="000000"/>
-                </a:solidFill>
-                <a:latin typeface="Courier New"/>
-              </a:rPr>
-              <a:t> </a:t>
-            </a:r>
-            <a:r>
-              <a:rPr sz="1400">
-                <a:solidFill>
-                  <a:srgbClr val="000000"/>
-                </a:solidFill>
-                <a:latin typeface="Courier New"/>
-              </a:rPr>
-              <a:t>1591500</a:t>
-            </a:r>
-            <a:r>
-              <a:rPr sz="1400">
-                <a:solidFill>
-                  <a:srgbClr val="000000"/>
-                </a:solidFill>
-                <a:latin typeface="Courier New"/>
-              </a:rPr>
-              <a:t>)</a:t>
-            </a:r>
-            <a:r>
-              <a:rPr sz="1400">
-                <a:solidFill>
-                  <a:srgbClr val="000000"/>
-                </a:solidFill>
-                <a:latin typeface="Courier New"/>
-              </a:rPr>
-              <a:t> </a:t>
-            </a:r>
-            <a:r>
-              <a:rPr sz="1400">
-                <a:solidFill>
-                  <a:srgbClr val="000000"/>
-                </a:solidFill>
-                <a:latin typeface="Courier New"/>
-              </a:rPr>
-              <a:t>DC</a:t>
-            </a:r>
-            <a:r>
-              <a:rPr sz="1400">
-                <a:solidFill>
-                  <a:srgbClr val="000000"/>
-                </a:solidFill>
-                <a:latin typeface="Courier New"/>
-              </a:rPr>
-              <a:t>=</a:t>
-            </a:r>
-            <a:r>
-              <a:rPr sz="1400">
-                <a:solidFill>
-                  <a:srgbClr val="000000"/>
-                </a:solidFill>
-                <a:latin typeface="Courier New"/>
-              </a:rPr>
-              <a:t>0.4</a:t>
-            </a:r>
-            <a:r>
-              <a:rPr sz="1400">
-                <a:solidFill>
-                  <a:srgbClr val="000000"/>
-                </a:solidFill>
-                <a:latin typeface="Courier New"/>
-              </a:rPr>
-              <a:t/>
-            </a:r>
-            <a:r>
-              <a:rPr sz="1400">
-                <a:solidFill>
-                  <a:srgbClr val="000000"/>
-                </a:solidFill>
-                <a:latin typeface="Courier New"/>
-              </a:rPr>
-              <a:t>C_C2</a:t>
-            </a:r>
-            <a:r>
-              <a:rPr sz="1400">
-                <a:solidFill>
-                  <a:srgbClr val="000000"/>
-                </a:solidFill>
-                <a:latin typeface="Courier New"/>
-              </a:rPr>
-              <a:t> </a:t>
-            </a:r>
-            <a:r>
-              <a:rPr sz="1400">
-                <a:solidFill>
-                  <a:srgbClr val="000000"/>
-                </a:solidFill>
-                <a:latin typeface="Courier New"/>
-              </a:rPr>
-              <a:t>5</a:t>
-            </a:r>
-            <a:r>
-              <a:rPr sz="1400">
-                <a:solidFill>
-                  <a:srgbClr val="000000"/>
-                </a:solidFill>
-                <a:latin typeface="Courier New"/>
-              </a:rPr>
-              <a:t> </a:t>
-            </a:r>
-            <a:r>
-              <a:rPr sz="1400">
-                <a:solidFill>
-                  <a:srgbClr val="000000"/>
-                </a:solidFill>
-                <a:latin typeface="Courier New"/>
-              </a:rPr>
-              <a:t>3</a:t>
-            </a:r>
-            <a:r>
-              <a:rPr sz="1400">
-                <a:solidFill>
-                  <a:srgbClr val="000000"/>
-                </a:solidFill>
-                <a:latin typeface="Courier New"/>
-              </a:rPr>
-              <a:t> </a:t>
-            </a:r>
-            <a:r>
-              <a:rPr sz="1400">
-                <a:solidFill>
-                  <a:srgbClr val="000000"/>
-                </a:solidFill>
-                <a:latin typeface="Courier New"/>
-              </a:rPr>
-              <a:t>10</a:t>
-            </a:r>
-            <a:r>
-              <a:rPr sz="1400">
-                <a:solidFill>
-                  <a:srgbClr val="000000"/>
-                </a:solidFill>
-                <a:latin typeface="Courier New"/>
-              </a:rPr>
-              <a:t>n</a:t>
-            </a:r>
-            <a:r>
-              <a:rPr sz="1400">
-                <a:solidFill>
-                  <a:srgbClr val="000000"/>
-                </a:solidFill>
-                <a:latin typeface="Courier New"/>
-              </a:rPr>
-              <a:t/>
-            </a:r>
-            <a:r>
-              <a:rPr sz="1400">
-                <a:solidFill>
-                  <a:srgbClr val="000000"/>
-                </a:solidFill>
-                <a:latin typeface="Courier New"/>
-              </a:rPr>
-              <a:t>L_L3</a:t>
-            </a:r>
-            <a:r>
-              <a:rPr sz="1400">
-                <a:solidFill>
-                  <a:srgbClr val="000000"/>
-                </a:solidFill>
-                <a:latin typeface="Courier New"/>
-              </a:rPr>
-              <a:t> </a:t>
-            </a:r>
-            <a:r>
-              <a:rPr sz="1400">
-                <a:solidFill>
-                  <a:srgbClr val="000000"/>
-                </a:solidFill>
-                <a:latin typeface="Courier New"/>
-              </a:rPr>
-              <a:t>6</a:t>
-            </a:r>
-            <a:r>
-              <a:rPr sz="1400">
-                <a:solidFill>
-                  <a:srgbClr val="000000"/>
-                </a:solidFill>
-                <a:latin typeface="Courier New"/>
-              </a:rPr>
-              <a:t> </a:t>
-            </a:r>
-            <a:r>
-              <a:rPr sz="1400">
-                <a:solidFill>
-                  <a:srgbClr val="000000"/>
-                </a:solidFill>
-                <a:latin typeface="Courier New"/>
-              </a:rPr>
-              <a:t>3</a:t>
-            </a:r>
-            <a:r>
-              <a:rPr sz="1400">
-                <a:solidFill>
-                  <a:srgbClr val="000000"/>
-                </a:solidFill>
-                <a:latin typeface="Courier New"/>
-              </a:rPr>
-              <a:t> </a:t>
-            </a:r>
-            <a:r>
-              <a:rPr sz="1400">
-                <a:solidFill>
-                  <a:srgbClr val="000000"/>
-                </a:solidFill>
-                <a:latin typeface="Courier New"/>
-              </a:rPr>
-              <a:t>0.111</a:t>
-            </a:r>
-            <a:r>
-              <a:rPr sz="1400">
-                <a:solidFill>
-                  <a:srgbClr val="000000"/>
-                </a:solidFill>
-                <a:latin typeface="Courier New"/>
-              </a:rPr>
-              <a:t>uH</a:t>
-            </a:r>
-            <a:r>
-              <a:rPr sz="1400">
-                <a:solidFill>
-                  <a:srgbClr val="000000"/>
-                </a:solidFill>
-                <a:latin typeface="Courier New"/>
-              </a:rPr>
-              <a:t/>
-            </a:r>
-            <a:r>
-              <a:rPr sz="1400">
-                <a:solidFill>
-                  <a:srgbClr val="000000"/>
-                </a:solidFill>
-                <a:latin typeface="Courier New"/>
-              </a:rPr>
-              <a:t>R_R3</a:t>
-            </a:r>
-            <a:r>
-              <a:rPr sz="1400">
-                <a:solidFill>
-                  <a:srgbClr val="000000"/>
-                </a:solidFill>
-                <a:latin typeface="Courier New"/>
-              </a:rPr>
-              <a:t> </a:t>
-            </a:r>
-            <a:r>
-              <a:rPr sz="1400">
-                <a:solidFill>
-                  <a:srgbClr val="000000"/>
-                </a:solidFill>
-                <a:latin typeface="Courier New"/>
-              </a:rPr>
-              <a:t>6</a:t>
-            </a:r>
-            <a:r>
-              <a:rPr sz="1400">
-                <a:solidFill>
-                  <a:srgbClr val="000000"/>
-                </a:solidFill>
-                <a:latin typeface="Courier New"/>
-              </a:rPr>
-              <a:t> </a:t>
-            </a:r>
-            <a:r>
-              <a:rPr sz="1400">
-                <a:solidFill>
-                  <a:srgbClr val="000000"/>
-                </a:solidFill>
-                <a:latin typeface="Courier New"/>
-              </a:rPr>
-              <a:t>5</a:t>
-            </a:r>
-            <a:r>
-              <a:rPr sz="1400">
-                <a:solidFill>
-                  <a:srgbClr val="000000"/>
-                </a:solidFill>
-                <a:latin typeface="Courier New"/>
-              </a:rPr>
-              <a:t> </a:t>
-            </a:r>
-            <a:r>
-              <a:rPr sz="1400">
-                <a:solidFill>
-                  <a:srgbClr val="000000"/>
-                </a:solidFill>
-                <a:latin typeface="Courier New"/>
-              </a:rPr>
-              <a:t>0.001</a:t>
-            </a:r>
-            <a:r>
-              <a:rPr sz="1400">
-                <a:solidFill>
-                  <a:srgbClr val="000000"/>
-                </a:solidFill>
-                <a:latin typeface="Courier New"/>
-              </a:rPr>
-              <a:t/>
-            </a:r>
-            <a:r>
-              <a:rPr sz="1400">
-                <a:solidFill>
-                  <a:srgbClr val="000000"/>
-                </a:solidFill>
-                <a:latin typeface="Courier New"/>
-              </a:rPr>
-              <a:t>L_L2</a:t>
-            </a:r>
-            <a:r>
-              <a:rPr sz="1400">
-                <a:solidFill>
-                  <a:srgbClr val="000000"/>
-                </a:solidFill>
-                <a:latin typeface="Courier New"/>
-              </a:rPr>
-              <a:t> </a:t>
-            </a:r>
-            <a:r>
-              <a:rPr sz="1400">
-                <a:solidFill>
-                  <a:srgbClr val="000000"/>
-                </a:solidFill>
-                <a:latin typeface="Courier New"/>
-              </a:rPr>
-              <a:t>2</a:t>
-            </a:r>
-            <a:r>
-              <a:rPr sz="1400">
-                <a:solidFill>
-                  <a:srgbClr val="000000"/>
-                </a:solidFill>
-                <a:latin typeface="Courier New"/>
-              </a:rPr>
-              <a:t> </a:t>
-            </a:r>
-            <a:r>
-              <a:rPr sz="1400">
-                <a:solidFill>
-                  <a:srgbClr val="000000"/>
-                </a:solidFill>
-                <a:latin typeface="Courier New"/>
-              </a:rPr>
-              <a:t>4</a:t>
-            </a:r>
-            <a:r>
-              <a:rPr sz="1400">
-                <a:solidFill>
-                  <a:srgbClr val="000000"/>
-                </a:solidFill>
-                <a:latin typeface="Courier New"/>
-              </a:rPr>
-              <a:t> </a:t>
-            </a:r>
-            <a:r>
-              <a:rPr sz="1400">
-                <a:solidFill>
-                  <a:srgbClr val="000000"/>
-                </a:solidFill>
-                <a:latin typeface="Courier New"/>
-              </a:rPr>
-              <a:t>2</a:t>
-            </a:r>
-            <a:r>
-              <a:rPr sz="1400">
-                <a:solidFill>
-                  <a:srgbClr val="000000"/>
-                </a:solidFill>
-                <a:latin typeface="Courier New"/>
-              </a:rPr>
-              <a:t>mH</a:t>
-            </a:r>
-            <a:r>
-              <a:rPr sz="1400">
-                <a:solidFill>
-                  <a:srgbClr val="000000"/>
-                </a:solidFill>
-                <a:latin typeface="Courier New"/>
-              </a:rPr>
-              <a:t/>
-            </a:r>
-            <a:r>
-              <a:rPr sz="1400">
-                <a:solidFill>
-                  <a:srgbClr val="000000"/>
-                </a:solidFill>
-                <a:latin typeface="Courier New"/>
-              </a:rPr>
-              <a:t>C_C3</a:t>
-            </a:r>
-            <a:r>
-              <a:rPr sz="1400">
-                <a:solidFill>
-                  <a:srgbClr val="000000"/>
-                </a:solidFill>
-                <a:latin typeface="Courier New"/>
-              </a:rPr>
-              <a:t> </a:t>
-            </a:r>
-            <a:r>
-              <a:rPr sz="1400">
-                <a:solidFill>
-                  <a:srgbClr val="000000"/>
-                </a:solidFill>
-                <a:latin typeface="Courier New"/>
-              </a:rPr>
-              <a:t>2</a:t>
-            </a:r>
-            <a:r>
-              <a:rPr sz="1400">
-                <a:solidFill>
-                  <a:srgbClr val="000000"/>
-                </a:solidFill>
-                <a:latin typeface="Courier New"/>
-              </a:rPr>
-              <a:t> </a:t>
-            </a:r>
-            <a:r>
-              <a:rPr sz="1400">
-                <a:solidFill>
-                  <a:srgbClr val="000000"/>
-                </a:solidFill>
-                <a:latin typeface="Courier New"/>
-              </a:rPr>
-              <a:t>5</a:t>
-            </a:r>
-            <a:r>
-              <a:rPr sz="1400">
-                <a:solidFill>
-                  <a:srgbClr val="000000"/>
-                </a:solidFill>
-                <a:latin typeface="Courier New"/>
-              </a:rPr>
-              <a:t> </a:t>
-            </a:r>
-            <a:r>
-              <a:rPr sz="1400">
-                <a:solidFill>
-                  <a:srgbClr val="000000"/>
-                </a:solidFill>
-                <a:latin typeface="Courier New"/>
-              </a:rPr>
-              <a:t>1000</a:t>
-            </a:r>
-            <a:r>
-              <a:rPr sz="1400">
-                <a:solidFill>
-                  <a:srgbClr val="000000"/>
-                </a:solidFill>
-                <a:latin typeface="Courier New"/>
-              </a:rPr>
-              <a:t>n</a:t>
-            </a:r>
-            <a:r>
-              <a:rPr sz="1400">
-                <a:solidFill>
-                  <a:srgbClr val="000000"/>
-                </a:solidFill>
-                <a:latin typeface="Courier New"/>
-              </a:rPr>
-              <a:t/>
-            </a:r>
-            <a:r>
-              <a:rPr sz="1400">
-                <a:solidFill>
-                  <a:srgbClr val="000000"/>
-                </a:solidFill>
-                <a:latin typeface="Courier New"/>
-              </a:rPr>
-              <a:t>.</a:t>
-            </a:r>
-            <a:r>
-              <a:rPr sz="1400">
-                <a:solidFill>
-                  <a:srgbClr val="000000"/>
-                </a:solidFill>
-                <a:latin typeface="Courier New"/>
-              </a:rPr>
-              <a:t>model</a:t>
-            </a:r>
-            <a:r>
-              <a:rPr sz="1400">
-                <a:solidFill>
-                  <a:srgbClr val="000000"/>
-                </a:solidFill>
-                <a:latin typeface="Courier New"/>
-              </a:rPr>
-              <a:t> </a:t>
-            </a:r>
-            <a:r>
-              <a:rPr sz="1400">
-                <a:solidFill>
-                  <a:srgbClr val="000000"/>
-                </a:solidFill>
-                <a:latin typeface="Courier New"/>
-              </a:rPr>
-              <a:t>Q2</a:t>
-            </a:r>
-            <a:r>
-              <a:rPr sz="1400">
-                <a:solidFill>
-                  <a:srgbClr val="000000"/>
-                </a:solidFill>
-                <a:latin typeface="Courier New"/>
-              </a:rPr>
-              <a:t> </a:t>
-            </a:r>
-            <a:r>
-              <a:rPr sz="1400">
-                <a:solidFill>
-                  <a:srgbClr val="000000"/>
-                </a:solidFill>
-                <a:latin typeface="Courier New"/>
-              </a:rPr>
-              <a:t>NPN</a:t>
-            </a:r>
-            <a:r>
-              <a:rPr sz="1400">
-                <a:solidFill>
-                  <a:srgbClr val="000000"/>
-                </a:solidFill>
-                <a:latin typeface="Courier New"/>
-              </a:rPr>
-              <a:t>(</a:t>
-            </a:r>
-            <a:r>
-              <a:rPr sz="1400">
-                <a:solidFill>
-                  <a:srgbClr val="000000"/>
-                </a:solidFill>
-                <a:latin typeface="Courier New"/>
-              </a:rPr>
-              <a:t>Is</a:t>
-            </a:r>
-            <a:r>
-              <a:rPr sz="1400">
-                <a:solidFill>
-                  <a:srgbClr val="000000"/>
-                </a:solidFill>
-                <a:latin typeface="Courier New"/>
-              </a:rPr>
-              <a:t>=</a:t>
-            </a:r>
-            <a:r>
-              <a:rPr sz="1400">
-                <a:solidFill>
-                  <a:srgbClr val="000000"/>
-                </a:solidFill>
-                <a:latin typeface="Courier New"/>
-              </a:rPr>
-              <a:t>14.34</a:t>
-            </a:r>
-            <a:r>
-              <a:rPr sz="1400">
-                <a:solidFill>
-                  <a:srgbClr val="000000"/>
-                </a:solidFill>
-                <a:latin typeface="Courier New"/>
-              </a:rPr>
-              <a:t>f</a:t>
-            </a:r>
-            <a:r>
-              <a:rPr sz="1400">
-                <a:solidFill>
-                  <a:srgbClr val="000000"/>
-                </a:solidFill>
-                <a:latin typeface="Courier New"/>
-              </a:rPr>
-              <a:t> </a:t>
-            </a:r>
-            <a:r>
-              <a:rPr sz="1400">
-                <a:solidFill>
-                  <a:srgbClr val="000000"/>
-                </a:solidFill>
-                <a:latin typeface="Courier New"/>
-              </a:rPr>
-              <a:t>BF</a:t>
-            </a:r>
-            <a:r>
-              <a:rPr sz="1400">
-                <a:solidFill>
-                  <a:srgbClr val="000000"/>
-                </a:solidFill>
-                <a:latin typeface="Courier New"/>
-              </a:rPr>
-              <a:t>=</a:t>
-            </a:r>
-            <a:r>
-              <a:rPr sz="1400">
-                <a:solidFill>
-                  <a:srgbClr val="000000"/>
-                </a:solidFill>
-                <a:latin typeface="Courier New"/>
-              </a:rPr>
-              <a:t>200</a:t>
-            </a:r>
-            <a:r>
-              <a:rPr sz="1400">
-                <a:solidFill>
-                  <a:srgbClr val="000000"/>
-                </a:solidFill>
-                <a:latin typeface="Courier New"/>
-              </a:rPr>
-              <a:t> </a:t>
-            </a:r>
-            <a:r>
-              <a:rPr sz="1400">
-                <a:solidFill>
-                  <a:srgbClr val="000000"/>
-                </a:solidFill>
-                <a:latin typeface="Courier New"/>
-              </a:rPr>
-              <a:t>Rb</a:t>
-            </a:r>
-            <a:r>
-              <a:rPr sz="1400">
-                <a:solidFill>
-                  <a:srgbClr val="000000"/>
-                </a:solidFill>
-                <a:latin typeface="Courier New"/>
-              </a:rPr>
-              <a:t>=</a:t>
-            </a:r>
-            <a:r>
-              <a:rPr sz="1400">
-                <a:solidFill>
-                  <a:srgbClr val="000000"/>
-                </a:solidFill>
-                <a:latin typeface="Courier New"/>
-              </a:rPr>
-              <a:t>100</a:t>
-            </a:r>
-            <a:r>
-              <a:rPr sz="1400">
-                <a:solidFill>
-                  <a:srgbClr val="000000"/>
-                </a:solidFill>
-                <a:latin typeface="Courier New"/>
-              </a:rPr>
-              <a:t> </a:t>
-            </a:r>
-            <a:r>
-              <a:rPr sz="1400">
-                <a:solidFill>
-                  <a:srgbClr val="000000"/>
-                </a:solidFill>
-                <a:latin typeface="Courier New"/>
-              </a:rPr>
-              <a:t>)</a:t>
-            </a:r>
-            <a:r>
-              <a:rPr sz="1400">
-                <a:solidFill>
-                  <a:srgbClr val="000000"/>
-                </a:solidFill>
-                <a:latin typeface="Courier New"/>
-              </a:rPr>
-              <a:t/>
-            </a:r>
-          </a:p>
-        </p:txBody>
-      </p:sp>
-      <p:sp>
-        <p:nvSpPr>
-          <p:cNvPr id="3" name="Title 2"/>
-          <p:cNvSpPr>
-            <a:spLocks noGrp="1"/>
-          </p:cNvSpPr>
-          <p:nvPr>
-            <p:ph type="title"/>
-          </p:nvPr>
-        </p:nvSpPr>
-        <p:spPr/>
-        <p:txBody>
-          <a:bodyPr wrap="square">
-            <a:noAutofit/>
-          </a:bodyPr>
-          <a:lstStyle/>
-          <a:p>
-            <a:r>
-              <a:rPr sz="3200" b="1" i="0">
-                <a:latin typeface="Arial"/>
-              </a:rPr>
-              <a:t>Klasse F versterker met oscillatie rond de grond</a:t>
-            </a:r>
-            <a:endParaRPr sz="3200" b="1" i="0">
-              <a:latin typeface="Arial"/>
-            </a:endParaRPr>
-          </a:p>
-        </p:txBody>
-      </p:sp>
-    </p:spTree>
-  </p:cSld>
-  <p:clrMapOvr>
-    <a:masterClrMapping/>
-  </p:clrMapOvr>
-</p:sld>
-</file>
-
-<file path=ppt/slides/slide23.xml><?xml version="1.0" encoding="utf-8"?>
-<p:sld xmlns:a="http://schemas.openxmlformats.org/drawingml/2006/main" xmlns:p="http://schemas.openxmlformats.org/presentationml/2006/main" xmlns:r="http://schemas.openxmlformats.org/officeDocument/2006/relationships">
-  <p:cSld>
-    <p:spTree>
-      <p:nvGrpSpPr>
-        <p:cNvPr id="1" name=""/>
-        <p:cNvGrpSpPr/>
-        <p:nvPr/>
-      </p:nvGrpSpPr>
-      <p:grpSpPr/>
-      <p:sp>
-        <p:nvSpPr>
-          <p:cNvPr id="2" name="Title 1"/>
-          <p:cNvSpPr>
-            <a:spLocks noGrp="1"/>
-          </p:cNvSpPr>
-          <p:nvPr>
-            <p:ph type="title"/>
-          </p:nvPr>
-        </p:nvSpPr>
-        <p:spPr/>
-        <p:txBody>
-          <a:bodyPr wrap="square">
-            <a:noAutofit/>
-          </a:bodyPr>
-          <a:lstStyle/>
-          <a:p>
-            <a:r>
-              <a:rPr sz="2300" b="1" i="0">
-                <a:latin typeface="Arial"/>
-              </a:rPr>
-              <a:t>Spice simulatie van de Klasse F waarbij de uitgang oscilleert rond de grond.</a:t>
-            </a:r>
-            <a:endParaRPr sz="2300" b="1" i="0">
-              <a:latin typeface="Arial"/>
-            </a:endParaRPr>
-          </a:p>
-        </p:txBody>
-      </p:sp>
-      <p:pic>
-        <p:nvPicPr>
-          <p:cNvPr id="3" name="Picture 2" descr="image.png"/>
-          <p:cNvPicPr>
-            <a:picLocks noChangeAspect="1"/>
-          </p:cNvPicPr>
-          <p:nvPr/>
-        </p:nvPicPr>
-        <p:blipFill>
-          <a:blip r:embed="rId2"/>
-          <a:stretch>
-            <a:fillRect/>
-          </a:stretch>
-        </p:blipFill>
-        <p:spPr>
-          <a:xfrm>
-            <a:off x="1929695" y="566928"/>
-            <a:ext cx="8332610" cy="5577840"/>
-          </a:xfrm>
-          <a:prstGeom prst="rect">
-            <a:avLst/>
-          </a:prstGeom>
-        </p:spPr>
-      </p:pic>
-    </p:spTree>
-  </p:cSld>
-  <p:clrMapOvr>
-    <a:masterClrMapping/>
-  </p:clrMapOvr>
-</p:sld>
-</file>
-
-<file path=ppt/slides/slide24.xml><?xml version="1.0" encoding="utf-8"?>
-<p:sld xmlns:a="http://schemas.openxmlformats.org/drawingml/2006/main" xmlns:p="http://schemas.openxmlformats.org/presentationml/2006/main" xmlns:r="http://schemas.openxmlformats.org/officeDocument/2006/relationships">
-  <p:cSld>
-    <p:spTree>
-      <p:nvGrpSpPr>
-        <p:cNvPr id="1" name=""/>
-        <p:cNvGrpSpPr/>
-        <p:nvPr/>
-      </p:nvGrpSpPr>
-      <p:grpSpPr/>
-      <p:sp>
-        <p:nvSpPr>
-          <p:cNvPr id="2" name="Title 1"/>
-          <p:cNvSpPr>
-            <a:spLocks noGrp="1"/>
-          </p:cNvSpPr>
-          <p:nvPr>
-            <p:ph type="title"/>
-          </p:nvPr>
-        </p:nvSpPr>
-        <p:spPr/>
-        <p:txBody>
-          <a:bodyPr wrap="square">
-            <a:noAutofit/>
-          </a:bodyPr>
-          <a:lstStyle/>
-          <a:p>
-            <a:r>
-              <a:rPr sz="2100" b="1" i="0">
-                <a:latin typeface="Arial"/>
-              </a:rPr>
-              <a:t>Spice simulatie van de Klasse F waarbij de uitgang oscilleert rond de grond. Verloop van de spanning over de eerste (LC1) en over de derde (LC3) harmonische.</a:t>
-            </a:r>
-            <a:endParaRPr sz="2100" b="1" i="0">
-              <a:latin typeface="Arial"/>
-            </a:endParaRPr>
-          </a:p>
-        </p:txBody>
-      </p:sp>
-      <p:pic>
-        <p:nvPicPr>
-          <p:cNvPr id="3" name="Picture 2" descr="image.png"/>
-          <p:cNvPicPr>
-            <a:picLocks noChangeAspect="1"/>
-          </p:cNvPicPr>
-          <p:nvPr/>
-        </p:nvPicPr>
-        <p:blipFill>
-          <a:blip r:embed="rId2"/>
-          <a:stretch>
-            <a:fillRect/>
-          </a:stretch>
-        </p:blipFill>
-        <p:spPr>
-          <a:xfrm>
-            <a:off x="1842897" y="566928"/>
-            <a:ext cx="8506206" cy="5577840"/>
-          </a:xfrm>
-          <a:prstGeom prst="rect">
-            <a:avLst/>
-          </a:prstGeom>
-        </p:spPr>
-      </p:pic>
-    </p:spTree>
-  </p:cSld>
-  <p:clrMapOvr>
-    <a:masterClrMapping/>
-  </p:clrMapOvr>
-</p:sld>
-</file>
-
-<file path=ppt/slides/slide25.xml><?xml version="1.0" encoding="utf-8"?>
-<p:sld xmlns:a="http://schemas.openxmlformats.org/drawingml/2006/main" xmlns:p="http://schemas.openxmlformats.org/presentationml/2006/main" xmlns:r="http://schemas.openxmlformats.org/officeDocument/2006/relationships">
-  <p:cSld>
-    <p:spTree>
-      <p:nvGrpSpPr>
-        <p:cNvPr id="1" name=""/>
-        <p:cNvGrpSpPr/>
-        <p:nvPr/>
-      </p:nvGrpSpPr>
-      <p:grpSpPr/>
-    </p:spTree>
-  </p:cSld>
-  <p:clrMapOvr>
-    <a:masterClrMapping/>
-  </p:clrMapOvr>
-</p:sld>
-</file>
-
-<file path=ppt/slides/slide26.xml><?xml version="1.0" encoding="utf-8"?>
-<p:sld xmlns:a="http://schemas.openxmlformats.org/drawingml/2006/main" xmlns:p="http://schemas.openxmlformats.org/presentationml/2006/main" xmlns:r="http://schemas.openxmlformats.org/officeDocument/2006/relationships">
-  <p:cSld>
-    <p:spTree>
-      <p:nvGrpSpPr>
-        <p:cNvPr id="1" name=""/>
-        <p:cNvGrpSpPr/>
-        <p:nvPr/>
-      </p:nvGrpSpPr>
-      <p:grpSpPr/>
-    </p:spTree>
-  </p:cSld>
-  <p:clrMapOvr>
-    <a:masterClrMapping/>
-  </p:clrMapOvr>
-</p:sld>
-</file>
-
 <file path=ppt/slides/slide3.xml><?xml version="1.0" encoding="utf-8"?>
 <p:sld xmlns:a="http://schemas.openxmlformats.org/drawingml/2006/main" xmlns:p="http://schemas.openxmlformats.org/presentationml/2006/main" xmlns:r="http://schemas.openxmlformats.org/officeDocument/2006/relationships">
   <p:cSld>
@@ -8718,9 +5943,220 @@
         </p:nvSpPr>
         <p:spPr/>
         <p:txBody>
-          <a:bodyPr/>
+          <a:bodyPr wrap="square">
+            <a:noAutofit/>
+          </a:bodyPr>
           <a:lstStyle/>
-          <a:p/>
+          <a:p>
+            <a:pPr>
+              <a:lnSpc>
+                <a:spcPts val="2400"/>
+              </a:lnSpc>
+              <a:defRPr>
+                <a:solidFill>
+                  <a:srgbClr val="FFFFFF"/>
+                </a:solidFill>
+              </a:defRPr>
+            </a:pPr>
+            <a:r>
+              <a:rPr sz="2400" b="0" i="0">
+                <a:latin typeface="Courier"/>
+              </a:rPr>
+              <a:t>* klasse F basiscircuit</a:t>
+            </a:r>
+            <a:endParaRPr sz="2400" b="0" i="0">
+              <a:latin typeface="Courier"/>
+            </a:endParaRPr>
+          </a:p>
+          <a:p>
+            <a:pPr>
+              <a:lnSpc>
+                <a:spcPts val="2400"/>
+              </a:lnSpc>
+              <a:defRPr>
+                <a:solidFill>
+                  <a:srgbClr val="FFFFFF"/>
+                </a:solidFill>
+              </a:defRPr>
+            </a:pPr>
+            <a:r>
+              <a:rPr sz="2400" b="0" i="0">
+                <a:latin typeface="Courier"/>
+              </a:rPr>
+              <a:t>Q_Q1         2 1 0 Q2</a:t>
+            </a:r>
+            <a:endParaRPr sz="2400" b="0" i="0">
+              <a:latin typeface="Courier"/>
+            </a:endParaRPr>
+          </a:p>
+          <a:p>
+            <a:pPr>
+              <a:lnSpc>
+                <a:spcPts val="2400"/>
+              </a:lnSpc>
+              <a:defRPr>
+                <a:solidFill>
+                  <a:srgbClr val="FFFFFF"/>
+                </a:solidFill>
+              </a:defRPr>
+            </a:pPr>
+            <a:r>
+              <a:rPr sz="2400" b="0" i="0">
+                <a:latin typeface="Courier"/>
+              </a:rPr>
+              <a:t>L_L1         5 3   1uH</a:t>
+            </a:r>
+            <a:endParaRPr sz="2400" b="0" i="0">
+              <a:latin typeface="Courier"/>
+            </a:endParaRPr>
+          </a:p>
+          <a:p>
+            <a:pPr>
+              <a:lnSpc>
+                <a:spcPts val="2400"/>
+              </a:lnSpc>
+              <a:defRPr>
+                <a:solidFill>
+                  <a:srgbClr val="FFFFFF"/>
+                </a:solidFill>
+              </a:defRPr>
+            </a:pPr>
+            <a:r>
+              <a:rPr sz="2400" b="0" i="0">
+                <a:latin typeface="Courier"/>
+              </a:rPr>
+              <a:t>C_C1         5 3   10n</a:t>
+            </a:r>
+            <a:endParaRPr sz="2400" b="0" i="0">
+              <a:latin typeface="Courier"/>
+            </a:endParaRPr>
+          </a:p>
+          <a:p>
+            <a:pPr>
+              <a:lnSpc>
+                <a:spcPts val="2400"/>
+              </a:lnSpc>
+              <a:defRPr>
+                <a:solidFill>
+                  <a:srgbClr val="FFFFFF"/>
+                </a:solidFill>
+              </a:defRPr>
+            </a:pPr>
+            <a:r>
+              <a:rPr sz="2400" b="0" i="0">
+                <a:latin typeface="Courier"/>
+              </a:rPr>
+              <a:t>R_R1         5 3   60</a:t>
+            </a:r>
+            <a:endParaRPr sz="2400" b="0" i="0">
+              <a:latin typeface="Courier"/>
+            </a:endParaRPr>
+          </a:p>
+          <a:p>
+            <a:pPr>
+              <a:lnSpc>
+                <a:spcPts val="2400"/>
+              </a:lnSpc>
+              <a:defRPr>
+                <a:solidFill>
+                  <a:srgbClr val="FFFFFF"/>
+                </a:solidFill>
+              </a:defRPr>
+            </a:pPr>
+            <a:r>
+              <a:rPr sz="2400" b="0" i="0">
+                <a:latin typeface="Courier"/>
+              </a:rPr>
+              <a:t>V_V3         3 0   11V</a:t>
+            </a:r>
+            <a:endParaRPr sz="2400" b="0" i="0">
+              <a:latin typeface="Courier"/>
+            </a:endParaRPr>
+          </a:p>
+          <a:p>
+            <a:pPr>
+              <a:lnSpc>
+                <a:spcPts val="2400"/>
+              </a:lnSpc>
+              <a:defRPr>
+                <a:solidFill>
+                  <a:srgbClr val="FFFFFF"/>
+                </a:solidFill>
+              </a:defRPr>
+            </a:pPr>
+            <a:r>
+              <a:rPr sz="2400" b="0" i="0">
+                <a:latin typeface="Courier"/>
+              </a:rPr>
+              <a:t>V_V5         1 0   sin(0.7 0.8 1591500) DC=0.7</a:t>
+            </a:r>
+            <a:endParaRPr sz="2400" b="0" i="0">
+              <a:latin typeface="Courier"/>
+            </a:endParaRPr>
+          </a:p>
+          <a:p>
+            <a:pPr>
+              <a:lnSpc>
+                <a:spcPts val="2400"/>
+              </a:lnSpc>
+              <a:defRPr>
+                <a:solidFill>
+                  <a:srgbClr val="FFFFFF"/>
+                </a:solidFill>
+              </a:defRPr>
+            </a:pPr>
+            <a:r>
+              <a:rPr sz="2400" b="0" i="0">
+                <a:latin typeface="Courier"/>
+              </a:rPr>
+              <a:t>C_C3         5 2   10n</a:t>
+            </a:r>
+            <a:endParaRPr sz="2400" b="0" i="0">
+              <a:latin typeface="Courier"/>
+            </a:endParaRPr>
+          </a:p>
+          <a:p>
+            <a:pPr>
+              <a:lnSpc>
+                <a:spcPts val="2400"/>
+              </a:lnSpc>
+              <a:defRPr>
+                <a:solidFill>
+                  <a:srgbClr val="FFFFFF"/>
+                </a:solidFill>
+              </a:defRPr>
+            </a:pPr>
+            <a:r>
+              <a:rPr sz="2400" b="0" i="0">
+                <a:latin typeface="Courier"/>
+              </a:rPr>
+              <a:t>L_L3         5 2   0.111uH</a:t>
+            </a:r>
+            <a:endParaRPr sz="2400" b="0" i="0">
+              <a:latin typeface="Courier"/>
+            </a:endParaRPr>
+          </a:p>
+          <a:p>
+            <a:pPr>
+              <a:lnSpc>
+                <a:spcPts val="2400"/>
+              </a:lnSpc>
+              <a:defRPr>
+                <a:solidFill>
+                  <a:srgbClr val="FFFFFF"/>
+                </a:solidFill>
+              </a:defRPr>
+            </a:pPr>
+            <a:r>
+              <a:rPr sz="2400" b="0" i="0">
+                <a:latin typeface="Courier"/>
+              </a:rPr>
+              <a:t>.model Q2  NPN(Is=14.34f BF=200 RB=200 )</a:t>
+            </a:r>
+            <a:endParaRPr sz="2400" b="0" i="0">
+              <a:latin typeface="Courier"/>
+            </a:endParaRPr>
+          </a:p>
         </p:txBody>
       </p:sp>
       <p:sp>
@@ -8772,24 +6208,7 @@
       <p:grpSpPr/>
       <p:sp>
         <p:nvSpPr>
-          <p:cNvPr id="2" name="Content Placeholder 1"/>
-          <p:cNvSpPr>
-            <a:spLocks noGrp="1"/>
-          </p:cNvSpPr>
-          <p:nvPr>
-            <p:ph idx="1"/>
-          </p:nvPr>
-        </p:nvSpPr>
-        <p:spPr/>
-        <p:txBody>
-          <a:bodyPr/>
-          <a:lstStyle/>
-          <a:p/>
-        </p:txBody>
-      </p:sp>
-      <p:sp>
-        <p:nvSpPr>
-          <p:cNvPr id="3" name="Title 2"/>
+          <p:cNvPr id="2" name="Title 1"/>
           <p:cNvSpPr>
             <a:spLocks noGrp="1"/>
           </p:cNvSpPr>
@@ -8805,17 +6224,41 @@
           <a:lstStyle/>
           <a:p>
             <a:r>
-              <a:rPr sz="3200" b="1" i="0">
+              <a:rPr sz="2600" b="1" i="0">
                 <a:latin typeface="Arial"/>
               </a:rPr>
-              <a:t>Spice code van de klasse F versterker</a:t>
-            </a:r>
-            <a:endParaRPr sz="3200" b="1" i="0">
+              <a:t>Spanningen op de verschillende knopen van de klasse F versterker.</a:t>
+            </a:r>
+            <a:endParaRPr sz="2600" b="1" i="0">
               <a:latin typeface="Arial"/>
             </a:endParaRPr>
           </a:p>
         </p:txBody>
       </p:sp>
+      <p:pic>
+        <p:nvPicPr>
+          <p:cNvPr id="3" name="Picture 2" descr="image.png"/>
+          <p:cNvPicPr>
+            <a:picLocks noChangeAspect="1"/>
+          </p:cNvPicPr>
+          <p:nvPr/>
+        </p:nvPicPr>
+        <p:blipFill>
+          <a:blip r:embed="rId2"/>
+          <a:stretch>
+            <a:fillRect/>
+          </a:stretch>
+        </p:blipFill>
+        <p:spPr>
+          <a:xfrm>
+            <a:off x="1889379" y="566928"/>
+            <a:ext cx="8413242" cy="5577840"/>
+          </a:xfrm>
+          <a:prstGeom prst="rect">
+            <a:avLst/>
+          </a:prstGeom>
+        </p:spPr>
+      </p:pic>
     </p:spTree>
   </p:cSld>
   <p:clrMapOvr>
@@ -8836,24 +6279,7 @@
       <p:grpSpPr/>
       <p:sp>
         <p:nvSpPr>
-          <p:cNvPr id="2" name="Content Placeholder 1"/>
-          <p:cNvSpPr>
-            <a:spLocks noGrp="1"/>
-          </p:cNvSpPr>
-          <p:nvPr>
-            <p:ph idx="1"/>
-          </p:nvPr>
-        </p:nvSpPr>
-        <p:spPr/>
-        <p:txBody>
-          <a:bodyPr/>
-          <a:lstStyle/>
-          <a:p/>
-        </p:txBody>
-      </p:sp>
-      <p:sp>
-        <p:nvSpPr>
-          <p:cNvPr id="3" name="Title 2"/>
+          <p:cNvPr id="2" name="Title 1"/>
           <p:cNvSpPr>
             <a:spLocks noGrp="1"/>
           </p:cNvSpPr>
@@ -8869,17 +6295,41 @@
           <a:lstStyle/>
           <a:p>
             <a:r>
-              <a:rPr sz="3200" b="1" i="0">
+              <a:rPr sz="2200" b="1" i="0">
                 <a:latin typeface="Arial"/>
               </a:rPr>
-              <a:t>Spice code van de klasse F versterker</a:t>
-            </a:r>
-            <a:endParaRPr sz="3200" b="1" i="0">
+              <a:t>Verloop van de spanning over de eerste (LC1) en over de derde (LC3) harmonische.</a:t>
+            </a:r>
+            <a:endParaRPr sz="2200" b="1" i="0">
               <a:latin typeface="Arial"/>
             </a:endParaRPr>
           </a:p>
         </p:txBody>
       </p:sp>
+      <p:pic>
+        <p:nvPicPr>
+          <p:cNvPr id="3" name="Picture 2" descr="image.png"/>
+          <p:cNvPicPr>
+            <a:picLocks noChangeAspect="1"/>
+          </p:cNvPicPr>
+          <p:nvPr/>
+        </p:nvPicPr>
+        <p:blipFill>
+          <a:blip r:embed="rId2"/>
+          <a:stretch>
+            <a:fillRect/>
+          </a:stretch>
+        </p:blipFill>
+        <p:spPr>
+          <a:xfrm>
+            <a:off x="1842897" y="566928"/>
+            <a:ext cx="8506206" cy="5577840"/>
+          </a:xfrm>
+          <a:prstGeom prst="rect">
+            <a:avLst/>
+          </a:prstGeom>
+        </p:spPr>
+      </p:pic>
     </p:spTree>
   </p:cSld>
   <p:clrMapOvr>
@@ -8900,24 +6350,7 @@
       <p:grpSpPr/>
       <p:sp>
         <p:nvSpPr>
-          <p:cNvPr id="2" name="Content Placeholder 1"/>
-          <p:cNvSpPr>
-            <a:spLocks noGrp="1"/>
-          </p:cNvSpPr>
-          <p:nvPr>
-            <p:ph idx="1"/>
-          </p:nvPr>
-        </p:nvSpPr>
-        <p:spPr/>
-        <p:txBody>
-          <a:bodyPr/>
-          <a:lstStyle/>
-          <a:p/>
-        </p:txBody>
-      </p:sp>
-      <p:sp>
-        <p:nvSpPr>
-          <p:cNvPr id="3" name="Title 2"/>
+          <p:cNvPr id="2" name="Title 1"/>
           <p:cNvSpPr>
             <a:spLocks noGrp="1"/>
           </p:cNvSpPr>
@@ -8936,7 +6369,7 @@
               <a:rPr sz="3200" b="1" i="0">
                 <a:latin typeface="Arial"/>
               </a:rPr>
-              <a:t>Spice code van de klasse F versterker</a:t>
+              <a:t>Verloop van de collector current</a:t>
             </a:r>
             <a:endParaRPr sz="3200" b="1" i="0">
               <a:latin typeface="Arial"/>
@@ -8944,6 +6377,30 @@
           </a:p>
         </p:txBody>
       </p:sp>
+      <p:pic>
+        <p:nvPicPr>
+          <p:cNvPr id="3" name="Picture 2" descr="image.png"/>
+          <p:cNvPicPr>
+            <a:picLocks noChangeAspect="1"/>
+          </p:cNvPicPr>
+          <p:nvPr/>
+        </p:nvPicPr>
+        <p:blipFill>
+          <a:blip r:embed="rId2"/>
+          <a:stretch>
+            <a:fillRect/>
+          </a:stretch>
+        </p:blipFill>
+        <p:spPr>
+          <a:xfrm>
+            <a:off x="1871948" y="566928"/>
+            <a:ext cx="8448104" cy="5577840"/>
+          </a:xfrm>
+          <a:prstGeom prst="rect">
+            <a:avLst/>
+          </a:prstGeom>
+        </p:spPr>
+      </p:pic>
     </p:spTree>
   </p:cSld>
   <p:clrMapOvr>
@@ -8964,24 +6421,7 @@
       <p:grpSpPr/>
       <p:sp>
         <p:nvSpPr>
-          <p:cNvPr id="2" name="Content Placeholder 1"/>
-          <p:cNvSpPr>
-            <a:spLocks noGrp="1"/>
-          </p:cNvSpPr>
-          <p:nvPr>
-            <p:ph idx="1"/>
-          </p:nvPr>
-        </p:nvSpPr>
-        <p:spPr/>
-        <p:txBody>
-          <a:bodyPr/>
-          <a:lstStyle/>
-          <a:p/>
-        </p:txBody>
-      </p:sp>
-      <p:sp>
-        <p:nvSpPr>
-          <p:cNvPr id="3" name="Title 2"/>
+          <p:cNvPr id="2" name="Title 1"/>
           <p:cNvSpPr>
             <a:spLocks noGrp="1"/>
           </p:cNvSpPr>
@@ -8997,17 +6437,41 @@
           <a:lstStyle/>
           <a:p>
             <a:r>
-              <a:rPr sz="3200" b="1" i="0">
+              <a:rPr sz="2200" b="1" i="0">
                 <a:latin typeface="Arial"/>
               </a:rPr>
-              <a:t>Spice code van de klasse F versterker</a:t>
-            </a:r>
-            <a:endParaRPr sz="3200" b="1" i="0">
+              <a:t>Basisschema van de klasse F versterker waarbij de uitgang oscilleert rond de grond.</a:t>
+            </a:r>
+            <a:endParaRPr sz="2200" b="1" i="0">
               <a:latin typeface="Arial"/>
             </a:endParaRPr>
           </a:p>
         </p:txBody>
       </p:sp>
+      <p:pic>
+        <p:nvPicPr>
+          <p:cNvPr id="3" name="Picture 2" descr="image.png"/>
+          <p:cNvPicPr>
+            <a:picLocks noChangeAspect="1"/>
+          </p:cNvPicPr>
+          <p:nvPr/>
+        </p:nvPicPr>
+        <p:blipFill>
+          <a:blip r:embed="rId2"/>
+          <a:stretch>
+            <a:fillRect/>
+          </a:stretch>
+        </p:blipFill>
+        <p:spPr>
+          <a:xfrm>
+            <a:off x="834364" y="566928"/>
+            <a:ext cx="10523272" cy="5577840"/>
+          </a:xfrm>
+          <a:prstGeom prst="rect">
+            <a:avLst/>
+          </a:prstGeom>
+        </p:spPr>
+      </p:pic>
     </p:spTree>
   </p:cSld>
   <p:clrMapOvr>
@@ -9038,9 +6502,241 @@
         </p:nvSpPr>
         <p:spPr/>
         <p:txBody>
-          <a:bodyPr/>
+          <a:bodyPr wrap="square">
+            <a:noAutofit/>
+          </a:bodyPr>
           <a:lstStyle/>
-          <a:p/>
+          <a:p>
+            <a:pPr>
+              <a:lnSpc>
+                <a:spcPts val="2400"/>
+              </a:lnSpc>
+              <a:defRPr>
+                <a:solidFill>
+                  <a:srgbClr val="FFFFFF"/>
+                </a:solidFill>
+              </a:defRPr>
+            </a:pPr>
+            <a:r>
+              <a:rPr sz="2400" b="0" i="0">
+                <a:latin typeface="Courier"/>
+              </a:rPr>
+              <a:t>* klasseF</a:t>
+            </a:r>
+            <a:endParaRPr sz="2400" b="0" i="0">
+              <a:latin typeface="Courier"/>
+            </a:endParaRPr>
+          </a:p>
+          <a:p>
+            <a:pPr>
+              <a:lnSpc>
+                <a:spcPts val="2400"/>
+              </a:lnSpc>
+              <a:defRPr>
+                <a:solidFill>
+                  <a:srgbClr val="FFFFFF"/>
+                </a:solidFill>
+              </a:defRPr>
+            </a:pPr>
+            <a:r>
+              <a:rPr sz="2400" b="0" i="0">
+                <a:latin typeface="Courier"/>
+              </a:rPr>
+              <a:t>Q_Q1         2 1 0 Q2</a:t>
+            </a:r>
+            <a:endParaRPr sz="2400" b="0" i="0">
+              <a:latin typeface="Courier"/>
+            </a:endParaRPr>
+          </a:p>
+          <a:p>
+            <a:pPr>
+              <a:lnSpc>
+                <a:spcPts val="2400"/>
+              </a:lnSpc>
+              <a:defRPr>
+                <a:solidFill>
+                  <a:srgbClr val="FFFFFF"/>
+                </a:solidFill>
+              </a:defRPr>
+            </a:pPr>
+            <a:r>
+              <a:rPr sz="2400" b="0" i="0">
+                <a:latin typeface="Courier"/>
+              </a:rPr>
+              <a:t>L_L1         0 3   1uH</a:t>
+            </a:r>
+            <a:endParaRPr sz="2400" b="0" i="0">
+              <a:latin typeface="Courier"/>
+            </a:endParaRPr>
+          </a:p>
+          <a:p>
+            <a:pPr>
+              <a:lnSpc>
+                <a:spcPts val="2400"/>
+              </a:lnSpc>
+              <a:defRPr>
+                <a:solidFill>
+                  <a:srgbClr val="FFFFFF"/>
+                </a:solidFill>
+              </a:defRPr>
+            </a:pPr>
+            <a:r>
+              <a:rPr sz="2400" b="0" i="0">
+                <a:latin typeface="Courier"/>
+              </a:rPr>
+              <a:t>C_C1         0 3   10n</a:t>
+            </a:r>
+            <a:endParaRPr sz="2400" b="0" i="0">
+              <a:latin typeface="Courier"/>
+            </a:endParaRPr>
+          </a:p>
+          <a:p>
+            <a:pPr>
+              <a:lnSpc>
+                <a:spcPts val="2400"/>
+              </a:lnSpc>
+              <a:defRPr>
+                <a:solidFill>
+                  <a:srgbClr val="FFFFFF"/>
+                </a:solidFill>
+              </a:defRPr>
+            </a:pPr>
+            <a:r>
+              <a:rPr sz="2400" b="0" i="0">
+                <a:latin typeface="Courier"/>
+              </a:rPr>
+              <a:t>R_R1         0 3   100</a:t>
+            </a:r>
+            <a:endParaRPr sz="2400" b="0" i="0">
+              <a:latin typeface="Courier"/>
+            </a:endParaRPr>
+          </a:p>
+          <a:p>
+            <a:pPr>
+              <a:lnSpc>
+                <a:spcPts val="2400"/>
+              </a:lnSpc>
+              <a:defRPr>
+                <a:solidFill>
+                  <a:srgbClr val="FFFFFF"/>
+                </a:solidFill>
+              </a:defRPr>
+            </a:pPr>
+            <a:r>
+              <a:rPr sz="2400" b="0" i="0">
+                <a:latin typeface="Courier"/>
+              </a:rPr>
+              <a:t>V_V3         4 0   10V</a:t>
+            </a:r>
+            <a:endParaRPr sz="2400" b="0" i="0">
+              <a:latin typeface="Courier"/>
+            </a:endParaRPr>
+          </a:p>
+          <a:p>
+            <a:pPr>
+              <a:lnSpc>
+                <a:spcPts val="2400"/>
+              </a:lnSpc>
+              <a:defRPr>
+                <a:solidFill>
+                  <a:srgbClr val="FFFFFF"/>
+                </a:solidFill>
+              </a:defRPr>
+            </a:pPr>
+            <a:r>
+              <a:rPr sz="2400" b="0" i="0">
+                <a:latin typeface="Courier"/>
+              </a:rPr>
+              <a:t>V_V5         1 0   sin(0.4 0.8 1591500) DC=0.4</a:t>
+            </a:r>
+            <a:endParaRPr sz="2400" b="0" i="0">
+              <a:latin typeface="Courier"/>
+            </a:endParaRPr>
+          </a:p>
+          <a:p>
+            <a:pPr>
+              <a:lnSpc>
+                <a:spcPts val="2400"/>
+              </a:lnSpc>
+              <a:defRPr>
+                <a:solidFill>
+                  <a:srgbClr val="FFFFFF"/>
+                </a:solidFill>
+              </a:defRPr>
+            </a:pPr>
+            <a:r>
+              <a:rPr sz="2400" b="0" i="0">
+                <a:latin typeface="Courier"/>
+              </a:rPr>
+              <a:t>C_C2         5 3   10n</a:t>
+            </a:r>
+            <a:endParaRPr sz="2400" b="0" i="0">
+              <a:latin typeface="Courier"/>
+            </a:endParaRPr>
+          </a:p>
+          <a:p>
+            <a:pPr>
+              <a:lnSpc>
+                <a:spcPts val="2400"/>
+              </a:lnSpc>
+              <a:defRPr>
+                <a:solidFill>
+                  <a:srgbClr val="FFFFFF"/>
+                </a:solidFill>
+              </a:defRPr>
+            </a:pPr>
+            <a:r>
+              <a:rPr sz="2400" b="0" i="0">
+                <a:latin typeface="Courier"/>
+              </a:rPr>
+              <a:t>L_L3         6 3   0.111uH</a:t>
+            </a:r>
+            <a:endParaRPr sz="2400" b="0" i="0">
+              <a:latin typeface="Courier"/>
+            </a:endParaRPr>
+          </a:p>
+          <a:p>
+            <a:pPr>
+              <a:lnSpc>
+                <a:spcPts val="2400"/>
+              </a:lnSpc>
+              <a:defRPr>
+                <a:solidFill>
+                  <a:srgbClr val="FFFFFF"/>
+                </a:solidFill>
+              </a:defRPr>
+            </a:pPr>
+            <a:r>
+              <a:rPr sz="2400" b="0" i="0">
+                <a:latin typeface="Courier"/>
+              </a:rPr>
+              <a:t>R_R3         6 5   0.001</a:t>
+            </a:r>
+            <a:endParaRPr sz="2400" b="0" i="0">
+              <a:latin typeface="Courier"/>
+            </a:endParaRPr>
+          </a:p>
+          <a:p>
+            <a:pPr>
+              <a:lnSpc>
+                <a:spcPts val="2400"/>
+              </a:lnSpc>
+              <a:defRPr>
+                <a:solidFill>
+                  <a:srgbClr val="FFFFFF"/>
+                </a:solidFill>
+              </a:defRPr>
+            </a:pPr>
+            <a:r>
+              <a:rPr sz="2400" b="0" i="0">
+                <a:latin typeface="Courier"/>
+              </a:rPr>
+              <a:t>L_L2         2 4   2mH</a:t>
+            </a:r>
+            <a:endParaRPr sz="2400" b="0" i="0">
+              <a:latin typeface="Courier"/>
+            </a:endParaRPr>
+          </a:p>
         </p:txBody>
       </p:sp>
       <p:sp>
@@ -9064,7 +6760,7 @@
               <a:rPr sz="3200" b="1" i="0">
                 <a:latin typeface="Arial"/>
               </a:rPr>
-              <a:t>Spice code van de klasse F versterker</a:t>
+              <a:t>Klasse F versterker met oscillatie rond de grond</a:t>
             </a:r>
             <a:endParaRPr sz="3200" b="1" i="0">
               <a:latin typeface="Arial"/>
@@ -9102,342 +6798,51 @@
         </p:nvSpPr>
         <p:spPr/>
         <p:txBody>
-          <a:bodyPr/>
+          <a:bodyPr wrap="square">
+            <a:noAutofit/>
+          </a:bodyPr>
           <a:lstStyle/>
           <a:p>
-            <a:r>
-              <a:rPr sz="1400">
+            <a:pPr>
+              <a:lnSpc>
+                <a:spcPts val="2400"/>
+              </a:lnSpc>
+              <a:defRPr>
                 <a:solidFill>
-                  <a:srgbClr val="000000"/>
+                  <a:srgbClr val="FFFFFF"/>
                 </a:solidFill>
-                <a:latin typeface="Courier New"/>
+              </a:defRPr>
+            </a:pPr>
+            <a:r>
+              <a:rPr sz="2400" b="0" i="0">
+                <a:latin typeface="Courier"/>
               </a:rPr>
-              <a:t/>
-            </a:r>
-            <a:r>
-              <a:rPr sz="1400">
+              <a:t>C_C3         2 5   1000n</a:t>
+            </a:r>
+            <a:endParaRPr sz="2400" b="0" i="0">
+              <a:latin typeface="Courier"/>
+            </a:endParaRPr>
+          </a:p>
+          <a:p>
+            <a:pPr>
+              <a:lnSpc>
+                <a:spcPts val="2400"/>
+              </a:lnSpc>
+              <a:defRPr>
                 <a:solidFill>
-                  <a:srgbClr val="000000"/>
+                  <a:srgbClr val="FFFFFF"/>
                 </a:solidFill>
-                <a:latin typeface="Courier New"/>
+              </a:defRPr>
+            </a:pPr>
+            <a:r>
+              <a:rPr sz="2400" b="0" i="0">
+                <a:latin typeface="Courier"/>
               </a:rPr>
-              <a:t>*</a:t>
-            </a:r>
-            <a:r>
-              <a:rPr sz="1400">
-                <a:solidFill>
-                  <a:srgbClr val="000000"/>
-                </a:solidFill>
-                <a:latin typeface="Courier New"/>
-              </a:rPr>
-              <a:t> </a:t>
-            </a:r>
-            <a:r>
-              <a:rPr sz="1400">
-                <a:solidFill>
-                  <a:srgbClr val="000000"/>
-                </a:solidFill>
-                <a:latin typeface="Courier New"/>
-              </a:rPr>
-              <a:t>klasse</a:t>
-            </a:r>
-            <a:r>
-              <a:rPr sz="1400">
-                <a:solidFill>
-                  <a:srgbClr val="000000"/>
-                </a:solidFill>
-                <a:latin typeface="Courier New"/>
-              </a:rPr>
-              <a:t> </a:t>
-            </a:r>
-            <a:r>
-              <a:rPr sz="1400">
-                <a:solidFill>
-                  <a:srgbClr val="000000"/>
-                </a:solidFill>
-                <a:latin typeface="Courier New"/>
-              </a:rPr>
-              <a:t>F</a:t>
-            </a:r>
-            <a:r>
-              <a:rPr sz="1400">
-                <a:solidFill>
-                  <a:srgbClr val="000000"/>
-                </a:solidFill>
-                <a:latin typeface="Courier New"/>
-              </a:rPr>
-              <a:t> </a:t>
-            </a:r>
-            <a:r>
-              <a:rPr sz="1400">
-                <a:solidFill>
-                  <a:srgbClr val="000000"/>
-                </a:solidFill>
-                <a:latin typeface="Courier New"/>
-              </a:rPr>
-              <a:t>basiscircuit</a:t>
-            </a:r>
-            <a:r>
-              <a:rPr sz="1400">
-                <a:solidFill>
-                  <a:srgbClr val="000000"/>
-                </a:solidFill>
-                <a:latin typeface="Courier New"/>
-              </a:rPr>
-              <a:t/>
-            </a:r>
-            <a:r>
-              <a:rPr sz="1400">
-                <a:solidFill>
-                  <a:srgbClr val="000000"/>
-                </a:solidFill>
-                <a:latin typeface="Courier New"/>
-              </a:rPr>
-              <a:t>Q_Q1</a:t>
-            </a:r>
-            <a:r>
-              <a:rPr sz="1400">
-                <a:solidFill>
-                  <a:srgbClr val="000000"/>
-                </a:solidFill>
-                <a:latin typeface="Courier New"/>
-              </a:rPr>
-              <a:t>         </a:t>
-            </a:r>
-            <a:r>
-              <a:rPr sz="1400">
-                <a:solidFill>
-                  <a:srgbClr val="000000"/>
-                </a:solidFill>
-                <a:latin typeface="Courier New"/>
-              </a:rPr>
-              <a:t>2</a:t>
-            </a:r>
-            <a:r>
-              <a:rPr sz="1400">
-                <a:solidFill>
-                  <a:srgbClr val="000000"/>
-                </a:solidFill>
-                <a:latin typeface="Courier New"/>
-              </a:rPr>
-              <a:t> </a:t>
-            </a:r>
-            <a:r>
-              <a:rPr sz="1400">
-                <a:solidFill>
-                  <a:srgbClr val="000000"/>
-                </a:solidFill>
-                <a:latin typeface="Courier New"/>
-              </a:rPr>
-              <a:t>1</a:t>
-            </a:r>
-            <a:r>
-              <a:rPr sz="1400">
-                <a:solidFill>
-                  <a:srgbClr val="000000"/>
-                </a:solidFill>
-                <a:latin typeface="Courier New"/>
-              </a:rPr>
-              <a:t> </a:t>
-            </a:r>
-            <a:r>
-              <a:rPr sz="1400">
-                <a:solidFill>
-                  <a:srgbClr val="000000"/>
-                </a:solidFill>
-                <a:latin typeface="Courier New"/>
-              </a:rPr>
-              <a:t>0</a:t>
-            </a:r>
-            <a:r>
-              <a:rPr sz="1400">
-                <a:solidFill>
-                  <a:srgbClr val="000000"/>
-                </a:solidFill>
-                <a:latin typeface="Courier New"/>
-              </a:rPr>
-              <a:t> </a:t>
-            </a:r>
-            <a:r>
-              <a:rPr sz="1400">
-                <a:solidFill>
-                  <a:srgbClr val="000000"/>
-                </a:solidFill>
-                <a:latin typeface="Courier New"/>
-              </a:rPr>
-              <a:t>Q2</a:t>
-            </a:r>
-            <a:r>
-              <a:rPr sz="1400">
-                <a:solidFill>
-                  <a:srgbClr val="000000"/>
-                </a:solidFill>
-                <a:latin typeface="Courier New"/>
-              </a:rPr>
-              <a:t/>
-            </a:r>
-            <a:r>
-              <a:rPr sz="1400">
-                <a:solidFill>
-                  <a:srgbClr val="000000"/>
-                </a:solidFill>
-                <a:latin typeface="Courier New"/>
-              </a:rPr>
-              <a:t>L_L1</a:t>
-            </a:r>
-            <a:r>
-              <a:rPr sz="1400">
-                <a:solidFill>
-                  <a:srgbClr val="000000"/>
-                </a:solidFill>
-                <a:latin typeface="Courier New"/>
-              </a:rPr>
-              <a:t>         </a:t>
-            </a:r>
-            <a:r>
-              <a:rPr sz="1400">
-                <a:solidFill>
-                  <a:srgbClr val="000000"/>
-                </a:solidFill>
-                <a:latin typeface="Courier New"/>
-              </a:rPr>
-              <a:t>5</a:t>
-            </a:r>
-            <a:r>
-              <a:rPr sz="1400">
-                <a:solidFill>
-                  <a:srgbClr val="000000"/>
-                </a:solidFill>
-                <a:latin typeface="Courier New"/>
-              </a:rPr>
-              <a:t> </a:t>
-            </a:r>
-            <a:r>
-              <a:rPr sz="1400">
-                <a:solidFill>
-                  <a:srgbClr val="000000"/>
-                </a:solidFill>
-                <a:latin typeface="Courier New"/>
-              </a:rPr>
-              <a:t>3</a:t>
-            </a:r>
-            <a:r>
-              <a:rPr sz="1400">
-                <a:solidFill>
-                  <a:srgbClr val="000000"/>
-                </a:solidFill>
-                <a:latin typeface="Courier New"/>
-              </a:rPr>
-              <a:t>   </a:t>
-            </a:r>
-            <a:r>
-              <a:rPr sz="1400">
-                <a:solidFill>
-                  <a:srgbClr val="000000"/>
-                </a:solidFill>
-                <a:latin typeface="Courier New"/>
-              </a:rPr>
-              <a:t>1</a:t>
-            </a:r>
-            <a:r>
-              <a:rPr sz="1400">
-                <a:solidFill>
-                  <a:srgbClr val="000000"/>
-                </a:solidFill>
-                <a:latin typeface="Courier New"/>
-              </a:rPr>
-              <a:t>uH</a:t>
-            </a:r>
-            <a:r>
-              <a:rPr sz="1400">
-                <a:solidFill>
-                  <a:srgbClr val="000000"/>
-                </a:solidFill>
-                <a:latin typeface="Courier New"/>
-              </a:rPr>
-              <a:t/>
-            </a:r>
-            <a:r>
-              <a:rPr sz="1400">
-                <a:solidFill>
-                  <a:srgbClr val="000000"/>
-                </a:solidFill>
-                <a:latin typeface="Courier New"/>
-              </a:rPr>
-              <a:t>C_C1</a:t>
-            </a:r>
-            <a:r>
-              <a:rPr sz="1400">
-                <a:solidFill>
-                  <a:srgbClr val="000000"/>
-                </a:solidFill>
-                <a:latin typeface="Courier New"/>
-              </a:rPr>
-              <a:t>         </a:t>
-            </a:r>
-            <a:r>
-              <a:rPr sz="1400">
-                <a:solidFill>
-                  <a:srgbClr val="000000"/>
-                </a:solidFill>
-                <a:latin typeface="Courier New"/>
-              </a:rPr>
-              <a:t>5</a:t>
-            </a:r>
-            <a:r>
-              <a:rPr sz="1400">
-                <a:solidFill>
-                  <a:srgbClr val="000000"/>
-                </a:solidFill>
-                <a:latin typeface="Courier New"/>
-              </a:rPr>
-              <a:t> </a:t>
-            </a:r>
-            <a:r>
-              <a:rPr sz="1400">
-                <a:solidFill>
-                  <a:srgbClr val="000000"/>
-                </a:solidFill>
-                <a:latin typeface="Courier New"/>
-              </a:rPr>
-              <a:t>3</a:t>
-            </a:r>
-            <a:r>
-              <a:rPr sz="1400">
-                <a:solidFill>
-                  <a:srgbClr val="000000"/>
-                </a:solidFill>
-                <a:latin typeface="Courier New"/>
-              </a:rPr>
-              <a:t>   </a:t>
-            </a:r>
-            <a:r>
-              <a:rPr sz="1400">
-                <a:solidFill>
-                  <a:srgbClr val="000000"/>
-                </a:solidFill>
-                <a:latin typeface="Courier New"/>
-              </a:rPr>
-              <a:t>10</a:t>
-            </a:r>
-            <a:r>
-              <a:rPr sz="1400">
-                <a:solidFill>
-                  <a:srgbClr val="000000"/>
-                </a:solidFill>
-                <a:latin typeface="Courier New"/>
-              </a:rPr>
-              <a:t>n</a:t>
-            </a:r>
-            <a:r>
-              <a:rPr sz="1400">
-                <a:solidFill>
-                  <a:srgbClr val="000000"/>
-                </a:solidFill>
-                <a:latin typeface="Courier New"/>
-              </a:rPr>
-              <a:t/>
-            </a:r>
+              <a:t>.model Q2  NPN(Is=14.34f BF=200 Rb=100 )</a:t>
+            </a:r>
+            <a:endParaRPr sz="2400" b="0" i="0">
+              <a:latin typeface="Courier"/>
+            </a:endParaRPr>
           </a:p>
         </p:txBody>
       </p:sp>
@@ -9462,7 +6867,7 @@
               <a:rPr sz="3200" b="1" i="0">
                 <a:latin typeface="Arial"/>
               </a:rPr>
-              <a:t>Spice code van de klasse F versterker</a:t>
+              <a:t>Klasse F versterker met oscillatie rond de grond</a:t>
             </a:r>
             <a:endParaRPr sz="3200" b="1" i="0">
               <a:latin typeface="Arial"/>

--- a/ToegepasteAnalogeElektronica/PowerPoint/Klasse-F.pptx
+++ b/ToegepasteAnalogeElektronica/PowerPoint/Klasse-F.pptx
@@ -1,6 +1,6 @@
 
 <file path=ppt/presentation.xml><?xml version="1.0" encoding="utf-8"?>
-<p:presentation xmlns:a="http://schemas.openxmlformats.org/drawingml/2006/main" xmlns:r="http://schemas.openxmlformats.org/officeDocument/2006/relationships" xmlns:p="http://schemas.openxmlformats.org/presentationml/2006/main" saveSubsetFonts="1" autoCompressPictures="0">
+<p:presentation xmlns:a="http://schemas.openxmlformats.org/drawingml/2006/main" xmlns:r="http://schemas.openxmlformats.org/officeDocument/2006/relationships" xmlns:p="http://schemas.openxmlformats.org/presentationml/2006/main" showSpecialPlsOnTitleSld="0" saveSubsetFonts="1" autoCompressPictures="0">
   <p:sldMasterIdLst>
     <p:sldMasterId id="2147483648" r:id="rId4"/>
   </p:sldMasterIdLst>
@@ -686,7 +686,7 @@
           <a:p>
             <a:fld id="{8F591CCF-F6FD-734B-854A-5BC033593B1E}" type="datetimeFigureOut">
               <a:rPr lang="nl-NL" smtClean="0"/>
-              <a:t>21-9-2025</a:t>
+              <a:t>28-9-2025</a:t>
             </a:fld>
             <a:endParaRPr lang="nl-NL"/>
           </a:p>
@@ -851,7 +851,7 @@
           <a:p>
             <a:fld id="{23C66214-DB21-4647-B5DA-0D17CA592867}" type="datetimeFigureOut">
               <a:rPr lang="nl-NL" smtClean="0"/>
-              <a:t>21-9-2025</a:t>
+              <a:t>28-9-2025</a:t>
             </a:fld>
             <a:endParaRPr lang="nl-NL"/>
           </a:p>
@@ -1118,6 +1118,148 @@
 </p:notesMaster>
 </file>
 
+<file path=ppt/notesSlides/notesSlide1.xml><?xml version="1.0" encoding="utf-8"?>
+<p:notes xmlns:a="http://schemas.openxmlformats.org/drawingml/2006/main" xmlns:p="http://schemas.openxmlformats.org/presentationml/2006/main" xmlns:r="http://schemas.openxmlformats.org/officeDocument/2006/relationships">
+  <p:cSld>
+    <p:spTree>
+      <p:nvGrpSpPr>
+        <p:cNvPr id="1" name=""/>
+        <p:cNvGrpSpPr/>
+        <p:nvPr/>
+      </p:nvGrpSpPr>
+      <p:grpSpPr>
+        <a:xfrm>
+          <a:off x="0" y="0"/>
+          <a:ext cx="0" cy="0"/>
+          <a:chOff x="0" y="0"/>
+          <a:chExt cx="0" cy="0"/>
+        </a:xfrm>
+      </p:grpSpPr>
+      <p:sp>
+        <p:nvSpPr>
+          <p:cNvPr id="2" name="Slide Image Placeholder 1"/>
+          <p:cNvSpPr>
+            <a:spLocks noGrp="1"/>
+          </p:cNvSpPr>
+          <p:nvPr>
+            <p:ph type="sldImg" idx="2"/>
+          </p:nvPr>
+        </p:nvSpPr>
+        <p:spPr/>
+      </p:sp>
+      <p:sp>
+        <p:nvSpPr>
+          <p:cNvPr id="3" name="Notes Placeholder 2"/>
+          <p:cNvSpPr>
+            <a:spLocks noGrp="1"/>
+          </p:cNvSpPr>
+          <p:nvPr>
+            <p:ph type="body" idx="3" sz="quarter"/>
+          </p:nvPr>
+        </p:nvSpPr>
+        <p:spPr/>
+        <p:txBody>
+          <a:bodyPr/>
+          <a:lstStyle/>
+          <a:p/>
+          <a:p/>
+          <a:p>
+            <a:r>
+              <a:t>Wanneer de gelijkaardige stroompulsen aangelegd worden op 2 parallelle LRC kringen in serie, zal dezelfde stroom door de kringen lopen, maar zullen de spanningen over beide kringen opgeteld worden.</a:t>
+            </a:r>
+          </a:p>
+        </p:txBody>
+      </p:sp>
+      <p:sp>
+        <p:nvSpPr>
+          <p:cNvPr id="4" name="Slide Number Placeholder 3"/>
+          <p:cNvSpPr>
+            <a:spLocks noGrp="1"/>
+          </p:cNvSpPr>
+          <p:nvPr>
+            <p:ph type="sldNum" idx="5" sz="quarter"/>
+          </p:nvPr>
+        </p:nvSpPr>
+        <p:spPr/>
+      </p:sp>
+    </p:spTree>
+  </p:cSld>
+  <p:clrMapOvr>
+    <a:masterClrMapping/>
+  </p:clrMapOvr>
+</p:notes>
+</file>
+
+<file path=ppt/notesSlides/notesSlide2.xml><?xml version="1.0" encoding="utf-8"?>
+<p:notes xmlns:a="http://schemas.openxmlformats.org/drawingml/2006/main" xmlns:p="http://schemas.openxmlformats.org/presentationml/2006/main" xmlns:r="http://schemas.openxmlformats.org/officeDocument/2006/relationships">
+  <p:cSld>
+    <p:spTree>
+      <p:nvGrpSpPr>
+        <p:cNvPr id="1" name=""/>
+        <p:cNvGrpSpPr/>
+        <p:nvPr/>
+      </p:nvGrpSpPr>
+      <p:grpSpPr>
+        <a:xfrm>
+          <a:off x="0" y="0"/>
+          <a:ext cx="0" cy="0"/>
+          <a:chOff x="0" y="0"/>
+          <a:chExt cx="0" cy="0"/>
+        </a:xfrm>
+      </p:grpSpPr>
+      <p:sp>
+        <p:nvSpPr>
+          <p:cNvPr id="2" name="Slide Image Placeholder 1"/>
+          <p:cNvSpPr>
+            <a:spLocks noGrp="1"/>
+          </p:cNvSpPr>
+          <p:nvPr>
+            <p:ph type="sldImg" idx="2"/>
+          </p:nvPr>
+        </p:nvSpPr>
+        <p:spPr/>
+      </p:sp>
+      <p:sp>
+        <p:nvSpPr>
+          <p:cNvPr id="3" name="Notes Placeholder 2"/>
+          <p:cNvSpPr>
+            <a:spLocks noGrp="1"/>
+          </p:cNvSpPr>
+          <p:nvPr>
+            <p:ph type="body" idx="3" sz="quarter"/>
+          </p:nvPr>
+        </p:nvSpPr>
+        <p:spPr/>
+        <p:txBody>
+          <a:bodyPr/>
+          <a:lstStyle/>
+          <a:p>
+            <a:r>
+              <a:t>Wanneer we op basis van de spanningen bekomen in de bovenstaande figuur de spanningen over de trilkring van de eerste harmonische en de spanningen over de trilkring van de derde harmonische plotten, zien we dat op moment dat de eerste harmonische een minimum bereikt, de derde harmonische piekt. Dit heeft een belangrijk voordeel, namelijk de spanning over het totale circuit wordt kleiner of er kan met dezelfde spanning een veel grotere swing bekomen worden.</a:t>
+            </a:r>
+          </a:p>
+        </p:txBody>
+      </p:sp>
+      <p:sp>
+        <p:nvSpPr>
+          <p:cNvPr id="4" name="Slide Number Placeholder 3"/>
+          <p:cNvSpPr>
+            <a:spLocks noGrp="1"/>
+          </p:cNvSpPr>
+          <p:nvPr>
+            <p:ph type="sldNum" idx="5" sz="quarter"/>
+          </p:nvPr>
+        </p:nvSpPr>
+        <p:spPr/>
+      </p:sp>
+    </p:spTree>
+  </p:cSld>
+  <p:clrMapOvr>
+    <a:masterClrMapping/>
+  </p:clrMapOvr>
+</p:notes>
+</file>
+
 <file path=ppt/slideLayouts/slideLayout1.xml><?xml version="1.0" encoding="utf-8"?>
 <p:sldLayout xmlns:a="http://schemas.openxmlformats.org/drawingml/2006/main" xmlns:r="http://schemas.openxmlformats.org/officeDocument/2006/relationships" xmlns:p="http://schemas.openxmlformats.org/presentationml/2006/main" showMasterSp="0" preserve="1" userDrawn="1">
   <p:cSld name="Titeldia">
@@ -1460,9 +1602,9 @@
           <a:bodyPr/>
           <a:lstStyle/>
           <a:p>
-            <a:fld id="{D15822B7-9EF6-9542-AF10-CD505E021A84}" type="datetime1">
+            <a:fld id="{39E7E716-59E8-42BC-97BF-DDA9E59ADEE7}" type="datetime1">
               <a:rPr lang="nl-BE" smtClean="0"/>
-              <a:t>21/09/2025</a:t>
+              <a:t>28/09/2025</a:t>
             </a:fld>
             <a:endParaRPr lang="nl-NL"/>
           </a:p>
@@ -1494,7 +1636,7 @@
           <a:bodyPr/>
           <a:lstStyle/>
           <a:p>
-            <a:endParaRPr lang="nl-NL"/>
+            <a:endParaRPr lang="nl-NL" dirty="0"/>
           </a:p>
         </p:txBody>
       </p:sp>
@@ -1710,9 +1852,9 @@
           <a:bodyPr/>
           <a:lstStyle/>
           <a:p>
-            <a:fld id="{D15822B7-9EF6-9542-AF10-CD505E021A84}" type="datetime1">
+            <a:fld id="{68285E84-F3E9-4DE0-AF5C-DC32311C51B6}" type="datetime1">
               <a:rPr lang="nl-BE" smtClean="0"/>
-              <a:t>21/09/2025</a:t>
+              <a:t>28/09/2025</a:t>
             </a:fld>
             <a:endParaRPr lang="nl-NL"/>
           </a:p>
@@ -1993,9 +2135,9 @@
           <a:bodyPr/>
           <a:lstStyle/>
           <a:p>
-            <a:fld id="{F52CA13D-CC20-034F-8D4D-5C3038626ED9}" type="datetime1">
+            <a:fld id="{86D712DB-13D1-48DF-8D74-EA2A0D6A1295}" type="datetime1">
               <a:rPr lang="nl-BE" smtClean="0"/>
-              <a:t>21/09/2025</a:t>
+              <a:t>28/09/2025</a:t>
             </a:fld>
             <a:endParaRPr lang="nl-NL"/>
           </a:p>
@@ -2345,9 +2487,9 @@
           <a:bodyPr/>
           <a:lstStyle/>
           <a:p>
-            <a:fld id="{F52CA13D-CC20-034F-8D4D-5C3038626ED9}" type="datetime1">
+            <a:fld id="{EE55F63B-E5C2-47C9-B767-96A09BC63624}" type="datetime1">
               <a:rPr lang="nl-BE" smtClean="0"/>
-              <a:t>21/09/2025</a:t>
+              <a:t>28/09/2025</a:t>
             </a:fld>
             <a:endParaRPr lang="nl-NL"/>
           </a:p>
@@ -3578,9 +3720,9 @@
           <a:bodyPr/>
           <a:lstStyle/>
           <a:p>
-            <a:fld id="{F52CA13D-CC20-034F-8D4D-5C3038626ED9}" type="datetime1">
+            <a:fld id="{0445AAF3-F212-43BB-932B-DD1A31841819}" type="datetime1">
               <a:rPr lang="nl-BE" smtClean="0"/>
-              <a:t>21/09/2025</a:t>
+              <a:t>28/09/2025</a:t>
             </a:fld>
             <a:endParaRPr lang="nl-NL"/>
           </a:p>
@@ -3799,9 +3941,9 @@
           <a:bodyPr/>
           <a:lstStyle/>
           <a:p>
-            <a:fld id="{F52CA13D-CC20-034F-8D4D-5C3038626ED9}" type="datetime1">
+            <a:fld id="{215EBCC0-C3A3-417F-962F-876AE60FF46F}" type="datetime1">
               <a:rPr lang="nl-BE" smtClean="0"/>
-              <a:t>21/09/2025</a:t>
+              <a:t>28/09/2025</a:t>
             </a:fld>
             <a:endParaRPr lang="nl-NL"/>
           </a:p>
@@ -4090,9 +4232,9 @@
           <a:bodyPr/>
           <a:lstStyle/>
           <a:p>
-            <a:fld id="{F52CA13D-CC20-034F-8D4D-5C3038626ED9}" type="datetime1">
+            <a:fld id="{5087A35E-C6EC-4A6C-A286-9B263B20AC20}" type="datetime1">
               <a:rPr lang="nl-BE" smtClean="0"/>
-              <a:t>21/09/2025</a:t>
+              <a:t>28/09/2025</a:t>
             </a:fld>
             <a:endParaRPr lang="nl-NL"/>
           </a:p>
@@ -4344,9 +4486,9 @@
           <a:bodyPr/>
           <a:lstStyle/>
           <a:p>
-            <a:fld id="{F52CA13D-CC20-034F-8D4D-5C3038626ED9}" type="datetime1">
+            <a:fld id="{4B9B00E3-DE57-4EA4-A886-8AA88F9577D7}" type="datetime1">
               <a:rPr lang="nl-BE" smtClean="0"/>
-              <a:t>21/09/2025</a:t>
+              <a:t>28/09/2025</a:t>
             </a:fld>
             <a:endParaRPr lang="nl-NL"/>
           </a:p>
@@ -4557,9 +4699,9 @@
           <a:bodyPr/>
           <a:lstStyle/>
           <a:p>
-            <a:fld id="{D15822B7-9EF6-9542-AF10-CD505E021A84}" type="datetime1">
+            <a:fld id="{1631A466-BC4F-407D-A3EA-76F6655478F0}" type="datetime1">
               <a:rPr lang="nl-BE" smtClean="0"/>
-              <a:t>21/09/2025</a:t>
+              <a:t>28/09/2025</a:t>
             </a:fld>
             <a:endParaRPr lang="nl-NL"/>
           </a:p>
@@ -4748,9 +4890,9 @@
           <a:bodyPr/>
           <a:lstStyle/>
           <a:p>
-            <a:fld id="{D15822B7-9EF6-9542-AF10-CD505E021A84}" type="datetime1">
+            <a:fld id="{7CF5F32B-E94B-420F-86D9-59A9E32E05E1}" type="datetime1">
               <a:rPr lang="nl-BE" smtClean="0"/>
-              <a:t>21/09/2025</a:t>
+              <a:t>28/09/2025</a:t>
             </a:fld>
             <a:endParaRPr lang="nl-NL"/>
           </a:p>
@@ -5106,9 +5248,9 @@
             </a:lvl1pPr>
           </a:lstStyle>
           <a:p>
-            <a:fld id="{0C33DDE8-63FF-C642-9F3A-0B773DD34821}" type="datetime1">
+            <a:fld id="{341CC9F9-C2CE-4031-804C-1F2576E1A82A}" type="datetime1">
               <a:rPr lang="nl-BE" smtClean="0"/>
-              <a:t>21/09/2025</a:t>
+              <a:t>28/09/2025</a:t>
             </a:fld>
             <a:endParaRPr lang="nl-NL"/>
           </a:p>
@@ -5244,7 +5386,7 @@
     <p:sldLayoutId id="2147483670" r:id="rId12"/>
     <p:sldLayoutId id="2147483651" r:id="rId13"/>
   </p:sldLayoutIdLst>
-  <p:hf hdr="0" ftr="0" dt="0"/>
+  <p:hf hdr="0" dt="0"/>
   <p:txStyles>
     <p:titleStyle>
       <a:lvl1pPr algn="l" defTabSz="914400" rtl="0" eaLnBrk="1" latinLnBrk="0" hangingPunct="1">
@@ -5659,7 +5801,7 @@
               </a:defRPr>
             </a:pPr>
             <a:r>
-              <a:t>September 2022</a:t>
+              <a:t>September 2025</a:t>
             </a:r>
           </a:p>
         </p:txBody>
@@ -7667,26 +7809,6 @@
 </file>
 
 <file path=customXml/item1.xml><?xml version="1.0" encoding="utf-8"?>
-<p:properties xmlns:p="http://schemas.microsoft.com/office/2006/metadata/properties" xmlns:xsi="http://www.w3.org/2001/XMLSchema-instance" xmlns:pc="http://schemas.microsoft.com/office/infopath/2007/PartnerControls">
-  <documentManagement>
-    <lcf76f155ced4ddcb4097134ff3c332f xmlns="81d41a3b-f33d-4db6-b532-757106a7a2ae">
-      <Terms xmlns="http://schemas.microsoft.com/office/infopath/2007/PartnerControls"/>
-    </lcf76f155ced4ddcb4097134ff3c332f>
-    <TaxCatchAll xmlns="bf25a9bf-a811-4965-9d0a-b88059080fed" xsi:nil="true"/>
-  </documentManagement>
-</p:properties>
-</file>
-
-<file path=customXml/item2.xml><?xml version="1.0" encoding="utf-8"?>
-<?mso-contentType ?>
-<FormTemplates xmlns="http://schemas.microsoft.com/sharepoint/v3/contenttype/forms">
-  <Display>DocumentLibraryForm</Display>
-  <Edit>DocumentLibraryForm</Edit>
-  <New>DocumentLibraryForm</New>
-</FormTemplates>
-</file>
-
-<file path=customXml/item3.xml><?xml version="1.0" encoding="utf-8"?>
 <ct:contentTypeSchema xmlns:ct="http://schemas.microsoft.com/office/2006/metadata/contentType" xmlns:ma="http://schemas.microsoft.com/office/2006/metadata/properties/metaAttributes" ct:_="" ma:_="" ma:contentTypeName="Document" ma:contentTypeID="0x010100B8C495A181F81B4C9DE5AD85CD0F70D4" ma:contentTypeVersion="18" ma:contentTypeDescription="Een nieuw document maken." ma:contentTypeScope="" ma:versionID="6ba28a59cba4a02a693681f32745d77b">
   <xsd:schema xmlns:xsd="http://www.w3.org/2001/XMLSchema" xmlns:xs="http://www.w3.org/2001/XMLSchema" xmlns:p="http://schemas.microsoft.com/office/2006/metadata/properties" xmlns:ns2="81d41a3b-f33d-4db6-b532-757106a7a2ae" xmlns:ns3="bf25a9bf-a811-4965-9d0a-b88059080fed" targetNamespace="http://schemas.microsoft.com/office/2006/metadata/properties" ma:root="true" ma:fieldsID="b996b4a4c0d83f5cfec71b22aba921d2" ns2:_="" ns3:_="">
     <xsd:import namespace="81d41a3b-f33d-4db6-b532-757106a7a2ae"/>
@@ -7941,32 +8063,27 @@
 </ct:contentTypeSchema>
 </file>
 
-<file path=customXml/itemProps1.xml><?xml version="1.0" encoding="utf-8"?>
-<ds:datastoreItem xmlns:ds="http://schemas.openxmlformats.org/officeDocument/2006/customXml" ds:itemID="{5EE9034D-0B43-4AB0-9535-9A62DB37A999}">
-  <ds:schemaRefs>
-    <ds:schemaRef ds:uri="http://www.w3.org/XML/1998/namespace"/>
-    <ds:schemaRef ds:uri="81d41a3b-f33d-4db6-b532-757106a7a2ae"/>
-    <ds:schemaRef ds:uri="http://purl.org/dc/dcmitype/"/>
-    <ds:schemaRef ds:uri="http://purl.org/dc/elements/1.1/"/>
-    <ds:schemaRef ds:uri="http://schemas.microsoft.com/office/2006/documentManagement/types"/>
-    <ds:schemaRef ds:uri="bf25a9bf-a811-4965-9d0a-b88059080fed"/>
-    <ds:schemaRef ds:uri="http://purl.org/dc/terms/"/>
-    <ds:schemaRef ds:uri="http://schemas.microsoft.com/office/infopath/2007/PartnerControls"/>
-    <ds:schemaRef ds:uri="http://schemas.openxmlformats.org/package/2006/metadata/core-properties"/>
-    <ds:schemaRef ds:uri="http://schemas.microsoft.com/office/2006/metadata/properties"/>
-  </ds:schemaRefs>
-</ds:datastoreItem>
+<file path=customXml/item2.xml><?xml version="1.0" encoding="utf-8"?>
+<?mso-contentType ?>
+<FormTemplates xmlns="http://schemas.microsoft.com/sharepoint/v3/contenttype/forms">
+  <Display>DocumentLibraryForm</Display>
+  <Edit>DocumentLibraryForm</Edit>
+  <New>DocumentLibraryForm</New>
+</FormTemplates>
 </file>
 
-<file path=customXml/itemProps2.xml><?xml version="1.0" encoding="utf-8"?>
-<ds:datastoreItem xmlns:ds="http://schemas.openxmlformats.org/officeDocument/2006/customXml" ds:itemID="{263A7949-1B93-457F-8888-53CC8A016F77}">
-  <ds:schemaRefs>
-    <ds:schemaRef ds:uri="http://schemas.microsoft.com/sharepoint/v3/contenttype/forms"/>
-  </ds:schemaRefs>
-</ds:datastoreItem>
+<file path=customXml/item3.xml><?xml version="1.0" encoding="utf-8"?>
+<p:properties xmlns:p="http://schemas.microsoft.com/office/2006/metadata/properties" xmlns:xsi="http://www.w3.org/2001/XMLSchema-instance" xmlns:pc="http://schemas.microsoft.com/office/infopath/2007/PartnerControls">
+  <documentManagement>
+    <lcf76f155ced4ddcb4097134ff3c332f xmlns="81d41a3b-f33d-4db6-b532-757106a7a2ae">
+      <Terms xmlns="http://schemas.microsoft.com/office/infopath/2007/PartnerControls"/>
+    </lcf76f155ced4ddcb4097134ff3c332f>
+    <TaxCatchAll xmlns="bf25a9bf-a811-4965-9d0a-b88059080fed" xsi:nil="true"/>
+  </documentManagement>
+</p:properties>
 </file>
 
-<file path=customXml/itemProps3.xml><?xml version="1.0" encoding="utf-8"?>
+<file path=customXml/itemProps1.xml><?xml version="1.0" encoding="utf-8"?>
 <ds:datastoreItem xmlns:ds="http://schemas.openxmlformats.org/officeDocument/2006/customXml" ds:itemID="{2A270F01-48F1-4A41-8E26-ACAC66896963}">
   <ds:schemaRefs>
     <ds:schemaRef ds:uri="http://schemas.microsoft.com/office/2006/metadata/contentType"/>
@@ -7983,4 +8100,29 @@
     <ds:schemaRef ds:uri="http://schemas.microsoft.com/internal/obd"/>
   </ds:schemaRefs>
 </ds:datastoreItem>
+</file>
+
+<file path=customXml/itemProps2.xml><?xml version="1.0" encoding="utf-8"?>
+<ds:datastoreItem xmlns:ds="http://schemas.openxmlformats.org/officeDocument/2006/customXml" ds:itemID="{263A7949-1B93-457F-8888-53CC8A016F77}">
+  <ds:schemaRefs>
+    <ds:schemaRef ds:uri="http://schemas.microsoft.com/sharepoint/v3/contenttype/forms"/>
+  </ds:schemaRefs>
+</ds:datastoreItem>
+</file>
+
+<file path=customXml/itemProps3.xml><?xml version="1.0" encoding="utf-8"?>
+<ds:datastoreItem xmlns:ds="http://schemas.openxmlformats.org/officeDocument/2006/customXml" ds:itemID="{5EE9034D-0B43-4AB0-9535-9A62DB37A999}">
+  <ds:schemaRefs>
+    <ds:schemaRef ds:uri="http://www.w3.org/XML/1998/namespace"/>
+    <ds:schemaRef ds:uri="81d41a3b-f33d-4db6-b532-757106a7a2ae"/>
+    <ds:schemaRef ds:uri="http://purl.org/dc/dcmitype/"/>
+    <ds:schemaRef ds:uri="http://purl.org/dc/elements/1.1/"/>
+    <ds:schemaRef ds:uri="http://schemas.microsoft.com/office/2006/documentManagement/types"/>
+    <ds:schemaRef ds:uri="bf25a9bf-a811-4965-9d0a-b88059080fed"/>
+    <ds:schemaRef ds:uri="http://purl.org/dc/terms/"/>
+    <ds:schemaRef ds:uri="http://schemas.microsoft.com/office/infopath/2007/PartnerControls"/>
+    <ds:schemaRef ds:uri="http://schemas.openxmlformats.org/package/2006/metadata/core-properties"/>
+    <ds:schemaRef ds:uri="http://schemas.microsoft.com/office/2006/metadata/properties"/>
+  </ds:schemaRefs>
+</ds:datastoreItem>
 </file>
--- a/ToegepasteAnalogeElektronica/PowerPoint/Klasse-F.pptx
+++ b/ToegepasteAnalogeElektronica/PowerPoint/Klasse-F.pptx
@@ -5869,8 +5869,8 @@
         </p:blipFill>
         <p:spPr>
           <a:xfrm>
-            <a:off x="1929695" y="566928"/>
-            <a:ext cx="8332610" cy="5577840"/>
+            <a:off x="1961406" y="566928"/>
+            <a:ext cx="8269188" cy="5577840"/>
           </a:xfrm>
           <a:prstGeom prst="rect">
             <a:avLst/>
@@ -5940,8 +5940,8 @@
         </p:blipFill>
         <p:spPr>
           <a:xfrm>
-            <a:off x="1842897" y="566928"/>
-            <a:ext cx="8506206" cy="5577840"/>
+            <a:off x="1918781" y="566928"/>
+            <a:ext cx="8354438" cy="5577840"/>
           </a:xfrm>
           <a:prstGeom prst="rect">
             <a:avLst/>
@@ -6047,8 +6047,8 @@
         </p:blipFill>
         <p:spPr>
           <a:xfrm>
-            <a:off x="4541869" y="566928"/>
-            <a:ext cx="3108262" cy="5577840"/>
+            <a:off x="4370802" y="566928"/>
+            <a:ext cx="3450395" cy="5577840"/>
           </a:xfrm>
           <a:prstGeom prst="rect">
             <a:avLst/>
@@ -6393,8 +6393,8 @@
         </p:blipFill>
         <p:spPr>
           <a:xfrm>
-            <a:off x="1889379" y="566928"/>
-            <a:ext cx="8413242" cy="5577840"/>
+            <a:off x="1968070" y="566928"/>
+            <a:ext cx="8255860" cy="5577840"/>
           </a:xfrm>
           <a:prstGeom prst="rect">
             <a:avLst/>
@@ -6464,8 +6464,8 @@
         </p:blipFill>
         <p:spPr>
           <a:xfrm>
-            <a:off x="1842897" y="566928"/>
-            <a:ext cx="8506206" cy="5577840"/>
+            <a:off x="1918781" y="566928"/>
+            <a:ext cx="8354438" cy="5577840"/>
           </a:xfrm>
           <a:prstGeom prst="rect">
             <a:avLst/>
@@ -6535,8 +6535,8 @@
         </p:blipFill>
         <p:spPr>
           <a:xfrm>
-            <a:off x="1871948" y="566928"/>
-            <a:ext cx="8448104" cy="5577840"/>
+            <a:off x="1947533" y="566928"/>
+            <a:ext cx="8296934" cy="5577840"/>
           </a:xfrm>
           <a:prstGeom prst="rect">
             <a:avLst/>
@@ -6606,8 +6606,8 @@
         </p:blipFill>
         <p:spPr>
           <a:xfrm>
-            <a:off x="834364" y="566928"/>
-            <a:ext cx="10523272" cy="5577840"/>
+            <a:off x="544470" y="566928"/>
+            <a:ext cx="11103059" cy="5577840"/>
           </a:xfrm>
           <a:prstGeom prst="rect">
             <a:avLst/>
@@ -6810,7 +6810,7 @@
               <a:rPr sz="2400" b="0" i="0">
                 <a:latin typeface="Courier"/>
               </a:rPr>
-              <a:t>C_C2         5 3   10n</a:t>
+              <a:t>C_C3         5 3   10n</a:t>
             </a:r>
             <a:endParaRPr sz="2400" b="0" i="0">
               <a:latin typeface="Courier"/>
@@ -6959,7 +6959,7 @@
               <a:rPr sz="2400" b="0" i="0">
                 <a:latin typeface="Courier"/>
               </a:rPr>
-              <a:t>C_C3         2 5   1000n</a:t>
+              <a:t>C_C2         2 5   1000n</a:t>
             </a:r>
             <a:endParaRPr sz="2400" b="0" i="0">
               <a:latin typeface="Courier"/>

--- a/ToegepasteAnalogeElektronica/PowerPoint/Klasse-F.pptx
+++ b/ToegepasteAnalogeElektronica/PowerPoint/Klasse-F.pptx
@@ -5845,7 +5845,7 @@
               <a:rPr sz="2300" b="1" i="0">
                 <a:latin typeface="Arial"/>
               </a:rPr>
-              <a:t>Spice simulatie van de Klasse F waarbij de uitgang oscilleert rond de grond.</a:t>
+              <a:t>Spice simulatie van de Klasse F waarbij de uitgang oscilleert rond de grond</a:t>
             </a:r>
             <a:endParaRPr sz="2300" b="1" i="0">
               <a:latin typeface="Arial"/>
@@ -5869,8 +5869,8 @@
         </p:blipFill>
         <p:spPr>
           <a:xfrm>
-            <a:off x="1961406" y="566928"/>
-            <a:ext cx="8269188" cy="5577840"/>
+            <a:off x="1893625" y="566928"/>
+            <a:ext cx="8404749" cy="5669280"/>
           </a:xfrm>
           <a:prstGeom prst="rect">
             <a:avLst/>
@@ -5916,7 +5916,7 @@
               <a:rPr sz="2100" b="1" i="0">
                 <a:latin typeface="Arial"/>
               </a:rPr>
-              <a:t>Spice simulatie van de Klasse F waarbij de uitgang oscilleert rond de grond. Verloop van de spanning over de eerste (LC1) en over de derde (LC3) harmonische.</a:t>
+              <a:t>Spice simulatie van de Klasse F waarbij de uitgang oscilleert rond de grond. Verloop van de spanning over de eerste (LC1) en over de derde (LC3) harmonische</a:t>
             </a:r>
             <a:endParaRPr sz="2100" b="1" i="0">
               <a:latin typeface="Arial"/>
@@ -5940,8 +5940,8 @@
         </p:blipFill>
         <p:spPr>
           <a:xfrm>
-            <a:off x="1918781" y="566928"/>
-            <a:ext cx="8354438" cy="5577840"/>
+            <a:off x="1850302" y="566928"/>
+            <a:ext cx="8491396" cy="5669280"/>
           </a:xfrm>
           <a:prstGeom prst="rect">
             <a:avLst/>
@@ -6047,8 +6047,8 @@
         </p:blipFill>
         <p:spPr>
           <a:xfrm>
-            <a:off x="4370802" y="566928"/>
-            <a:ext cx="3450395" cy="5577840"/>
+            <a:off x="4342521" y="566928"/>
+            <a:ext cx="3506958" cy="5669280"/>
           </a:xfrm>
           <a:prstGeom prst="rect">
             <a:avLst/>
@@ -6369,7 +6369,7 @@
               <a:rPr sz="2600" b="1" i="0">
                 <a:latin typeface="Arial"/>
               </a:rPr>
-              <a:t>Spanningen op de verschillende knopen van de klasse F versterker.</a:t>
+              <a:t>Spanningen op de verschillende knopen van de klasse F versterker</a:t>
             </a:r>
             <a:endParaRPr sz="2600" b="1" i="0">
               <a:latin typeface="Arial"/>
@@ -6393,8 +6393,8 @@
         </p:blipFill>
         <p:spPr>
           <a:xfrm>
-            <a:off x="1968070" y="566928"/>
-            <a:ext cx="8255860" cy="5577840"/>
+            <a:off x="1900399" y="566928"/>
+            <a:ext cx="8391202" cy="5669280"/>
           </a:xfrm>
           <a:prstGeom prst="rect">
             <a:avLst/>
@@ -6464,8 +6464,8 @@
         </p:blipFill>
         <p:spPr>
           <a:xfrm>
-            <a:off x="1918781" y="566928"/>
-            <a:ext cx="8354438" cy="5577840"/>
+            <a:off x="1850302" y="566928"/>
+            <a:ext cx="8491396" cy="5669280"/>
           </a:xfrm>
           <a:prstGeom prst="rect">
             <a:avLst/>
@@ -6535,8 +6535,8 @@
         </p:blipFill>
         <p:spPr>
           <a:xfrm>
-            <a:off x="1947533" y="566928"/>
-            <a:ext cx="8296934" cy="5577840"/>
+            <a:off x="1879525" y="566928"/>
+            <a:ext cx="8432950" cy="5669280"/>
           </a:xfrm>
           <a:prstGeom prst="rect">
             <a:avLst/>
@@ -6579,12 +6579,12 @@
           <a:lstStyle/>
           <a:p>
             <a:r>
-              <a:rPr sz="2200" b="1" i="0">
+              <a:rPr sz="2800" b="1" i="0">
                 <a:latin typeface="Arial"/>
               </a:rPr>
-              <a:t>Basisschema van de klasse F versterker waarbij de uitgang oscilleert rond de grond.</a:t>
-            </a:r>
-            <a:endParaRPr sz="2200" b="1" i="0">
+              <a:t>klasse F versterker waarbij de uitgang oscilleert rond de grond</a:t>
+            </a:r>
+            <a:endParaRPr sz="2800" b="1" i="0">
               <a:latin typeface="Arial"/>
             </a:endParaRPr>
           </a:p>
@@ -6606,8 +6606,8 @@
         </p:blipFill>
         <p:spPr>
           <a:xfrm>
-            <a:off x="544470" y="566928"/>
-            <a:ext cx="11103059" cy="5577840"/>
+            <a:off x="453462" y="566928"/>
+            <a:ext cx="11285076" cy="5669280"/>
           </a:xfrm>
           <a:prstGeom prst="rect">
             <a:avLst/>

--- a/ToegepasteAnalogeElektronica/PowerPoint/Klasse-F.pptx
+++ b/ToegepasteAnalogeElektronica/PowerPoint/Klasse-F.pptx
@@ -24,6 +24,8 @@
     <p:sldId id="266" r:id="rId23"/>
     <p:sldId id="267" r:id="rId24"/>
     <p:sldId id="268" r:id="rId25"/>
+    <p:sldId id="269" r:id="rId26"/>
+    <p:sldId id="270" r:id="rId27"/>
   </p:sldIdLst>
   <p:sldSz cx="12192000" cy="6858000"/>
   <p:notesSz cx="6858000" cy="9144000"/>
@@ -5826,12 +5828,12 @@
       <p:grpSpPr/>
       <p:sp>
         <p:nvSpPr>
-          <p:cNvPr id="2" name="Title 1"/>
+          <p:cNvPr id="2" name="Content Placeholder 1"/>
           <p:cNvSpPr>
             <a:spLocks noGrp="1"/>
           </p:cNvSpPr>
           <p:nvPr>
-            <p:ph type="title"/>
+            <p:ph idx="1"/>
           </p:nvPr>
         </p:nvSpPr>
         <p:spPr/>
@@ -5841,42 +5843,267 @@
           </a:bodyPr>
           <a:lstStyle/>
           <a:p>
-            <a:r>
-              <a:rPr sz="2300" b="1" i="0">
+            <a:pPr>
+              <a:lnSpc>
+                <a:spcPts val="2400"/>
+              </a:lnSpc>
+              <a:defRPr>
+                <a:solidFill>
+                  <a:srgbClr val="FFFFFF"/>
+                </a:solidFill>
+              </a:defRPr>
+            </a:pPr>
+            <a:r>
+              <a:rPr sz="2400" b="0" i="0">
+                <a:latin typeface="Courier"/>
+              </a:rPr>
+              <a:t>* klasseF</a:t>
+            </a:r>
+            <a:endParaRPr sz="2400" b="0" i="0">
+              <a:latin typeface="Courier"/>
+            </a:endParaRPr>
+          </a:p>
+          <a:p>
+            <a:pPr>
+              <a:lnSpc>
+                <a:spcPts val="2400"/>
+              </a:lnSpc>
+              <a:defRPr>
+                <a:solidFill>
+                  <a:srgbClr val="FFFFFF"/>
+                </a:solidFill>
+              </a:defRPr>
+            </a:pPr>
+            <a:r>
+              <a:rPr sz="2400" b="0" i="0">
+                <a:latin typeface="Courier"/>
+              </a:rPr>
+              <a:t>Q_Q1         2 1 0 Q2</a:t>
+            </a:r>
+            <a:endParaRPr sz="2400" b="0" i="0">
+              <a:latin typeface="Courier"/>
+            </a:endParaRPr>
+          </a:p>
+          <a:p>
+            <a:pPr>
+              <a:lnSpc>
+                <a:spcPts val="2400"/>
+              </a:lnSpc>
+              <a:defRPr>
+                <a:solidFill>
+                  <a:srgbClr val="FFFFFF"/>
+                </a:solidFill>
+              </a:defRPr>
+            </a:pPr>
+            <a:r>
+              <a:rPr sz="2400" b="0" i="0">
+                <a:latin typeface="Courier"/>
+              </a:rPr>
+              <a:t>L_L1         0 3   1uH</a:t>
+            </a:r>
+            <a:endParaRPr sz="2400" b="0" i="0">
+              <a:latin typeface="Courier"/>
+            </a:endParaRPr>
+          </a:p>
+          <a:p>
+            <a:pPr>
+              <a:lnSpc>
+                <a:spcPts val="2400"/>
+              </a:lnSpc>
+              <a:defRPr>
+                <a:solidFill>
+                  <a:srgbClr val="FFFFFF"/>
+                </a:solidFill>
+              </a:defRPr>
+            </a:pPr>
+            <a:r>
+              <a:rPr sz="2400" b="0" i="0">
+                <a:latin typeface="Courier"/>
+              </a:rPr>
+              <a:t>C_C1         0 3   10n</a:t>
+            </a:r>
+            <a:endParaRPr sz="2400" b="0" i="0">
+              <a:latin typeface="Courier"/>
+            </a:endParaRPr>
+          </a:p>
+          <a:p>
+            <a:pPr>
+              <a:lnSpc>
+                <a:spcPts val="2400"/>
+              </a:lnSpc>
+              <a:defRPr>
+                <a:solidFill>
+                  <a:srgbClr val="FFFFFF"/>
+                </a:solidFill>
+              </a:defRPr>
+            </a:pPr>
+            <a:r>
+              <a:rPr sz="2400" b="0" i="0">
+                <a:latin typeface="Courier"/>
+              </a:rPr>
+              <a:t>R_R1         0 3   100</a:t>
+            </a:r>
+            <a:endParaRPr sz="2400" b="0" i="0">
+              <a:latin typeface="Courier"/>
+            </a:endParaRPr>
+          </a:p>
+          <a:p>
+            <a:pPr>
+              <a:lnSpc>
+                <a:spcPts val="2400"/>
+              </a:lnSpc>
+              <a:defRPr>
+                <a:solidFill>
+                  <a:srgbClr val="FFFFFF"/>
+                </a:solidFill>
+              </a:defRPr>
+            </a:pPr>
+            <a:r>
+              <a:rPr sz="2400" b="0" i="0">
+                <a:latin typeface="Courier"/>
+              </a:rPr>
+              <a:t>V_V3         4 0   10V</a:t>
+            </a:r>
+            <a:endParaRPr sz="2400" b="0" i="0">
+              <a:latin typeface="Courier"/>
+            </a:endParaRPr>
+          </a:p>
+          <a:p>
+            <a:pPr>
+              <a:lnSpc>
+                <a:spcPts val="2400"/>
+              </a:lnSpc>
+              <a:defRPr>
+                <a:solidFill>
+                  <a:srgbClr val="FFFFFF"/>
+                </a:solidFill>
+              </a:defRPr>
+            </a:pPr>
+            <a:r>
+              <a:rPr sz="2400" b="0" i="0">
+                <a:latin typeface="Courier"/>
+              </a:rPr>
+              <a:t>V_V5         1 0   sin(0.4 0.8 1591500) DC=0.4</a:t>
+            </a:r>
+            <a:endParaRPr sz="2400" b="0" i="0">
+              <a:latin typeface="Courier"/>
+            </a:endParaRPr>
+          </a:p>
+          <a:p>
+            <a:pPr>
+              <a:lnSpc>
+                <a:spcPts val="2400"/>
+              </a:lnSpc>
+              <a:defRPr>
+                <a:solidFill>
+                  <a:srgbClr val="FFFFFF"/>
+                </a:solidFill>
+              </a:defRPr>
+            </a:pPr>
+            <a:r>
+              <a:rPr sz="2400" b="0" i="0">
+                <a:latin typeface="Courier"/>
+              </a:rPr>
+              <a:t>C_C3         5 3   10n</a:t>
+            </a:r>
+            <a:endParaRPr sz="2400" b="0" i="0">
+              <a:latin typeface="Courier"/>
+            </a:endParaRPr>
+          </a:p>
+          <a:p>
+            <a:pPr>
+              <a:lnSpc>
+                <a:spcPts val="2400"/>
+              </a:lnSpc>
+              <a:defRPr>
+                <a:solidFill>
+                  <a:srgbClr val="FFFFFF"/>
+                </a:solidFill>
+              </a:defRPr>
+            </a:pPr>
+            <a:r>
+              <a:rPr sz="2400" b="0" i="0">
+                <a:latin typeface="Courier"/>
+              </a:rPr>
+              <a:t>L_L3         6 3   0.111uH</a:t>
+            </a:r>
+            <a:endParaRPr sz="2400" b="0" i="0">
+              <a:latin typeface="Courier"/>
+            </a:endParaRPr>
+          </a:p>
+          <a:p>
+            <a:pPr>
+              <a:lnSpc>
+                <a:spcPts val="2400"/>
+              </a:lnSpc>
+              <a:defRPr>
+                <a:solidFill>
+                  <a:srgbClr val="FFFFFF"/>
+                </a:solidFill>
+              </a:defRPr>
+            </a:pPr>
+            <a:r>
+              <a:rPr sz="2400" b="0" i="0">
+                <a:latin typeface="Courier"/>
+              </a:rPr>
+              <a:t>R_R3         6 5   0.001</a:t>
+            </a:r>
+            <a:endParaRPr sz="2400" b="0" i="0">
+              <a:latin typeface="Courier"/>
+            </a:endParaRPr>
+          </a:p>
+          <a:p>
+            <a:pPr>
+              <a:lnSpc>
+                <a:spcPts val="2400"/>
+              </a:lnSpc>
+              <a:defRPr>
+                <a:solidFill>
+                  <a:srgbClr val="FFFFFF"/>
+                </a:solidFill>
+              </a:defRPr>
+            </a:pPr>
+            <a:r>
+              <a:rPr sz="2400" b="0" i="0">
+                <a:latin typeface="Courier"/>
+              </a:rPr>
+              <a:t>L_L2         2 4   2mH</a:t>
+            </a:r>
+            <a:endParaRPr sz="2400" b="0" i="0">
+              <a:latin typeface="Courier"/>
+            </a:endParaRPr>
+          </a:p>
+        </p:txBody>
+      </p:sp>
+      <p:sp>
+        <p:nvSpPr>
+          <p:cNvPr id="3" name="Title 2"/>
+          <p:cNvSpPr>
+            <a:spLocks noGrp="1"/>
+          </p:cNvSpPr>
+          <p:nvPr>
+            <p:ph type="title"/>
+          </p:nvPr>
+        </p:nvSpPr>
+        <p:spPr/>
+        <p:txBody>
+          <a:bodyPr wrap="square">
+            <a:noAutofit/>
+          </a:bodyPr>
+          <a:lstStyle/>
+          <a:p>
+            <a:r>
+              <a:rPr sz="3200" b="1" i="0">
                 <a:latin typeface="Arial"/>
               </a:rPr>
-              <a:t>Spice simulatie van de Klasse F waarbij de uitgang oscilleert rond de grond</a:t>
-            </a:r>
-            <a:endParaRPr sz="2300" b="1" i="0">
+              <a:t>Klasse F versterker met oscillatie rond de grond</a:t>
+            </a:r>
+            <a:endParaRPr sz="3200" b="1" i="0">
               <a:latin typeface="Arial"/>
             </a:endParaRPr>
           </a:p>
         </p:txBody>
       </p:sp>
-      <p:pic>
-        <p:nvPicPr>
-          <p:cNvPr id="3" name="Picture 2" descr="image.png"/>
-          <p:cNvPicPr>
-            <a:picLocks noChangeAspect="1"/>
-          </p:cNvPicPr>
-          <p:nvPr/>
-        </p:nvPicPr>
-        <p:blipFill>
-          <a:blip r:embed="rId2"/>
-          <a:stretch>
-            <a:fillRect/>
-          </a:stretch>
-        </p:blipFill>
-        <p:spPr>
-          <a:xfrm>
-            <a:off x="1893625" y="566928"/>
-            <a:ext cx="8404749" cy="5669280"/>
-          </a:xfrm>
-          <a:prstGeom prst="rect">
-            <a:avLst/>
-          </a:prstGeom>
-        </p:spPr>
-      </p:pic>
     </p:spTree>
   </p:cSld>
   <p:clrMapOvr>
@@ -5897,12 +6124,12 @@
       <p:grpSpPr/>
       <p:sp>
         <p:nvSpPr>
-          <p:cNvPr id="2" name="Title 1"/>
+          <p:cNvPr id="2" name="Content Placeholder 1"/>
           <p:cNvSpPr>
             <a:spLocks noGrp="1"/>
           </p:cNvSpPr>
           <p:nvPr>
-            <p:ph type="title"/>
+            <p:ph idx="1"/>
           </p:nvPr>
         </p:nvSpPr>
         <p:spPr/>
@@ -5912,42 +6139,78 @@
           </a:bodyPr>
           <a:lstStyle/>
           <a:p>
-            <a:r>
-              <a:rPr sz="2100" b="1" i="0">
+            <a:pPr>
+              <a:lnSpc>
+                <a:spcPts val="2400"/>
+              </a:lnSpc>
+              <a:defRPr>
+                <a:solidFill>
+                  <a:srgbClr val="FFFFFF"/>
+                </a:solidFill>
+              </a:defRPr>
+            </a:pPr>
+            <a:r>
+              <a:rPr sz="2400" b="0" i="0">
+                <a:latin typeface="Courier"/>
+              </a:rPr>
+              <a:t>C_C2         2 5   1000n</a:t>
+            </a:r>
+            <a:endParaRPr sz="2400" b="0" i="0">
+              <a:latin typeface="Courier"/>
+            </a:endParaRPr>
+          </a:p>
+          <a:p>
+            <a:pPr>
+              <a:lnSpc>
+                <a:spcPts val="2400"/>
+              </a:lnSpc>
+              <a:defRPr>
+                <a:solidFill>
+                  <a:srgbClr val="FFFFFF"/>
+                </a:solidFill>
+              </a:defRPr>
+            </a:pPr>
+            <a:r>
+              <a:rPr sz="2400" b="0" i="0">
+                <a:latin typeface="Courier"/>
+              </a:rPr>
+              <a:t>.model Q2  NPN(Is=14.34f BF=200 Rb=100 )</a:t>
+            </a:r>
+            <a:endParaRPr sz="2400" b="0" i="0">
+              <a:latin typeface="Courier"/>
+            </a:endParaRPr>
+          </a:p>
+        </p:txBody>
+      </p:sp>
+      <p:sp>
+        <p:nvSpPr>
+          <p:cNvPr id="3" name="Title 2"/>
+          <p:cNvSpPr>
+            <a:spLocks noGrp="1"/>
+          </p:cNvSpPr>
+          <p:nvPr>
+            <p:ph type="title"/>
+          </p:nvPr>
+        </p:nvSpPr>
+        <p:spPr/>
+        <p:txBody>
+          <a:bodyPr wrap="square">
+            <a:noAutofit/>
+          </a:bodyPr>
+          <a:lstStyle/>
+          <a:p>
+            <a:r>
+              <a:rPr sz="3200" b="1" i="0">
                 <a:latin typeface="Arial"/>
               </a:rPr>
-              <a:t>Spice simulatie van de Klasse F waarbij de uitgang oscilleert rond de grond. Verloop van de spanning over de eerste (LC1) en over de derde (LC3) harmonische</a:t>
-            </a:r>
-            <a:endParaRPr sz="2100" b="1" i="0">
+              <a:t>Klasse F versterker met oscillatie rond de grond</a:t>
+            </a:r>
+            <a:endParaRPr sz="3200" b="1" i="0">
               <a:latin typeface="Arial"/>
             </a:endParaRPr>
           </a:p>
         </p:txBody>
       </p:sp>
-      <p:pic>
-        <p:nvPicPr>
-          <p:cNvPr id="3" name="Picture 2" descr="image.png"/>
-          <p:cNvPicPr>
-            <a:picLocks noChangeAspect="1"/>
-          </p:cNvPicPr>
-          <p:nvPr/>
-        </p:nvPicPr>
-        <p:blipFill>
-          <a:blip r:embed="rId2"/>
-          <a:stretch>
-            <a:fillRect/>
-          </a:stretch>
-        </p:blipFill>
-        <p:spPr>
-          <a:xfrm>
-            <a:off x="1850302" y="566928"/>
-            <a:ext cx="8491396" cy="5669280"/>
-          </a:xfrm>
-          <a:prstGeom prst="rect">
-            <a:avLst/>
-          </a:prstGeom>
-        </p:spPr>
-      </p:pic>
     </p:spTree>
   </p:cSld>
   <p:clrMapOvr>
@@ -5966,6 +6229,59 @@
         <p:nvPr/>
       </p:nvGrpSpPr>
       <p:grpSpPr/>
+      <p:sp>
+        <p:nvSpPr>
+          <p:cNvPr id="2" name="Title 1"/>
+          <p:cNvSpPr>
+            <a:spLocks noGrp="1"/>
+          </p:cNvSpPr>
+          <p:nvPr>
+            <p:ph type="title"/>
+          </p:nvPr>
+        </p:nvSpPr>
+        <p:spPr/>
+        <p:txBody>
+          <a:bodyPr wrap="square">
+            <a:noAutofit/>
+          </a:bodyPr>
+          <a:lstStyle/>
+          <a:p>
+            <a:r>
+              <a:rPr sz="2300" b="1" i="0">
+                <a:latin typeface="Arial"/>
+              </a:rPr>
+              <a:t>Spice simulatie van de Klasse F waarbij de uitgang oscilleert rond de grond</a:t>
+            </a:r>
+            <a:endParaRPr sz="2300" b="1" i="0">
+              <a:latin typeface="Arial"/>
+            </a:endParaRPr>
+          </a:p>
+        </p:txBody>
+      </p:sp>
+      <p:pic>
+        <p:nvPicPr>
+          <p:cNvPr id="3" name="Picture 2" descr="image.png"/>
+          <p:cNvPicPr>
+            <a:picLocks noChangeAspect="1"/>
+          </p:cNvPicPr>
+          <p:nvPr/>
+        </p:nvPicPr>
+        <p:blipFill>
+          <a:blip r:embed="rId2"/>
+          <a:stretch>
+            <a:fillRect/>
+          </a:stretch>
+        </p:blipFill>
+        <p:spPr>
+          <a:xfrm>
+            <a:off x="1893625" y="566928"/>
+            <a:ext cx="8404749" cy="5669280"/>
+          </a:xfrm>
+          <a:prstGeom prst="rect">
+            <a:avLst/>
+          </a:prstGeom>
+        </p:spPr>
+      </p:pic>
     </p:spTree>
   </p:cSld>
   <p:clrMapOvr>
@@ -5975,6 +6291,95 @@
 </file>
 
 <file path=ppt/slides/slide13.xml><?xml version="1.0" encoding="utf-8"?>
+<p:sld xmlns:a="http://schemas.openxmlformats.org/drawingml/2006/main" xmlns:p="http://schemas.openxmlformats.org/presentationml/2006/main" xmlns:r="http://schemas.openxmlformats.org/officeDocument/2006/relationships">
+  <p:cSld>
+    <p:spTree>
+      <p:nvGrpSpPr>
+        <p:cNvPr id="1" name=""/>
+        <p:cNvGrpSpPr/>
+        <p:nvPr/>
+      </p:nvGrpSpPr>
+      <p:grpSpPr/>
+      <p:sp>
+        <p:nvSpPr>
+          <p:cNvPr id="2" name="Title 1"/>
+          <p:cNvSpPr>
+            <a:spLocks noGrp="1"/>
+          </p:cNvSpPr>
+          <p:nvPr>
+            <p:ph type="title"/>
+          </p:nvPr>
+        </p:nvSpPr>
+        <p:spPr/>
+        <p:txBody>
+          <a:bodyPr wrap="square">
+            <a:noAutofit/>
+          </a:bodyPr>
+          <a:lstStyle/>
+          <a:p>
+            <a:r>
+              <a:rPr sz="2100" b="1" i="0">
+                <a:latin typeface="Arial"/>
+              </a:rPr>
+              <a:t>Spice simulatie van de Klasse F waarbij de uitgang oscilleert rond de grond. Verloop van de spanning over de eerste (LC1) en over de derde (LC3) harmonische</a:t>
+            </a:r>
+            <a:endParaRPr sz="2100" b="1" i="0">
+              <a:latin typeface="Arial"/>
+            </a:endParaRPr>
+          </a:p>
+        </p:txBody>
+      </p:sp>
+      <p:pic>
+        <p:nvPicPr>
+          <p:cNvPr id="3" name="Picture 2" descr="image.png"/>
+          <p:cNvPicPr>
+            <a:picLocks noChangeAspect="1"/>
+          </p:cNvPicPr>
+          <p:nvPr/>
+        </p:nvPicPr>
+        <p:blipFill>
+          <a:blip r:embed="rId2"/>
+          <a:stretch>
+            <a:fillRect/>
+          </a:stretch>
+        </p:blipFill>
+        <p:spPr>
+          <a:xfrm>
+            <a:off x="1850302" y="566928"/>
+            <a:ext cx="8491396" cy="5669280"/>
+          </a:xfrm>
+          <a:prstGeom prst="rect">
+            <a:avLst/>
+          </a:prstGeom>
+        </p:spPr>
+      </p:pic>
+    </p:spTree>
+  </p:cSld>
+  <p:clrMapOvr>
+    <a:masterClrMapping/>
+  </p:clrMapOvr>
+</p:sld>
+</file>
+
+<file path=ppt/slides/slide14.xml><?xml version="1.0" encoding="utf-8"?>
+<p:sld xmlns:a="http://schemas.openxmlformats.org/drawingml/2006/main" xmlns:p="http://schemas.openxmlformats.org/presentationml/2006/main" xmlns:r="http://schemas.openxmlformats.org/officeDocument/2006/relationships">
+  <p:cSld>
+    <p:spTree>
+      <p:nvGrpSpPr>
+        <p:cNvPr id="1" name=""/>
+        <p:cNvGrpSpPr/>
+        <p:nvPr/>
+      </p:nvGrpSpPr>
+      <p:grpSpPr/>
+    </p:spTree>
+  </p:cSld>
+  <p:clrMapOvr>
+    <a:masterClrMapping/>
+  </p:clrMapOvr>
+</p:sld>
+</file>
+
+<file path=ppt/slides/slide15.xml><?xml version="1.0" encoding="utf-8"?>
 <p:sld xmlns:a="http://schemas.openxmlformats.org/drawingml/2006/main" xmlns:p="http://schemas.openxmlformats.org/presentationml/2006/main" xmlns:r="http://schemas.openxmlformats.org/officeDocument/2006/relationships">
   <p:cSld>
     <p:spTree>
@@ -6579,12 +6984,12 @@
           <a:lstStyle/>
           <a:p>
             <a:r>
-              <a:rPr sz="2800" b="1" i="0">
+              <a:rPr sz="3200" b="1" i="0">
                 <a:latin typeface="Arial"/>
               </a:rPr>
-              <a:t>klasse F versterker waarbij de uitgang oscilleert rond de grond</a:t>
-            </a:r>
-            <a:endParaRPr sz="2800" b="1" i="0">
+              <a:t>Effect van de saturatiespanning</a:t>
+            </a:r>
+            <a:endParaRPr sz="3200" b="1" i="0">
               <a:latin typeface="Arial"/>
             </a:endParaRPr>
           </a:p>
@@ -6606,8 +7011,8 @@
         </p:blipFill>
         <p:spPr>
           <a:xfrm>
-            <a:off x="453462" y="566928"/>
-            <a:ext cx="11285076" cy="5669280"/>
+            <a:off x="3181026" y="566928"/>
+            <a:ext cx="5829948" cy="5669280"/>
           </a:xfrm>
           <a:prstGeom prst="rect">
             <a:avLst/>
@@ -6634,12 +7039,12 @@
       <p:grpSpPr/>
       <p:sp>
         <p:nvSpPr>
-          <p:cNvPr id="2" name="Content Placeholder 1"/>
+          <p:cNvPr id="2" name="Title 1"/>
           <p:cNvSpPr>
             <a:spLocks noGrp="1"/>
           </p:cNvSpPr>
           <p:nvPr>
-            <p:ph idx="1"/>
+            <p:ph type="title"/>
           </p:nvPr>
         </p:nvSpPr>
         <p:spPr/>
@@ -6649,260 +7054,11 @@
           </a:bodyPr>
           <a:lstStyle/>
           <a:p>
-            <a:pPr>
-              <a:lnSpc>
-                <a:spcPts val="2400"/>
-              </a:lnSpc>
-              <a:defRPr>
-                <a:solidFill>
-                  <a:srgbClr val="FFFFFF"/>
-                </a:solidFill>
-              </a:defRPr>
-            </a:pPr>
-            <a:r>
-              <a:rPr sz="2400" b="0" i="0">
-                <a:latin typeface="Courier"/>
-              </a:rPr>
-              <a:t>* klasseF</a:t>
-            </a:r>
-            <a:endParaRPr sz="2400" b="0" i="0">
-              <a:latin typeface="Courier"/>
-            </a:endParaRPr>
-          </a:p>
-          <a:p>
-            <a:pPr>
-              <a:lnSpc>
-                <a:spcPts val="2400"/>
-              </a:lnSpc>
-              <a:defRPr>
-                <a:solidFill>
-                  <a:srgbClr val="FFFFFF"/>
-                </a:solidFill>
-              </a:defRPr>
-            </a:pPr>
-            <a:r>
-              <a:rPr sz="2400" b="0" i="0">
-                <a:latin typeface="Courier"/>
-              </a:rPr>
-              <a:t>Q_Q1         2 1 0 Q2</a:t>
-            </a:r>
-            <a:endParaRPr sz="2400" b="0" i="0">
-              <a:latin typeface="Courier"/>
-            </a:endParaRPr>
-          </a:p>
-          <a:p>
-            <a:pPr>
-              <a:lnSpc>
-                <a:spcPts val="2400"/>
-              </a:lnSpc>
-              <a:defRPr>
-                <a:solidFill>
-                  <a:srgbClr val="FFFFFF"/>
-                </a:solidFill>
-              </a:defRPr>
-            </a:pPr>
-            <a:r>
-              <a:rPr sz="2400" b="0" i="0">
-                <a:latin typeface="Courier"/>
-              </a:rPr>
-              <a:t>L_L1         0 3   1uH</a:t>
-            </a:r>
-            <a:endParaRPr sz="2400" b="0" i="0">
-              <a:latin typeface="Courier"/>
-            </a:endParaRPr>
-          </a:p>
-          <a:p>
-            <a:pPr>
-              <a:lnSpc>
-                <a:spcPts val="2400"/>
-              </a:lnSpc>
-              <a:defRPr>
-                <a:solidFill>
-                  <a:srgbClr val="FFFFFF"/>
-                </a:solidFill>
-              </a:defRPr>
-            </a:pPr>
-            <a:r>
-              <a:rPr sz="2400" b="0" i="0">
-                <a:latin typeface="Courier"/>
-              </a:rPr>
-              <a:t>C_C1         0 3   10n</a:t>
-            </a:r>
-            <a:endParaRPr sz="2400" b="0" i="0">
-              <a:latin typeface="Courier"/>
-            </a:endParaRPr>
-          </a:p>
-          <a:p>
-            <a:pPr>
-              <a:lnSpc>
-                <a:spcPts val="2400"/>
-              </a:lnSpc>
-              <a:defRPr>
-                <a:solidFill>
-                  <a:srgbClr val="FFFFFF"/>
-                </a:solidFill>
-              </a:defRPr>
-            </a:pPr>
-            <a:r>
-              <a:rPr sz="2400" b="0" i="0">
-                <a:latin typeface="Courier"/>
-              </a:rPr>
-              <a:t>R_R1         0 3   100</a:t>
-            </a:r>
-            <a:endParaRPr sz="2400" b="0" i="0">
-              <a:latin typeface="Courier"/>
-            </a:endParaRPr>
-          </a:p>
-          <a:p>
-            <a:pPr>
-              <a:lnSpc>
-                <a:spcPts val="2400"/>
-              </a:lnSpc>
-              <a:defRPr>
-                <a:solidFill>
-                  <a:srgbClr val="FFFFFF"/>
-                </a:solidFill>
-              </a:defRPr>
-            </a:pPr>
-            <a:r>
-              <a:rPr sz="2400" b="0" i="0">
-                <a:latin typeface="Courier"/>
-              </a:rPr>
-              <a:t>V_V3         4 0   10V</a:t>
-            </a:r>
-            <a:endParaRPr sz="2400" b="0" i="0">
-              <a:latin typeface="Courier"/>
-            </a:endParaRPr>
-          </a:p>
-          <a:p>
-            <a:pPr>
-              <a:lnSpc>
-                <a:spcPts val="2400"/>
-              </a:lnSpc>
-              <a:defRPr>
-                <a:solidFill>
-                  <a:srgbClr val="FFFFFF"/>
-                </a:solidFill>
-              </a:defRPr>
-            </a:pPr>
-            <a:r>
-              <a:rPr sz="2400" b="0" i="0">
-                <a:latin typeface="Courier"/>
-              </a:rPr>
-              <a:t>V_V5         1 0   sin(0.4 0.8 1591500) DC=0.4</a:t>
-            </a:r>
-            <a:endParaRPr sz="2400" b="0" i="0">
-              <a:latin typeface="Courier"/>
-            </a:endParaRPr>
-          </a:p>
-          <a:p>
-            <a:pPr>
-              <a:lnSpc>
-                <a:spcPts val="2400"/>
-              </a:lnSpc>
-              <a:defRPr>
-                <a:solidFill>
-                  <a:srgbClr val="FFFFFF"/>
-                </a:solidFill>
-              </a:defRPr>
-            </a:pPr>
-            <a:r>
-              <a:rPr sz="2400" b="0" i="0">
-                <a:latin typeface="Courier"/>
-              </a:rPr>
-              <a:t>C_C3         5 3   10n</a:t>
-            </a:r>
-            <a:endParaRPr sz="2400" b="0" i="0">
-              <a:latin typeface="Courier"/>
-            </a:endParaRPr>
-          </a:p>
-          <a:p>
-            <a:pPr>
-              <a:lnSpc>
-                <a:spcPts val="2400"/>
-              </a:lnSpc>
-              <a:defRPr>
-                <a:solidFill>
-                  <a:srgbClr val="FFFFFF"/>
-                </a:solidFill>
-              </a:defRPr>
-            </a:pPr>
-            <a:r>
-              <a:rPr sz="2400" b="0" i="0">
-                <a:latin typeface="Courier"/>
-              </a:rPr>
-              <a:t>L_L3         6 3   0.111uH</a:t>
-            </a:r>
-            <a:endParaRPr sz="2400" b="0" i="0">
-              <a:latin typeface="Courier"/>
-            </a:endParaRPr>
-          </a:p>
-          <a:p>
-            <a:pPr>
-              <a:lnSpc>
-                <a:spcPts val="2400"/>
-              </a:lnSpc>
-              <a:defRPr>
-                <a:solidFill>
-                  <a:srgbClr val="FFFFFF"/>
-                </a:solidFill>
-              </a:defRPr>
-            </a:pPr>
-            <a:r>
-              <a:rPr sz="2400" b="0" i="0">
-                <a:latin typeface="Courier"/>
-              </a:rPr>
-              <a:t>R_R3         6 5   0.001</a:t>
-            </a:r>
-            <a:endParaRPr sz="2400" b="0" i="0">
-              <a:latin typeface="Courier"/>
-            </a:endParaRPr>
-          </a:p>
-          <a:p>
-            <a:pPr>
-              <a:lnSpc>
-                <a:spcPts val="2400"/>
-              </a:lnSpc>
-              <a:defRPr>
-                <a:solidFill>
-                  <a:srgbClr val="FFFFFF"/>
-                </a:solidFill>
-              </a:defRPr>
-            </a:pPr>
-            <a:r>
-              <a:rPr sz="2400" b="0" i="0">
-                <a:latin typeface="Courier"/>
-              </a:rPr>
-              <a:t>L_L2         2 4   2mH</a:t>
-            </a:r>
-            <a:endParaRPr sz="2400" b="0" i="0">
-              <a:latin typeface="Courier"/>
-            </a:endParaRPr>
-          </a:p>
-        </p:txBody>
-      </p:sp>
-      <p:sp>
-        <p:nvSpPr>
-          <p:cNvPr id="3" name="Title 2"/>
-          <p:cNvSpPr>
-            <a:spLocks noGrp="1"/>
-          </p:cNvSpPr>
-          <p:nvPr>
-            <p:ph type="title"/>
-          </p:nvPr>
-        </p:nvSpPr>
-        <p:spPr/>
-        <p:txBody>
-          <a:bodyPr wrap="square">
-            <a:noAutofit/>
-          </a:bodyPr>
-          <a:lstStyle/>
-          <a:p>
             <a:r>
               <a:rPr sz="3200" b="1" i="0">
                 <a:latin typeface="Arial"/>
               </a:rPr>
-              <a:t>Klasse F versterker met oscillatie rond de grond</a:t>
+              <a:t>Alternatieve schema's van de klasse F versterker</a:t>
             </a:r>
             <a:endParaRPr sz="3200" b="1" i="0">
               <a:latin typeface="Arial"/>
@@ -6930,12 +7086,12 @@
       <p:grpSpPr/>
       <p:sp>
         <p:nvSpPr>
-          <p:cNvPr id="2" name="Content Placeholder 1"/>
+          <p:cNvPr id="2" name="Title 1"/>
           <p:cNvSpPr>
             <a:spLocks noGrp="1"/>
           </p:cNvSpPr>
           <p:nvPr>
-            <p:ph idx="1"/>
+            <p:ph type="title"/>
           </p:nvPr>
         </p:nvSpPr>
         <p:spPr/>
@@ -6945,78 +7101,42 @@
           </a:bodyPr>
           <a:lstStyle/>
           <a:p>
-            <a:pPr>
-              <a:lnSpc>
-                <a:spcPts val="2400"/>
-              </a:lnSpc>
-              <a:defRPr>
-                <a:solidFill>
-                  <a:srgbClr val="FFFFFF"/>
-                </a:solidFill>
-              </a:defRPr>
-            </a:pPr>
-            <a:r>
-              <a:rPr sz="2400" b="0" i="0">
-                <a:latin typeface="Courier"/>
-              </a:rPr>
-              <a:t>C_C2         2 5   1000n</a:t>
-            </a:r>
-            <a:endParaRPr sz="2400" b="0" i="0">
-              <a:latin typeface="Courier"/>
-            </a:endParaRPr>
-          </a:p>
-          <a:p>
-            <a:pPr>
-              <a:lnSpc>
-                <a:spcPts val="2400"/>
-              </a:lnSpc>
-              <a:defRPr>
-                <a:solidFill>
-                  <a:srgbClr val="FFFFFF"/>
-                </a:solidFill>
-              </a:defRPr>
-            </a:pPr>
-            <a:r>
-              <a:rPr sz="2400" b="0" i="0">
-                <a:latin typeface="Courier"/>
-              </a:rPr>
-              <a:t>.model Q2  NPN(Is=14.34f BF=200 Rb=100 )</a:t>
-            </a:r>
-            <a:endParaRPr sz="2400" b="0" i="0">
-              <a:latin typeface="Courier"/>
-            </a:endParaRPr>
-          </a:p>
-        </p:txBody>
-      </p:sp>
-      <p:sp>
-        <p:nvSpPr>
-          <p:cNvPr id="3" name="Title 2"/>
-          <p:cNvSpPr>
-            <a:spLocks noGrp="1"/>
-          </p:cNvSpPr>
-          <p:nvPr>
-            <p:ph type="title"/>
-          </p:nvPr>
-        </p:nvSpPr>
-        <p:spPr/>
-        <p:txBody>
-          <a:bodyPr wrap="square">
-            <a:noAutofit/>
-          </a:bodyPr>
-          <a:lstStyle/>
-          <a:p>
-            <a:r>
-              <a:rPr sz="3200" b="1" i="0">
+            <a:r>
+              <a:rPr sz="2800" b="1" i="0">
                 <a:latin typeface="Arial"/>
               </a:rPr>
-              <a:t>Klasse F versterker met oscillatie rond de grond</a:t>
-            </a:r>
-            <a:endParaRPr sz="3200" b="1" i="0">
+              <a:t>klasse F versterker waarbij de uitgang oscilleert rond de grond</a:t>
+            </a:r>
+            <a:endParaRPr sz="2800" b="1" i="0">
               <a:latin typeface="Arial"/>
             </a:endParaRPr>
           </a:p>
         </p:txBody>
       </p:sp>
+      <p:pic>
+        <p:nvPicPr>
+          <p:cNvPr id="3" name="Picture 2" descr="image.png"/>
+          <p:cNvPicPr>
+            <a:picLocks noChangeAspect="1"/>
+          </p:cNvPicPr>
+          <p:nvPr/>
+        </p:nvPicPr>
+        <p:blipFill>
+          <a:blip r:embed="rId2"/>
+          <a:stretch>
+            <a:fillRect/>
+          </a:stretch>
+        </p:blipFill>
+        <p:spPr>
+          <a:xfrm>
+            <a:off x="453462" y="566928"/>
+            <a:ext cx="11285076" cy="5669280"/>
+          </a:xfrm>
+          <a:prstGeom prst="rect">
+            <a:avLst/>
+          </a:prstGeom>
+        </p:spPr>
+      </p:pic>
     </p:spTree>
   </p:cSld>
   <p:clrMapOvr>

--- a/ToegepasteAnalogeElektronica/PowerPoint/Klasse-F.pptx
+++ b/ToegepasteAnalogeElektronica/PowerPoint/Klasse-F.pptx
@@ -26,6 +26,28 @@
     <p:sldId id="268" r:id="rId25"/>
     <p:sldId id="269" r:id="rId26"/>
     <p:sldId id="270" r:id="rId27"/>
+    <p:sldId id="271" r:id="rId28"/>
+    <p:sldId id="272" r:id="rId29"/>
+    <p:sldId id="273" r:id="rId30"/>
+    <p:sldId id="274" r:id="rId31"/>
+    <p:sldId id="275" r:id="rId32"/>
+    <p:sldId id="276" r:id="rId33"/>
+    <p:sldId id="277" r:id="rId34"/>
+    <p:sldId id="278" r:id="rId35"/>
+    <p:sldId id="279" r:id="rId36"/>
+    <p:sldId id="280" r:id="rId37"/>
+    <p:sldId id="281" r:id="rId38"/>
+    <p:sldId id="282" r:id="rId39"/>
+    <p:sldId id="283" r:id="rId40"/>
+    <p:sldId id="284" r:id="rId41"/>
+    <p:sldId id="285" r:id="rId42"/>
+    <p:sldId id="286" r:id="rId43"/>
+    <p:sldId id="287" r:id="rId44"/>
+    <p:sldId id="288" r:id="rId45"/>
+    <p:sldId id="289" r:id="rId46"/>
+    <p:sldId id="290" r:id="rId47"/>
+    <p:sldId id="291" r:id="rId48"/>
+    <p:sldId id="292" r:id="rId49"/>
   </p:sldIdLst>
   <p:sldSz cx="12192000" cy="6858000"/>
   <p:notesSz cx="6858000" cy="9144000"/>
@@ -5857,7 +5879,7 @@
               <a:rPr sz="2400" b="0" i="0">
                 <a:latin typeface="Courier"/>
               </a:rPr>
-              <a:t>* klasseF</a:t>
+              <a:t>* klasse F basiscircuit</a:t>
             </a:r>
             <a:endParaRPr sz="2400" b="0" i="0">
               <a:latin typeface="Courier"/>
@@ -5899,7 +5921,7 @@
               <a:rPr sz="2400" b="0" i="0">
                 <a:latin typeface="Courier"/>
               </a:rPr>
-              <a:t>L_L1         0 3   1uH</a:t>
+              <a:t>L_L1         5 3   1uH</a:t>
             </a:r>
             <a:endParaRPr sz="2400" b="0" i="0">
               <a:latin typeface="Courier"/>
@@ -5920,7 +5942,7 @@
               <a:rPr sz="2400" b="0" i="0">
                 <a:latin typeface="Courier"/>
               </a:rPr>
-              <a:t>C_C1         0 3   10n</a:t>
+              <a:t>C_C1         5 3   10n</a:t>
             </a:r>
             <a:endParaRPr sz="2400" b="0" i="0">
               <a:latin typeface="Courier"/>
@@ -5941,7 +5963,7 @@
               <a:rPr sz="2400" b="0" i="0">
                 <a:latin typeface="Courier"/>
               </a:rPr>
-              <a:t>R_R1         0 3   100</a:t>
+              <a:t>R_R1         5 3   60</a:t>
             </a:r>
             <a:endParaRPr sz="2400" b="0" i="0">
               <a:latin typeface="Courier"/>
@@ -5962,7 +5984,7 @@
               <a:rPr sz="2400" b="0" i="0">
                 <a:latin typeface="Courier"/>
               </a:rPr>
-              <a:t>V_V3         4 0   10V</a:t>
+              <a:t>V_V3         3 0   11V</a:t>
             </a:r>
             <a:endParaRPr sz="2400" b="0" i="0">
               <a:latin typeface="Courier"/>
@@ -5983,7 +6005,7 @@
               <a:rPr sz="2400" b="0" i="0">
                 <a:latin typeface="Courier"/>
               </a:rPr>
-              <a:t>V_V5         1 0   sin(0.4 0.8 1591500) DC=0.4</a:t>
+              <a:t>V_V5         1 0   sin(0.7 0.8 1591500) DC=0.7</a:t>
             </a:r>
             <a:endParaRPr sz="2400" b="0" i="0">
               <a:latin typeface="Courier"/>
@@ -6004,7 +6026,7 @@
               <a:rPr sz="2400" b="0" i="0">
                 <a:latin typeface="Courier"/>
               </a:rPr>
-              <a:t>C_C3         5 3   10n</a:t>
+              <a:t>C_C3         5 2   10n</a:t>
             </a:r>
             <a:endParaRPr sz="2400" b="0" i="0">
               <a:latin typeface="Courier"/>
@@ -6025,7 +6047,7 @@
               <a:rPr sz="2400" b="0" i="0">
                 <a:latin typeface="Courier"/>
               </a:rPr>
-              <a:t>L_L3         6 3   0.111uH</a:t>
+              <a:t>L_L3         5 2   0.111uH</a:t>
             </a:r>
             <a:endParaRPr sz="2400" b="0" i="0">
               <a:latin typeface="Courier"/>
@@ -6046,33 +6068,12 @@
               <a:rPr sz="2400" b="0" i="0">
                 <a:latin typeface="Courier"/>
               </a:rPr>
-              <a:t>R_R3         6 5   0.001</a:t>
+              <a:t>.model Q2  NPN(Is=14.34f BF=200 RB=200 )</a:t>
             </a:r>
             <a:endParaRPr sz="2400" b="0" i="0">
               <a:latin typeface="Courier"/>
             </a:endParaRPr>
           </a:p>
-          <a:p>
-            <a:pPr>
-              <a:lnSpc>
-                <a:spcPts val="2400"/>
-              </a:lnSpc>
-              <a:defRPr>
-                <a:solidFill>
-                  <a:srgbClr val="FFFFFF"/>
-                </a:solidFill>
-              </a:defRPr>
-            </a:pPr>
-            <a:r>
-              <a:rPr sz="2400" b="0" i="0">
-                <a:latin typeface="Courier"/>
-              </a:rPr>
-              <a:t>L_L2         2 4   2mH</a:t>
-            </a:r>
-            <a:endParaRPr sz="2400" b="0" i="0">
-              <a:latin typeface="Courier"/>
-            </a:endParaRPr>
-          </a:p>
         </p:txBody>
       </p:sp>
       <p:sp>
@@ -6096,7 +6097,7 @@
               <a:rPr sz="3200" b="1" i="0">
                 <a:latin typeface="Arial"/>
               </a:rPr>
-              <a:t>Klasse F versterker met oscillatie rond de grond</a:t>
+              <a:t>Spice code van de klasse F versterker</a:t>
             </a:r>
             <a:endParaRPr sz="3200" b="1" i="0">
               <a:latin typeface="Arial"/>
@@ -6124,6 +6125,1382 @@
       <p:grpSpPr/>
       <p:sp>
         <p:nvSpPr>
+          <p:cNvPr id="2" name="Title 1"/>
+          <p:cNvSpPr>
+            <a:spLocks noGrp="1"/>
+          </p:cNvSpPr>
+          <p:nvPr>
+            <p:ph type="title"/>
+          </p:nvPr>
+        </p:nvSpPr>
+        <p:spPr/>
+        <p:txBody>
+          <a:bodyPr wrap="square">
+            <a:noAutofit/>
+          </a:bodyPr>
+          <a:lstStyle/>
+          <a:p>
+            <a:r>
+              <a:rPr sz="2600" b="1" i="0">
+                <a:latin typeface="Arial"/>
+              </a:rPr>
+              <a:t>Spanningen op de verschillende knopen van de klasse F versterker</a:t>
+            </a:r>
+            <a:endParaRPr sz="2600" b="1" i="0">
+              <a:latin typeface="Arial"/>
+            </a:endParaRPr>
+          </a:p>
+        </p:txBody>
+      </p:sp>
+      <p:pic>
+        <p:nvPicPr>
+          <p:cNvPr id="3" name="Picture 2" descr="image.png"/>
+          <p:cNvPicPr>
+            <a:picLocks noChangeAspect="1"/>
+          </p:cNvPicPr>
+          <p:nvPr/>
+        </p:nvPicPr>
+        <p:blipFill>
+          <a:blip r:embed="rId2"/>
+          <a:stretch>
+            <a:fillRect/>
+          </a:stretch>
+        </p:blipFill>
+        <p:spPr>
+          <a:xfrm>
+            <a:off x="1900399" y="566928"/>
+            <a:ext cx="8391202" cy="5669280"/>
+          </a:xfrm>
+          <a:prstGeom prst="rect">
+            <a:avLst/>
+          </a:prstGeom>
+        </p:spPr>
+      </p:pic>
+    </p:spTree>
+  </p:cSld>
+  <p:clrMapOvr>
+    <a:masterClrMapping/>
+  </p:clrMapOvr>
+</p:sld>
+</file>
+
+<file path=ppt/slides/slide12.xml><?xml version="1.0" encoding="utf-8"?>
+<p:sld xmlns:a="http://schemas.openxmlformats.org/drawingml/2006/main" xmlns:p="http://schemas.openxmlformats.org/presentationml/2006/main" xmlns:r="http://schemas.openxmlformats.org/officeDocument/2006/relationships">
+  <p:cSld>
+    <p:spTree>
+      <p:nvGrpSpPr>
+        <p:cNvPr id="1" name=""/>
+        <p:cNvGrpSpPr/>
+        <p:nvPr/>
+      </p:nvGrpSpPr>
+      <p:grpSpPr/>
+      <p:sp>
+        <p:nvSpPr>
+          <p:cNvPr id="2" name="Content Placeholder 1"/>
+          <p:cNvSpPr>
+            <a:spLocks noGrp="1"/>
+          </p:cNvSpPr>
+          <p:nvPr>
+            <p:ph idx="1"/>
+          </p:nvPr>
+        </p:nvSpPr>
+        <p:spPr/>
+        <p:txBody>
+          <a:bodyPr>
+            <a:spAutoFit/>
+          </a:bodyPr>
+          <a:lstStyle/>
+          <a:p/>
+          <a:p>
+            <a:pPr lvl="1"/>
+            <a:r>
+              <a:rPr b="1"/>
+              <a:t>Tijd</a:t>
+            </a:r>
+            <a:r>
+              <a:t>: 10 μs (meerdere perioden)</a:t>
+            </a:r>
+          </a:p>
+          <a:p>
+            <a:pPr lvl="1"/>
+            <a:r>
+              <a:rPr b="1"/>
+              <a:t>Frequentie</a:t>
+            </a:r>
+            <a:r>
+              <a:t>: ~1591 kHz fundamenteel</a:t>
+            </a:r>
+          </a:p>
+          <a:p>
+            <a:pPr lvl="1"/>
+            <a:r>
+              <a:rPr b="1"/>
+              <a:t>Temperatuur</a:t>
+            </a:r>
+            <a:r>
+              <a:t>: 25°C</a:t>
+            </a:r>
+          </a:p>
+        </p:txBody>
+      </p:sp>
+      <p:sp>
+        <p:nvSpPr>
+          <p:cNvPr id="3" name="Title 2"/>
+          <p:cNvSpPr>
+            <a:spLocks noGrp="1"/>
+          </p:cNvSpPr>
+          <p:nvPr>
+            <p:ph type="title"/>
+          </p:nvPr>
+        </p:nvSpPr>
+        <p:spPr/>
+        <p:txBody>
+          <a:bodyPr wrap="square">
+            <a:noAutofit/>
+          </a:bodyPr>
+          <a:lstStyle/>
+          <a:p>
+            <a:r>
+              <a:rPr sz="3200" b="1" i="0">
+                <a:latin typeface="Arial"/>
+              </a:rPr>
+              <a:t>Simulatieparameters</a:t>
+            </a:r>
+            <a:endParaRPr sz="3200" b="1" i="0">
+              <a:latin typeface="Arial"/>
+            </a:endParaRPr>
+          </a:p>
+        </p:txBody>
+      </p:sp>
+    </p:spTree>
+  </p:cSld>
+  <p:clrMapOvr>
+    <a:masterClrMapping/>
+  </p:clrMapOvr>
+</p:sld>
+</file>
+
+<file path=ppt/slides/slide13.xml><?xml version="1.0" encoding="utf-8"?>
+<p:sld xmlns:a="http://schemas.openxmlformats.org/drawingml/2006/main" xmlns:p="http://schemas.openxmlformats.org/presentationml/2006/main" xmlns:r="http://schemas.openxmlformats.org/officeDocument/2006/relationships">
+  <p:cSld>
+    <p:spTree>
+      <p:nvGrpSpPr>
+        <p:cNvPr id="1" name=""/>
+        <p:cNvGrpSpPr/>
+        <p:nvPr/>
+      </p:nvGrpSpPr>
+      <p:grpSpPr/>
+      <p:sp>
+        <p:nvSpPr>
+          <p:cNvPr id="2" name="Content Placeholder 1"/>
+          <p:cNvSpPr>
+            <a:spLocks noGrp="1"/>
+          </p:cNvSpPr>
+          <p:nvPr>
+            <p:ph idx="1"/>
+          </p:nvPr>
+        </p:nvSpPr>
+        <p:spPr/>
+        <p:txBody>
+          <a:bodyPr>
+            <a:spAutoFit/>
+          </a:bodyPr>
+          <a:lstStyle/>
+          <a:p/>
+          <a:p>
+            <a:pPr lvl="1"/>
+            <a:r>
+              <a:rPr b="1"/>
+              <a:t>Knoop 2</a:t>
+            </a:r>
+            <a:r>
+              <a:t>: Collector spanning met harmonischen</a:t>
+            </a:r>
+          </a:p>
+          <a:p>
+            <a:pPr lvl="1"/>
+            <a:r>
+              <a:rPr b="1"/>
+              <a:t>Knoop 5</a:t>
+            </a:r>
+            <a:r>
+              <a:t>: Gefilterde 3e harmonische</a:t>
+            </a:r>
+          </a:p>
+          <a:p>
+            <a:pPr lvl="1"/>
+            <a:r>
+              <a:rPr b="1"/>
+              <a:t>Stroom</a:t>
+            </a:r>
+            <a:r>
+              <a:t>: Pulsvormig door transistor</a:t>
+            </a:r>
+          </a:p>
+          <a:p>
+            <a:pPr lvl="1"/>
+            <a:r>
+              <a:rPr b="1"/>
+              <a:t>Efficiëntie</a:t>
+            </a:r>
+            <a:r>
+              <a:t>: Verhoogd t.o.v. Klasse C</a:t>
+            </a:r>
+          </a:p>
+        </p:txBody>
+      </p:sp>
+      <p:sp>
+        <p:nvSpPr>
+          <p:cNvPr id="3" name="Title 2"/>
+          <p:cNvSpPr>
+            <a:spLocks noGrp="1"/>
+          </p:cNvSpPr>
+          <p:nvPr>
+            <p:ph type="title"/>
+          </p:nvPr>
+        </p:nvSpPr>
+        <p:spPr/>
+        <p:txBody>
+          <a:bodyPr wrap="square">
+            <a:noAutofit/>
+          </a:bodyPr>
+          <a:lstStyle/>
+          <a:p>
+            <a:r>
+              <a:rPr sz="3200" b="1" i="0">
+                <a:latin typeface="Arial"/>
+              </a:rPr>
+              <a:t>Wat te verwachten</a:t>
+            </a:r>
+            <a:endParaRPr sz="3200" b="1" i="0">
+              <a:latin typeface="Arial"/>
+            </a:endParaRPr>
+          </a:p>
+        </p:txBody>
+      </p:sp>
+    </p:spTree>
+  </p:cSld>
+  <p:clrMapOvr>
+    <a:masterClrMapping/>
+  </p:clrMapOvr>
+</p:sld>
+</file>
+
+<file path=ppt/slides/slide14.xml><?xml version="1.0" encoding="utf-8"?>
+<p:sld xmlns:a="http://schemas.openxmlformats.org/drawingml/2006/main" xmlns:p="http://schemas.openxmlformats.org/presentationml/2006/main" xmlns:r="http://schemas.openxmlformats.org/officeDocument/2006/relationships">
+  <p:cSld>
+    <p:spTree>
+      <p:nvGrpSpPr>
+        <p:cNvPr id="1" name=""/>
+        <p:cNvGrpSpPr/>
+        <p:nvPr/>
+      </p:nvGrpSpPr>
+      <p:grpSpPr/>
+      <p:sp>
+        <p:nvSpPr>
+          <p:cNvPr id="2" name="Title 1"/>
+          <p:cNvSpPr>
+            <a:spLocks noGrp="1"/>
+          </p:cNvSpPr>
+          <p:nvPr>
+            <p:ph type="title"/>
+          </p:nvPr>
+        </p:nvSpPr>
+        <p:spPr/>
+        <p:txBody>
+          <a:bodyPr wrap="square">
+            <a:noAutofit/>
+          </a:bodyPr>
+          <a:lstStyle/>
+          <a:p>
+            <a:r>
+              <a:rPr sz="2200" b="1" i="0">
+                <a:latin typeface="Arial"/>
+              </a:rPr>
+              <a:t>Verloop van de spanning over de eerste (LC1) en over de derde (LC3) harmonische.</a:t>
+            </a:r>
+            <a:endParaRPr sz="2200" b="1" i="0">
+              <a:latin typeface="Arial"/>
+            </a:endParaRPr>
+          </a:p>
+        </p:txBody>
+      </p:sp>
+      <p:pic>
+        <p:nvPicPr>
+          <p:cNvPr id="3" name="Picture 2" descr="image.png"/>
+          <p:cNvPicPr>
+            <a:picLocks noChangeAspect="1"/>
+          </p:cNvPicPr>
+          <p:nvPr/>
+        </p:nvPicPr>
+        <p:blipFill>
+          <a:blip r:embed="rId2"/>
+          <a:stretch>
+            <a:fillRect/>
+          </a:stretch>
+        </p:blipFill>
+        <p:spPr>
+          <a:xfrm>
+            <a:off x="1850302" y="566928"/>
+            <a:ext cx="8491396" cy="5669280"/>
+          </a:xfrm>
+          <a:prstGeom prst="rect">
+            <a:avLst/>
+          </a:prstGeom>
+        </p:spPr>
+      </p:pic>
+    </p:spTree>
+  </p:cSld>
+  <p:clrMapOvr>
+    <a:masterClrMapping/>
+  </p:clrMapOvr>
+</p:sld>
+</file>
+
+<file path=ppt/slides/slide15.xml><?xml version="1.0" encoding="utf-8"?>
+<p:sld xmlns:a="http://schemas.openxmlformats.org/drawingml/2006/main" xmlns:p="http://schemas.openxmlformats.org/presentationml/2006/main" xmlns:r="http://schemas.openxmlformats.org/officeDocument/2006/relationships">
+  <p:cSld>
+    <p:spTree>
+      <p:nvGrpSpPr>
+        <p:cNvPr id="1" name=""/>
+        <p:cNvGrpSpPr/>
+        <p:nvPr/>
+      </p:nvGrpSpPr>
+      <p:grpSpPr/>
+      <p:sp>
+        <p:nvSpPr>
+          <p:cNvPr id="2" name="Title 1"/>
+          <p:cNvSpPr>
+            <a:spLocks noGrp="1"/>
+          </p:cNvSpPr>
+          <p:nvPr>
+            <p:ph type="title"/>
+          </p:nvPr>
+        </p:nvSpPr>
+        <p:spPr/>
+        <p:txBody>
+          <a:bodyPr wrap="square">
+            <a:noAutofit/>
+          </a:bodyPr>
+          <a:lstStyle/>
+          <a:p>
+            <a:r>
+              <a:rPr sz="3200" b="1" i="0">
+                <a:latin typeface="Arial"/>
+              </a:rPr>
+              <a:t>Verloop van de collector current</a:t>
+            </a:r>
+            <a:endParaRPr sz="3200" b="1" i="0">
+              <a:latin typeface="Arial"/>
+            </a:endParaRPr>
+          </a:p>
+        </p:txBody>
+      </p:sp>
+      <p:pic>
+        <p:nvPicPr>
+          <p:cNvPr id="3" name="Picture 2" descr="image.png"/>
+          <p:cNvPicPr>
+            <a:picLocks noChangeAspect="1"/>
+          </p:cNvPicPr>
+          <p:nvPr/>
+        </p:nvPicPr>
+        <p:blipFill>
+          <a:blip r:embed="rId2"/>
+          <a:stretch>
+            <a:fillRect/>
+          </a:stretch>
+        </p:blipFill>
+        <p:spPr>
+          <a:xfrm>
+            <a:off x="1879525" y="566928"/>
+            <a:ext cx="8432950" cy="5669280"/>
+          </a:xfrm>
+          <a:prstGeom prst="rect">
+            <a:avLst/>
+          </a:prstGeom>
+        </p:spPr>
+      </p:pic>
+    </p:spTree>
+  </p:cSld>
+  <p:clrMapOvr>
+    <a:masterClrMapping/>
+  </p:clrMapOvr>
+</p:sld>
+</file>
+
+<file path=ppt/slides/slide16.xml><?xml version="1.0" encoding="utf-8"?>
+<p:sld xmlns:a="http://schemas.openxmlformats.org/drawingml/2006/main" xmlns:p="http://schemas.openxmlformats.org/presentationml/2006/main" xmlns:r="http://schemas.openxmlformats.org/officeDocument/2006/relationships">
+  <p:cSld>
+    <p:spTree>
+      <p:nvGrpSpPr>
+        <p:cNvPr id="1" name=""/>
+        <p:cNvGrpSpPr/>
+        <p:nvPr/>
+      </p:nvGrpSpPr>
+      <p:grpSpPr/>
+      <p:sp>
+        <p:nvSpPr>
+          <p:cNvPr id="2" name="Title 1"/>
+          <p:cNvSpPr>
+            <a:spLocks noGrp="1"/>
+          </p:cNvSpPr>
+          <p:nvPr>
+            <p:ph type="title"/>
+          </p:nvPr>
+        </p:nvSpPr>
+        <p:spPr/>
+        <p:txBody>
+          <a:bodyPr wrap="square">
+            <a:noAutofit/>
+          </a:bodyPr>
+          <a:lstStyle/>
+          <a:p>
+            <a:r>
+              <a:rPr sz="3200" b="1" i="0">
+                <a:latin typeface="Arial"/>
+              </a:rPr>
+              <a:t>Effect van de saturatiespanning</a:t>
+            </a:r>
+            <a:endParaRPr sz="3200" b="1" i="0">
+              <a:latin typeface="Arial"/>
+            </a:endParaRPr>
+          </a:p>
+        </p:txBody>
+      </p:sp>
+      <p:pic>
+        <p:nvPicPr>
+          <p:cNvPr id="3" name="Picture 2" descr="image.png"/>
+          <p:cNvPicPr>
+            <a:picLocks noChangeAspect="1"/>
+          </p:cNvPicPr>
+          <p:nvPr/>
+        </p:nvPicPr>
+        <p:blipFill>
+          <a:blip r:embed="rId2"/>
+          <a:stretch>
+            <a:fillRect/>
+          </a:stretch>
+        </p:blipFill>
+        <p:spPr>
+          <a:xfrm>
+            <a:off x="3181026" y="566928"/>
+            <a:ext cx="5829948" cy="5669280"/>
+          </a:xfrm>
+          <a:prstGeom prst="rect">
+            <a:avLst/>
+          </a:prstGeom>
+        </p:spPr>
+      </p:pic>
+    </p:spTree>
+  </p:cSld>
+  <p:clrMapOvr>
+    <a:masterClrMapping/>
+  </p:clrMapOvr>
+</p:sld>
+</file>
+
+<file path=ppt/slides/slide17.xml><?xml version="1.0" encoding="utf-8"?>
+<p:sld xmlns:a="http://schemas.openxmlformats.org/drawingml/2006/main" xmlns:p="http://schemas.openxmlformats.org/presentationml/2006/main" xmlns:r="http://schemas.openxmlformats.org/officeDocument/2006/relationships">
+  <p:cSld>
+    <p:spTree>
+      <p:nvGrpSpPr>
+        <p:cNvPr id="1" name=""/>
+        <p:cNvGrpSpPr/>
+        <p:nvPr/>
+      </p:nvGrpSpPr>
+      <p:grpSpPr/>
+      <p:sp>
+        <p:nvSpPr>
+          <p:cNvPr id="2" name="Title 1"/>
+          <p:cNvSpPr>
+            <a:spLocks noGrp="1"/>
+          </p:cNvSpPr>
+          <p:nvPr>
+            <p:ph type="title"/>
+          </p:nvPr>
+        </p:nvSpPr>
+        <p:spPr/>
+        <p:txBody>
+          <a:bodyPr wrap="square">
+            <a:noAutofit/>
+          </a:bodyPr>
+          <a:lstStyle/>
+          <a:p>
+            <a:r>
+              <a:rPr sz="3200" b="1" i="0">
+                <a:latin typeface="Arial"/>
+              </a:rPr>
+              <a:t>Analyse van de Simulatieresultaten</a:t>
+            </a:r>
+            <a:endParaRPr sz="3200" b="1" i="0">
+              <a:latin typeface="Arial"/>
+            </a:endParaRPr>
+          </a:p>
+        </p:txBody>
+      </p:sp>
+    </p:spTree>
+  </p:cSld>
+  <p:clrMapOvr>
+    <a:masterClrMapping/>
+  </p:clrMapOvr>
+</p:sld>
+</file>
+
+<file path=ppt/slides/slide18.xml><?xml version="1.0" encoding="utf-8"?>
+<p:sld xmlns:a="http://schemas.openxmlformats.org/drawingml/2006/main" xmlns:p="http://schemas.openxmlformats.org/presentationml/2006/main" xmlns:r="http://schemas.openxmlformats.org/officeDocument/2006/relationships">
+  <p:cSld>
+    <p:spTree>
+      <p:nvGrpSpPr>
+        <p:cNvPr id="1" name=""/>
+        <p:cNvGrpSpPr/>
+        <p:nvPr/>
+      </p:nvGrpSpPr>
+      <p:grpSpPr/>
+      <p:sp>
+        <p:nvSpPr>
+          <p:cNvPr id="2" name="Content Placeholder 1"/>
+          <p:cNvSpPr>
+            <a:spLocks noGrp="1"/>
+          </p:cNvSpPr>
+          <p:nvPr>
+            <p:ph idx="1"/>
+          </p:nvPr>
+        </p:nvSpPr>
+        <p:spPr/>
+        <p:txBody>
+          <a:bodyPr>
+            <a:spAutoFit/>
+          </a:bodyPr>
+          <a:lstStyle/>
+          <a:p/>
+          <a:p>
+            <a:pPr lvl="1"/>
+            <a:r>
+              <a:rPr b="1"/>
+              <a:t>Knoop 2 vs Knoop 5</a:t>
+            </a:r>
+            <a:r>
+              <a:t>: Toont effect van 3e harmonische filter</a:t>
+            </a:r>
+          </a:p>
+          <a:p>
+            <a:pPr lvl="1"/>
+            <a:r>
+              <a:rPr b="1"/>
+              <a:t>Kleurgecodeerde zones</a:t>
+            </a:r>
+            <a:r>
+              <a:t>:</a:t>
+            </a:r>
+          </a:p>
+          <a:p>
+            <a:pPr lvl="2"/>
+            <a:r>
+              <a:t>🟢 </a:t>
+            </a:r>
+            <a:r>
+              <a:rPr b="1"/>
+              <a:t>Groen</a:t>
+            </a:r>
+            <a:r>
+              <a:t>: Transistor UIT (hoge spanning)</a:t>
+            </a:r>
+          </a:p>
+          <a:p>
+            <a:pPr lvl="2"/>
+            <a:r>
+              <a:t>🔴 </a:t>
+            </a:r>
+            <a:r>
+              <a:rPr b="1"/>
+              <a:t>Rood</a:t>
+            </a:r>
+            <a:r>
+              <a:t>: Transistor AAN (lage spanning)</a:t>
+            </a:r>
+          </a:p>
+        </p:txBody>
+      </p:sp>
+      <p:sp>
+        <p:nvSpPr>
+          <p:cNvPr id="3" name="Title 2"/>
+          <p:cNvSpPr>
+            <a:spLocks noGrp="1"/>
+          </p:cNvSpPr>
+          <p:nvPr>
+            <p:ph type="title"/>
+          </p:nvPr>
+        </p:nvSpPr>
+        <p:spPr/>
+        <p:txBody>
+          <a:bodyPr wrap="square">
+            <a:noAutofit/>
+          </a:bodyPr>
+          <a:lstStyle/>
+          <a:p>
+            <a:r>
+              <a:rPr sz="3200" b="1" i="0">
+                <a:latin typeface="Arial"/>
+              </a:rPr>
+              <a:t>Spanningsverschillen</a:t>
+            </a:r>
+            <a:endParaRPr sz="3200" b="1" i="0">
+              <a:latin typeface="Arial"/>
+            </a:endParaRPr>
+          </a:p>
+        </p:txBody>
+      </p:sp>
+    </p:spTree>
+  </p:cSld>
+  <p:clrMapOvr>
+    <a:masterClrMapping/>
+  </p:clrMapOvr>
+</p:sld>
+</file>
+
+<file path=ppt/slides/slide19.xml><?xml version="1.0" encoding="utf-8"?>
+<p:sld xmlns:a="http://schemas.openxmlformats.org/drawingml/2006/main" xmlns:p="http://schemas.openxmlformats.org/presentationml/2006/main" xmlns:r="http://schemas.openxmlformats.org/officeDocument/2006/relationships">
+  <p:cSld>
+    <p:spTree>
+      <p:nvGrpSpPr>
+        <p:cNvPr id="1" name=""/>
+        <p:cNvGrpSpPr/>
+        <p:nvPr/>
+      </p:nvGrpSpPr>
+      <p:grpSpPr/>
+      <p:sp>
+        <p:nvSpPr>
+          <p:cNvPr id="2" name="Content Placeholder 1"/>
+          <p:cNvSpPr>
+            <a:spLocks noGrp="1"/>
+          </p:cNvSpPr>
+          <p:nvPr>
+            <p:ph idx="1"/>
+          </p:nvPr>
+        </p:nvSpPr>
+        <p:spPr/>
+        <p:txBody>
+          <a:bodyPr>
+            <a:spAutoFit/>
+          </a:bodyPr>
+          <a:lstStyle/>
+          <a:p/>
+          <a:p>
+            <a:pPr/>
+            <a:r>
+              <a:t>De 3e harmonische filter zorgt voor:</a:t>
+            </a:r>
+          </a:p>
+          <a:p>
+            <a:pPr lvl="1"/>
+            <a:r>
+              <a:rPr b="1"/>
+              <a:t>Golfvorming</a:t>
+            </a:r>
+            <a:r>
+              <a:t>: Verbeterde collector spanning</a:t>
+            </a:r>
+          </a:p>
+          <a:p>
+            <a:pPr lvl="1"/>
+            <a:r>
+              <a:rPr b="1"/>
+              <a:t>Efficiëntie</a:t>
+            </a:r>
+            <a:r>
+              <a:t>: Verminderd energieverlies</a:t>
+            </a:r>
+          </a:p>
+          <a:p>
+            <a:pPr lvl="1"/>
+            <a:r>
+              <a:rPr b="1"/>
+              <a:t>Vermogen</a:t>
+            </a:r>
+            <a:r>
+              <a:t>: Optimale energieoverdracht</a:t>
+            </a:r>
+          </a:p>
+        </p:txBody>
+      </p:sp>
+      <p:sp>
+        <p:nvSpPr>
+          <p:cNvPr id="3" name="Title 2"/>
+          <p:cNvSpPr>
+            <a:spLocks noGrp="1"/>
+          </p:cNvSpPr>
+          <p:nvPr>
+            <p:ph type="title"/>
+          </p:nvPr>
+        </p:nvSpPr>
+        <p:spPr/>
+        <p:txBody>
+          <a:bodyPr wrap="square">
+            <a:noAutofit/>
+          </a:bodyPr>
+          <a:lstStyle/>
+          <a:p>
+            <a:r>
+              <a:rPr sz="3200" b="1" i="0">
+                <a:latin typeface="Arial"/>
+              </a:rPr>
+              <a:t>Harmonische werking</a:t>
+            </a:r>
+            <a:endParaRPr sz="3200" b="1" i="0">
+              <a:latin typeface="Arial"/>
+            </a:endParaRPr>
+          </a:p>
+        </p:txBody>
+      </p:sp>
+    </p:spTree>
+  </p:cSld>
+  <p:clrMapOvr>
+    <a:masterClrMapping/>
+  </p:clrMapOvr>
+</p:sld>
+</file>
+
+<file path=ppt/slides/slide2.xml><?xml version="1.0" encoding="utf-8"?>
+<p:sld xmlns:a="http://schemas.openxmlformats.org/drawingml/2006/main" xmlns:p="http://schemas.openxmlformats.org/presentationml/2006/main" xmlns:r="http://schemas.openxmlformats.org/officeDocument/2006/relationships">
+  <p:cSld>
+    <p:spTree>
+      <p:nvGrpSpPr>
+        <p:cNvPr id="1" name=""/>
+        <p:cNvGrpSpPr/>
+        <p:nvPr/>
+      </p:nvGrpSpPr>
+      <p:grpSpPr/>
+      <p:sp>
+        <p:nvSpPr>
+          <p:cNvPr id="2" name="Content Placeholder 1"/>
+          <p:cNvSpPr>
+            <a:spLocks noGrp="1"/>
+          </p:cNvSpPr>
+          <p:nvPr>
+            <p:ph idx="1"/>
+          </p:nvPr>
+        </p:nvSpPr>
+        <p:spPr/>
+        <p:txBody>
+          <a:bodyPr>
+            <a:spAutoFit/>
+          </a:bodyPr>
+          <a:lstStyle/>
+          <a:p/>
+          <a:p>
+            <a:pPr lvl="1"/>
+            <a:r>
+              <a:rPr b="1"/>
+              <a:t>Inleiding</a:t>
+            </a:r>
+            <a:r>
+              <a:t> - Wat zijn Klasse F versterkers?</a:t>
+            </a:r>
+          </a:p>
+          <a:p>
+            <a:pPr lvl="1"/>
+            <a:r>
+              <a:rPr b="1"/>
+              <a:t>Theoretische achtergrond</a:t>
+            </a:r>
+            <a:r>
+              <a:t> - Werkingsprincipe en vergelijking Klasse C</a:t>
+            </a:r>
+          </a:p>
+          <a:p>
+            <a:pPr lvl="1"/>
+            <a:r>
+              <a:rPr b="1"/>
+              <a:t>Circuitanalyse</a:t>
+            </a:r>
+            <a:r>
+              <a:t> - Praktisch schema en componenten</a:t>
+            </a:r>
+          </a:p>
+          <a:p>
+            <a:pPr lvl="1"/>
+            <a:r>
+              <a:rPr b="1"/>
+              <a:t>Simulaties</a:t>
+            </a:r>
+            <a:r>
+              <a:t> - SPICE analyse van het gedrag</a:t>
+            </a:r>
+          </a:p>
+          <a:p>
+            <a:pPr lvl="1"/>
+            <a:r>
+              <a:rPr b="1"/>
+              <a:t>Harmonische filtering</a:t>
+            </a:r>
+            <a:r>
+              <a:t> - Rol van de extra LC-kringen</a:t>
+            </a:r>
+          </a:p>
+          <a:p>
+            <a:pPr lvl="1"/>
+            <a:r>
+              <a:rPr b="1"/>
+              <a:t>Efficiëntie</a:t>
+            </a:r>
+            <a:r>
+              <a:t> - Prestatievoordelen</a:t>
+            </a:r>
+          </a:p>
+          <a:p>
+            <a:pPr lvl="1"/>
+            <a:r>
+              <a:rPr b="1"/>
+              <a:t>Alternatieve schema's</a:t>
+            </a:r>
+            <a:r>
+              <a:t> - Varianten en toepassingen</a:t>
+            </a:r>
+          </a:p>
+          <a:p>
+            <a:pPr lvl="1"/>
+            <a:r>
+              <a:rPr b="1"/>
+              <a:t>Conclusies</a:t>
+            </a:r>
+            <a:r>
+              <a:t> - Samenvatting en praktische overwegingen</a:t>
+            </a:r>
+          </a:p>
+        </p:txBody>
+      </p:sp>
+      <p:sp>
+        <p:nvSpPr>
+          <p:cNvPr id="3" name="Title 2"/>
+          <p:cNvSpPr>
+            <a:spLocks noGrp="1"/>
+          </p:cNvSpPr>
+          <p:nvPr>
+            <p:ph type="title"/>
+          </p:nvPr>
+        </p:nvSpPr>
+        <p:spPr/>
+        <p:txBody>
+          <a:bodyPr wrap="square">
+            <a:noAutofit/>
+          </a:bodyPr>
+          <a:lstStyle/>
+          <a:p>
+            <a:r>
+              <a:rPr sz="3200" b="1" i="0">
+                <a:latin typeface="Arial"/>
+              </a:rPr>
+              <a:t>Overzicht</a:t>
+            </a:r>
+            <a:endParaRPr sz="3200" b="1" i="0">
+              <a:latin typeface="Arial"/>
+            </a:endParaRPr>
+          </a:p>
+        </p:txBody>
+      </p:sp>
+    </p:spTree>
+  </p:cSld>
+  <p:clrMapOvr>
+    <a:masterClrMapping/>
+  </p:clrMapOvr>
+</p:sld>
+</file>
+
+<file path=ppt/slides/slide20.xml><?xml version="1.0" encoding="utf-8"?>
+<p:sld xmlns:a="http://schemas.openxmlformats.org/drawingml/2006/main" xmlns:p="http://schemas.openxmlformats.org/presentationml/2006/main" xmlns:r="http://schemas.openxmlformats.org/officeDocument/2006/relationships">
+  <p:cSld>
+    <p:spTree>
+      <p:nvGrpSpPr>
+        <p:cNvPr id="1" name=""/>
+        <p:cNvGrpSpPr/>
+        <p:nvPr/>
+      </p:nvGrpSpPr>
+      <p:grpSpPr/>
+      <p:sp>
+        <p:nvSpPr>
+          <p:cNvPr id="2" name="Title 1"/>
+          <p:cNvSpPr>
+            <a:spLocks noGrp="1"/>
+          </p:cNvSpPr>
+          <p:nvPr>
+            <p:ph type="title"/>
+          </p:nvPr>
+        </p:nvSpPr>
+        <p:spPr/>
+        <p:txBody>
+          <a:bodyPr wrap="square">
+            <a:noAutofit/>
+          </a:bodyPr>
+          <a:lstStyle/>
+          <a:p>
+            <a:r>
+              <a:rPr sz="3200" b="1" i="0">
+                <a:latin typeface="Arial"/>
+              </a:rPr>
+              <a:t>Efficiëntie van Klasse F Versterkers</a:t>
+            </a:r>
+            <a:endParaRPr sz="3200" b="1" i="0">
+              <a:latin typeface="Arial"/>
+            </a:endParaRPr>
+          </a:p>
+        </p:txBody>
+      </p:sp>
+    </p:spTree>
+  </p:cSld>
+  <p:clrMapOvr>
+    <a:masterClrMapping/>
+  </p:clrMapOvr>
+</p:sld>
+</file>
+
+<file path=ppt/slides/slide21.xml><?xml version="1.0" encoding="utf-8"?>
+<p:sld xmlns:a="http://schemas.openxmlformats.org/drawingml/2006/main" xmlns:p="http://schemas.openxmlformats.org/presentationml/2006/main" xmlns:r="http://schemas.openxmlformats.org/officeDocument/2006/relationships">
+  <p:cSld>
+    <p:spTree>
+      <p:nvGrpSpPr>
+        <p:cNvPr id="1" name=""/>
+        <p:cNvGrpSpPr/>
+        <p:nvPr/>
+      </p:nvGrpSpPr>
+      <p:grpSpPr/>
+      <p:sp>
+        <p:nvSpPr>
+          <p:cNvPr id="2" name="Content Placeholder 1"/>
+          <p:cNvSpPr>
+            <a:spLocks noGrp="1"/>
+          </p:cNvSpPr>
+          <p:nvPr>
+            <p:ph idx="1"/>
+          </p:nvPr>
+        </p:nvSpPr>
+        <p:spPr/>
+        <p:txBody>
+          <a:bodyPr>
+            <a:spAutoFit/>
+          </a:bodyPr>
+          <a:lstStyle/>
+          <a:p/>
+          <a:p>
+            <a:pPr lvl="1"/>
+            <a:r>
+              <a:rPr b="1"/>
+              <a:t>Klasse A</a:t>
+            </a:r>
+            <a:r>
+              <a:t>: Max 50%</a:t>
+            </a:r>
+          </a:p>
+          <a:p>
+            <a:pPr lvl="1"/>
+            <a:r>
+              <a:rPr b="1"/>
+              <a:t>Klasse B</a:t>
+            </a:r>
+            <a:r>
+              <a:t>: Max 78.5%</a:t>
+            </a:r>
+          </a:p>
+          <a:p>
+            <a:pPr lvl="1"/>
+            <a:r>
+              <a:rPr b="1"/>
+              <a:t>Klasse C</a:t>
+            </a:r>
+            <a:r>
+              <a:t>: 85-90%</a:t>
+            </a:r>
+          </a:p>
+          <a:p>
+            <a:pPr lvl="1"/>
+            <a:r>
+              <a:rPr b="1"/>
+              <a:t>Klasse F</a:t>
+            </a:r>
+            <a:r>
+              <a:t>: Tot 100% (theoretisch)</a:t>
+            </a:r>
+          </a:p>
+        </p:txBody>
+      </p:sp>
+      <p:sp>
+        <p:nvSpPr>
+          <p:cNvPr id="3" name="Title 2"/>
+          <p:cNvSpPr>
+            <a:spLocks noGrp="1"/>
+          </p:cNvSpPr>
+          <p:nvPr>
+            <p:ph type="title"/>
+          </p:nvPr>
+        </p:nvSpPr>
+        <p:spPr/>
+        <p:txBody>
+          <a:bodyPr wrap="square">
+            <a:noAutofit/>
+          </a:bodyPr>
+          <a:lstStyle/>
+          <a:p>
+            <a:r>
+              <a:rPr sz="3200" b="1" i="0">
+                <a:latin typeface="Arial"/>
+              </a:rPr>
+              <a:t>Theoretische efficiëntie</a:t>
+            </a:r>
+            <a:endParaRPr sz="3200" b="1" i="0">
+              <a:latin typeface="Arial"/>
+            </a:endParaRPr>
+          </a:p>
+        </p:txBody>
+      </p:sp>
+    </p:spTree>
+  </p:cSld>
+  <p:clrMapOvr>
+    <a:masterClrMapping/>
+  </p:clrMapOvr>
+</p:sld>
+</file>
+
+<file path=ppt/slides/slide22.xml><?xml version="1.0" encoding="utf-8"?>
+<p:sld xmlns:a="http://schemas.openxmlformats.org/drawingml/2006/main" xmlns:p="http://schemas.openxmlformats.org/presentationml/2006/main" xmlns:r="http://schemas.openxmlformats.org/officeDocument/2006/relationships">
+  <p:cSld>
+    <p:spTree>
+      <p:nvGrpSpPr>
+        <p:cNvPr id="1" name=""/>
+        <p:cNvGrpSpPr/>
+        <p:nvPr/>
+      </p:nvGrpSpPr>
+      <p:grpSpPr/>
+      <p:sp>
+        <p:nvSpPr>
+          <p:cNvPr id="2" name="Content Placeholder 1"/>
+          <p:cNvSpPr>
+            <a:spLocks noGrp="1"/>
+          </p:cNvSpPr>
+          <p:nvPr>
+            <p:ph idx="1"/>
+          </p:nvPr>
+        </p:nvSpPr>
+        <p:spPr/>
+        <p:txBody>
+          <a:bodyPr>
+            <a:spAutoFit/>
+          </a:bodyPr>
+          <a:lstStyle/>
+          <a:p/>
+          <a:p>
+            <a:pPr lvl="1"/>
+            <a:r>
+              <a:rPr b="1"/>
+              <a:t>Energiebesparing</a:t>
+            </a:r>
+            <a:r>
+              <a:t>: Lagere operationele kosten</a:t>
+            </a:r>
+          </a:p>
+          <a:p>
+            <a:pPr lvl="1"/>
+            <a:r>
+              <a:rPr b="1"/>
+              <a:t>Koeling</a:t>
+            </a:r>
+            <a:r>
+              <a:t>: Minder warmteontwikkeling</a:t>
+            </a:r>
+          </a:p>
+          <a:p>
+            <a:pPr lvl="1"/>
+            <a:r>
+              <a:rPr b="1"/>
+              <a:t>Batterijduur</a:t>
+            </a:r>
+            <a:r>
+              <a:t>: Langer bij draagbare apparaten</a:t>
+            </a:r>
+          </a:p>
+          <a:p>
+            <a:pPr lvl="1"/>
+            <a:r>
+              <a:rPr b="1"/>
+              <a:t>Vermogen</a:t>
+            </a:r>
+            <a:r>
+              <a:t>: Meer output bij zelfde transistor</a:t>
+            </a:r>
+          </a:p>
+        </p:txBody>
+      </p:sp>
+      <p:sp>
+        <p:nvSpPr>
+          <p:cNvPr id="3" name="Title 2"/>
+          <p:cNvSpPr>
+            <a:spLocks noGrp="1"/>
+          </p:cNvSpPr>
+          <p:nvPr>
+            <p:ph type="title"/>
+          </p:nvPr>
+        </p:nvSpPr>
+        <p:spPr/>
+        <p:txBody>
+          <a:bodyPr wrap="square">
+            <a:noAutofit/>
+          </a:bodyPr>
+          <a:lstStyle/>
+          <a:p>
+            <a:r>
+              <a:rPr sz="3200" b="1" i="0">
+                <a:latin typeface="Arial"/>
+              </a:rPr>
+              <a:t>Praktische voordelen</a:t>
+            </a:r>
+            <a:endParaRPr sz="3200" b="1" i="0">
+              <a:latin typeface="Arial"/>
+            </a:endParaRPr>
+          </a:p>
+        </p:txBody>
+      </p:sp>
+    </p:spTree>
+  </p:cSld>
+  <p:clrMapOvr>
+    <a:masterClrMapping/>
+  </p:clrMapOvr>
+</p:sld>
+</file>
+
+<file path=ppt/slides/slide23.xml><?xml version="1.0" encoding="utf-8"?>
+<p:sld xmlns:a="http://schemas.openxmlformats.org/drawingml/2006/main" xmlns:p="http://schemas.openxmlformats.org/presentationml/2006/main" xmlns:r="http://schemas.openxmlformats.org/officeDocument/2006/relationships">
+  <p:cSld>
+    <p:spTree>
+      <p:nvGrpSpPr>
+        <p:cNvPr id="1" name=""/>
+        <p:cNvGrpSpPr/>
+        <p:nvPr/>
+      </p:nvGrpSpPr>
+      <p:grpSpPr/>
+      <p:sp>
+        <p:nvSpPr>
+          <p:cNvPr id="2" name="Content Placeholder 1"/>
+          <p:cNvSpPr>
+            <a:spLocks noGrp="1"/>
+          </p:cNvSpPr>
+          <p:nvPr>
+            <p:ph idx="1"/>
+          </p:nvPr>
+        </p:nvSpPr>
+        <p:spPr/>
+        <p:txBody>
+          <a:bodyPr>
+            <a:spAutoFit/>
+          </a:bodyPr>
+          <a:lstStyle/>
+          <a:p/>
+          <a:p>
+            <a:pPr lvl="1"/>
+            <a:r>
+              <a:t>⚡ </a:t>
+            </a:r>
+            <a:r>
+              <a:rPr b="1"/>
+              <a:t>Voordeel</a:t>
+            </a:r>
+            <a:r>
+              <a:t>: Hogere efficiëntie</a:t>
+            </a:r>
+          </a:p>
+          <a:p>
+            <a:pPr lvl="1"/>
+            <a:r>
+              <a:t>💰 </a:t>
+            </a:r>
+            <a:r>
+              <a:rPr b="1"/>
+              <a:t>Nadeel</a:t>
+            </a:r>
+            <a:r>
+              <a:t>: Meer componenten (kosten)</a:t>
+            </a:r>
+          </a:p>
+          <a:p>
+            <a:pPr lvl="1"/>
+            <a:r>
+              <a:t>📐 </a:t>
+            </a:r>
+            <a:r>
+              <a:rPr b="1"/>
+              <a:t>Nadeel</a:t>
+            </a:r>
+            <a:r>
+              <a:t>: Complexer ontwerp</a:t>
+            </a:r>
+          </a:p>
+          <a:p>
+            <a:pPr lvl="1"/>
+            <a:r>
+              <a:t>📏 </a:t>
+            </a:r>
+            <a:r>
+              <a:rPr b="1"/>
+              <a:t>Nadeel</a:t>
+            </a:r>
+            <a:r>
+              <a:t>: Meer PCB ruimte</a:t>
+            </a:r>
+          </a:p>
+        </p:txBody>
+      </p:sp>
+      <p:sp>
+        <p:nvSpPr>
+          <p:cNvPr id="3" name="Title 2"/>
+          <p:cNvSpPr>
+            <a:spLocks noGrp="1"/>
+          </p:cNvSpPr>
+          <p:nvPr>
+            <p:ph type="title"/>
+          </p:nvPr>
+        </p:nvSpPr>
+        <p:spPr/>
+        <p:txBody>
+          <a:bodyPr/>
+          <a:lstStyle/>
+          <a:p/>
+        </p:txBody>
+      </p:sp>
+    </p:spTree>
+  </p:cSld>
+  <p:clrMapOvr>
+    <a:masterClrMapping/>
+  </p:clrMapOvr>
+</p:sld>
+</file>
+
+<file path=ppt/slides/slide24.xml><?xml version="1.0" encoding="utf-8"?>
+<p:sld xmlns:a="http://schemas.openxmlformats.org/drawingml/2006/main" xmlns:p="http://schemas.openxmlformats.org/presentationml/2006/main" xmlns:r="http://schemas.openxmlformats.org/officeDocument/2006/relationships">
+  <p:cSld>
+    <p:spTree>
+      <p:nvGrpSpPr>
+        <p:cNvPr id="1" name=""/>
+        <p:cNvGrpSpPr/>
+        <p:nvPr/>
+      </p:nvGrpSpPr>
+      <p:grpSpPr/>
+      <p:sp>
+        <p:nvSpPr>
+          <p:cNvPr id="2" name="Title 1"/>
+          <p:cNvSpPr>
+            <a:spLocks noGrp="1"/>
+          </p:cNvSpPr>
+          <p:nvPr>
+            <p:ph type="title"/>
+          </p:nvPr>
+        </p:nvSpPr>
+        <p:spPr/>
+        <p:txBody>
+          <a:bodyPr wrap="square">
+            <a:noAutofit/>
+          </a:bodyPr>
+          <a:lstStyle/>
+          <a:p>
+            <a:r>
+              <a:rPr sz="3200" b="1" i="0">
+                <a:latin typeface="Arial"/>
+              </a:rPr>
+              <a:t>Alternatieve schema's van de klasse F versterker</a:t>
+            </a:r>
+            <a:endParaRPr sz="3200" b="1" i="0">
+              <a:latin typeface="Arial"/>
+            </a:endParaRPr>
+          </a:p>
+        </p:txBody>
+      </p:sp>
+    </p:spTree>
+  </p:cSld>
+  <p:clrMapOvr>
+    <a:masterClrMapping/>
+  </p:clrMapOvr>
+</p:sld>
+</file>
+
+<file path=ppt/slides/slide25.xml><?xml version="1.0" encoding="utf-8"?>
+<p:sld xmlns:a="http://schemas.openxmlformats.org/drawingml/2006/main" xmlns:p="http://schemas.openxmlformats.org/presentationml/2006/main" xmlns:r="http://schemas.openxmlformats.org/officeDocument/2006/relationships">
+  <p:cSld>
+    <p:spTree>
+      <p:nvGrpSpPr>
+        <p:cNvPr id="1" name=""/>
+        <p:cNvGrpSpPr/>
+        <p:nvPr/>
+      </p:nvGrpSpPr>
+      <p:grpSpPr/>
+      <p:sp>
+        <p:nvSpPr>
+          <p:cNvPr id="2" name="Title 1"/>
+          <p:cNvSpPr>
+            <a:spLocks noGrp="1"/>
+          </p:cNvSpPr>
+          <p:nvPr>
+            <p:ph type="title"/>
+          </p:nvPr>
+        </p:nvSpPr>
+        <p:spPr/>
+        <p:txBody>
+          <a:bodyPr wrap="square">
+            <a:noAutofit/>
+          </a:bodyPr>
+          <a:lstStyle/>
+          <a:p>
+            <a:r>
+              <a:rPr sz="2800" b="1" i="0">
+                <a:latin typeface="Arial"/>
+              </a:rPr>
+              <a:t>klasse F versterker waarbij de uitgang oscilleert rond de grond</a:t>
+            </a:r>
+            <a:endParaRPr sz="2800" b="1" i="0">
+              <a:latin typeface="Arial"/>
+            </a:endParaRPr>
+          </a:p>
+        </p:txBody>
+      </p:sp>
+      <p:pic>
+        <p:nvPicPr>
+          <p:cNvPr id="3" name="Picture 2" descr="image.png"/>
+          <p:cNvPicPr>
+            <a:picLocks noChangeAspect="1"/>
+          </p:cNvPicPr>
+          <p:nvPr/>
+        </p:nvPicPr>
+        <p:blipFill>
+          <a:blip r:embed="rId2"/>
+          <a:stretch>
+            <a:fillRect/>
+          </a:stretch>
+        </p:blipFill>
+        <p:spPr>
+          <a:xfrm>
+            <a:off x="453462" y="566928"/>
+            <a:ext cx="11285076" cy="5669280"/>
+          </a:xfrm>
+          <a:prstGeom prst="rect">
+            <a:avLst/>
+          </a:prstGeom>
+        </p:spPr>
+      </p:pic>
+    </p:spTree>
+  </p:cSld>
+  <p:clrMapOvr>
+    <a:masterClrMapping/>
+  </p:clrMapOvr>
+</p:sld>
+</file>
+
+<file path=ppt/slides/slide26.xml><?xml version="1.0" encoding="utf-8"?>
+<p:sld xmlns:a="http://schemas.openxmlformats.org/drawingml/2006/main" xmlns:p="http://schemas.openxmlformats.org/presentationml/2006/main" xmlns:r="http://schemas.openxmlformats.org/officeDocument/2006/relationships">
+  <p:cSld>
+    <p:spTree>
+      <p:nvGrpSpPr>
+        <p:cNvPr id="1" name=""/>
+        <p:cNvGrpSpPr/>
+        <p:nvPr/>
+      </p:nvGrpSpPr>
+      <p:grpSpPr/>
+      <p:sp>
+        <p:nvSpPr>
           <p:cNvPr id="2" name="Content Placeholder 1"/>
           <p:cNvSpPr>
             <a:spLocks noGrp="1"/>
@@ -6153,7 +7530,7 @@
               <a:rPr sz="2400" b="0" i="0">
                 <a:latin typeface="Courier"/>
               </a:rPr>
-              <a:t>C_C2         2 5   1000n</a:t>
+              <a:t>* klasseF</a:t>
             </a:r>
             <a:endParaRPr sz="2400" b="0" i="0">
               <a:latin typeface="Courier"/>
@@ -6174,7 +7551,196 @@
               <a:rPr sz="2400" b="0" i="0">
                 <a:latin typeface="Courier"/>
               </a:rPr>
-              <a:t>.model Q2  NPN(Is=14.34f BF=200 Rb=100 )</a:t>
+              <a:t>Q_Q1         2 1 0 Q2</a:t>
+            </a:r>
+            <a:endParaRPr sz="2400" b="0" i="0">
+              <a:latin typeface="Courier"/>
+            </a:endParaRPr>
+          </a:p>
+          <a:p>
+            <a:pPr>
+              <a:lnSpc>
+                <a:spcPts val="2400"/>
+              </a:lnSpc>
+              <a:defRPr>
+                <a:solidFill>
+                  <a:srgbClr val="FFFFFF"/>
+                </a:solidFill>
+              </a:defRPr>
+            </a:pPr>
+            <a:r>
+              <a:rPr sz="2400" b="0" i="0">
+                <a:latin typeface="Courier"/>
+              </a:rPr>
+              <a:t>L_L1         0 3   1uH</a:t>
+            </a:r>
+            <a:endParaRPr sz="2400" b="0" i="0">
+              <a:latin typeface="Courier"/>
+            </a:endParaRPr>
+          </a:p>
+          <a:p>
+            <a:pPr>
+              <a:lnSpc>
+                <a:spcPts val="2400"/>
+              </a:lnSpc>
+              <a:defRPr>
+                <a:solidFill>
+                  <a:srgbClr val="FFFFFF"/>
+                </a:solidFill>
+              </a:defRPr>
+            </a:pPr>
+            <a:r>
+              <a:rPr sz="2400" b="0" i="0">
+                <a:latin typeface="Courier"/>
+              </a:rPr>
+              <a:t>C_C1         0 3   10n</a:t>
+            </a:r>
+            <a:endParaRPr sz="2400" b="0" i="0">
+              <a:latin typeface="Courier"/>
+            </a:endParaRPr>
+          </a:p>
+          <a:p>
+            <a:pPr>
+              <a:lnSpc>
+                <a:spcPts val="2400"/>
+              </a:lnSpc>
+              <a:defRPr>
+                <a:solidFill>
+                  <a:srgbClr val="FFFFFF"/>
+                </a:solidFill>
+              </a:defRPr>
+            </a:pPr>
+            <a:r>
+              <a:rPr sz="2400" b="0" i="0">
+                <a:latin typeface="Courier"/>
+              </a:rPr>
+              <a:t>R_R1         0 3   100</a:t>
+            </a:r>
+            <a:endParaRPr sz="2400" b="0" i="0">
+              <a:latin typeface="Courier"/>
+            </a:endParaRPr>
+          </a:p>
+          <a:p>
+            <a:pPr>
+              <a:lnSpc>
+                <a:spcPts val="2400"/>
+              </a:lnSpc>
+              <a:defRPr>
+                <a:solidFill>
+                  <a:srgbClr val="FFFFFF"/>
+                </a:solidFill>
+              </a:defRPr>
+            </a:pPr>
+            <a:r>
+              <a:rPr sz="2400" b="0" i="0">
+                <a:latin typeface="Courier"/>
+              </a:rPr>
+              <a:t>V_V3         4 0   10V</a:t>
+            </a:r>
+            <a:endParaRPr sz="2400" b="0" i="0">
+              <a:latin typeface="Courier"/>
+            </a:endParaRPr>
+          </a:p>
+          <a:p>
+            <a:pPr>
+              <a:lnSpc>
+                <a:spcPts val="2400"/>
+              </a:lnSpc>
+              <a:defRPr>
+                <a:solidFill>
+                  <a:srgbClr val="FFFFFF"/>
+                </a:solidFill>
+              </a:defRPr>
+            </a:pPr>
+            <a:r>
+              <a:rPr sz="2400" b="0" i="0">
+                <a:latin typeface="Courier"/>
+              </a:rPr>
+              <a:t>V_V5         1 0   sin(0.4 0.8 1591500) DC=0.4</a:t>
+            </a:r>
+            <a:endParaRPr sz="2400" b="0" i="0">
+              <a:latin typeface="Courier"/>
+            </a:endParaRPr>
+          </a:p>
+          <a:p>
+            <a:pPr>
+              <a:lnSpc>
+                <a:spcPts val="2400"/>
+              </a:lnSpc>
+              <a:defRPr>
+                <a:solidFill>
+                  <a:srgbClr val="FFFFFF"/>
+                </a:solidFill>
+              </a:defRPr>
+            </a:pPr>
+            <a:r>
+              <a:rPr sz="2400" b="0" i="0">
+                <a:latin typeface="Courier"/>
+              </a:rPr>
+              <a:t>C_C3         5 3   10n</a:t>
+            </a:r>
+            <a:endParaRPr sz="2400" b="0" i="0">
+              <a:latin typeface="Courier"/>
+            </a:endParaRPr>
+          </a:p>
+          <a:p>
+            <a:pPr>
+              <a:lnSpc>
+                <a:spcPts val="2400"/>
+              </a:lnSpc>
+              <a:defRPr>
+                <a:solidFill>
+                  <a:srgbClr val="FFFFFF"/>
+                </a:solidFill>
+              </a:defRPr>
+            </a:pPr>
+            <a:r>
+              <a:rPr sz="2400" b="0" i="0">
+                <a:latin typeface="Courier"/>
+              </a:rPr>
+              <a:t>L_L3         6 3   0.111uH</a:t>
+            </a:r>
+            <a:endParaRPr sz="2400" b="0" i="0">
+              <a:latin typeface="Courier"/>
+            </a:endParaRPr>
+          </a:p>
+          <a:p>
+            <a:pPr>
+              <a:lnSpc>
+                <a:spcPts val="2400"/>
+              </a:lnSpc>
+              <a:defRPr>
+                <a:solidFill>
+                  <a:srgbClr val="FFFFFF"/>
+                </a:solidFill>
+              </a:defRPr>
+            </a:pPr>
+            <a:r>
+              <a:rPr sz="2400" b="0" i="0">
+                <a:latin typeface="Courier"/>
+              </a:rPr>
+              <a:t>R_R3         6 5   0.001</a:t>
+            </a:r>
+            <a:endParaRPr sz="2400" b="0" i="0">
+              <a:latin typeface="Courier"/>
+            </a:endParaRPr>
+          </a:p>
+          <a:p>
+            <a:pPr>
+              <a:lnSpc>
+                <a:spcPts val="2400"/>
+              </a:lnSpc>
+              <a:defRPr>
+                <a:solidFill>
+                  <a:srgbClr val="FFFFFF"/>
+                </a:solidFill>
+              </a:defRPr>
+            </a:pPr>
+            <a:r>
+              <a:rPr sz="2400" b="0" i="0">
+                <a:latin typeface="Courier"/>
+              </a:rPr>
+              <a:t>L_L2         2 4   2mH</a:t>
             </a:r>
             <a:endParaRPr sz="2400" b="0" i="0">
               <a:latin typeface="Courier"/>
@@ -6219,7 +7785,114 @@
 </p:sld>
 </file>
 
-<file path=ppt/slides/slide12.xml><?xml version="1.0" encoding="utf-8"?>
+<file path=ppt/slides/slide27.xml><?xml version="1.0" encoding="utf-8"?>
+<p:sld xmlns:a="http://schemas.openxmlformats.org/drawingml/2006/main" xmlns:p="http://schemas.openxmlformats.org/presentationml/2006/main" xmlns:r="http://schemas.openxmlformats.org/officeDocument/2006/relationships">
+  <p:cSld>
+    <p:spTree>
+      <p:nvGrpSpPr>
+        <p:cNvPr id="1" name=""/>
+        <p:cNvGrpSpPr/>
+        <p:nvPr/>
+      </p:nvGrpSpPr>
+      <p:grpSpPr/>
+      <p:sp>
+        <p:nvSpPr>
+          <p:cNvPr id="2" name="Content Placeholder 1"/>
+          <p:cNvSpPr>
+            <a:spLocks noGrp="1"/>
+          </p:cNvSpPr>
+          <p:nvPr>
+            <p:ph idx="1"/>
+          </p:nvPr>
+        </p:nvSpPr>
+        <p:spPr/>
+        <p:txBody>
+          <a:bodyPr wrap="square">
+            <a:noAutofit/>
+          </a:bodyPr>
+          <a:lstStyle/>
+          <a:p>
+            <a:pPr>
+              <a:lnSpc>
+                <a:spcPts val="2400"/>
+              </a:lnSpc>
+              <a:defRPr>
+                <a:solidFill>
+                  <a:srgbClr val="FFFFFF"/>
+                </a:solidFill>
+              </a:defRPr>
+            </a:pPr>
+            <a:r>
+              <a:rPr sz="2400" b="0" i="0">
+                <a:latin typeface="Courier"/>
+              </a:rPr>
+              <a:t>C_C2         2 5   1000n</a:t>
+            </a:r>
+            <a:endParaRPr sz="2400" b="0" i="0">
+              <a:latin typeface="Courier"/>
+            </a:endParaRPr>
+          </a:p>
+          <a:p>
+            <a:pPr>
+              <a:lnSpc>
+                <a:spcPts val="2400"/>
+              </a:lnSpc>
+              <a:defRPr>
+                <a:solidFill>
+                  <a:srgbClr val="FFFFFF"/>
+                </a:solidFill>
+              </a:defRPr>
+            </a:pPr>
+            <a:r>
+              <a:rPr sz="2400" b="0" i="0">
+                <a:latin typeface="Courier"/>
+              </a:rPr>
+              <a:t>.model Q2  NPN(Is=14.34f BF=200 Rb=100 )</a:t>
+            </a:r>
+            <a:endParaRPr sz="2400" b="0" i="0">
+              <a:latin typeface="Courier"/>
+            </a:endParaRPr>
+          </a:p>
+        </p:txBody>
+      </p:sp>
+      <p:sp>
+        <p:nvSpPr>
+          <p:cNvPr id="3" name="Title 2"/>
+          <p:cNvSpPr>
+            <a:spLocks noGrp="1"/>
+          </p:cNvSpPr>
+          <p:nvPr>
+            <p:ph type="title"/>
+          </p:nvPr>
+        </p:nvSpPr>
+        <p:spPr/>
+        <p:txBody>
+          <a:bodyPr wrap="square">
+            <a:noAutofit/>
+          </a:bodyPr>
+          <a:lstStyle/>
+          <a:p>
+            <a:r>
+              <a:rPr sz="3200" b="1" i="0">
+                <a:latin typeface="Arial"/>
+              </a:rPr>
+              <a:t>Klasse F versterker met oscillatie rond de grond</a:t>
+            </a:r>
+            <a:endParaRPr sz="3200" b="1" i="0">
+              <a:latin typeface="Arial"/>
+            </a:endParaRPr>
+          </a:p>
+        </p:txBody>
+      </p:sp>
+    </p:spTree>
+  </p:cSld>
+  <p:clrMapOvr>
+    <a:masterClrMapping/>
+  </p:clrMapOvr>
+</p:sld>
+</file>
+
+<file path=ppt/slides/slide28.xml><?xml version="1.0" encoding="utf-8"?>
 <p:sld xmlns:a="http://schemas.openxmlformats.org/drawingml/2006/main" xmlns:p="http://schemas.openxmlformats.org/presentationml/2006/main" xmlns:r="http://schemas.openxmlformats.org/officeDocument/2006/relationships">
   <p:cSld>
     <p:spTree>
@@ -6290,7 +7963,234 @@
 </p:sld>
 </file>
 
-<file path=ppt/slides/slide13.xml><?xml version="1.0" encoding="utf-8"?>
+<file path=ppt/slides/slide29.xml><?xml version="1.0" encoding="utf-8"?>
+<p:sld xmlns:a="http://schemas.openxmlformats.org/drawingml/2006/main" xmlns:p="http://schemas.openxmlformats.org/presentationml/2006/main" xmlns:r="http://schemas.openxmlformats.org/officeDocument/2006/relationships">
+  <p:cSld>
+    <p:spTree>
+      <p:nvGrpSpPr>
+        <p:cNvPr id="1" name=""/>
+        <p:cNvGrpSpPr/>
+        <p:nvPr/>
+      </p:nvGrpSpPr>
+      <p:grpSpPr/>
+      <p:sp>
+        <p:nvSpPr>
+          <p:cNvPr id="2" name="Content Placeholder 1"/>
+          <p:cNvSpPr>
+            <a:spLocks noGrp="1"/>
+          </p:cNvSpPr>
+          <p:nvPr>
+            <p:ph idx="1"/>
+          </p:nvPr>
+        </p:nvSpPr>
+        <p:spPr/>
+        <p:txBody>
+          <a:bodyPr>
+            <a:spAutoFit/>
+          </a:bodyPr>
+          <a:lstStyle/>
+          <a:p/>
+          <a:p>
+            <a:pPr/>
+            <a:r>
+              <a:t>Het alternatieve schema biedt:</a:t>
+            </a:r>
+          </a:p>
+          <a:p>
+            <a:pPr lvl="1"/>
+            <a:r>
+              <a:rPr b="1"/>
+              <a:t>Aarding</a:t>
+            </a:r>
+            <a:r>
+              <a:t>: Oscillatie rond 0V ipv VCC</a:t>
+            </a:r>
+          </a:p>
+          <a:p>
+            <a:pPr lvl="1"/>
+            <a:r>
+              <a:rPr b="1"/>
+              <a:t>Eenvoud</a:t>
+            </a:r>
+            <a:r>
+              <a:t>: Gemakkelijkere metingen</a:t>
+            </a:r>
+          </a:p>
+          <a:p>
+            <a:pPr lvl="1"/>
+            <a:r>
+              <a:rPr b="1"/>
+              <a:t>Praktisch</a:t>
+            </a:r>
+            <a:r>
+              <a:t>: Beter voor sommige toepassingen</a:t>
+            </a:r>
+          </a:p>
+        </p:txBody>
+      </p:sp>
+      <p:sp>
+        <p:nvSpPr>
+          <p:cNvPr id="3" name="Title 2"/>
+          <p:cNvSpPr>
+            <a:spLocks noGrp="1"/>
+          </p:cNvSpPr>
+          <p:nvPr>
+            <p:ph type="title"/>
+          </p:nvPr>
+        </p:nvSpPr>
+        <p:spPr/>
+        <p:txBody>
+          <a:bodyPr wrap="square">
+            <a:noAutofit/>
+          </a:bodyPr>
+          <a:lstStyle/>
+          <a:p>
+            <a:r>
+              <a:rPr sz="3200" b="1" i="0">
+                <a:latin typeface="Arial"/>
+              </a:rPr>
+              <a:t>Waarom een alternatief schema?</a:t>
+            </a:r>
+            <a:endParaRPr sz="3200" b="1" i="0">
+              <a:latin typeface="Arial"/>
+            </a:endParaRPr>
+          </a:p>
+        </p:txBody>
+      </p:sp>
+    </p:spTree>
+  </p:cSld>
+  <p:clrMapOvr>
+    <a:masterClrMapping/>
+  </p:clrMapOvr>
+</p:sld>
+</file>
+
+<file path=ppt/slides/slide3.xml><?xml version="1.0" encoding="utf-8"?>
+<p:sld xmlns:a="http://schemas.openxmlformats.org/drawingml/2006/main" xmlns:p="http://schemas.openxmlformats.org/presentationml/2006/main" xmlns:r="http://schemas.openxmlformats.org/officeDocument/2006/relationships">
+  <p:cSld>
+    <p:spTree>
+      <p:nvGrpSpPr>
+        <p:cNvPr id="1" name=""/>
+        <p:cNvGrpSpPr/>
+        <p:nvPr/>
+      </p:nvGrpSpPr>
+      <p:grpSpPr/>
+      <p:sp>
+        <p:nvSpPr>
+          <p:cNvPr id="2" name="Content Placeholder 1"/>
+          <p:cNvSpPr>
+            <a:spLocks noGrp="1"/>
+          </p:cNvSpPr>
+          <p:nvPr>
+            <p:ph idx="1"/>
+          </p:nvPr>
+        </p:nvSpPr>
+        <p:spPr/>
+        <p:txBody>
+          <a:bodyPr>
+            <a:spAutoFit/>
+          </a:bodyPr>
+          <a:lstStyle/>
+          <a:p/>
+          <a:p>
+            <a:pPr/>
+            <a:r>
+              <a:t>Klasse F versterkers zijn </a:t>
+            </a:r>
+            <a:r>
+              <a:rPr b="1"/>
+              <a:t>hoogfrequent resonante versterkers</a:t>
+            </a:r>
+            <a:r>
+              <a:t> die:</a:t>
+            </a:r>
+          </a:p>
+          <a:p>
+            <a:pPr lvl="1"/>
+            <a:r>
+              <a:t>Werken met </a:t>
+            </a:r>
+            <a:r>
+              <a:rPr b="1"/>
+              <a:t>harmonische filtering</a:t>
+            </a:r>
+          </a:p>
+          <a:p>
+            <a:pPr lvl="1"/>
+            <a:r>
+              <a:t>Gebruiken </a:t>
+            </a:r>
+            <a:r>
+              <a:rPr b="1"/>
+              <a:t>meerdere LC-kringen</a:t>
+            </a:r>
+            <a:r>
+              <a:t> voor optimalisatie</a:t>
+            </a:r>
+          </a:p>
+          <a:p>
+            <a:pPr lvl="1"/>
+            <a:r>
+              <a:t>Hebben een </a:t>
+            </a:r>
+            <a:r>
+              <a:rPr b="1"/>
+              <a:t>zeer hoge efficiëntie</a:t>
+            </a:r>
+            <a:r>
+              <a:t> (theoretisch 100%)</a:t>
+            </a:r>
+          </a:p>
+          <a:p>
+            <a:pPr lvl="1"/>
+            <a:r>
+              <a:t>Zijn optimaal voor </a:t>
+            </a:r>
+            <a:r>
+              <a:rPr b="1"/>
+              <a:t>enkelvoudige frequenties</a:t>
+            </a:r>
+          </a:p>
+        </p:txBody>
+      </p:sp>
+      <p:sp>
+        <p:nvSpPr>
+          <p:cNvPr id="3" name="Title 2"/>
+          <p:cNvSpPr>
+            <a:spLocks noGrp="1"/>
+          </p:cNvSpPr>
+          <p:nvPr>
+            <p:ph type="title"/>
+          </p:nvPr>
+        </p:nvSpPr>
+        <p:spPr/>
+        <p:txBody>
+          <a:bodyPr wrap="square">
+            <a:noAutofit/>
+          </a:bodyPr>
+          <a:lstStyle/>
+          <a:p>
+            <a:r>
+              <a:rPr sz="3200" b="1" i="0">
+                <a:latin typeface="Arial"/>
+              </a:rPr>
+              <a:t>Definitie</a:t>
+            </a:r>
+            <a:endParaRPr sz="3200" b="1" i="0">
+              <a:latin typeface="Arial"/>
+            </a:endParaRPr>
+          </a:p>
+        </p:txBody>
+      </p:sp>
+    </p:spTree>
+  </p:cSld>
+  <p:clrMapOvr>
+    <a:masterClrMapping/>
+  </p:clrMapOvr>
+</p:sld>
+</file>
+
+<file path=ppt/slides/slide30.xml><?xml version="1.0" encoding="utf-8"?>
 <p:sld xmlns:a="http://schemas.openxmlformats.org/drawingml/2006/main" xmlns:p="http://schemas.openxmlformats.org/presentationml/2006/main" xmlns:r="http://schemas.openxmlformats.org/officeDocument/2006/relationships">
   <p:cSld>
     <p:spTree>
@@ -6361,7 +8261,453 @@
 </p:sld>
 </file>
 
-<file path=ppt/slides/slide14.xml><?xml version="1.0" encoding="utf-8"?>
+<file path=ppt/slides/slide31.xml><?xml version="1.0" encoding="utf-8"?>
+<p:sld xmlns:a="http://schemas.openxmlformats.org/drawingml/2006/main" xmlns:p="http://schemas.openxmlformats.org/presentationml/2006/main" xmlns:r="http://schemas.openxmlformats.org/officeDocument/2006/relationships">
+  <p:cSld>
+    <p:spTree>
+      <p:nvGrpSpPr>
+        <p:cNvPr id="1" name=""/>
+        <p:cNvGrpSpPr/>
+        <p:nvPr/>
+      </p:nvGrpSpPr>
+      <p:grpSpPr/>
+      <p:sp>
+        <p:nvSpPr>
+          <p:cNvPr id="2" name="Content Placeholder 1"/>
+          <p:cNvSpPr>
+            <a:spLocks noGrp="1"/>
+          </p:cNvSpPr>
+          <p:nvPr>
+            <p:ph idx="1"/>
+          </p:nvPr>
+        </p:nvSpPr>
+        <p:spPr/>
+        <p:txBody>
+          <a:bodyPr>
+            <a:spAutoFit/>
+          </a:bodyPr>
+          <a:lstStyle/>
+          <a:p/>
+          <a:p>
+            <a:pPr lvl="1"/>
+            <a:r>
+              <a:t>FM radio stations</a:t>
+            </a:r>
+          </a:p>
+          <a:p>
+            <a:pPr lvl="1"/>
+            <a:r>
+              <a:t>TV zenders</a:t>
+            </a:r>
+          </a:p>
+          <a:p>
+            <a:pPr lvl="1"/>
+            <a:r>
+              <a:t>Mobiele basisstations</a:t>
+            </a:r>
+          </a:p>
+          <a:p>
+            <a:pPr lvl="1"/>
+            <a:r>
+              <a:t>Satellietcommunicatie</a:t>
+            </a:r>
+          </a:p>
+        </p:txBody>
+      </p:sp>
+      <p:sp>
+        <p:nvSpPr>
+          <p:cNvPr id="3" name="Title 2"/>
+          <p:cNvSpPr>
+            <a:spLocks noGrp="1"/>
+          </p:cNvSpPr>
+          <p:nvPr>
+            <p:ph type="title"/>
+          </p:nvPr>
+        </p:nvSpPr>
+        <p:spPr/>
+        <p:txBody>
+          <a:bodyPr wrap="square">
+            <a:noAutofit/>
+          </a:bodyPr>
+          <a:lstStyle/>
+          <a:p>
+            <a:r>
+              <a:rPr sz="3200" b="1" i="0">
+                <a:latin typeface="Arial"/>
+              </a:rPr>
+              <a:t>RF Zenders</a:t>
+            </a:r>
+            <a:endParaRPr sz="3200" b="1" i="0">
+              <a:latin typeface="Arial"/>
+            </a:endParaRPr>
+          </a:p>
+        </p:txBody>
+      </p:sp>
+    </p:spTree>
+  </p:cSld>
+  <p:clrMapOvr>
+    <a:masterClrMapping/>
+  </p:clrMapOvr>
+</p:sld>
+</file>
+
+<file path=ppt/slides/slide32.xml><?xml version="1.0" encoding="utf-8"?>
+<p:sld xmlns:a="http://schemas.openxmlformats.org/drawingml/2006/main" xmlns:p="http://schemas.openxmlformats.org/presentationml/2006/main" xmlns:r="http://schemas.openxmlformats.org/officeDocument/2006/relationships">
+  <p:cSld>
+    <p:spTree>
+      <p:nvGrpSpPr>
+        <p:cNvPr id="1" name=""/>
+        <p:cNvGrpSpPr/>
+        <p:nvPr/>
+      </p:nvGrpSpPr>
+      <p:grpSpPr/>
+      <p:sp>
+        <p:nvSpPr>
+          <p:cNvPr id="2" name="Content Placeholder 1"/>
+          <p:cNvSpPr>
+            <a:spLocks noGrp="1"/>
+          </p:cNvSpPr>
+          <p:nvPr>
+            <p:ph idx="1"/>
+          </p:nvPr>
+        </p:nvSpPr>
+        <p:spPr/>
+        <p:txBody>
+          <a:bodyPr>
+            <a:spAutoFit/>
+          </a:bodyPr>
+          <a:lstStyle/>
+          <a:p/>
+          <a:p>
+            <a:pPr lvl="1"/>
+            <a:r>
+              <a:t>RF verwarming</a:t>
+            </a:r>
+          </a:p>
+          <a:p>
+            <a:pPr lvl="1"/>
+            <a:r>
+              <a:t>Plasma generatoren</a:t>
+            </a:r>
+          </a:p>
+          <a:p>
+            <a:pPr lvl="1"/>
+            <a:r>
+              <a:t>Medische diathermie</a:t>
+            </a:r>
+          </a:p>
+          <a:p>
+            <a:pPr lvl="1"/>
+            <a:r>
+              <a:t>Inductieve verwarming</a:t>
+            </a:r>
+          </a:p>
+        </p:txBody>
+      </p:sp>
+      <p:sp>
+        <p:nvSpPr>
+          <p:cNvPr id="3" name="Title 2"/>
+          <p:cNvSpPr>
+            <a:spLocks noGrp="1"/>
+          </p:cNvSpPr>
+          <p:nvPr>
+            <p:ph type="title"/>
+          </p:nvPr>
+        </p:nvSpPr>
+        <p:spPr/>
+        <p:txBody>
+          <a:bodyPr wrap="square">
+            <a:noAutofit/>
+          </a:bodyPr>
+          <a:lstStyle/>
+          <a:p>
+            <a:r>
+              <a:rPr sz="3200" b="1" i="0">
+                <a:latin typeface="Arial"/>
+              </a:rPr>
+              <a:t>Industriële toepassingen</a:t>
+            </a:r>
+            <a:endParaRPr sz="3200" b="1" i="0">
+              <a:latin typeface="Arial"/>
+            </a:endParaRPr>
+          </a:p>
+        </p:txBody>
+      </p:sp>
+    </p:spTree>
+  </p:cSld>
+  <p:clrMapOvr>
+    <a:masterClrMapping/>
+  </p:clrMapOvr>
+</p:sld>
+</file>
+
+<file path=ppt/slides/slide33.xml><?xml version="1.0" encoding="utf-8"?>
+<p:sld xmlns:a="http://schemas.openxmlformats.org/drawingml/2006/main" xmlns:p="http://schemas.openxmlformats.org/presentationml/2006/main" xmlns:r="http://schemas.openxmlformats.org/officeDocument/2006/relationships">
+  <p:cSld>
+    <p:spTree>
+      <p:nvGrpSpPr>
+        <p:cNvPr id="1" name=""/>
+        <p:cNvGrpSpPr/>
+        <p:nvPr/>
+      </p:nvGrpSpPr>
+      <p:grpSpPr/>
+      <p:sp>
+        <p:nvSpPr>
+          <p:cNvPr id="2" name="Content Placeholder 1"/>
+          <p:cNvSpPr>
+            <a:spLocks noGrp="1"/>
+          </p:cNvSpPr>
+          <p:nvPr>
+            <p:ph idx="1"/>
+          </p:nvPr>
+        </p:nvSpPr>
+        <p:spPr/>
+        <p:txBody>
+          <a:bodyPr>
+            <a:spAutoFit/>
+          </a:bodyPr>
+          <a:lstStyle/>
+          <a:p/>
+          <a:p>
+            <a:pPr lvl="1"/>
+            <a:r>
+              <a:rPr b="1"/>
+              <a:t>Frequentieselectie</a:t>
+            </a:r>
+            <a:r>
+              <a:t>: Fundamenteel + harmonischen</a:t>
+            </a:r>
+          </a:p>
+          <a:p>
+            <a:pPr lvl="1"/>
+            <a:r>
+              <a:rPr b="1"/>
+              <a:t>Q-factor</a:t>
+            </a:r>
+            <a:r>
+              <a:t>: Bandbreedte vs efficiëntie</a:t>
+            </a:r>
+          </a:p>
+          <a:p>
+            <a:pPr lvl="1"/>
+            <a:r>
+              <a:rPr b="1"/>
+              <a:t>Componenttoleranties</a:t>
+            </a:r>
+            <a:r>
+              <a:t>: Precisie vereist</a:t>
+            </a:r>
+          </a:p>
+          <a:p>
+            <a:pPr lvl="1"/>
+            <a:r>
+              <a:rPr b="1"/>
+              <a:t>Thermisch management</a:t>
+            </a:r>
+            <a:r>
+              <a:t>: Koeling</a:t>
+            </a:r>
+          </a:p>
+        </p:txBody>
+      </p:sp>
+      <p:sp>
+        <p:nvSpPr>
+          <p:cNvPr id="3" name="Title 2"/>
+          <p:cNvSpPr>
+            <a:spLocks noGrp="1"/>
+          </p:cNvSpPr>
+          <p:nvPr>
+            <p:ph type="title"/>
+          </p:nvPr>
+        </p:nvSpPr>
+        <p:spPr/>
+        <p:txBody>
+          <a:bodyPr wrap="square">
+            <a:noAutofit/>
+          </a:bodyPr>
+          <a:lstStyle/>
+          <a:p>
+            <a:r>
+              <a:rPr sz="3200" b="1" i="0">
+                <a:latin typeface="Arial"/>
+              </a:rPr>
+              <a:t>Ontwerpoverwegingen</a:t>
+            </a:r>
+            <a:endParaRPr sz="3200" b="1" i="0">
+              <a:latin typeface="Arial"/>
+            </a:endParaRPr>
+          </a:p>
+        </p:txBody>
+      </p:sp>
+    </p:spTree>
+  </p:cSld>
+  <p:clrMapOvr>
+    <a:masterClrMapping/>
+  </p:clrMapOvr>
+</p:sld>
+</file>
+
+<file path=ppt/slides/slide34.xml><?xml version="1.0" encoding="utf-8"?>
+<p:sld xmlns:a="http://schemas.openxmlformats.org/drawingml/2006/main" xmlns:p="http://schemas.openxmlformats.org/presentationml/2006/main" xmlns:r="http://schemas.openxmlformats.org/officeDocument/2006/relationships">
+  <p:cSld>
+    <p:spTree>
+      <p:nvGrpSpPr>
+        <p:cNvPr id="1" name=""/>
+        <p:cNvGrpSpPr/>
+        <p:nvPr/>
+      </p:nvGrpSpPr>
+      <p:grpSpPr/>
+      <p:sp>
+        <p:nvSpPr>
+          <p:cNvPr id="2" name="Title 1"/>
+          <p:cNvSpPr>
+            <a:spLocks noGrp="1"/>
+          </p:cNvSpPr>
+          <p:nvPr>
+            <p:ph type="title"/>
+          </p:nvPr>
+        </p:nvSpPr>
+        <p:spPr/>
+        <p:txBody>
+          <a:bodyPr wrap="square">
+            <a:noAutofit/>
+          </a:bodyPr>
+          <a:lstStyle/>
+          <a:p>
+            <a:r>
+              <a:rPr sz="3200" b="1" i="0">
+                <a:latin typeface="Arial"/>
+              </a:rPr>
+              <a:t>Samenvatting en Conclusies</a:t>
+            </a:r>
+            <a:endParaRPr sz="3200" b="1" i="0">
+              <a:latin typeface="Arial"/>
+            </a:endParaRPr>
+          </a:p>
+        </p:txBody>
+      </p:sp>
+    </p:spTree>
+  </p:cSld>
+  <p:clrMapOvr>
+    <a:masterClrMapping/>
+  </p:clrMapOvr>
+</p:sld>
+</file>
+
+<file path=ppt/slides/slide35.xml><?xml version="1.0" encoding="utf-8"?>
+<p:sld xmlns:a="http://schemas.openxmlformats.org/drawingml/2006/main" xmlns:p="http://schemas.openxmlformats.org/presentationml/2006/main" xmlns:r="http://schemas.openxmlformats.org/officeDocument/2006/relationships">
+  <p:cSld>
+    <p:spTree>
+      <p:nvGrpSpPr>
+        <p:cNvPr id="1" name=""/>
+        <p:cNvGrpSpPr/>
+        <p:nvPr/>
+      </p:nvGrpSpPr>
+      <p:grpSpPr/>
+      <p:sp>
+        <p:nvSpPr>
+          <p:cNvPr id="2" name="Content Placeholder 1"/>
+          <p:cNvSpPr>
+            <a:spLocks noGrp="1"/>
+          </p:cNvSpPr>
+          <p:nvPr>
+            <p:ph idx="1"/>
+          </p:nvPr>
+        </p:nvSpPr>
+        <p:spPr/>
+        <p:txBody>
+          <a:bodyPr>
+            <a:spAutoFit/>
+          </a:bodyPr>
+          <a:lstStyle/>
+          <a:p/>
+          <a:p>
+            <a:pPr lvl="1"/>
+            <a:r>
+              <a:rPr b="1"/>
+              <a:t>Hoogfrequent</a:t>
+            </a:r>
+            <a:r>
+              <a:t>: Resonante versterkers voor vaste frequenties</a:t>
+            </a:r>
+          </a:p>
+          <a:p>
+            <a:pPr lvl="1"/>
+            <a:r>
+              <a:rPr b="1"/>
+              <a:t>Efficiënt</a:t>
+            </a:r>
+            <a:r>
+              <a:t>: Tot 95% praktische efficiëntie mogelijk</a:t>
+            </a:r>
+          </a:p>
+          <a:p>
+            <a:pPr lvl="1"/>
+            <a:r>
+              <a:rPr b="1"/>
+              <a:t>Harmonisch</a:t>
+            </a:r>
+            <a:r>
+              <a:t>: 3e harmonische filter is essentieel</a:t>
+            </a:r>
+          </a:p>
+          <a:p>
+            <a:pPr lvl="1"/>
+            <a:r>
+              <a:rPr b="1"/>
+              <a:t>Selectief</a:t>
+            </a:r>
+            <a:r>
+              <a:t>: Smalle bandbreedte (~1% van f</a:t>
+            </a:r>
+            <a:r>
+              <a:rPr sz="1800" baseline="-25000"/>
+              <a:t>o</a:t>
+            </a:r>
+            <a:r>
+              <a:t>)</a:t>
+            </a:r>
+          </a:p>
+        </p:txBody>
+      </p:sp>
+      <p:sp>
+        <p:nvSpPr>
+          <p:cNvPr id="3" name="Title 2"/>
+          <p:cNvSpPr>
+            <a:spLocks noGrp="1"/>
+          </p:cNvSpPr>
+          <p:nvPr>
+            <p:ph type="title"/>
+          </p:nvPr>
+        </p:nvSpPr>
+        <p:spPr/>
+        <p:txBody>
+          <a:bodyPr wrap="square">
+            <a:noAutofit/>
+          </a:bodyPr>
+          <a:lstStyle/>
+          <a:p>
+            <a:r>
+              <a:rPr sz="3200" b="1" i="0">
+                <a:latin typeface="Arial"/>
+              </a:rPr>
+              <a:t>Klasse F kenmerken</a:t>
+            </a:r>
+            <a:endParaRPr sz="3200" b="1" i="0">
+              <a:latin typeface="Arial"/>
+            </a:endParaRPr>
+          </a:p>
+        </p:txBody>
+      </p:sp>
+    </p:spTree>
+  </p:cSld>
+  <p:clrMapOvr>
+    <a:masterClrMapping/>
+  </p:clrMapOvr>
+</p:sld>
+</file>
+
+<file path=ppt/slides/slide36.xml><?xml version="1.0" encoding="utf-8"?>
 <p:sld xmlns:a="http://schemas.openxmlformats.org/drawingml/2006/main" xmlns:p="http://schemas.openxmlformats.org/presentationml/2006/main" xmlns:r="http://schemas.openxmlformats.org/officeDocument/2006/relationships">
   <p:cSld>
     <p:spTree>
@@ -6379,7 +8725,7 @@
 </p:sld>
 </file>
 
-<file path=ppt/slides/slide15.xml><?xml version="1.0" encoding="utf-8"?>
+<file path=ppt/slides/slide37.xml><?xml version="1.0" encoding="utf-8"?>
 <p:sld xmlns:a="http://schemas.openxmlformats.org/drawingml/2006/main" xmlns:p="http://schemas.openxmlformats.org/presentationml/2006/main" xmlns:r="http://schemas.openxmlformats.org/officeDocument/2006/relationships">
   <p:cSld>
     <p:spTree>
@@ -6397,7 +8743,375 @@
 </p:sld>
 </file>
 
-<file path=ppt/slides/slide2.xml><?xml version="1.0" encoding="utf-8"?>
+<file path=ppt/slides/slide4.xml><?xml version="1.0" encoding="utf-8"?>
+<p:sld xmlns:a="http://schemas.openxmlformats.org/drawingml/2006/main" xmlns:p="http://schemas.openxmlformats.org/presentationml/2006/main" xmlns:r="http://schemas.openxmlformats.org/officeDocument/2006/relationships">
+  <p:cSld>
+    <p:spTree>
+      <p:nvGrpSpPr>
+        <p:cNvPr id="1" name=""/>
+        <p:cNvGrpSpPr/>
+        <p:nvPr/>
+      </p:nvGrpSpPr>
+      <p:grpSpPr/>
+      <p:sp>
+        <p:nvSpPr>
+          <p:cNvPr id="2" name="Content Placeholder 1"/>
+          <p:cNvSpPr>
+            <a:spLocks noGrp="1"/>
+          </p:cNvSpPr>
+          <p:nvPr>
+            <p:ph idx="1"/>
+          </p:nvPr>
+        </p:nvSpPr>
+        <p:spPr/>
+        <p:txBody>
+          <a:bodyPr>
+            <a:spAutoFit/>
+          </a:bodyPr>
+          <a:lstStyle/>
+          <a:p/>
+          <a:p>
+            <a:pPr lvl="1"/>
+            <a:r>
+              <a:t>🎯 </a:t>
+            </a:r>
+            <a:r>
+              <a:rPr b="1"/>
+              <a:t>Resonant</a:t>
+            </a:r>
+            <a:r>
+              <a:t>: Werken op één specifieke frequentie</a:t>
+            </a:r>
+          </a:p>
+          <a:p>
+            <a:pPr lvl="1"/>
+            <a:r>
+              <a:t>⚡ </a:t>
+            </a:r>
+            <a:r>
+              <a:rPr b="1"/>
+              <a:t>Efficiënt</a:t>
+            </a:r>
+            <a:r>
+              <a:t>: Minimaal energieverlies</a:t>
+            </a:r>
+          </a:p>
+          <a:p>
+            <a:pPr lvl="1"/>
+            <a:r>
+              <a:t>🔧 </a:t>
+            </a:r>
+            <a:r>
+              <a:rPr b="1"/>
+              <a:t>Selectief</a:t>
+            </a:r>
+            <a:r>
+              <a:t>: Smalle bandbreedte (~1% van f</a:t>
+            </a:r>
+            <a:r>
+              <a:rPr sz="1800" baseline="-25000"/>
+              <a:t>o</a:t>
+            </a:r>
+            <a:r>
+              <a:t>)</a:t>
+            </a:r>
+          </a:p>
+          <a:p>
+            <a:pPr lvl="1"/>
+            <a:r>
+              <a:t>📡 </a:t>
+            </a:r>
+            <a:r>
+              <a:rPr b="1"/>
+              <a:t>RF toepassingen</a:t>
+            </a:r>
+            <a:r>
+              <a:t>: Zenders, oscillatoren</a:t>
+            </a:r>
+          </a:p>
+        </p:txBody>
+      </p:sp>
+      <p:sp>
+        <p:nvSpPr>
+          <p:cNvPr id="3" name="Title 2"/>
+          <p:cNvSpPr>
+            <a:spLocks noGrp="1"/>
+          </p:cNvSpPr>
+          <p:nvPr>
+            <p:ph type="title"/>
+          </p:nvPr>
+        </p:nvSpPr>
+        <p:spPr/>
+        <p:txBody>
+          <a:bodyPr wrap="square">
+            <a:noAutofit/>
+          </a:bodyPr>
+          <a:lstStyle/>
+          <a:p>
+            <a:r>
+              <a:rPr sz="3200" b="1" i="0">
+                <a:latin typeface="Arial"/>
+              </a:rPr>
+              <a:t>Belangrijkste kenmerken</a:t>
+            </a:r>
+            <a:endParaRPr sz="3200" b="1" i="0">
+              <a:latin typeface="Arial"/>
+            </a:endParaRPr>
+          </a:p>
+        </p:txBody>
+      </p:sp>
+    </p:spTree>
+  </p:cSld>
+  <p:clrMapOvr>
+    <a:masterClrMapping/>
+  </p:clrMapOvr>
+</p:sld>
+</file>
+
+<file path=ppt/slides/slide5.xml><?xml version="1.0" encoding="utf-8"?>
+<p:sld xmlns:a="http://schemas.openxmlformats.org/drawingml/2006/main" xmlns:p="http://schemas.openxmlformats.org/presentationml/2006/main" xmlns:r="http://schemas.openxmlformats.org/officeDocument/2006/relationships">
+  <p:cSld>
+    <p:spTree>
+      <p:nvGrpSpPr>
+        <p:cNvPr id="1" name=""/>
+        <p:cNvGrpSpPr/>
+        <p:nvPr/>
+      </p:nvGrpSpPr>
+      <p:grpSpPr/>
+      <p:sp>
+        <p:nvSpPr>
+          <p:cNvPr id="2" name="Content Placeholder 1"/>
+          <p:cNvSpPr>
+            <a:spLocks noGrp="1"/>
+          </p:cNvSpPr>
+          <p:nvPr>
+            <p:ph idx="1"/>
+          </p:nvPr>
+        </p:nvSpPr>
+        <p:spPr/>
+        <p:txBody>
+          <a:bodyPr>
+            <a:spAutoFit/>
+          </a:bodyPr>
+          <a:lstStyle/>
+          <a:p/>
+          <a:p>
+            <a:pPr/>
+            <a:r>
+              <a:t>Klasse C versterker</a:t>
+            </a:r>
+          </a:p>
+          <a:p>
+            <a:pPr lvl="1"/>
+            <a:r>
+              <a:rPr b="1"/>
+              <a:t>Eenvoudig</a:t>
+            </a:r>
+            <a:r>
+              <a:t>: Één LC-kring</a:t>
+            </a:r>
+          </a:p>
+          <a:p>
+            <a:pPr lvl="1"/>
+            <a:r>
+              <a:rPr b="1"/>
+              <a:t>Basis resonantie</a:t>
+            </a:r>
+            <a:r>
+              <a:t>: Werkt op fundamentele frequentie</a:t>
+            </a:r>
+          </a:p>
+          <a:p>
+            <a:pPr lvl="1"/>
+            <a:r>
+              <a:rPr b="1"/>
+              <a:t>Beperkte efficiëntie</a:t>
+            </a:r>
+            <a:r>
+              <a:t>: ~85-90%</a:t>
+            </a:r>
+          </a:p>
+          <a:p>
+            <a:pPr/>
+          </a:p>
+          <a:p>
+            <a:pPr/>
+            <a:r>
+              <a:t>Klasse F versterker  </a:t>
+            </a:r>
+          </a:p>
+          <a:p>
+            <a:pPr lvl="1"/>
+            <a:r>
+              <a:rPr b="1"/>
+              <a:t>Uitgebreid</a:t>
+            </a:r>
+            <a:r>
+              <a:t>: Meerdere LC-kringen</a:t>
+            </a:r>
+          </a:p>
+          <a:p>
+            <a:pPr lvl="1"/>
+            <a:r>
+              <a:rPr b="1"/>
+              <a:t>Harmonische optimalisatie</a:t>
+            </a:r>
+            <a:r>
+              <a:t>: Controle over 2e en 3e harmonische</a:t>
+            </a:r>
+          </a:p>
+          <a:p>
+            <a:pPr lvl="1"/>
+            <a:r>
+              <a:rPr b="1"/>
+              <a:t>Hogere efficiëntie</a:t>
+            </a:r>
+            <a:r>
+              <a:t>: Tot ~95% praktisch</a:t>
+            </a:r>
+          </a:p>
+        </p:txBody>
+      </p:sp>
+      <p:sp>
+        <p:nvSpPr>
+          <p:cNvPr id="3" name="Title 2"/>
+          <p:cNvSpPr>
+            <a:spLocks noGrp="1"/>
+          </p:cNvSpPr>
+          <p:nvPr>
+            <p:ph type="title"/>
+          </p:nvPr>
+        </p:nvSpPr>
+        <p:spPr/>
+        <p:txBody>
+          <a:bodyPr wrap="square">
+            <a:noAutofit/>
+          </a:bodyPr>
+          <a:lstStyle/>
+          <a:p>
+            <a:r>
+              <a:rPr sz="3200" b="1" i="0">
+                <a:latin typeface="Arial"/>
+              </a:rPr>
+              <a:t>Verschil tussen Klasse C en Klasse F</a:t>
+            </a:r>
+            <a:endParaRPr sz="3200" b="1" i="0">
+              <a:latin typeface="Arial"/>
+            </a:endParaRPr>
+          </a:p>
+        </p:txBody>
+      </p:sp>
+    </p:spTree>
+  </p:cSld>
+  <p:clrMapOvr>
+    <a:masterClrMapping/>
+  </p:clrMapOvr>
+</p:sld>
+</file>
+
+<file path=ppt/slides/slide6.xml><?xml version="1.0" encoding="utf-8"?>
+<p:sld xmlns:a="http://schemas.openxmlformats.org/drawingml/2006/main" xmlns:p="http://schemas.openxmlformats.org/presentationml/2006/main" xmlns:r="http://schemas.openxmlformats.org/officeDocument/2006/relationships">
+  <p:cSld>
+    <p:spTree>
+      <p:nvGrpSpPr>
+        <p:cNvPr id="1" name=""/>
+        <p:cNvGrpSpPr/>
+        <p:nvPr/>
+      </p:nvGrpSpPr>
+      <p:grpSpPr/>
+      <p:sp>
+        <p:nvSpPr>
+          <p:cNvPr id="2" name="Content Placeholder 1"/>
+          <p:cNvSpPr>
+            <a:spLocks noGrp="1"/>
+          </p:cNvSpPr>
+          <p:nvPr>
+            <p:ph idx="1"/>
+          </p:nvPr>
+        </p:nvSpPr>
+        <p:spPr/>
+        <p:txBody>
+          <a:bodyPr>
+            <a:spAutoFit/>
+          </a:bodyPr>
+          <a:lstStyle/>
+          <a:p/>
+          <a:p>
+            <a:pPr/>
+            <a:r>
+              <a:t>De extra LC-kringen in Klasse F zorgen voor:</a:t>
+            </a:r>
+          </a:p>
+          <a:p>
+            <a:pPr lvl="1"/>
+            <a:r>
+              <a:rPr b="1"/>
+              <a:t>Betere golfvorm</a:t>
+            </a:r>
+            <a:r>
+              <a:t>: Minder vervorming</a:t>
+            </a:r>
+          </a:p>
+          <a:p>
+            <a:pPr lvl="1"/>
+            <a:r>
+              <a:rPr b="1"/>
+              <a:t>Hogere efficiëntie</a:t>
+            </a:r>
+            <a:r>
+              <a:t>: Minder energieverlies</a:t>
+            </a:r>
+          </a:p>
+          <a:p>
+            <a:pPr lvl="1"/>
+            <a:r>
+              <a:rPr b="1"/>
+              <a:t>Meer vermogen</a:t>
+            </a:r>
+            <a:r>
+              <a:t>: Bij dezelfde transistor</a:t>
+            </a:r>
+          </a:p>
+        </p:txBody>
+      </p:sp>
+      <p:sp>
+        <p:nvSpPr>
+          <p:cNvPr id="3" name="Title 2"/>
+          <p:cNvSpPr>
+            <a:spLocks noGrp="1"/>
+          </p:cNvSpPr>
+          <p:nvPr>
+            <p:ph type="title"/>
+          </p:nvPr>
+        </p:nvSpPr>
+        <p:spPr/>
+        <p:txBody>
+          <a:bodyPr wrap="square">
+            <a:noAutofit/>
+          </a:bodyPr>
+          <a:lstStyle/>
+          <a:p>
+            <a:r>
+              <a:rPr sz="3200" b="1" i="0">
+                <a:latin typeface="Arial"/>
+              </a:rPr>
+              <a:t>Waarom Klasse F?</a:t>
+            </a:r>
+            <a:endParaRPr sz="3200" b="1" i="0">
+              <a:latin typeface="Arial"/>
+            </a:endParaRPr>
+          </a:p>
+        </p:txBody>
+      </p:sp>
+    </p:spTree>
+  </p:cSld>
+  <p:clrMapOvr>
+    <a:masterClrMapping/>
+  </p:clrMapOvr>
+</p:sld>
+</file>
+
+<file path=ppt/slides/slide7.xml><?xml version="1.0" encoding="utf-8"?>
 <p:sld xmlns:a="http://schemas.openxmlformats.org/drawingml/2006/main" xmlns:p="http://schemas.openxmlformats.org/presentationml/2006/main" xmlns:r="http://schemas.openxmlformats.org/officeDocument/2006/relationships">
   <p:cSld>
     <p:spTree>
@@ -6468,565 +9182,6 @@
 </p:sld>
 </file>
 
-<file path=ppt/slides/slide3.xml><?xml version="1.0" encoding="utf-8"?>
-<p:sld xmlns:a="http://schemas.openxmlformats.org/drawingml/2006/main" xmlns:p="http://schemas.openxmlformats.org/presentationml/2006/main" xmlns:r="http://schemas.openxmlformats.org/officeDocument/2006/relationships">
-  <p:cSld>
-    <p:spTree>
-      <p:nvGrpSpPr>
-        <p:cNvPr id="1" name=""/>
-        <p:cNvGrpSpPr/>
-        <p:nvPr/>
-      </p:nvGrpSpPr>
-      <p:grpSpPr/>
-      <p:sp>
-        <p:nvSpPr>
-          <p:cNvPr id="2" name="Content Placeholder 1"/>
-          <p:cNvSpPr>
-            <a:spLocks noGrp="1"/>
-          </p:cNvSpPr>
-          <p:nvPr>
-            <p:ph idx="1"/>
-          </p:nvPr>
-        </p:nvSpPr>
-        <p:spPr/>
-        <p:txBody>
-          <a:bodyPr wrap="square">
-            <a:noAutofit/>
-          </a:bodyPr>
-          <a:lstStyle/>
-          <a:p>
-            <a:pPr>
-              <a:lnSpc>
-                <a:spcPts val="2400"/>
-              </a:lnSpc>
-              <a:defRPr>
-                <a:solidFill>
-                  <a:srgbClr val="FFFFFF"/>
-                </a:solidFill>
-              </a:defRPr>
-            </a:pPr>
-            <a:r>
-              <a:rPr sz="2400" b="0" i="0">
-                <a:latin typeface="Courier"/>
-              </a:rPr>
-              <a:t>* klasse F basiscircuit</a:t>
-            </a:r>
-            <a:endParaRPr sz="2400" b="0" i="0">
-              <a:latin typeface="Courier"/>
-            </a:endParaRPr>
-          </a:p>
-          <a:p>
-            <a:pPr>
-              <a:lnSpc>
-                <a:spcPts val="2400"/>
-              </a:lnSpc>
-              <a:defRPr>
-                <a:solidFill>
-                  <a:srgbClr val="FFFFFF"/>
-                </a:solidFill>
-              </a:defRPr>
-            </a:pPr>
-            <a:r>
-              <a:rPr sz="2400" b="0" i="0">
-                <a:latin typeface="Courier"/>
-              </a:rPr>
-              <a:t>Q_Q1         2 1 0 Q2</a:t>
-            </a:r>
-            <a:endParaRPr sz="2400" b="0" i="0">
-              <a:latin typeface="Courier"/>
-            </a:endParaRPr>
-          </a:p>
-          <a:p>
-            <a:pPr>
-              <a:lnSpc>
-                <a:spcPts val="2400"/>
-              </a:lnSpc>
-              <a:defRPr>
-                <a:solidFill>
-                  <a:srgbClr val="FFFFFF"/>
-                </a:solidFill>
-              </a:defRPr>
-            </a:pPr>
-            <a:r>
-              <a:rPr sz="2400" b="0" i="0">
-                <a:latin typeface="Courier"/>
-              </a:rPr>
-              <a:t>L_L1         5 3   1uH</a:t>
-            </a:r>
-            <a:endParaRPr sz="2400" b="0" i="0">
-              <a:latin typeface="Courier"/>
-            </a:endParaRPr>
-          </a:p>
-          <a:p>
-            <a:pPr>
-              <a:lnSpc>
-                <a:spcPts val="2400"/>
-              </a:lnSpc>
-              <a:defRPr>
-                <a:solidFill>
-                  <a:srgbClr val="FFFFFF"/>
-                </a:solidFill>
-              </a:defRPr>
-            </a:pPr>
-            <a:r>
-              <a:rPr sz="2400" b="0" i="0">
-                <a:latin typeface="Courier"/>
-              </a:rPr>
-              <a:t>C_C1         5 3   10n</a:t>
-            </a:r>
-            <a:endParaRPr sz="2400" b="0" i="0">
-              <a:latin typeface="Courier"/>
-            </a:endParaRPr>
-          </a:p>
-          <a:p>
-            <a:pPr>
-              <a:lnSpc>
-                <a:spcPts val="2400"/>
-              </a:lnSpc>
-              <a:defRPr>
-                <a:solidFill>
-                  <a:srgbClr val="FFFFFF"/>
-                </a:solidFill>
-              </a:defRPr>
-            </a:pPr>
-            <a:r>
-              <a:rPr sz="2400" b="0" i="0">
-                <a:latin typeface="Courier"/>
-              </a:rPr>
-              <a:t>R_R1         5 3   60</a:t>
-            </a:r>
-            <a:endParaRPr sz="2400" b="0" i="0">
-              <a:latin typeface="Courier"/>
-            </a:endParaRPr>
-          </a:p>
-          <a:p>
-            <a:pPr>
-              <a:lnSpc>
-                <a:spcPts val="2400"/>
-              </a:lnSpc>
-              <a:defRPr>
-                <a:solidFill>
-                  <a:srgbClr val="FFFFFF"/>
-                </a:solidFill>
-              </a:defRPr>
-            </a:pPr>
-            <a:r>
-              <a:rPr sz="2400" b="0" i="0">
-                <a:latin typeface="Courier"/>
-              </a:rPr>
-              <a:t>V_V3         3 0   11V</a:t>
-            </a:r>
-            <a:endParaRPr sz="2400" b="0" i="0">
-              <a:latin typeface="Courier"/>
-            </a:endParaRPr>
-          </a:p>
-          <a:p>
-            <a:pPr>
-              <a:lnSpc>
-                <a:spcPts val="2400"/>
-              </a:lnSpc>
-              <a:defRPr>
-                <a:solidFill>
-                  <a:srgbClr val="FFFFFF"/>
-                </a:solidFill>
-              </a:defRPr>
-            </a:pPr>
-            <a:r>
-              <a:rPr sz="2400" b="0" i="0">
-                <a:latin typeface="Courier"/>
-              </a:rPr>
-              <a:t>V_V5         1 0   sin(0.7 0.8 1591500) DC=0.7</a:t>
-            </a:r>
-            <a:endParaRPr sz="2400" b="0" i="0">
-              <a:latin typeface="Courier"/>
-            </a:endParaRPr>
-          </a:p>
-          <a:p>
-            <a:pPr>
-              <a:lnSpc>
-                <a:spcPts val="2400"/>
-              </a:lnSpc>
-              <a:defRPr>
-                <a:solidFill>
-                  <a:srgbClr val="FFFFFF"/>
-                </a:solidFill>
-              </a:defRPr>
-            </a:pPr>
-            <a:r>
-              <a:rPr sz="2400" b="0" i="0">
-                <a:latin typeface="Courier"/>
-              </a:rPr>
-              <a:t>C_C3         5 2   10n</a:t>
-            </a:r>
-            <a:endParaRPr sz="2400" b="0" i="0">
-              <a:latin typeface="Courier"/>
-            </a:endParaRPr>
-          </a:p>
-          <a:p>
-            <a:pPr>
-              <a:lnSpc>
-                <a:spcPts val="2400"/>
-              </a:lnSpc>
-              <a:defRPr>
-                <a:solidFill>
-                  <a:srgbClr val="FFFFFF"/>
-                </a:solidFill>
-              </a:defRPr>
-            </a:pPr>
-            <a:r>
-              <a:rPr sz="2400" b="0" i="0">
-                <a:latin typeface="Courier"/>
-              </a:rPr>
-              <a:t>L_L3         5 2   0.111uH</a:t>
-            </a:r>
-            <a:endParaRPr sz="2400" b="0" i="0">
-              <a:latin typeface="Courier"/>
-            </a:endParaRPr>
-          </a:p>
-          <a:p>
-            <a:pPr>
-              <a:lnSpc>
-                <a:spcPts val="2400"/>
-              </a:lnSpc>
-              <a:defRPr>
-                <a:solidFill>
-                  <a:srgbClr val="FFFFFF"/>
-                </a:solidFill>
-              </a:defRPr>
-            </a:pPr>
-            <a:r>
-              <a:rPr sz="2400" b="0" i="0">
-                <a:latin typeface="Courier"/>
-              </a:rPr>
-              <a:t>.model Q2  NPN(Is=14.34f BF=200 RB=200 )</a:t>
-            </a:r>
-            <a:endParaRPr sz="2400" b="0" i="0">
-              <a:latin typeface="Courier"/>
-            </a:endParaRPr>
-          </a:p>
-        </p:txBody>
-      </p:sp>
-      <p:sp>
-        <p:nvSpPr>
-          <p:cNvPr id="3" name="Title 2"/>
-          <p:cNvSpPr>
-            <a:spLocks noGrp="1"/>
-          </p:cNvSpPr>
-          <p:nvPr>
-            <p:ph type="title"/>
-          </p:nvPr>
-        </p:nvSpPr>
-        <p:spPr/>
-        <p:txBody>
-          <a:bodyPr wrap="square">
-            <a:noAutofit/>
-          </a:bodyPr>
-          <a:lstStyle/>
-          <a:p>
-            <a:r>
-              <a:rPr sz="3200" b="1" i="0">
-                <a:latin typeface="Arial"/>
-              </a:rPr>
-              <a:t>Spice code van de klasse F versterker</a:t>
-            </a:r>
-            <a:endParaRPr sz="3200" b="1" i="0">
-              <a:latin typeface="Arial"/>
-            </a:endParaRPr>
-          </a:p>
-        </p:txBody>
-      </p:sp>
-    </p:spTree>
-  </p:cSld>
-  <p:clrMapOvr>
-    <a:masterClrMapping/>
-  </p:clrMapOvr>
-</p:sld>
-</file>
-
-<file path=ppt/slides/slide4.xml><?xml version="1.0" encoding="utf-8"?>
-<p:sld xmlns:a="http://schemas.openxmlformats.org/drawingml/2006/main" xmlns:p="http://schemas.openxmlformats.org/presentationml/2006/main" xmlns:r="http://schemas.openxmlformats.org/officeDocument/2006/relationships">
-  <p:cSld>
-    <p:spTree>
-      <p:nvGrpSpPr>
-        <p:cNvPr id="1" name=""/>
-        <p:cNvGrpSpPr/>
-        <p:nvPr/>
-      </p:nvGrpSpPr>
-      <p:grpSpPr/>
-      <p:sp>
-        <p:nvSpPr>
-          <p:cNvPr id="2" name="Title 1"/>
-          <p:cNvSpPr>
-            <a:spLocks noGrp="1"/>
-          </p:cNvSpPr>
-          <p:nvPr>
-            <p:ph type="title"/>
-          </p:nvPr>
-        </p:nvSpPr>
-        <p:spPr/>
-        <p:txBody>
-          <a:bodyPr wrap="square">
-            <a:noAutofit/>
-          </a:bodyPr>
-          <a:lstStyle/>
-          <a:p>
-            <a:r>
-              <a:rPr sz="2600" b="1" i="0">
-                <a:latin typeface="Arial"/>
-              </a:rPr>
-              <a:t>Spanningen op de verschillende knopen van de klasse F versterker</a:t>
-            </a:r>
-            <a:endParaRPr sz="2600" b="1" i="0">
-              <a:latin typeface="Arial"/>
-            </a:endParaRPr>
-          </a:p>
-        </p:txBody>
-      </p:sp>
-      <p:pic>
-        <p:nvPicPr>
-          <p:cNvPr id="3" name="Picture 2" descr="image.png"/>
-          <p:cNvPicPr>
-            <a:picLocks noChangeAspect="1"/>
-          </p:cNvPicPr>
-          <p:nvPr/>
-        </p:nvPicPr>
-        <p:blipFill>
-          <a:blip r:embed="rId2"/>
-          <a:stretch>
-            <a:fillRect/>
-          </a:stretch>
-        </p:blipFill>
-        <p:spPr>
-          <a:xfrm>
-            <a:off x="1900399" y="566928"/>
-            <a:ext cx="8391202" cy="5669280"/>
-          </a:xfrm>
-          <a:prstGeom prst="rect">
-            <a:avLst/>
-          </a:prstGeom>
-        </p:spPr>
-      </p:pic>
-    </p:spTree>
-  </p:cSld>
-  <p:clrMapOvr>
-    <a:masterClrMapping/>
-  </p:clrMapOvr>
-</p:sld>
-</file>
-
-<file path=ppt/slides/slide5.xml><?xml version="1.0" encoding="utf-8"?>
-<p:sld xmlns:a="http://schemas.openxmlformats.org/drawingml/2006/main" xmlns:p="http://schemas.openxmlformats.org/presentationml/2006/main" xmlns:r="http://schemas.openxmlformats.org/officeDocument/2006/relationships">
-  <p:cSld>
-    <p:spTree>
-      <p:nvGrpSpPr>
-        <p:cNvPr id="1" name=""/>
-        <p:cNvGrpSpPr/>
-        <p:nvPr/>
-      </p:nvGrpSpPr>
-      <p:grpSpPr/>
-      <p:sp>
-        <p:nvSpPr>
-          <p:cNvPr id="2" name="Title 1"/>
-          <p:cNvSpPr>
-            <a:spLocks noGrp="1"/>
-          </p:cNvSpPr>
-          <p:nvPr>
-            <p:ph type="title"/>
-          </p:nvPr>
-        </p:nvSpPr>
-        <p:spPr/>
-        <p:txBody>
-          <a:bodyPr wrap="square">
-            <a:noAutofit/>
-          </a:bodyPr>
-          <a:lstStyle/>
-          <a:p>
-            <a:r>
-              <a:rPr sz="2200" b="1" i="0">
-                <a:latin typeface="Arial"/>
-              </a:rPr>
-              <a:t>Verloop van de spanning over de eerste (LC1) en over de derde (LC3) harmonische.</a:t>
-            </a:r>
-            <a:endParaRPr sz="2200" b="1" i="0">
-              <a:latin typeface="Arial"/>
-            </a:endParaRPr>
-          </a:p>
-        </p:txBody>
-      </p:sp>
-      <p:pic>
-        <p:nvPicPr>
-          <p:cNvPr id="3" name="Picture 2" descr="image.png"/>
-          <p:cNvPicPr>
-            <a:picLocks noChangeAspect="1"/>
-          </p:cNvPicPr>
-          <p:nvPr/>
-        </p:nvPicPr>
-        <p:blipFill>
-          <a:blip r:embed="rId2"/>
-          <a:stretch>
-            <a:fillRect/>
-          </a:stretch>
-        </p:blipFill>
-        <p:spPr>
-          <a:xfrm>
-            <a:off x="1850302" y="566928"/>
-            <a:ext cx="8491396" cy="5669280"/>
-          </a:xfrm>
-          <a:prstGeom prst="rect">
-            <a:avLst/>
-          </a:prstGeom>
-        </p:spPr>
-      </p:pic>
-    </p:spTree>
-  </p:cSld>
-  <p:clrMapOvr>
-    <a:masterClrMapping/>
-  </p:clrMapOvr>
-</p:sld>
-</file>
-
-<file path=ppt/slides/slide6.xml><?xml version="1.0" encoding="utf-8"?>
-<p:sld xmlns:a="http://schemas.openxmlformats.org/drawingml/2006/main" xmlns:p="http://schemas.openxmlformats.org/presentationml/2006/main" xmlns:r="http://schemas.openxmlformats.org/officeDocument/2006/relationships">
-  <p:cSld>
-    <p:spTree>
-      <p:nvGrpSpPr>
-        <p:cNvPr id="1" name=""/>
-        <p:cNvGrpSpPr/>
-        <p:nvPr/>
-      </p:nvGrpSpPr>
-      <p:grpSpPr/>
-      <p:sp>
-        <p:nvSpPr>
-          <p:cNvPr id="2" name="Title 1"/>
-          <p:cNvSpPr>
-            <a:spLocks noGrp="1"/>
-          </p:cNvSpPr>
-          <p:nvPr>
-            <p:ph type="title"/>
-          </p:nvPr>
-        </p:nvSpPr>
-        <p:spPr/>
-        <p:txBody>
-          <a:bodyPr wrap="square">
-            <a:noAutofit/>
-          </a:bodyPr>
-          <a:lstStyle/>
-          <a:p>
-            <a:r>
-              <a:rPr sz="3200" b="1" i="0">
-                <a:latin typeface="Arial"/>
-              </a:rPr>
-              <a:t>Verloop van de collector current</a:t>
-            </a:r>
-            <a:endParaRPr sz="3200" b="1" i="0">
-              <a:latin typeface="Arial"/>
-            </a:endParaRPr>
-          </a:p>
-        </p:txBody>
-      </p:sp>
-      <p:pic>
-        <p:nvPicPr>
-          <p:cNvPr id="3" name="Picture 2" descr="image.png"/>
-          <p:cNvPicPr>
-            <a:picLocks noChangeAspect="1"/>
-          </p:cNvPicPr>
-          <p:nvPr/>
-        </p:nvPicPr>
-        <p:blipFill>
-          <a:blip r:embed="rId2"/>
-          <a:stretch>
-            <a:fillRect/>
-          </a:stretch>
-        </p:blipFill>
-        <p:spPr>
-          <a:xfrm>
-            <a:off x="1879525" y="566928"/>
-            <a:ext cx="8432950" cy="5669280"/>
-          </a:xfrm>
-          <a:prstGeom prst="rect">
-            <a:avLst/>
-          </a:prstGeom>
-        </p:spPr>
-      </p:pic>
-    </p:spTree>
-  </p:cSld>
-  <p:clrMapOvr>
-    <a:masterClrMapping/>
-  </p:clrMapOvr>
-</p:sld>
-</file>
-
-<file path=ppt/slides/slide7.xml><?xml version="1.0" encoding="utf-8"?>
-<p:sld xmlns:a="http://schemas.openxmlformats.org/drawingml/2006/main" xmlns:p="http://schemas.openxmlformats.org/presentationml/2006/main" xmlns:r="http://schemas.openxmlformats.org/officeDocument/2006/relationships">
-  <p:cSld>
-    <p:spTree>
-      <p:nvGrpSpPr>
-        <p:cNvPr id="1" name=""/>
-        <p:cNvGrpSpPr/>
-        <p:nvPr/>
-      </p:nvGrpSpPr>
-      <p:grpSpPr/>
-      <p:sp>
-        <p:nvSpPr>
-          <p:cNvPr id="2" name="Title 1"/>
-          <p:cNvSpPr>
-            <a:spLocks noGrp="1"/>
-          </p:cNvSpPr>
-          <p:nvPr>
-            <p:ph type="title"/>
-          </p:nvPr>
-        </p:nvSpPr>
-        <p:spPr/>
-        <p:txBody>
-          <a:bodyPr wrap="square">
-            <a:noAutofit/>
-          </a:bodyPr>
-          <a:lstStyle/>
-          <a:p>
-            <a:r>
-              <a:rPr sz="3200" b="1" i="0">
-                <a:latin typeface="Arial"/>
-              </a:rPr>
-              <a:t>Effect van de saturatiespanning</a:t>
-            </a:r>
-            <a:endParaRPr sz="3200" b="1" i="0">
-              <a:latin typeface="Arial"/>
-            </a:endParaRPr>
-          </a:p>
-        </p:txBody>
-      </p:sp>
-      <p:pic>
-        <p:nvPicPr>
-          <p:cNvPr id="3" name="Picture 2" descr="image.png"/>
-          <p:cNvPicPr>
-            <a:picLocks noChangeAspect="1"/>
-          </p:cNvPicPr>
-          <p:nvPr/>
-        </p:nvPicPr>
-        <p:blipFill>
-          <a:blip r:embed="rId2"/>
-          <a:stretch>
-            <a:fillRect/>
-          </a:stretch>
-        </p:blipFill>
-        <p:spPr>
-          <a:xfrm>
-            <a:off x="3181026" y="566928"/>
-            <a:ext cx="5829948" cy="5669280"/>
-          </a:xfrm>
-          <a:prstGeom prst="rect">
-            <a:avLst/>
-          </a:prstGeom>
-        </p:spPr>
-      </p:pic>
-    </p:spTree>
-  </p:cSld>
-  <p:clrMapOvr>
-    <a:masterClrMapping/>
-  </p:clrMapOvr>
-</p:sld>
-</file>
-
 <file path=ppt/slides/slide8.xml><?xml version="1.0" encoding="utf-8"?>
 <p:sld xmlns:a="http://schemas.openxmlformats.org/drawingml/2006/main" xmlns:p="http://schemas.openxmlformats.org/presentationml/2006/main" xmlns:r="http://schemas.openxmlformats.org/officeDocument/2006/relationships">
   <p:cSld>
@@ -7039,7 +9194,79 @@
       <p:grpSpPr/>
       <p:sp>
         <p:nvSpPr>
-          <p:cNvPr id="2" name="Title 1"/>
+          <p:cNvPr id="2" name="Content Placeholder 1"/>
+          <p:cNvSpPr>
+            <a:spLocks noGrp="1"/>
+          </p:cNvSpPr>
+          <p:nvPr>
+            <p:ph idx="1"/>
+          </p:nvPr>
+        </p:nvSpPr>
+        <p:spPr/>
+        <p:txBody>
+          <a:bodyPr>
+            <a:spAutoFit/>
+          </a:bodyPr>
+          <a:lstStyle/>
+          <a:p/>
+          <a:p>
+            <a:pPr/>
+            <a:r>
+              <a:t>In het schema identificeren we:</a:t>
+            </a:r>
+          </a:p>
+          <a:p>
+            <a:pPr lvl="1"/>
+            <a:r>
+              <a:rPr b="1"/>
+              <a:t>Knoop 1</a:t>
+            </a:r>
+            <a:r>
+              <a:t>: Ingang (AC koppeling)</a:t>
+            </a:r>
+          </a:p>
+          <a:p>
+            <a:pPr lvl="1"/>
+            <a:r>
+              <a:rPr b="1"/>
+              <a:t>Knoop 2</a:t>
+            </a:r>
+            <a:r>
+              <a:t>: Collector (fundamentele + harmonischen)</a:t>
+            </a:r>
+          </a:p>
+          <a:p>
+            <a:pPr lvl="1"/>
+            <a:r>
+              <a:rPr b="1"/>
+              <a:t>Knoop 3</a:t>
+            </a:r>
+            <a:r>
+              <a:t>: Voeding (V</a:t>
+            </a:r>
+            <a:r>
+              <a:rPr sz="1800" baseline="-25000"/>
+              <a:t>dd</a:t>
+            </a:r>
+            <a:r>
+              <a:t>)</a:t>
+            </a:r>
+          </a:p>
+          <a:p>
+            <a:pPr lvl="1"/>
+            <a:r>
+              <a:rPr b="1"/>
+              <a:t>Knoop 5</a:t>
+            </a:r>
+            <a:r>
+              <a:t>: Uitgang (gefilterde fundamentele)</a:t>
+            </a:r>
+          </a:p>
+        </p:txBody>
+      </p:sp>
+      <p:sp>
+        <p:nvSpPr>
+          <p:cNvPr id="3" name="Title 2"/>
           <p:cNvSpPr>
             <a:spLocks noGrp="1"/>
           </p:cNvSpPr>
@@ -7058,7 +9285,7 @@
               <a:rPr sz="3200" b="1" i="0">
                 <a:latin typeface="Arial"/>
               </a:rPr>
-              <a:t>Alternatieve schema's van de klasse F versterker</a:t>
+              <a:t>Belangrijke knopen</a:t>
             </a:r>
             <a:endParaRPr sz="3200" b="1" i="0">
               <a:latin typeface="Arial"/>
@@ -7086,7 +9313,70 @@
       <p:grpSpPr/>
       <p:sp>
         <p:nvSpPr>
-          <p:cNvPr id="2" name="Title 1"/>
+          <p:cNvPr id="2" name="Content Placeholder 1"/>
+          <p:cNvSpPr>
+            <a:spLocks noGrp="1"/>
+          </p:cNvSpPr>
+          <p:nvPr>
+            <p:ph idx="1"/>
+          </p:nvPr>
+        </p:nvSpPr>
+        <p:spPr/>
+        <p:txBody>
+          <a:bodyPr>
+            <a:spAutoFit/>
+          </a:bodyPr>
+          <a:lstStyle/>
+          <a:p/>
+          <a:p>
+            <a:pPr lvl="1"/>
+            <a:r>
+              <a:rPr b="1"/>
+              <a:t>Q1</a:t>
+            </a:r>
+            <a:r>
+              <a:t>: driving transistor</a:t>
+            </a:r>
+          </a:p>
+          <a:p>
+            <a:pPr lvl="1"/>
+            <a:r>
+              <a:rPr b="1"/>
+              <a:t>L1, C1</a:t>
+            </a:r>
+            <a:r>
+              <a:t>: Fundamentele resonantiekring (f</a:t>
+            </a:r>
+            <a:r>
+              <a:rPr sz="1800" baseline="-25000"/>
+              <a:t>o</a:t>
+            </a:r>
+            <a:r>
+              <a:t>)</a:t>
+            </a:r>
+          </a:p>
+          <a:p>
+            <a:pPr lvl="1"/>
+            <a:r>
+              <a:rPr b="1"/>
+              <a:t>L3, C3</a:t>
+            </a:r>
+            <a:r>
+              <a:t>: 3e harmonische filter (3×f</a:t>
+            </a:r>
+            <a:r>
+              <a:rPr sz="1800" baseline="-25000"/>
+              <a:t>o</a:t>
+            </a:r>
+            <a:r>
+              <a:t>)</a:t>
+            </a:r>
+          </a:p>
+        </p:txBody>
+      </p:sp>
+      <p:sp>
+        <p:nvSpPr>
+          <p:cNvPr id="3" name="Title 2"/>
           <p:cNvSpPr>
             <a:spLocks noGrp="1"/>
           </p:cNvSpPr>
@@ -7102,41 +9392,17 @@
           <a:lstStyle/>
           <a:p>
             <a:r>
-              <a:rPr sz="2800" b="1" i="0">
+              <a:rPr sz="3200" b="1" i="0">
                 <a:latin typeface="Arial"/>
               </a:rPr>
-              <a:t>klasse F versterker waarbij de uitgang oscilleert rond de grond</a:t>
-            </a:r>
-            <a:endParaRPr sz="2800" b="1" i="0">
+              <a:t>Sleutelcomponenten</a:t>
+            </a:r>
+            <a:endParaRPr sz="3200" b="1" i="0">
               <a:latin typeface="Arial"/>
             </a:endParaRPr>
           </a:p>
         </p:txBody>
       </p:sp>
-      <p:pic>
-        <p:nvPicPr>
-          <p:cNvPr id="3" name="Picture 2" descr="image.png"/>
-          <p:cNvPicPr>
-            <a:picLocks noChangeAspect="1"/>
-          </p:cNvPicPr>
-          <p:nvPr/>
-        </p:nvPicPr>
-        <p:blipFill>
-          <a:blip r:embed="rId2"/>
-          <a:stretch>
-            <a:fillRect/>
-          </a:stretch>
-        </p:blipFill>
-        <p:spPr>
-          <a:xfrm>
-            <a:off x="453462" y="566928"/>
-            <a:ext cx="11285076" cy="5669280"/>
-          </a:xfrm>
-          <a:prstGeom prst="rect">
-            <a:avLst/>
-          </a:prstGeom>
-        </p:spPr>
-      </p:pic>
     </p:spTree>
   </p:cSld>
   <p:clrMapOvr>

--- a/ToegepasteAnalogeElektronica/PowerPoint/Klasse-F.pptx
+++ b/ToegepasteAnalogeElektronica/PowerPoint/Klasse-F.pptx
@@ -6703,7 +6703,13 @@
               <a:t>Groen</a:t>
             </a:r>
             <a:r>
-              <a:t>: Transistor UIT (hoge spanning)</a:t>
+              <a:t>: Transistor stroom niet gereduceerd door saturatie</a:t>
+            </a:r>
+          </a:p>
+          <a:p>
+            <a:pPr lvl="3"/>
+            <a:r>
+              <a:t>Transistor in het voorwaards actief gebied</a:t>
             </a:r>
           </a:p>
           <a:p>
@@ -6716,7 +6722,13 @@
               <a:t>Rood</a:t>
             </a:r>
             <a:r>
-              <a:t>: Transistor AAN (lage spanning)</a:t>
+              <a:t>: Transistor stroom gereduceerd door saturatie</a:t>
+            </a:r>
+          </a:p>
+          <a:p>
+            <a:pPr lvl="3"/>
+            <a:r>
+              <a:t>lage collector spanning</a:t>
             </a:r>
           </a:p>
         </p:txBody>
